--- a/ppt/CodeCamp18_Template.pptx
+++ b/ppt/CodeCamp18_Template.pptx
@@ -3427,7 +3427,7 @@
           <a:graphicData uri="http://schemas.openxmlformats.org/presentationml/2006/ole">
             <mc:AlternateContent xmlns:mc="http://schemas.openxmlformats.org/markup-compatibility/2006">
               <mc:Choice xmlns:v="urn:schemas-microsoft-com:vml" Requires="v">
-                <p:oleObj spid="_x0000_s7186" r:id="rId15" imgW="12380760" imgH="279360" progId="">
+                <p:oleObj spid="_x0000_s7188" r:id="rId15" imgW="12380760" imgH="279360" progId="">
                   <p:embed/>
                 </p:oleObj>
               </mc:Choice>
@@ -3470,10 +3470,10 @@
       </p:graphicFrame>
       <p:pic>
         <p:nvPicPr>
-          <p:cNvPr id="8" name="Picture 7">
-            <a:extLst>
-              <a:ext uri="{FF2B5EF4-FFF2-40B4-BE49-F238E27FC236}">
-                <a16:creationId xmlns:a16="http://schemas.microsoft.com/office/drawing/2014/main" id="{8623F874-E93B-44B8-881C-8ADA6007D4A5}"/>
+          <p:cNvPr id="12" name="Picture 11">
+            <a:extLst>
+              <a:ext uri="{FF2B5EF4-FFF2-40B4-BE49-F238E27FC236}">
+                <a16:creationId xmlns:a16="http://schemas.microsoft.com/office/drawing/2014/main" id="{C4662F28-52FC-49DB-8369-55360DFC3FCD}"/>
               </a:ext>
             </a:extLst>
           </p:cNvPr>
@@ -3496,8 +3496,8 @@
         </p:blipFill>
         <p:spPr>
           <a:xfrm>
-            <a:off x="88052" y="6104731"/>
-            <a:ext cx="2422392" cy="372283"/>
+            <a:off x="8678333" y="5803581"/>
+            <a:ext cx="3425615" cy="747925"/>
           </a:xfrm>
           <a:prstGeom prst="rect">
             <a:avLst/>
@@ -3506,10 +3506,10 @@
       </p:pic>
       <p:pic>
         <p:nvPicPr>
-          <p:cNvPr id="12" name="Picture 11">
-            <a:extLst>
-              <a:ext uri="{FF2B5EF4-FFF2-40B4-BE49-F238E27FC236}">
-                <a16:creationId xmlns:a16="http://schemas.microsoft.com/office/drawing/2014/main" id="{C4662F28-52FC-49DB-8369-55360DFC3FCD}"/>
+          <p:cNvPr id="14" name="Picture 13">
+            <a:extLst>
+              <a:ext uri="{FF2B5EF4-FFF2-40B4-BE49-F238E27FC236}">
+                <a16:creationId xmlns:a16="http://schemas.microsoft.com/office/drawing/2014/main" id="{79ACCCF7-1495-41DD-B9D0-4A0913EDDA00}"/>
               </a:ext>
             </a:extLst>
           </p:cNvPr>
@@ -3532,8 +3532,8 @@
         </p:blipFill>
         <p:spPr>
           <a:xfrm>
-            <a:off x="8678333" y="5803670"/>
-            <a:ext cx="3425615" cy="747925"/>
+            <a:off x="88052" y="6056468"/>
+            <a:ext cx="2247900" cy="346177"/>
           </a:xfrm>
           <a:prstGeom prst="rect">
             <a:avLst/>
@@ -3863,10 +3863,10 @@
       </p:grpSpPr>
       <p:pic>
         <p:nvPicPr>
-          <p:cNvPr id="5" name="Picture 4">
-            <a:extLst>
-              <a:ext uri="{FF2B5EF4-FFF2-40B4-BE49-F238E27FC236}">
-                <a16:creationId xmlns:a16="http://schemas.microsoft.com/office/drawing/2014/main" id="{0733C9A9-6123-4272-9BC2-2181346EF97E}"/>
+          <p:cNvPr id="3" name="Picture 2">
+            <a:extLst>
+              <a:ext uri="{FF2B5EF4-FFF2-40B4-BE49-F238E27FC236}">
+                <a16:creationId xmlns:a16="http://schemas.microsoft.com/office/drawing/2014/main" id="{0DDC1721-C40F-4E58-8FA6-B4218465D19B}"/>
               </a:ext>
             </a:extLst>
           </p:cNvPr>
@@ -3889,8 +3889,8 @@
         </p:blipFill>
         <p:spPr>
           <a:xfrm>
-            <a:off x="1459652" y="2871080"/>
-            <a:ext cx="9513150" cy="1462021"/>
+            <a:off x="1333500" y="2695575"/>
+            <a:ext cx="9525000" cy="1466850"/>
           </a:xfrm>
           <a:prstGeom prst="rect">
             <a:avLst/>
@@ -3949,7 +3949,7 @@
           <a:graphicData uri="http://schemas.openxmlformats.org/presentationml/2006/ole">
             <mc:AlternateContent xmlns:mc="http://schemas.openxmlformats.org/markup-compatibility/2006">
               <mc:Choice xmlns:v="urn:schemas-microsoft-com:vml" Requires="v">
-                <p:oleObj spid="_x0000_s8207" r:id="rId3" imgW="12380760" imgH="279360" progId="">
+                <p:oleObj spid="_x0000_s8209" r:id="rId3" imgW="12380760" imgH="279360" progId="">
                   <p:embed/>
                 </p:oleObj>
               </mc:Choice>

--- a/ppt/CodeCamp18_Template.pptx
+++ b/ppt/CodeCamp18_Template.pptx
@@ -3427,7 +3427,7 @@
           <a:graphicData uri="http://schemas.openxmlformats.org/presentationml/2006/ole">
             <mc:AlternateContent xmlns:mc="http://schemas.openxmlformats.org/markup-compatibility/2006">
               <mc:Choice xmlns:v="urn:schemas-microsoft-com:vml" Requires="v">
-                <p:oleObj spid="_x0000_s7188" r:id="rId15" imgW="12380760" imgH="279360" progId="">
+                <p:oleObj spid="_x0000_s7189" r:id="rId15" imgW="12380760" imgH="279360" progId="">
                   <p:embed/>
                 </p:oleObj>
               </mc:Choice>
@@ -3949,7 +3949,7 @@
           <a:graphicData uri="http://schemas.openxmlformats.org/presentationml/2006/ole">
             <mc:AlternateContent xmlns:mc="http://schemas.openxmlformats.org/markup-compatibility/2006">
               <mc:Choice xmlns:v="urn:schemas-microsoft-com:vml" Requires="v">
-                <p:oleObj spid="_x0000_s8209" r:id="rId3" imgW="12380760" imgH="279360" progId="">
+                <p:oleObj spid="_x0000_s8210" r:id="rId3" imgW="12380760" imgH="279360" progId="">
                   <p:embed/>
                 </p:oleObj>
               </mc:Choice>

--- a/ppt/CodeCamp18_Template.pptx
+++ b/ppt/CodeCamp18_Template.pptx
@@ -14,7 +14,7 @@
     <p:sldId id="264" r:id="rId5"/>
     <p:sldId id="265" r:id="rId6"/>
   </p:sldIdLst>
-  <p:sldSz cx="12192000" cy="6858000"/>
+  <p:sldSz cx="9144000" cy="6858000" type="screen4x3"/>
   <p:notesSz cx="6858000" cy="9144000"/>
   <p:defaultTextStyle>
     <a:defPPr>
@@ -201,7 +201,7 @@
           <a:p>
             <a:fld id="{C91BFF47-E31A-4E60-ACD4-BFAF7686EC84}" type="datetimeFigureOut">
               <a:rPr lang="en-US" smtClean="0"/>
-              <a:t>12-Nov-18</a:t>
+              <a:t>13-Nov-18</a:t>
             </a:fld>
             <a:endParaRPr lang="en-US"/>
           </a:p>
@@ -219,8 +219,8 @@
         </p:nvSpPr>
         <p:spPr>
           <a:xfrm>
-            <a:off x="685800" y="1143000"/>
-            <a:ext cx="5486400" cy="3086100"/>
+            <a:off x="1371600" y="1143000"/>
+            <a:ext cx="4114800" cy="3086100"/>
           </a:xfrm>
           <a:prstGeom prst="rect">
             <a:avLst/>
@@ -503,15 +503,15 @@
         </p:nvSpPr>
         <p:spPr>
           <a:xfrm>
-            <a:off x="1524000" y="1122363"/>
-            <a:ext cx="9144000" cy="2387600"/>
+            <a:off x="1143000" y="1122363"/>
+            <a:ext cx="6858000" cy="2387600"/>
           </a:xfrm>
         </p:spPr>
         <p:txBody>
           <a:bodyPr anchor="b"/>
           <a:lstStyle>
             <a:lvl1pPr algn="ctr">
-              <a:defRPr sz="6000"/>
+              <a:defRPr sz="4500"/>
             </a:lvl1pPr>
           </a:lstStyle>
           <a:p>
@@ -540,8 +540,8 @@
         </p:nvSpPr>
         <p:spPr>
           <a:xfrm>
-            <a:off x="1524000" y="3602038"/>
-            <a:ext cx="9144000" cy="1655762"/>
+            <a:off x="1143000" y="3602038"/>
+            <a:ext cx="6858000" cy="1655762"/>
           </a:xfrm>
         </p:spPr>
         <p:txBody>
@@ -549,39 +549,39 @@
           <a:lstStyle>
             <a:lvl1pPr marL="0" indent="0" algn="ctr">
               <a:buNone/>
-              <a:defRPr sz="2400"/>
+              <a:defRPr sz="1800"/>
             </a:lvl1pPr>
-            <a:lvl2pPr marL="457200" indent="0" algn="ctr">
-              <a:buNone/>
-              <a:defRPr sz="2000"/>
+            <a:lvl2pPr marL="342900" indent="0" algn="ctr">
+              <a:buNone/>
+              <a:defRPr sz="1500"/>
             </a:lvl2pPr>
-            <a:lvl3pPr marL="914400" indent="0" algn="ctr">
-              <a:buNone/>
-              <a:defRPr sz="1800"/>
+            <a:lvl3pPr marL="685800" indent="0" algn="ctr">
+              <a:buNone/>
+              <a:defRPr sz="1350"/>
             </a:lvl3pPr>
-            <a:lvl4pPr marL="1371600" indent="0" algn="ctr">
-              <a:buNone/>
-              <a:defRPr sz="1600"/>
+            <a:lvl4pPr marL="1028700" indent="0" algn="ctr">
+              <a:buNone/>
+              <a:defRPr sz="1200"/>
             </a:lvl4pPr>
-            <a:lvl5pPr marL="1828800" indent="0" algn="ctr">
-              <a:buNone/>
-              <a:defRPr sz="1600"/>
+            <a:lvl5pPr marL="1371600" indent="0" algn="ctr">
+              <a:buNone/>
+              <a:defRPr sz="1200"/>
             </a:lvl5pPr>
-            <a:lvl6pPr marL="2286000" indent="0" algn="ctr">
-              <a:buNone/>
-              <a:defRPr sz="1600"/>
+            <a:lvl6pPr marL="1714500" indent="0" algn="ctr">
+              <a:buNone/>
+              <a:defRPr sz="1200"/>
             </a:lvl6pPr>
-            <a:lvl7pPr marL="2743200" indent="0" algn="ctr">
-              <a:buNone/>
-              <a:defRPr sz="1600"/>
+            <a:lvl7pPr marL="2057400" indent="0" algn="ctr">
+              <a:buNone/>
+              <a:defRPr sz="1200"/>
             </a:lvl7pPr>
-            <a:lvl8pPr marL="3200400" indent="0" algn="ctr">
-              <a:buNone/>
-              <a:defRPr sz="1600"/>
+            <a:lvl8pPr marL="2400300" indent="0" algn="ctr">
+              <a:buNone/>
+              <a:defRPr sz="1200"/>
             </a:lvl8pPr>
-            <a:lvl9pPr marL="3657600" indent="0" algn="ctr">
-              <a:buNone/>
-              <a:defRPr sz="1600"/>
+            <a:lvl9pPr marL="2743200" indent="0" algn="ctr">
+              <a:buNone/>
+              <a:defRPr sz="1200"/>
             </a:lvl9pPr>
           </a:lstStyle>
           <a:p>
@@ -615,7 +615,7 @@
           <a:p>
             <a:fld id="{3D2277E6-1886-452C-854D-DB4A9BB05FC1}" type="datetimeFigureOut">
               <a:rPr lang="en-US" smtClean="0"/>
-              <a:t>12-Nov-18</a:t>
+              <a:t>13-Nov-18</a:t>
             </a:fld>
             <a:endParaRPr lang="en-US"/>
           </a:p>
@@ -813,7 +813,7 @@
           <a:p>
             <a:fld id="{3D2277E6-1886-452C-854D-DB4A9BB05FC1}" type="datetimeFigureOut">
               <a:rPr lang="en-US" smtClean="0"/>
-              <a:t>12-Nov-18</a:t>
+              <a:t>13-Nov-18</a:t>
             </a:fld>
             <a:endParaRPr lang="en-US"/>
           </a:p>
@@ -921,8 +921,8 @@
         </p:nvSpPr>
         <p:spPr>
           <a:xfrm>
-            <a:off x="8724900" y="365125"/>
-            <a:ext cx="2628900" cy="5811838"/>
+            <a:off x="6543675" y="365125"/>
+            <a:ext cx="1971675" cy="5811838"/>
           </a:xfrm>
         </p:spPr>
         <p:txBody>
@@ -954,8 +954,8 @@
         </p:nvSpPr>
         <p:spPr>
           <a:xfrm>
-            <a:off x="838200" y="365125"/>
-            <a:ext cx="7734300" cy="5811838"/>
+            <a:off x="628650" y="365125"/>
+            <a:ext cx="5800725" cy="5811838"/>
           </a:xfrm>
         </p:spPr>
         <p:txBody>
@@ -1021,7 +1021,7 @@
           <a:p>
             <a:fld id="{3D2277E6-1886-452C-854D-DB4A9BB05FC1}" type="datetimeFigureOut">
               <a:rPr lang="en-US" smtClean="0"/>
-              <a:t>12-Nov-18</a:t>
+              <a:t>13-Nov-18</a:t>
             </a:fld>
             <a:endParaRPr lang="en-US"/>
           </a:p>
@@ -1227,7 +1227,7 @@
           <a:p>
             <a:fld id="{3D2277E6-1886-452C-854D-DB4A9BB05FC1}" type="datetimeFigureOut">
               <a:rPr lang="en-US" smtClean="0"/>
-              <a:t>12-Nov-18</a:t>
+              <a:t>13-Nov-18</a:t>
             </a:fld>
             <a:endParaRPr lang="en-US"/>
           </a:p>
@@ -1335,15 +1335,15 @@
         </p:nvSpPr>
         <p:spPr>
           <a:xfrm>
-            <a:off x="831850" y="1709738"/>
-            <a:ext cx="10515600" cy="2852737"/>
+            <a:off x="623888" y="1709739"/>
+            <a:ext cx="7886700" cy="2852737"/>
           </a:xfrm>
         </p:spPr>
         <p:txBody>
           <a:bodyPr anchor="b"/>
           <a:lstStyle>
             <a:lvl1pPr>
-              <a:defRPr sz="6000"/>
+              <a:defRPr sz="4500"/>
             </a:lvl1pPr>
           </a:lstStyle>
           <a:p>
@@ -1372,8 +1372,8 @@
         </p:nvSpPr>
         <p:spPr>
           <a:xfrm>
-            <a:off x="831850" y="4589463"/>
-            <a:ext cx="10515600" cy="1500187"/>
+            <a:off x="623888" y="4589464"/>
+            <a:ext cx="7886700" cy="1500187"/>
           </a:xfrm>
         </p:spPr>
         <p:txBody>
@@ -1381,7 +1381,7 @@
           <a:lstStyle>
             <a:lvl1pPr marL="0" indent="0">
               <a:buNone/>
-              <a:defRPr sz="2400">
+              <a:defRPr sz="1800">
                 <a:solidFill>
                   <a:schemeClr val="tx1">
                     <a:tint val="75000"/>
@@ -1389,9 +1389,9 @@
                 </a:solidFill>
               </a:defRPr>
             </a:lvl1pPr>
-            <a:lvl2pPr marL="457200" indent="0">
-              <a:buNone/>
-              <a:defRPr sz="2000">
+            <a:lvl2pPr marL="342900" indent="0">
+              <a:buNone/>
+              <a:defRPr sz="1500">
                 <a:solidFill>
                   <a:schemeClr val="tx1">
                     <a:tint val="75000"/>
@@ -1399,9 +1399,9 @@
                 </a:solidFill>
               </a:defRPr>
             </a:lvl2pPr>
-            <a:lvl3pPr marL="914400" indent="0">
-              <a:buNone/>
-              <a:defRPr sz="1800">
+            <a:lvl3pPr marL="685800" indent="0">
+              <a:buNone/>
+              <a:defRPr sz="1350">
                 <a:solidFill>
                   <a:schemeClr val="tx1">
                     <a:tint val="75000"/>
@@ -1409,9 +1409,9 @@
                 </a:solidFill>
               </a:defRPr>
             </a:lvl3pPr>
-            <a:lvl4pPr marL="1371600" indent="0">
-              <a:buNone/>
-              <a:defRPr sz="1600">
+            <a:lvl4pPr marL="1028700" indent="0">
+              <a:buNone/>
+              <a:defRPr sz="1200">
                 <a:solidFill>
                   <a:schemeClr val="tx1">
                     <a:tint val="75000"/>
@@ -1419,9 +1419,9 @@
                 </a:solidFill>
               </a:defRPr>
             </a:lvl4pPr>
-            <a:lvl5pPr marL="1828800" indent="0">
-              <a:buNone/>
-              <a:defRPr sz="1600">
+            <a:lvl5pPr marL="1371600" indent="0">
+              <a:buNone/>
+              <a:defRPr sz="1200">
                 <a:solidFill>
                   <a:schemeClr val="tx1">
                     <a:tint val="75000"/>
@@ -1429,9 +1429,9 @@
                 </a:solidFill>
               </a:defRPr>
             </a:lvl5pPr>
-            <a:lvl6pPr marL="2286000" indent="0">
-              <a:buNone/>
-              <a:defRPr sz="1600">
+            <a:lvl6pPr marL="1714500" indent="0">
+              <a:buNone/>
+              <a:defRPr sz="1200">
                 <a:solidFill>
                   <a:schemeClr val="tx1">
                     <a:tint val="75000"/>
@@ -1439,9 +1439,9 @@
                 </a:solidFill>
               </a:defRPr>
             </a:lvl6pPr>
-            <a:lvl7pPr marL="2743200" indent="0">
-              <a:buNone/>
-              <a:defRPr sz="1600">
+            <a:lvl7pPr marL="2057400" indent="0">
+              <a:buNone/>
+              <a:defRPr sz="1200">
                 <a:solidFill>
                   <a:schemeClr val="tx1">
                     <a:tint val="75000"/>
@@ -1449,9 +1449,9 @@
                 </a:solidFill>
               </a:defRPr>
             </a:lvl7pPr>
-            <a:lvl8pPr marL="3200400" indent="0">
-              <a:buNone/>
-              <a:defRPr sz="1600">
+            <a:lvl8pPr marL="2400300" indent="0">
+              <a:buNone/>
+              <a:defRPr sz="1200">
                 <a:solidFill>
                   <a:schemeClr val="tx1">
                     <a:tint val="75000"/>
@@ -1459,9 +1459,9 @@
                 </a:solidFill>
               </a:defRPr>
             </a:lvl8pPr>
-            <a:lvl9pPr marL="3657600" indent="0">
-              <a:buNone/>
-              <a:defRPr sz="1600">
+            <a:lvl9pPr marL="2743200" indent="0">
+              <a:buNone/>
+              <a:defRPr sz="1200">
                 <a:solidFill>
                   <a:schemeClr val="tx1">
                     <a:tint val="75000"/>
@@ -1502,7 +1502,7 @@
           <a:p>
             <a:fld id="{3D2277E6-1886-452C-854D-DB4A9BB05FC1}" type="datetimeFigureOut">
               <a:rPr lang="en-US" smtClean="0"/>
-              <a:t>12-Nov-18</a:t>
+              <a:t>13-Nov-18</a:t>
             </a:fld>
             <a:endParaRPr lang="en-US"/>
           </a:p>
@@ -1638,8 +1638,8 @@
         </p:nvSpPr>
         <p:spPr>
           <a:xfrm>
-            <a:off x="838200" y="1825625"/>
-            <a:ext cx="5181600" cy="4351338"/>
+            <a:off x="628650" y="1825625"/>
+            <a:ext cx="3886200" cy="4351338"/>
           </a:xfrm>
         </p:spPr>
         <p:txBody>
@@ -1700,8 +1700,8 @@
         </p:nvSpPr>
         <p:spPr>
           <a:xfrm>
-            <a:off x="6172200" y="1825625"/>
-            <a:ext cx="5181600" cy="4351338"/>
+            <a:off x="4629150" y="1825625"/>
+            <a:ext cx="3886200" cy="4351338"/>
           </a:xfrm>
         </p:spPr>
         <p:txBody>
@@ -1767,7 +1767,7 @@
           <a:p>
             <a:fld id="{3D2277E6-1886-452C-854D-DB4A9BB05FC1}" type="datetimeFigureOut">
               <a:rPr lang="en-US" smtClean="0"/>
-              <a:t>12-Nov-18</a:t>
+              <a:t>13-Nov-18</a:t>
             </a:fld>
             <a:endParaRPr lang="en-US"/>
           </a:p>
@@ -1875,8 +1875,8 @@
         </p:nvSpPr>
         <p:spPr>
           <a:xfrm>
-            <a:off x="839788" y="365125"/>
-            <a:ext cx="10515600" cy="1325563"/>
+            <a:off x="629841" y="365126"/>
+            <a:ext cx="7886700" cy="1325563"/>
           </a:xfrm>
         </p:spPr>
         <p:txBody>
@@ -1908,8 +1908,8 @@
         </p:nvSpPr>
         <p:spPr>
           <a:xfrm>
-            <a:off x="839788" y="1681163"/>
-            <a:ext cx="5157787" cy="823912"/>
+            <a:off x="629842" y="1681163"/>
+            <a:ext cx="3868340" cy="823912"/>
           </a:xfrm>
         </p:spPr>
         <p:txBody>
@@ -1917,39 +1917,39 @@
           <a:lstStyle>
             <a:lvl1pPr marL="0" indent="0">
               <a:buNone/>
-              <a:defRPr sz="2400" b="1"/>
+              <a:defRPr sz="1800" b="1"/>
             </a:lvl1pPr>
-            <a:lvl2pPr marL="457200" indent="0">
-              <a:buNone/>
-              <a:defRPr sz="2000" b="1"/>
+            <a:lvl2pPr marL="342900" indent="0">
+              <a:buNone/>
+              <a:defRPr sz="1500" b="1"/>
             </a:lvl2pPr>
-            <a:lvl3pPr marL="914400" indent="0">
-              <a:buNone/>
-              <a:defRPr sz="1800" b="1"/>
+            <a:lvl3pPr marL="685800" indent="0">
+              <a:buNone/>
+              <a:defRPr sz="1350" b="1"/>
             </a:lvl3pPr>
-            <a:lvl4pPr marL="1371600" indent="0">
-              <a:buNone/>
-              <a:defRPr sz="1600" b="1"/>
+            <a:lvl4pPr marL="1028700" indent="0">
+              <a:buNone/>
+              <a:defRPr sz="1200" b="1"/>
             </a:lvl4pPr>
-            <a:lvl5pPr marL="1828800" indent="0">
-              <a:buNone/>
-              <a:defRPr sz="1600" b="1"/>
+            <a:lvl5pPr marL="1371600" indent="0">
+              <a:buNone/>
+              <a:defRPr sz="1200" b="1"/>
             </a:lvl5pPr>
-            <a:lvl6pPr marL="2286000" indent="0">
-              <a:buNone/>
-              <a:defRPr sz="1600" b="1"/>
+            <a:lvl6pPr marL="1714500" indent="0">
+              <a:buNone/>
+              <a:defRPr sz="1200" b="1"/>
             </a:lvl6pPr>
-            <a:lvl7pPr marL="2743200" indent="0">
-              <a:buNone/>
-              <a:defRPr sz="1600" b="1"/>
+            <a:lvl7pPr marL="2057400" indent="0">
+              <a:buNone/>
+              <a:defRPr sz="1200" b="1"/>
             </a:lvl7pPr>
-            <a:lvl8pPr marL="3200400" indent="0">
-              <a:buNone/>
-              <a:defRPr sz="1600" b="1"/>
+            <a:lvl8pPr marL="2400300" indent="0">
+              <a:buNone/>
+              <a:defRPr sz="1200" b="1"/>
             </a:lvl8pPr>
-            <a:lvl9pPr marL="3657600" indent="0">
-              <a:buNone/>
-              <a:defRPr sz="1600" b="1"/>
+            <a:lvl9pPr marL="2743200" indent="0">
+              <a:buNone/>
+              <a:defRPr sz="1200" b="1"/>
             </a:lvl9pPr>
           </a:lstStyle>
           <a:p>
@@ -1979,8 +1979,8 @@
         </p:nvSpPr>
         <p:spPr>
           <a:xfrm>
-            <a:off x="839788" y="2505075"/>
-            <a:ext cx="5157787" cy="3684588"/>
+            <a:off x="629842" y="2505075"/>
+            <a:ext cx="3868340" cy="3684588"/>
           </a:xfrm>
         </p:spPr>
         <p:txBody>
@@ -2041,8 +2041,8 @@
         </p:nvSpPr>
         <p:spPr>
           <a:xfrm>
-            <a:off x="6172200" y="1681163"/>
-            <a:ext cx="5183188" cy="823912"/>
+            <a:off x="4629150" y="1681163"/>
+            <a:ext cx="3887391" cy="823912"/>
           </a:xfrm>
         </p:spPr>
         <p:txBody>
@@ -2050,39 +2050,39 @@
           <a:lstStyle>
             <a:lvl1pPr marL="0" indent="0">
               <a:buNone/>
-              <a:defRPr sz="2400" b="1"/>
+              <a:defRPr sz="1800" b="1"/>
             </a:lvl1pPr>
-            <a:lvl2pPr marL="457200" indent="0">
-              <a:buNone/>
-              <a:defRPr sz="2000" b="1"/>
+            <a:lvl2pPr marL="342900" indent="0">
+              <a:buNone/>
+              <a:defRPr sz="1500" b="1"/>
             </a:lvl2pPr>
-            <a:lvl3pPr marL="914400" indent="0">
-              <a:buNone/>
-              <a:defRPr sz="1800" b="1"/>
+            <a:lvl3pPr marL="685800" indent="0">
+              <a:buNone/>
+              <a:defRPr sz="1350" b="1"/>
             </a:lvl3pPr>
-            <a:lvl4pPr marL="1371600" indent="0">
-              <a:buNone/>
-              <a:defRPr sz="1600" b="1"/>
+            <a:lvl4pPr marL="1028700" indent="0">
+              <a:buNone/>
+              <a:defRPr sz="1200" b="1"/>
             </a:lvl4pPr>
-            <a:lvl5pPr marL="1828800" indent="0">
-              <a:buNone/>
-              <a:defRPr sz="1600" b="1"/>
+            <a:lvl5pPr marL="1371600" indent="0">
+              <a:buNone/>
+              <a:defRPr sz="1200" b="1"/>
             </a:lvl5pPr>
-            <a:lvl6pPr marL="2286000" indent="0">
-              <a:buNone/>
-              <a:defRPr sz="1600" b="1"/>
+            <a:lvl6pPr marL="1714500" indent="0">
+              <a:buNone/>
+              <a:defRPr sz="1200" b="1"/>
             </a:lvl6pPr>
-            <a:lvl7pPr marL="2743200" indent="0">
-              <a:buNone/>
-              <a:defRPr sz="1600" b="1"/>
+            <a:lvl7pPr marL="2057400" indent="0">
+              <a:buNone/>
+              <a:defRPr sz="1200" b="1"/>
             </a:lvl7pPr>
-            <a:lvl8pPr marL="3200400" indent="0">
-              <a:buNone/>
-              <a:defRPr sz="1600" b="1"/>
+            <a:lvl8pPr marL="2400300" indent="0">
+              <a:buNone/>
+              <a:defRPr sz="1200" b="1"/>
             </a:lvl8pPr>
-            <a:lvl9pPr marL="3657600" indent="0">
-              <a:buNone/>
-              <a:defRPr sz="1600" b="1"/>
+            <a:lvl9pPr marL="2743200" indent="0">
+              <a:buNone/>
+              <a:defRPr sz="1200" b="1"/>
             </a:lvl9pPr>
           </a:lstStyle>
           <a:p>
@@ -2112,8 +2112,8 @@
         </p:nvSpPr>
         <p:spPr>
           <a:xfrm>
-            <a:off x="6172200" y="2505075"/>
-            <a:ext cx="5183188" cy="3684588"/>
+            <a:off x="4629150" y="2505075"/>
+            <a:ext cx="3887391" cy="3684588"/>
           </a:xfrm>
         </p:spPr>
         <p:txBody>
@@ -2179,7 +2179,7 @@
           <a:p>
             <a:fld id="{3D2277E6-1886-452C-854D-DB4A9BB05FC1}" type="datetimeFigureOut">
               <a:rPr lang="en-US" smtClean="0"/>
-              <a:t>12-Nov-18</a:t>
+              <a:t>13-Nov-18</a:t>
             </a:fld>
             <a:endParaRPr lang="en-US"/>
           </a:p>
@@ -2320,7 +2320,7 @@
           <a:p>
             <a:fld id="{3D2277E6-1886-452C-854D-DB4A9BB05FC1}" type="datetimeFigureOut">
               <a:rPr lang="en-US" smtClean="0"/>
-              <a:t>12-Nov-18</a:t>
+              <a:t>13-Nov-18</a:t>
             </a:fld>
             <a:endParaRPr lang="en-US"/>
           </a:p>
@@ -2433,7 +2433,7 @@
           <a:p>
             <a:fld id="{3D2277E6-1886-452C-854D-DB4A9BB05FC1}" type="datetimeFigureOut">
               <a:rPr lang="en-US" smtClean="0"/>
-              <a:t>12-Nov-18</a:t>
+              <a:t>13-Nov-18</a:t>
             </a:fld>
             <a:endParaRPr lang="en-US"/>
           </a:p>
@@ -2541,15 +2541,15 @@
         </p:nvSpPr>
         <p:spPr>
           <a:xfrm>
-            <a:off x="839788" y="457200"/>
-            <a:ext cx="3932237" cy="1600200"/>
+            <a:off x="629841" y="457200"/>
+            <a:ext cx="2949178" cy="1600200"/>
           </a:xfrm>
         </p:spPr>
         <p:txBody>
           <a:bodyPr anchor="b"/>
           <a:lstStyle>
             <a:lvl1pPr>
-              <a:defRPr sz="3200"/>
+              <a:defRPr sz="2400"/>
             </a:lvl1pPr>
           </a:lstStyle>
           <a:p>
@@ -2578,39 +2578,39 @@
         </p:nvSpPr>
         <p:spPr>
           <a:xfrm>
-            <a:off x="5183188" y="987425"/>
-            <a:ext cx="6172200" cy="4873625"/>
+            <a:off x="3887391" y="987426"/>
+            <a:ext cx="4629150" cy="4873625"/>
           </a:xfrm>
         </p:spPr>
         <p:txBody>
           <a:bodyPr/>
           <a:lstStyle>
             <a:lvl1pPr>
-              <a:defRPr sz="3200"/>
+              <a:defRPr sz="2400"/>
             </a:lvl1pPr>
             <a:lvl2pPr>
-              <a:defRPr sz="2800"/>
+              <a:defRPr sz="2100"/>
             </a:lvl2pPr>
             <a:lvl3pPr>
-              <a:defRPr sz="2400"/>
+              <a:defRPr sz="1800"/>
             </a:lvl3pPr>
             <a:lvl4pPr>
-              <a:defRPr sz="2000"/>
+              <a:defRPr sz="1500"/>
             </a:lvl4pPr>
             <a:lvl5pPr>
-              <a:defRPr sz="2000"/>
+              <a:defRPr sz="1500"/>
             </a:lvl5pPr>
             <a:lvl6pPr>
-              <a:defRPr sz="2000"/>
+              <a:defRPr sz="1500"/>
             </a:lvl6pPr>
             <a:lvl7pPr>
-              <a:defRPr sz="2000"/>
+              <a:defRPr sz="1500"/>
             </a:lvl7pPr>
             <a:lvl8pPr>
-              <a:defRPr sz="2000"/>
+              <a:defRPr sz="1500"/>
             </a:lvl8pPr>
             <a:lvl9pPr>
-              <a:defRPr sz="2000"/>
+              <a:defRPr sz="1500"/>
             </a:lvl9pPr>
           </a:lstStyle>
           <a:p>
@@ -2668,8 +2668,8 @@
         </p:nvSpPr>
         <p:spPr>
           <a:xfrm>
-            <a:off x="839788" y="2057400"/>
-            <a:ext cx="3932237" cy="3811588"/>
+            <a:off x="629841" y="2057400"/>
+            <a:ext cx="2949178" cy="3811588"/>
           </a:xfrm>
         </p:spPr>
         <p:txBody>
@@ -2677,39 +2677,39 @@
           <a:lstStyle>
             <a:lvl1pPr marL="0" indent="0">
               <a:buNone/>
-              <a:defRPr sz="1600"/>
+              <a:defRPr sz="1200"/>
             </a:lvl1pPr>
-            <a:lvl2pPr marL="457200" indent="0">
-              <a:buNone/>
-              <a:defRPr sz="1400"/>
+            <a:lvl2pPr marL="342900" indent="0">
+              <a:buNone/>
+              <a:defRPr sz="1050"/>
             </a:lvl2pPr>
-            <a:lvl3pPr marL="914400" indent="0">
-              <a:buNone/>
-              <a:defRPr sz="1200"/>
+            <a:lvl3pPr marL="685800" indent="0">
+              <a:buNone/>
+              <a:defRPr sz="900"/>
             </a:lvl3pPr>
-            <a:lvl4pPr marL="1371600" indent="0">
-              <a:buNone/>
-              <a:defRPr sz="1000"/>
+            <a:lvl4pPr marL="1028700" indent="0">
+              <a:buNone/>
+              <a:defRPr sz="750"/>
             </a:lvl4pPr>
-            <a:lvl5pPr marL="1828800" indent="0">
-              <a:buNone/>
-              <a:defRPr sz="1000"/>
+            <a:lvl5pPr marL="1371600" indent="0">
+              <a:buNone/>
+              <a:defRPr sz="750"/>
             </a:lvl5pPr>
-            <a:lvl6pPr marL="2286000" indent="0">
-              <a:buNone/>
-              <a:defRPr sz="1000"/>
+            <a:lvl6pPr marL="1714500" indent="0">
+              <a:buNone/>
+              <a:defRPr sz="750"/>
             </a:lvl6pPr>
-            <a:lvl7pPr marL="2743200" indent="0">
-              <a:buNone/>
-              <a:defRPr sz="1000"/>
+            <a:lvl7pPr marL="2057400" indent="0">
+              <a:buNone/>
+              <a:defRPr sz="750"/>
             </a:lvl7pPr>
-            <a:lvl8pPr marL="3200400" indent="0">
-              <a:buNone/>
-              <a:defRPr sz="1000"/>
+            <a:lvl8pPr marL="2400300" indent="0">
+              <a:buNone/>
+              <a:defRPr sz="750"/>
             </a:lvl8pPr>
-            <a:lvl9pPr marL="3657600" indent="0">
-              <a:buNone/>
-              <a:defRPr sz="1000"/>
+            <a:lvl9pPr marL="2743200" indent="0">
+              <a:buNone/>
+              <a:defRPr sz="750"/>
             </a:lvl9pPr>
           </a:lstStyle>
           <a:p>
@@ -2744,7 +2744,7 @@
           <a:p>
             <a:fld id="{3D2277E6-1886-452C-854D-DB4A9BB05FC1}" type="datetimeFigureOut">
               <a:rPr lang="en-US" smtClean="0"/>
-              <a:t>12-Nov-18</a:t>
+              <a:t>13-Nov-18</a:t>
             </a:fld>
             <a:endParaRPr lang="en-US"/>
           </a:p>
@@ -2852,15 +2852,15 @@
         </p:nvSpPr>
         <p:spPr>
           <a:xfrm>
-            <a:off x="839788" y="457200"/>
-            <a:ext cx="3932237" cy="1600200"/>
+            <a:off x="629841" y="457200"/>
+            <a:ext cx="2949178" cy="1600200"/>
           </a:xfrm>
         </p:spPr>
         <p:txBody>
           <a:bodyPr anchor="b"/>
           <a:lstStyle>
             <a:lvl1pPr>
-              <a:defRPr sz="3200"/>
+              <a:defRPr sz="2400"/>
             </a:lvl1pPr>
           </a:lstStyle>
           <a:p>
@@ -2889,8 +2889,8 @@
         </p:nvSpPr>
         <p:spPr>
           <a:xfrm>
-            <a:off x="5183188" y="987425"/>
-            <a:ext cx="6172200" cy="4873625"/>
+            <a:off x="3887391" y="987426"/>
+            <a:ext cx="4629150" cy="4873625"/>
           </a:xfrm>
         </p:spPr>
         <p:txBody>
@@ -2898,39 +2898,39 @@
           <a:lstStyle>
             <a:lvl1pPr marL="0" indent="0">
               <a:buNone/>
-              <a:defRPr sz="3200"/>
+              <a:defRPr sz="2400"/>
             </a:lvl1pPr>
-            <a:lvl2pPr marL="457200" indent="0">
-              <a:buNone/>
-              <a:defRPr sz="2800"/>
+            <a:lvl2pPr marL="342900" indent="0">
+              <a:buNone/>
+              <a:defRPr sz="2100"/>
             </a:lvl2pPr>
-            <a:lvl3pPr marL="914400" indent="0">
-              <a:buNone/>
-              <a:defRPr sz="2400"/>
+            <a:lvl3pPr marL="685800" indent="0">
+              <a:buNone/>
+              <a:defRPr sz="1800"/>
             </a:lvl3pPr>
-            <a:lvl4pPr marL="1371600" indent="0">
-              <a:buNone/>
-              <a:defRPr sz="2000"/>
+            <a:lvl4pPr marL="1028700" indent="0">
+              <a:buNone/>
+              <a:defRPr sz="1500"/>
             </a:lvl4pPr>
-            <a:lvl5pPr marL="1828800" indent="0">
-              <a:buNone/>
-              <a:defRPr sz="2000"/>
+            <a:lvl5pPr marL="1371600" indent="0">
+              <a:buNone/>
+              <a:defRPr sz="1500"/>
             </a:lvl5pPr>
-            <a:lvl6pPr marL="2286000" indent="0">
-              <a:buNone/>
-              <a:defRPr sz="2000"/>
+            <a:lvl6pPr marL="1714500" indent="0">
+              <a:buNone/>
+              <a:defRPr sz="1500"/>
             </a:lvl6pPr>
-            <a:lvl7pPr marL="2743200" indent="0">
-              <a:buNone/>
-              <a:defRPr sz="2000"/>
+            <a:lvl7pPr marL="2057400" indent="0">
+              <a:buNone/>
+              <a:defRPr sz="1500"/>
             </a:lvl7pPr>
-            <a:lvl8pPr marL="3200400" indent="0">
-              <a:buNone/>
-              <a:defRPr sz="2000"/>
+            <a:lvl8pPr marL="2400300" indent="0">
+              <a:buNone/>
+              <a:defRPr sz="1500"/>
             </a:lvl8pPr>
-            <a:lvl9pPr marL="3657600" indent="0">
-              <a:buNone/>
-              <a:defRPr sz="2000"/>
+            <a:lvl9pPr marL="2743200" indent="0">
+              <a:buNone/>
+              <a:defRPr sz="1500"/>
             </a:lvl9pPr>
           </a:lstStyle>
           <a:p>
@@ -2956,8 +2956,8 @@
         </p:nvSpPr>
         <p:spPr>
           <a:xfrm>
-            <a:off x="839788" y="2057400"/>
-            <a:ext cx="3932237" cy="3811588"/>
+            <a:off x="629841" y="2057400"/>
+            <a:ext cx="2949178" cy="3811588"/>
           </a:xfrm>
         </p:spPr>
         <p:txBody>
@@ -2965,39 +2965,39 @@
           <a:lstStyle>
             <a:lvl1pPr marL="0" indent="0">
               <a:buNone/>
-              <a:defRPr sz="1600"/>
+              <a:defRPr sz="1200"/>
             </a:lvl1pPr>
-            <a:lvl2pPr marL="457200" indent="0">
-              <a:buNone/>
-              <a:defRPr sz="1400"/>
+            <a:lvl2pPr marL="342900" indent="0">
+              <a:buNone/>
+              <a:defRPr sz="1050"/>
             </a:lvl2pPr>
-            <a:lvl3pPr marL="914400" indent="0">
-              <a:buNone/>
-              <a:defRPr sz="1200"/>
+            <a:lvl3pPr marL="685800" indent="0">
+              <a:buNone/>
+              <a:defRPr sz="900"/>
             </a:lvl3pPr>
-            <a:lvl4pPr marL="1371600" indent="0">
-              <a:buNone/>
-              <a:defRPr sz="1000"/>
+            <a:lvl4pPr marL="1028700" indent="0">
+              <a:buNone/>
+              <a:defRPr sz="750"/>
             </a:lvl4pPr>
-            <a:lvl5pPr marL="1828800" indent="0">
-              <a:buNone/>
-              <a:defRPr sz="1000"/>
+            <a:lvl5pPr marL="1371600" indent="0">
+              <a:buNone/>
+              <a:defRPr sz="750"/>
             </a:lvl5pPr>
-            <a:lvl6pPr marL="2286000" indent="0">
-              <a:buNone/>
-              <a:defRPr sz="1000"/>
+            <a:lvl6pPr marL="1714500" indent="0">
+              <a:buNone/>
+              <a:defRPr sz="750"/>
             </a:lvl6pPr>
-            <a:lvl7pPr marL="2743200" indent="0">
-              <a:buNone/>
-              <a:defRPr sz="1000"/>
+            <a:lvl7pPr marL="2057400" indent="0">
+              <a:buNone/>
+              <a:defRPr sz="750"/>
             </a:lvl7pPr>
-            <a:lvl8pPr marL="3200400" indent="0">
-              <a:buNone/>
-              <a:defRPr sz="1000"/>
+            <a:lvl8pPr marL="2400300" indent="0">
+              <a:buNone/>
+              <a:defRPr sz="750"/>
             </a:lvl8pPr>
-            <a:lvl9pPr marL="3657600" indent="0">
-              <a:buNone/>
-              <a:defRPr sz="1000"/>
+            <a:lvl9pPr marL="2743200" indent="0">
+              <a:buNone/>
+              <a:defRPr sz="750"/>
             </a:lvl9pPr>
           </a:lstStyle>
           <a:p>
@@ -3032,7 +3032,7 @@
           <a:p>
             <a:fld id="{3D2277E6-1886-452C-854D-DB4A9BB05FC1}" type="datetimeFigureOut">
               <a:rPr lang="en-US" smtClean="0"/>
-              <a:t>12-Nov-18</a:t>
+              <a:t>13-Nov-18</a:t>
             </a:fld>
             <a:endParaRPr lang="en-US"/>
           </a:p>
@@ -3155,8 +3155,8 @@
         </p:blipFill>
         <p:spPr>
           <a:xfrm>
-            <a:off x="6634534" y="0"/>
-            <a:ext cx="6422685" cy="6858000"/>
+            <a:off x="4975901" y="0"/>
+            <a:ext cx="4817014" cy="6858000"/>
           </a:xfrm>
           <a:prstGeom prst="rect">
             <a:avLst/>
@@ -3181,8 +3181,8 @@
         </p:nvSpPr>
         <p:spPr>
           <a:xfrm>
-            <a:off x="838200" y="365125"/>
-            <a:ext cx="10515600" cy="1325563"/>
+            <a:off x="628650" y="365126"/>
+            <a:ext cx="7886700" cy="1325563"/>
           </a:xfrm>
           <a:prstGeom prst="rect">
             <a:avLst/>
@@ -3219,8 +3219,8 @@
         </p:nvSpPr>
         <p:spPr>
           <a:xfrm>
-            <a:off x="838200" y="1825625"/>
-            <a:ext cx="10515600" cy="4351338"/>
+            <a:off x="628650" y="1825625"/>
+            <a:ext cx="7886700" cy="4351338"/>
           </a:xfrm>
           <a:prstGeom prst="rect">
             <a:avLst/>
@@ -3286,8 +3286,8 @@
         </p:nvSpPr>
         <p:spPr>
           <a:xfrm>
-            <a:off x="838200" y="6356350"/>
-            <a:ext cx="2743200" cy="365125"/>
+            <a:off x="628650" y="6356351"/>
+            <a:ext cx="2057400" cy="365125"/>
           </a:xfrm>
           <a:prstGeom prst="rect">
             <a:avLst/>
@@ -3297,7 +3297,7 @@
           <a:bodyPr vert="horz" lIns="91440" tIns="45720" rIns="91440" bIns="45720" rtlCol="0" anchor="ctr"/>
           <a:lstStyle>
             <a:lvl1pPr algn="l">
-              <a:defRPr sz="1200">
+              <a:defRPr sz="900">
                 <a:solidFill>
                   <a:schemeClr val="tx1">
                     <a:tint val="75000"/>
@@ -3309,7 +3309,7 @@
           <a:p>
             <a:fld id="{3D2277E6-1886-452C-854D-DB4A9BB05FC1}" type="datetimeFigureOut">
               <a:rPr lang="en-US" smtClean="0"/>
-              <a:t>12-Nov-18</a:t>
+              <a:t>13-Nov-18</a:t>
             </a:fld>
             <a:endParaRPr lang="en-US"/>
           </a:p>
@@ -3333,8 +3333,8 @@
         </p:nvSpPr>
         <p:spPr>
           <a:xfrm>
-            <a:off x="4038600" y="6356350"/>
-            <a:ext cx="4114800" cy="365125"/>
+            <a:off x="3028950" y="6356351"/>
+            <a:ext cx="3086100" cy="365125"/>
           </a:xfrm>
           <a:prstGeom prst="rect">
             <a:avLst/>
@@ -3344,7 +3344,7 @@
           <a:bodyPr vert="horz" lIns="91440" tIns="45720" rIns="91440" bIns="45720" rtlCol="0" anchor="ctr"/>
           <a:lstStyle>
             <a:lvl1pPr algn="ctr">
-              <a:defRPr sz="1200">
+              <a:defRPr sz="900">
                 <a:solidFill>
                   <a:schemeClr val="tx1">
                     <a:tint val="75000"/>
@@ -3376,8 +3376,8 @@
         </p:nvSpPr>
         <p:spPr>
           <a:xfrm>
-            <a:off x="8610600" y="6356350"/>
-            <a:ext cx="2743200" cy="365125"/>
+            <a:off x="6457950" y="6356351"/>
+            <a:ext cx="2057400" cy="365125"/>
           </a:xfrm>
           <a:prstGeom prst="rect">
             <a:avLst/>
@@ -3387,7 +3387,7 @@
           <a:bodyPr vert="horz" lIns="91440" tIns="45720" rIns="91440" bIns="45720" rtlCol="0" anchor="ctr"/>
           <a:lstStyle>
             <a:lvl1pPr algn="r">
-              <a:defRPr sz="1200">
+              <a:defRPr sz="900">
                 <a:solidFill>
                   <a:schemeClr val="tx1">
                     <a:tint val="75000"/>
@@ -3421,13 +3421,13 @@
         </p:nvGraphicFramePr>
         <p:xfrm>
           <a:off x="0" y="6582032"/>
-          <a:ext cx="12192000" cy="275968"/>
+          <a:ext cx="9144000" cy="275968"/>
         </p:xfrm>
         <a:graphic>
           <a:graphicData uri="http://schemas.openxmlformats.org/presentationml/2006/ole">
             <mc:AlternateContent xmlns:mc="http://schemas.openxmlformats.org/markup-compatibility/2006">
               <mc:Choice xmlns:v="urn:schemas-microsoft-com:vml" Requires="v">
-                <p:oleObj spid="_x0000_s7189" r:id="rId15" imgW="12380760" imgH="279360" progId="">
+                <p:oleObj spid="_x0000_s7192" r:id="rId15" imgW="12380760" imgH="279360" progId="">
                   <p:embed/>
                 </p:oleObj>
               </mc:Choice>
@@ -3455,7 +3455,7 @@
                     <p:spPr>
                       <a:xfrm>
                         <a:off x="0" y="6582032"/>
-                        <a:ext cx="12192000" cy="275968"/>
+                        <a:ext cx="9144000" cy="275968"/>
                       </a:xfrm>
                       <a:prstGeom prst="rect">
                         <a:avLst/>
@@ -3496,8 +3496,8 @@
         </p:blipFill>
         <p:spPr>
           <a:xfrm>
-            <a:off x="8678333" y="5803581"/>
-            <a:ext cx="3425615" cy="747925"/>
+            <a:off x="6508750" y="5932627"/>
+            <a:ext cx="2569211" cy="618880"/>
           </a:xfrm>
           <a:prstGeom prst="rect">
             <a:avLst/>
@@ -3532,8 +3532,8 @@
         </p:blipFill>
         <p:spPr>
           <a:xfrm>
-            <a:off x="88052" y="6056468"/>
-            <a:ext cx="2247900" cy="346177"/>
+            <a:off x="66040" y="6126678"/>
+            <a:ext cx="1685346" cy="275968"/>
           </a:xfrm>
           <a:prstGeom prst="rect">
             <a:avLst/>
@@ -3563,7 +3563,7 @@
   </p:sldLayoutIdLst>
   <p:txStyles>
     <p:titleStyle>
-      <a:lvl1pPr algn="l" defTabSz="914400" rtl="0" eaLnBrk="1" latinLnBrk="0" hangingPunct="1">
+      <a:lvl1pPr algn="l" defTabSz="685800" rtl="0" eaLnBrk="1" latinLnBrk="0" hangingPunct="1">
         <a:lnSpc>
           <a:spcPct val="90000"/>
         </a:lnSpc>
@@ -3571,7 +3571,7 @@
           <a:spcPct val="0"/>
         </a:spcBef>
         <a:buNone/>
-        <a:defRPr sz="4400" kern="1200">
+        <a:defRPr sz="3300" kern="1200">
           <a:solidFill>
             <a:schemeClr val="tx1"/>
           </a:solidFill>
@@ -3582,16 +3582,16 @@
       </a:lvl1pPr>
     </p:titleStyle>
     <p:bodyStyle>
-      <a:lvl1pPr marL="228600" indent="-228600" algn="l" defTabSz="914400" rtl="0" eaLnBrk="1" latinLnBrk="0" hangingPunct="1">
+      <a:lvl1pPr marL="171450" indent="-171450" algn="l" defTabSz="685800" rtl="0" eaLnBrk="1" latinLnBrk="0" hangingPunct="1">
         <a:lnSpc>
           <a:spcPct val="90000"/>
         </a:lnSpc>
         <a:spcBef>
-          <a:spcPts val="1000"/>
+          <a:spcPts val="750"/>
         </a:spcBef>
         <a:buFont typeface="Arial" panose="020B0604020202020204" pitchFamily="34" charset="0"/>
         <a:buChar char="•"/>
-        <a:defRPr sz="2800" kern="1200">
+        <a:defRPr sz="2100" kern="1200">
           <a:solidFill>
             <a:schemeClr val="tx1"/>
           </a:solidFill>
@@ -3600,48 +3600,12 @@
           <a:cs typeface="+mn-cs"/>
         </a:defRPr>
       </a:lvl1pPr>
-      <a:lvl2pPr marL="685800" indent="-228600" algn="l" defTabSz="914400" rtl="0" eaLnBrk="1" latinLnBrk="0" hangingPunct="1">
+      <a:lvl2pPr marL="514350" indent="-171450" algn="l" defTabSz="685800" rtl="0" eaLnBrk="1" latinLnBrk="0" hangingPunct="1">
         <a:lnSpc>
           <a:spcPct val="90000"/>
         </a:lnSpc>
         <a:spcBef>
-          <a:spcPts val="500"/>
-        </a:spcBef>
-        <a:buFont typeface="Arial" panose="020B0604020202020204" pitchFamily="34" charset="0"/>
-        <a:buChar char="•"/>
-        <a:defRPr sz="2400" kern="1200">
-          <a:solidFill>
-            <a:schemeClr val="tx1"/>
-          </a:solidFill>
-          <a:latin typeface="+mn-lt"/>
-          <a:ea typeface="+mn-ea"/>
-          <a:cs typeface="+mn-cs"/>
-        </a:defRPr>
-      </a:lvl2pPr>
-      <a:lvl3pPr marL="1143000" indent="-228600" algn="l" defTabSz="914400" rtl="0" eaLnBrk="1" latinLnBrk="0" hangingPunct="1">
-        <a:lnSpc>
-          <a:spcPct val="90000"/>
-        </a:lnSpc>
-        <a:spcBef>
-          <a:spcPts val="500"/>
-        </a:spcBef>
-        <a:buFont typeface="Arial" panose="020B0604020202020204" pitchFamily="34" charset="0"/>
-        <a:buChar char="•"/>
-        <a:defRPr sz="2000" kern="1200">
-          <a:solidFill>
-            <a:schemeClr val="tx1"/>
-          </a:solidFill>
-          <a:latin typeface="+mn-lt"/>
-          <a:ea typeface="+mn-ea"/>
-          <a:cs typeface="+mn-cs"/>
-        </a:defRPr>
-      </a:lvl3pPr>
-      <a:lvl4pPr marL="1600200" indent="-228600" algn="l" defTabSz="914400" rtl="0" eaLnBrk="1" latinLnBrk="0" hangingPunct="1">
-        <a:lnSpc>
-          <a:spcPct val="90000"/>
-        </a:lnSpc>
-        <a:spcBef>
-          <a:spcPts val="500"/>
+          <a:spcPts val="375"/>
         </a:spcBef>
         <a:buFont typeface="Arial" panose="020B0604020202020204" pitchFamily="34" charset="0"/>
         <a:buChar char="•"/>
@@ -3653,17 +3617,53 @@
           <a:ea typeface="+mn-ea"/>
           <a:cs typeface="+mn-cs"/>
         </a:defRPr>
-      </a:lvl4pPr>
-      <a:lvl5pPr marL="2057400" indent="-228600" algn="l" defTabSz="914400" rtl="0" eaLnBrk="1" latinLnBrk="0" hangingPunct="1">
+      </a:lvl2pPr>
+      <a:lvl3pPr marL="857250" indent="-171450" algn="l" defTabSz="685800" rtl="0" eaLnBrk="1" latinLnBrk="0" hangingPunct="1">
         <a:lnSpc>
           <a:spcPct val="90000"/>
         </a:lnSpc>
         <a:spcBef>
-          <a:spcPts val="500"/>
+          <a:spcPts val="375"/>
         </a:spcBef>
         <a:buFont typeface="Arial" panose="020B0604020202020204" pitchFamily="34" charset="0"/>
         <a:buChar char="•"/>
-        <a:defRPr sz="1800" kern="1200">
+        <a:defRPr sz="1500" kern="1200">
+          <a:solidFill>
+            <a:schemeClr val="tx1"/>
+          </a:solidFill>
+          <a:latin typeface="+mn-lt"/>
+          <a:ea typeface="+mn-ea"/>
+          <a:cs typeface="+mn-cs"/>
+        </a:defRPr>
+      </a:lvl3pPr>
+      <a:lvl4pPr marL="1200150" indent="-171450" algn="l" defTabSz="685800" rtl="0" eaLnBrk="1" latinLnBrk="0" hangingPunct="1">
+        <a:lnSpc>
+          <a:spcPct val="90000"/>
+        </a:lnSpc>
+        <a:spcBef>
+          <a:spcPts val="375"/>
+        </a:spcBef>
+        <a:buFont typeface="Arial" panose="020B0604020202020204" pitchFamily="34" charset="0"/>
+        <a:buChar char="•"/>
+        <a:defRPr sz="1350" kern="1200">
+          <a:solidFill>
+            <a:schemeClr val="tx1"/>
+          </a:solidFill>
+          <a:latin typeface="+mn-lt"/>
+          <a:ea typeface="+mn-ea"/>
+          <a:cs typeface="+mn-cs"/>
+        </a:defRPr>
+      </a:lvl4pPr>
+      <a:lvl5pPr marL="1543050" indent="-171450" algn="l" defTabSz="685800" rtl="0" eaLnBrk="1" latinLnBrk="0" hangingPunct="1">
+        <a:lnSpc>
+          <a:spcPct val="90000"/>
+        </a:lnSpc>
+        <a:spcBef>
+          <a:spcPts val="375"/>
+        </a:spcBef>
+        <a:buFont typeface="Arial" panose="020B0604020202020204" pitchFamily="34" charset="0"/>
+        <a:buChar char="•"/>
+        <a:defRPr sz="1350" kern="1200">
           <a:solidFill>
             <a:schemeClr val="tx1"/>
           </a:solidFill>
@@ -3672,16 +3672,16 @@
           <a:cs typeface="+mn-cs"/>
         </a:defRPr>
       </a:lvl5pPr>
-      <a:lvl6pPr marL="2514600" indent="-228600" algn="l" defTabSz="914400" rtl="0" eaLnBrk="1" latinLnBrk="0" hangingPunct="1">
+      <a:lvl6pPr marL="1885950" indent="-171450" algn="l" defTabSz="685800" rtl="0" eaLnBrk="1" latinLnBrk="0" hangingPunct="1">
         <a:lnSpc>
           <a:spcPct val="90000"/>
         </a:lnSpc>
         <a:spcBef>
-          <a:spcPts val="500"/>
+          <a:spcPts val="375"/>
         </a:spcBef>
         <a:buFont typeface="Arial" panose="020B0604020202020204" pitchFamily="34" charset="0"/>
         <a:buChar char="•"/>
-        <a:defRPr sz="1800" kern="1200">
+        <a:defRPr sz="1350" kern="1200">
           <a:solidFill>
             <a:schemeClr val="tx1"/>
           </a:solidFill>
@@ -3690,16 +3690,16 @@
           <a:cs typeface="+mn-cs"/>
         </a:defRPr>
       </a:lvl6pPr>
-      <a:lvl7pPr marL="2971800" indent="-228600" algn="l" defTabSz="914400" rtl="0" eaLnBrk="1" latinLnBrk="0" hangingPunct="1">
+      <a:lvl7pPr marL="2228850" indent="-171450" algn="l" defTabSz="685800" rtl="0" eaLnBrk="1" latinLnBrk="0" hangingPunct="1">
         <a:lnSpc>
           <a:spcPct val="90000"/>
         </a:lnSpc>
         <a:spcBef>
-          <a:spcPts val="500"/>
+          <a:spcPts val="375"/>
         </a:spcBef>
         <a:buFont typeface="Arial" panose="020B0604020202020204" pitchFamily="34" charset="0"/>
         <a:buChar char="•"/>
-        <a:defRPr sz="1800" kern="1200">
+        <a:defRPr sz="1350" kern="1200">
           <a:solidFill>
             <a:schemeClr val="tx1"/>
           </a:solidFill>
@@ -3708,16 +3708,16 @@
           <a:cs typeface="+mn-cs"/>
         </a:defRPr>
       </a:lvl7pPr>
-      <a:lvl8pPr marL="3429000" indent="-228600" algn="l" defTabSz="914400" rtl="0" eaLnBrk="1" latinLnBrk="0" hangingPunct="1">
+      <a:lvl8pPr marL="2571750" indent="-171450" algn="l" defTabSz="685800" rtl="0" eaLnBrk="1" latinLnBrk="0" hangingPunct="1">
         <a:lnSpc>
           <a:spcPct val="90000"/>
         </a:lnSpc>
         <a:spcBef>
-          <a:spcPts val="500"/>
+          <a:spcPts val="375"/>
         </a:spcBef>
         <a:buFont typeface="Arial" panose="020B0604020202020204" pitchFamily="34" charset="0"/>
         <a:buChar char="•"/>
-        <a:defRPr sz="1800" kern="1200">
+        <a:defRPr sz="1350" kern="1200">
           <a:solidFill>
             <a:schemeClr val="tx1"/>
           </a:solidFill>
@@ -3726,16 +3726,16 @@
           <a:cs typeface="+mn-cs"/>
         </a:defRPr>
       </a:lvl8pPr>
-      <a:lvl9pPr marL="3886200" indent="-228600" algn="l" defTabSz="914400" rtl="0" eaLnBrk="1" latinLnBrk="0" hangingPunct="1">
+      <a:lvl9pPr marL="2914650" indent="-171450" algn="l" defTabSz="685800" rtl="0" eaLnBrk="1" latinLnBrk="0" hangingPunct="1">
         <a:lnSpc>
           <a:spcPct val="90000"/>
         </a:lnSpc>
         <a:spcBef>
-          <a:spcPts val="500"/>
+          <a:spcPts val="375"/>
         </a:spcBef>
         <a:buFont typeface="Arial" panose="020B0604020202020204" pitchFamily="34" charset="0"/>
         <a:buChar char="•"/>
-        <a:defRPr sz="1800" kern="1200">
+        <a:defRPr sz="1350" kern="1200">
           <a:solidFill>
             <a:schemeClr val="tx1"/>
           </a:solidFill>
@@ -3749,8 +3749,8 @@
       <a:defPPr>
         <a:defRPr lang="en-US"/>
       </a:defPPr>
-      <a:lvl1pPr marL="0" algn="l" defTabSz="914400" rtl="0" eaLnBrk="1" latinLnBrk="0" hangingPunct="1">
-        <a:defRPr sz="1800" kern="1200">
+      <a:lvl1pPr marL="0" algn="l" defTabSz="685800" rtl="0" eaLnBrk="1" latinLnBrk="0" hangingPunct="1">
+        <a:defRPr sz="1350" kern="1200">
           <a:solidFill>
             <a:schemeClr val="tx1"/>
           </a:solidFill>
@@ -3759,8 +3759,8 @@
           <a:cs typeface="+mn-cs"/>
         </a:defRPr>
       </a:lvl1pPr>
-      <a:lvl2pPr marL="457200" algn="l" defTabSz="914400" rtl="0" eaLnBrk="1" latinLnBrk="0" hangingPunct="1">
-        <a:defRPr sz="1800" kern="1200">
+      <a:lvl2pPr marL="342900" algn="l" defTabSz="685800" rtl="0" eaLnBrk="1" latinLnBrk="0" hangingPunct="1">
+        <a:defRPr sz="1350" kern="1200">
           <a:solidFill>
             <a:schemeClr val="tx1"/>
           </a:solidFill>
@@ -3769,8 +3769,8 @@
           <a:cs typeface="+mn-cs"/>
         </a:defRPr>
       </a:lvl2pPr>
-      <a:lvl3pPr marL="914400" algn="l" defTabSz="914400" rtl="0" eaLnBrk="1" latinLnBrk="0" hangingPunct="1">
-        <a:defRPr sz="1800" kern="1200">
+      <a:lvl3pPr marL="685800" algn="l" defTabSz="685800" rtl="0" eaLnBrk="1" latinLnBrk="0" hangingPunct="1">
+        <a:defRPr sz="1350" kern="1200">
           <a:solidFill>
             <a:schemeClr val="tx1"/>
           </a:solidFill>
@@ -3779,8 +3779,8 @@
           <a:cs typeface="+mn-cs"/>
         </a:defRPr>
       </a:lvl3pPr>
-      <a:lvl4pPr marL="1371600" algn="l" defTabSz="914400" rtl="0" eaLnBrk="1" latinLnBrk="0" hangingPunct="1">
-        <a:defRPr sz="1800" kern="1200">
+      <a:lvl4pPr marL="1028700" algn="l" defTabSz="685800" rtl="0" eaLnBrk="1" latinLnBrk="0" hangingPunct="1">
+        <a:defRPr sz="1350" kern="1200">
           <a:solidFill>
             <a:schemeClr val="tx1"/>
           </a:solidFill>
@@ -3789,8 +3789,8 @@
           <a:cs typeface="+mn-cs"/>
         </a:defRPr>
       </a:lvl4pPr>
-      <a:lvl5pPr marL="1828800" algn="l" defTabSz="914400" rtl="0" eaLnBrk="1" latinLnBrk="0" hangingPunct="1">
-        <a:defRPr sz="1800" kern="1200">
+      <a:lvl5pPr marL="1371600" algn="l" defTabSz="685800" rtl="0" eaLnBrk="1" latinLnBrk="0" hangingPunct="1">
+        <a:defRPr sz="1350" kern="1200">
           <a:solidFill>
             <a:schemeClr val="tx1"/>
           </a:solidFill>
@@ -3799,8 +3799,8 @@
           <a:cs typeface="+mn-cs"/>
         </a:defRPr>
       </a:lvl5pPr>
-      <a:lvl6pPr marL="2286000" algn="l" defTabSz="914400" rtl="0" eaLnBrk="1" latinLnBrk="0" hangingPunct="1">
-        <a:defRPr sz="1800" kern="1200">
+      <a:lvl6pPr marL="1714500" algn="l" defTabSz="685800" rtl="0" eaLnBrk="1" latinLnBrk="0" hangingPunct="1">
+        <a:defRPr sz="1350" kern="1200">
           <a:solidFill>
             <a:schemeClr val="tx1"/>
           </a:solidFill>
@@ -3809,8 +3809,8 @@
           <a:cs typeface="+mn-cs"/>
         </a:defRPr>
       </a:lvl6pPr>
-      <a:lvl7pPr marL="2743200" algn="l" defTabSz="914400" rtl="0" eaLnBrk="1" latinLnBrk="0" hangingPunct="1">
-        <a:defRPr sz="1800" kern="1200">
+      <a:lvl7pPr marL="2057400" algn="l" defTabSz="685800" rtl="0" eaLnBrk="1" latinLnBrk="0" hangingPunct="1">
+        <a:defRPr sz="1350" kern="1200">
           <a:solidFill>
             <a:schemeClr val="tx1"/>
           </a:solidFill>
@@ -3819,8 +3819,8 @@
           <a:cs typeface="+mn-cs"/>
         </a:defRPr>
       </a:lvl7pPr>
-      <a:lvl8pPr marL="3200400" algn="l" defTabSz="914400" rtl="0" eaLnBrk="1" latinLnBrk="0" hangingPunct="1">
-        <a:defRPr sz="1800" kern="1200">
+      <a:lvl8pPr marL="2400300" algn="l" defTabSz="685800" rtl="0" eaLnBrk="1" latinLnBrk="0" hangingPunct="1">
+        <a:defRPr sz="1350" kern="1200">
           <a:solidFill>
             <a:schemeClr val="tx1"/>
           </a:solidFill>
@@ -3829,8 +3829,8 @@
           <a:cs typeface="+mn-cs"/>
         </a:defRPr>
       </a:lvl8pPr>
-      <a:lvl9pPr marL="3657600" algn="l" defTabSz="914400" rtl="0" eaLnBrk="1" latinLnBrk="0" hangingPunct="1">
-        <a:defRPr sz="1800" kern="1200">
+      <a:lvl9pPr marL="2743200" algn="l" defTabSz="685800" rtl="0" eaLnBrk="1" latinLnBrk="0" hangingPunct="1">
+        <a:defRPr sz="1350" kern="1200">
           <a:solidFill>
             <a:schemeClr val="tx1"/>
           </a:solidFill>
@@ -3889,8 +3889,8 @@
         </p:blipFill>
         <p:spPr>
           <a:xfrm>
-            <a:off x="1333500" y="2695575"/>
-            <a:ext cx="9525000" cy="1466850"/>
+            <a:off x="1000125" y="2878931"/>
+            <a:ext cx="7143750" cy="1100138"/>
           </a:xfrm>
           <a:prstGeom prst="rect">
             <a:avLst/>
@@ -3927,69 +3927,6 @@
           <a:chExt cx="0" cy="0"/>
         </a:xfrm>
       </p:grpSpPr>
-      <p:graphicFrame>
-        <p:nvGraphicFramePr>
-          <p:cNvPr id="2" name="Object 1">
-            <a:extLst>
-              <a:ext uri="{FF2B5EF4-FFF2-40B4-BE49-F238E27FC236}">
-                <a16:creationId xmlns:a16="http://schemas.microsoft.com/office/drawing/2014/main" id="{C3DF02F8-8224-4CA6-B802-A81B2214C8DB}"/>
-              </a:ext>
-            </a:extLst>
-          </p:cNvPr>
-          <p:cNvGraphicFramePr>
-            <a:graphicFrameLocks noChangeAspect="1"/>
-          </p:cNvGraphicFramePr>
-          <p:nvPr/>
-        </p:nvGraphicFramePr>
-        <p:xfrm>
-          <a:off x="0" y="6582032"/>
-          <a:ext cx="12192000" cy="275968"/>
-        </p:xfrm>
-        <a:graphic>
-          <a:graphicData uri="http://schemas.openxmlformats.org/presentationml/2006/ole">
-            <mc:AlternateContent xmlns:mc="http://schemas.openxmlformats.org/markup-compatibility/2006">
-              <mc:Choice xmlns:v="urn:schemas-microsoft-com:vml" Requires="v">
-                <p:oleObj spid="_x0000_s8210" r:id="rId3" imgW="12380760" imgH="279360" progId="">
-                  <p:embed/>
-                </p:oleObj>
-              </mc:Choice>
-              <mc:Fallback>
-                <p:oleObj r:id="rId3" imgW="12380760" imgH="279360" progId="">
-                  <p:embed/>
-                  <p:pic>
-                    <p:nvPicPr>
-                      <p:cNvPr id="2" name="Object 1">
-                        <a:extLst>
-                          <a:ext uri="{FF2B5EF4-FFF2-40B4-BE49-F238E27FC236}">
-                            <a16:creationId xmlns:a16="http://schemas.microsoft.com/office/drawing/2014/main" id="{C3DF02F8-8224-4CA6-B802-A81B2214C8DB}"/>
-                          </a:ext>
-                        </a:extLst>
-                      </p:cNvPr>
-                      <p:cNvPicPr/>
-                      <p:nvPr/>
-                    </p:nvPicPr>
-                    <p:blipFill>
-                      <a:blip r:embed="rId4"/>
-                      <a:stretch>
-                        <a:fillRect/>
-                      </a:stretch>
-                    </p:blipFill>
-                    <p:spPr>
-                      <a:xfrm>
-                        <a:off x="0" y="6582032"/>
-                        <a:ext cx="12192000" cy="275968"/>
-                      </a:xfrm>
-                      <a:prstGeom prst="rect">
-                        <a:avLst/>
-                      </a:prstGeom>
-                    </p:spPr>
-                  </p:pic>
-                </p:oleObj>
-              </mc:Fallback>
-            </mc:AlternateContent>
-          </a:graphicData>
-        </a:graphic>
-      </p:graphicFrame>
       <p:pic>
         <p:nvPicPr>
           <p:cNvPr id="6148" name="Picture 4" descr="http://codecamp.mk/img/sponsors/cc_sp_mca.png">
@@ -4005,7 +3942,7 @@
           <p:nvPr/>
         </p:nvPicPr>
         <p:blipFill>
-          <a:blip r:embed="rId5">
+          <a:blip r:embed="rId2">
             <a:extLst>
               <a:ext uri="{28A0092B-C50C-407E-A947-70E740481C1C}">
                 <a14:useLocalDpi xmlns:a14="http://schemas.microsoft.com/office/drawing/2010/main" val="0"/>
@@ -4019,8 +3956,8 @@
         </p:blipFill>
         <p:spPr bwMode="auto">
           <a:xfrm>
-            <a:off x="1891813" y="1344270"/>
-            <a:ext cx="1492912" cy="495279"/>
+            <a:off x="1418860" y="1755728"/>
+            <a:ext cx="1119684" cy="371459"/>
           </a:xfrm>
           <a:prstGeom prst="rect">
             <a:avLst/>
@@ -4052,7 +3989,7 @@
           <p:nvPr/>
         </p:nvPicPr>
         <p:blipFill>
-          <a:blip r:embed="rId6">
+          <a:blip r:embed="rId3">
             <a:extLst>
               <a:ext uri="{28A0092B-C50C-407E-A947-70E740481C1C}">
                 <a14:useLocalDpi xmlns:a14="http://schemas.microsoft.com/office/drawing/2010/main" val="0"/>
@@ -4066,8 +4003,8 @@
         </p:blipFill>
         <p:spPr bwMode="auto">
           <a:xfrm>
-            <a:off x="1756612" y="2214998"/>
-            <a:ext cx="1870162" cy="615715"/>
+            <a:off x="1317459" y="2408774"/>
+            <a:ext cx="1402622" cy="461786"/>
           </a:xfrm>
           <a:prstGeom prst="rect">
             <a:avLst/>
@@ -4099,7 +4036,7 @@
           <p:nvPr/>
         </p:nvPicPr>
         <p:blipFill>
-          <a:blip r:embed="rId7">
+          <a:blip r:embed="rId4">
             <a:extLst>
               <a:ext uri="{28A0092B-C50C-407E-A947-70E740481C1C}">
                 <a14:useLocalDpi xmlns:a14="http://schemas.microsoft.com/office/drawing/2010/main" val="0"/>
@@ -4113,8 +4050,8 @@
         </p:blipFill>
         <p:spPr bwMode="auto">
           <a:xfrm>
-            <a:off x="3567587" y="2268379"/>
-            <a:ext cx="1438957" cy="499472"/>
+            <a:off x="2675691" y="2448809"/>
+            <a:ext cx="1079218" cy="374604"/>
           </a:xfrm>
           <a:prstGeom prst="rect">
             <a:avLst/>
@@ -4146,7 +4083,7 @@
           <p:nvPr/>
         </p:nvPicPr>
         <p:blipFill>
-          <a:blip r:embed="rId8">
+          <a:blip r:embed="rId5">
             <a:extLst>
               <a:ext uri="{28A0092B-C50C-407E-A947-70E740481C1C}">
                 <a14:useLocalDpi xmlns:a14="http://schemas.microsoft.com/office/drawing/2010/main" val="0"/>
@@ -4160,8 +4097,8 @@
         </p:blipFill>
         <p:spPr bwMode="auto">
           <a:xfrm>
-            <a:off x="5105427" y="2315605"/>
-            <a:ext cx="1193228" cy="433901"/>
+            <a:off x="3829070" y="2484229"/>
+            <a:ext cx="894921" cy="325426"/>
           </a:xfrm>
           <a:prstGeom prst="rect">
             <a:avLst/>
@@ -4193,7 +4130,7 @@
           <p:nvPr/>
         </p:nvPicPr>
         <p:blipFill>
-          <a:blip r:embed="rId9">
+          <a:blip r:embed="rId6">
             <a:extLst>
               <a:ext uri="{28A0092B-C50C-407E-A947-70E740481C1C}">
                 <a14:useLocalDpi xmlns:a14="http://schemas.microsoft.com/office/drawing/2010/main" val="0"/>
@@ -4207,8 +4144,8 @@
         </p:blipFill>
         <p:spPr bwMode="auto">
           <a:xfrm>
-            <a:off x="6462881" y="2304445"/>
-            <a:ext cx="1023094" cy="496932"/>
+            <a:off x="4847161" y="2475859"/>
+            <a:ext cx="767321" cy="372699"/>
           </a:xfrm>
           <a:prstGeom prst="rect">
             <a:avLst/>
@@ -4240,7 +4177,7 @@
           <p:nvPr/>
         </p:nvPicPr>
         <p:blipFill>
-          <a:blip r:embed="rId10">
+          <a:blip r:embed="rId7">
             <a:extLst>
               <a:ext uri="{28A0092B-C50C-407E-A947-70E740481C1C}">
                 <a14:useLocalDpi xmlns:a14="http://schemas.microsoft.com/office/drawing/2010/main" val="0"/>
@@ -4254,8 +4191,8 @@
         </p:blipFill>
         <p:spPr bwMode="auto">
           <a:xfrm>
-            <a:off x="1891812" y="3090383"/>
-            <a:ext cx="1501362" cy="742183"/>
+            <a:off x="1418859" y="3065313"/>
+            <a:ext cx="1126022" cy="556637"/>
           </a:xfrm>
           <a:prstGeom prst="rect">
             <a:avLst/>
@@ -4287,7 +4224,7 @@
           <p:nvPr/>
         </p:nvPicPr>
         <p:blipFill>
-          <a:blip r:embed="rId11">
+          <a:blip r:embed="rId8">
             <a:extLst>
               <a:ext uri="{28A0092B-C50C-407E-A947-70E740481C1C}">
                 <a14:useLocalDpi xmlns:a14="http://schemas.microsoft.com/office/drawing/2010/main" val="0"/>
@@ -4301,8 +4238,8 @@
         </p:blipFill>
         <p:spPr bwMode="auto">
           <a:xfrm>
-            <a:off x="3683776" y="3319924"/>
-            <a:ext cx="1614674" cy="339931"/>
+            <a:off x="2762832" y="3237469"/>
+            <a:ext cx="1211006" cy="254948"/>
           </a:xfrm>
           <a:prstGeom prst="rect">
             <a:avLst/>
@@ -4334,7 +4271,7 @@
           <p:nvPr/>
         </p:nvPicPr>
         <p:blipFill>
-          <a:blip r:embed="rId12">
+          <a:blip r:embed="rId9">
             <a:extLst>
               <a:ext uri="{28A0092B-C50C-407E-A947-70E740481C1C}">
                 <a14:useLocalDpi xmlns:a14="http://schemas.microsoft.com/office/drawing/2010/main" val="0"/>
@@ -4348,8 +4285,8 @@
         </p:blipFill>
         <p:spPr bwMode="auto">
           <a:xfrm>
-            <a:off x="5603158" y="3347319"/>
-            <a:ext cx="1614672" cy="271945"/>
+            <a:off x="4202369" y="3258015"/>
+            <a:ext cx="1211004" cy="203959"/>
           </a:xfrm>
           <a:prstGeom prst="rect">
             <a:avLst/>
@@ -4381,7 +4318,7 @@
           <p:nvPr/>
         </p:nvPicPr>
         <p:blipFill>
-          <a:blip r:embed="rId13">
+          <a:blip r:embed="rId10">
             <a:extLst>
               <a:ext uri="{28A0092B-C50C-407E-A947-70E740481C1C}">
                 <a14:useLocalDpi xmlns:a14="http://schemas.microsoft.com/office/drawing/2010/main" val="0"/>
@@ -4395,8 +4332,8 @@
         </p:blipFill>
         <p:spPr bwMode="auto">
           <a:xfrm>
-            <a:off x="1891812" y="4208015"/>
-            <a:ext cx="1177918" cy="181218"/>
+            <a:off x="1418859" y="3915568"/>
+            <a:ext cx="883439" cy="135914"/>
           </a:xfrm>
           <a:prstGeom prst="rect">
             <a:avLst/>
@@ -4428,7 +4365,7 @@
           <p:nvPr/>
         </p:nvPicPr>
         <p:blipFill>
-          <a:blip r:embed="rId14">
+          <a:blip r:embed="rId11">
             <a:extLst>
               <a:ext uri="{28A0092B-C50C-407E-A947-70E740481C1C}">
                 <a14:useLocalDpi xmlns:a14="http://schemas.microsoft.com/office/drawing/2010/main" val="0"/>
@@ -4442,8 +4379,8 @@
         </p:blipFill>
         <p:spPr bwMode="auto">
           <a:xfrm>
-            <a:off x="3479185" y="3950791"/>
-            <a:ext cx="1144533" cy="619955"/>
+            <a:off x="2609389" y="3710619"/>
+            <a:ext cx="858400" cy="464966"/>
           </a:xfrm>
           <a:prstGeom prst="rect">
             <a:avLst/>
@@ -4475,7 +4412,7 @@
           <p:nvPr/>
         </p:nvPicPr>
         <p:blipFill>
-          <a:blip r:embed="rId15">
+          <a:blip r:embed="rId12">
             <a:extLst>
               <a:ext uri="{28A0092B-C50C-407E-A947-70E740481C1C}">
                 <a14:useLocalDpi xmlns:a14="http://schemas.microsoft.com/office/drawing/2010/main" val="0"/>
@@ -4489,8 +4426,8 @@
         </p:blipFill>
         <p:spPr bwMode="auto">
           <a:xfrm>
-            <a:off x="4852393" y="4041299"/>
-            <a:ext cx="1359132" cy="391048"/>
+            <a:off x="3639295" y="3778499"/>
+            <a:ext cx="1019349" cy="293286"/>
           </a:xfrm>
           <a:prstGeom prst="rect">
             <a:avLst/>
@@ -4522,7 +4459,7 @@
           <p:nvPr/>
         </p:nvPicPr>
         <p:blipFill>
-          <a:blip r:embed="rId16">
+          <a:blip r:embed="rId13">
             <a:extLst>
               <a:ext uri="{28A0092B-C50C-407E-A947-70E740481C1C}">
                 <a14:useLocalDpi xmlns:a14="http://schemas.microsoft.com/office/drawing/2010/main" val="0"/>
@@ -4536,8 +4473,8 @@
         </p:blipFill>
         <p:spPr bwMode="auto">
           <a:xfrm>
-            <a:off x="6462881" y="4074486"/>
-            <a:ext cx="1697723" cy="314747"/>
+            <a:off x="4847161" y="3803390"/>
+            <a:ext cx="1273292" cy="236060"/>
           </a:xfrm>
           <a:prstGeom prst="rect">
             <a:avLst/>
@@ -4569,7 +4506,7 @@
           <p:nvPr/>
         </p:nvPicPr>
         <p:blipFill>
-          <a:blip r:embed="rId17">
+          <a:blip r:embed="rId14">
             <a:extLst>
               <a:ext uri="{28A0092B-C50C-407E-A947-70E740481C1C}">
                 <a14:useLocalDpi xmlns:a14="http://schemas.microsoft.com/office/drawing/2010/main" val="0"/>
@@ -4583,8 +4520,8 @@
         </p:blipFill>
         <p:spPr bwMode="auto">
           <a:xfrm>
-            <a:off x="8438442" y="4094904"/>
-            <a:ext cx="1273293" cy="247983"/>
+            <a:off x="6328832" y="3818704"/>
+            <a:ext cx="954970" cy="185987"/>
           </a:xfrm>
           <a:prstGeom prst="rect">
             <a:avLst/>
@@ -4616,7 +4553,7 @@
           <p:nvPr/>
         </p:nvPicPr>
         <p:blipFill>
-          <a:blip r:embed="rId18">
+          <a:blip r:embed="rId15">
             <a:extLst>
               <a:ext uri="{28A0092B-C50C-407E-A947-70E740481C1C}">
                 <a14:useLocalDpi xmlns:a14="http://schemas.microsoft.com/office/drawing/2010/main" val="0"/>
@@ -4630,8 +4567,8 @@
         </p:blipFill>
         <p:spPr bwMode="auto">
           <a:xfrm>
-            <a:off x="1756612" y="4700236"/>
-            <a:ext cx="1100139" cy="1100139"/>
+            <a:off x="1317460" y="4272703"/>
+            <a:ext cx="825104" cy="825104"/>
           </a:xfrm>
           <a:prstGeom prst="rect">
             <a:avLst/>
@@ -4663,7 +4600,7 @@
           <p:nvPr/>
         </p:nvPicPr>
         <p:blipFill>
-          <a:blip r:embed="rId19">
+          <a:blip r:embed="rId16">
             <a:extLst>
               <a:ext uri="{28A0092B-C50C-407E-A947-70E740481C1C}">
                 <a14:useLocalDpi xmlns:a14="http://schemas.microsoft.com/office/drawing/2010/main" val="0"/>
@@ -4677,8 +4614,8 @@
         </p:blipFill>
         <p:spPr bwMode="auto">
           <a:xfrm>
-            <a:off x="8785685" y="5142859"/>
-            <a:ext cx="1478368" cy="379068"/>
+            <a:off x="6589264" y="4604669"/>
+            <a:ext cx="1108776" cy="284301"/>
           </a:xfrm>
           <a:prstGeom prst="rect">
             <a:avLst/>
@@ -4710,7 +4647,7 @@
           <p:nvPr/>
         </p:nvPicPr>
         <p:blipFill>
-          <a:blip r:embed="rId20">
+          <a:blip r:embed="rId17">
             <a:extLst>
               <a:ext uri="{28A0092B-C50C-407E-A947-70E740481C1C}">
                 <a14:useLocalDpi xmlns:a14="http://schemas.microsoft.com/office/drawing/2010/main" val="0"/>
@@ -4724,8 +4661,8 @@
         </p:blipFill>
         <p:spPr bwMode="auto">
           <a:xfrm>
-            <a:off x="6769807" y="5166548"/>
-            <a:ext cx="1661585" cy="303255"/>
+            <a:off x="5077356" y="4622437"/>
+            <a:ext cx="1246189" cy="227441"/>
           </a:xfrm>
           <a:prstGeom prst="rect">
             <a:avLst/>
@@ -4757,7 +4694,7 @@
           <p:nvPr/>
         </p:nvPicPr>
         <p:blipFill>
-          <a:blip r:embed="rId21">
+          <a:blip r:embed="rId18">
             <a:extLst>
               <a:ext uri="{28A0092B-C50C-407E-A947-70E740481C1C}">
                 <a14:useLocalDpi xmlns:a14="http://schemas.microsoft.com/office/drawing/2010/main" val="0"/>
@@ -4771,8 +4708,8 @@
         </p:blipFill>
         <p:spPr bwMode="auto">
           <a:xfrm>
-            <a:off x="5471843" y="4965439"/>
-            <a:ext cx="1124571" cy="574921"/>
+            <a:off x="4103883" y="4471605"/>
+            <a:ext cx="843428" cy="431191"/>
           </a:xfrm>
           <a:prstGeom prst="rect">
             <a:avLst/>
@@ -4803,8 +4740,8 @@
         </p:nvSpPr>
         <p:spPr>
           <a:xfrm>
-            <a:off x="518874" y="1413908"/>
-            <a:ext cx="1237738" cy="369332"/>
+            <a:off x="389155" y="1807956"/>
+            <a:ext cx="928304" cy="507831"/>
           </a:xfrm>
           <a:prstGeom prst="rect">
             <a:avLst/>
@@ -4818,7 +4755,7 @@
           <a:lstStyle/>
           <a:p>
             <a:r>
-              <a:rPr lang="en-US" b="1" cap="all" dirty="0">
+              <a:rPr lang="en-US" sz="1350" b="1" cap="all" dirty="0">
                 <a:solidFill>
                   <a:schemeClr val="bg1">
                     <a:lumMod val="50000"/>
@@ -4844,8 +4781,8 @@
         </p:nvSpPr>
         <p:spPr>
           <a:xfrm>
-            <a:off x="518874" y="2368245"/>
-            <a:ext cx="1478368" cy="369332"/>
+            <a:off x="389156" y="2523709"/>
+            <a:ext cx="1108776" cy="300082"/>
           </a:xfrm>
           <a:prstGeom prst="rect">
             <a:avLst/>
@@ -4859,7 +4796,7 @@
           <a:lstStyle/>
           <a:p>
             <a:r>
-              <a:rPr lang="en-US" b="1" cap="all" dirty="0">
+              <a:rPr lang="en-US" sz="1350" b="1" cap="all" dirty="0">
                 <a:solidFill>
                   <a:schemeClr val="bg1">
                     <a:lumMod val="50000"/>
@@ -4885,8 +4822,8 @@
         </p:nvSpPr>
         <p:spPr>
           <a:xfrm>
-            <a:off x="518874" y="3281358"/>
-            <a:ext cx="1478368" cy="369332"/>
+            <a:off x="389156" y="3208543"/>
+            <a:ext cx="1108776" cy="300082"/>
           </a:xfrm>
           <a:prstGeom prst="rect">
             <a:avLst/>
@@ -4900,7 +4837,7 @@
           <a:lstStyle/>
           <a:p>
             <a:r>
-              <a:rPr lang="en-US" b="1" cap="all" dirty="0">
+              <a:rPr lang="en-US" sz="1350" b="1" cap="all" dirty="0">
                 <a:solidFill>
                   <a:schemeClr val="bg1">
                     <a:lumMod val="50000"/>
@@ -4926,8 +4863,8 @@
         </p:nvSpPr>
         <p:spPr>
           <a:xfrm>
-            <a:off x="518874" y="4082448"/>
-            <a:ext cx="1478368" cy="369332"/>
+            <a:off x="389156" y="3809361"/>
+            <a:ext cx="1108776" cy="300082"/>
           </a:xfrm>
           <a:prstGeom prst="rect">
             <a:avLst/>
@@ -4941,7 +4878,7 @@
           <a:lstStyle/>
           <a:p>
             <a:r>
-              <a:rPr lang="en-US" b="1" cap="all" dirty="0">
+              <a:rPr lang="en-US" sz="1350" b="1" cap="all" dirty="0">
                 <a:solidFill>
                   <a:schemeClr val="bg1">
                     <a:lumMod val="50000"/>
@@ -4967,8 +4904,8 @@
         </p:nvSpPr>
         <p:spPr>
           <a:xfrm>
-            <a:off x="518873" y="4964657"/>
-            <a:ext cx="1478368" cy="646331"/>
+            <a:off x="389155" y="4471018"/>
+            <a:ext cx="1108776" cy="507831"/>
           </a:xfrm>
           <a:prstGeom prst="rect">
             <a:avLst/>
@@ -4982,7 +4919,7 @@
           <a:lstStyle/>
           <a:p>
             <a:r>
-              <a:rPr lang="en-US" b="1" cap="all" dirty="0">
+              <a:rPr lang="en-US" sz="1350" b="1" cap="all" dirty="0">
                 <a:solidFill>
                   <a:schemeClr val="bg1">
                     <a:lumMod val="50000"/>
@@ -4994,7 +4931,7 @@
           </a:p>
           <a:p>
             <a:r>
-              <a:rPr lang="en-US" b="1" cap="all" dirty="0">
+              <a:rPr lang="en-US" sz="1350" b="1" cap="all" dirty="0">
                 <a:solidFill>
                   <a:schemeClr val="bg1">
                     <a:lumMod val="50000"/>
@@ -5020,8 +4957,8 @@
         </p:nvSpPr>
         <p:spPr>
           <a:xfrm>
-            <a:off x="3820082" y="4970666"/>
-            <a:ext cx="1478368" cy="646331"/>
+            <a:off x="2865062" y="4475525"/>
+            <a:ext cx="1108776" cy="507831"/>
           </a:xfrm>
           <a:prstGeom prst="rect">
             <a:avLst/>
@@ -5035,7 +4972,7 @@
           <a:lstStyle/>
           <a:p>
             <a:r>
-              <a:rPr lang="en-US" b="1" cap="all" dirty="0">
+              <a:rPr lang="en-US" sz="1350" b="1" cap="all" dirty="0">
                 <a:solidFill>
                   <a:schemeClr val="bg1">
                     <a:lumMod val="50000"/>
@@ -5063,15 +5000,15 @@
         </p:nvSpPr>
         <p:spPr>
           <a:xfrm>
-            <a:off x="518873" y="354694"/>
-            <a:ext cx="10772686" cy="867781"/>
+            <a:off x="389155" y="673122"/>
+            <a:ext cx="8079515" cy="650836"/>
           </a:xfrm>
           <a:prstGeom prst="rect">
             <a:avLst/>
           </a:prstGeom>
         </p:spPr>
         <p:txBody>
-          <a:bodyPr vert="horz" lIns="91440" tIns="45720" rIns="91440" bIns="45720" rtlCol="0" anchor="b">
+          <a:bodyPr vert="horz" lIns="68580" tIns="34290" rIns="68580" bIns="34290" rtlCol="0" anchor="b">
             <a:normAutofit/>
           </a:bodyPr>
           <a:lstStyle>
@@ -5096,7 +5033,7 @@
           <a:p>
             <a:pPr algn="l"/>
             <a:r>
-              <a:rPr lang="en-US" sz="3600" dirty="0">
+              <a:rPr lang="en-US" sz="2700" dirty="0">
                 <a:solidFill>
                   <a:srgbClr val="0D78BF"/>
                 </a:solidFill>
@@ -5121,7 +5058,7 @@
           <p:nvPr/>
         </p:nvPicPr>
         <p:blipFill>
-          <a:blip r:embed="rId22">
+          <a:blip r:embed="rId19">
             <a:extLst>
               <a:ext uri="{28A0092B-C50C-407E-A947-70E740481C1C}">
                 <a14:useLocalDpi xmlns:a14="http://schemas.microsoft.com/office/drawing/2010/main" val="0"/>
@@ -5134,8 +5071,8 @@
         </p:blipFill>
         <p:spPr>
           <a:xfrm>
-            <a:off x="7420633" y="3174843"/>
-            <a:ext cx="857405" cy="573265"/>
+            <a:off x="5565475" y="3128658"/>
+            <a:ext cx="643054" cy="429949"/>
           </a:xfrm>
           <a:prstGeom prst="rect">
             <a:avLst/>
@@ -5200,8 +5137,8 @@
         </p:blipFill>
         <p:spPr>
           <a:xfrm>
-            <a:off x="7677460" y="473492"/>
-            <a:ext cx="3222659" cy="5029841"/>
+            <a:off x="5758096" y="1212369"/>
+            <a:ext cx="2416994" cy="3772381"/>
           </a:xfrm>
           <a:prstGeom prst="rect">
             <a:avLst/>
@@ -5332,8 +5269,8 @@
         </p:nvSpPr>
         <p:spPr>
           <a:xfrm>
-            <a:off x="0" y="0"/>
-            <a:ext cx="12400547" cy="3062792"/>
+            <a:off x="1" y="857250"/>
+            <a:ext cx="9300410" cy="2297094"/>
           </a:xfrm>
           <a:prstGeom prst="rect">
             <a:avLst/>
@@ -5363,7 +5300,7 @@
           <a:lstStyle/>
           <a:p>
             <a:pPr algn="ctr"/>
-            <a:endParaRPr lang="en-US" dirty="0"/>
+            <a:endParaRPr lang="en-US" sz="1350" dirty="0"/>
           </a:p>
         </p:txBody>
       </p:sp>
@@ -5381,8 +5318,8 @@
         </p:nvSpPr>
         <p:spPr>
           <a:xfrm>
-            <a:off x="626644" y="1759117"/>
-            <a:ext cx="3771353" cy="1446550"/>
+            <a:off x="469983" y="2176588"/>
+            <a:ext cx="2874698" cy="1107996"/>
           </a:xfrm>
           <a:prstGeom prst="rect">
             <a:avLst/>
@@ -5396,7 +5333,7 @@
           <a:lstStyle/>
           <a:p>
             <a:r>
-              <a:rPr lang="en-US" sz="8800" dirty="0">
+              <a:rPr lang="en-US" sz="6600" dirty="0">
                 <a:solidFill>
                   <a:schemeClr val="bg1"/>
                 </a:solidFill>
@@ -5420,8 +5357,8 @@
         </p:nvSpPr>
         <p:spPr>
           <a:xfrm>
-            <a:off x="721894" y="3062792"/>
-            <a:ext cx="3263970" cy="677108"/>
+            <a:off x="541421" y="3154345"/>
+            <a:ext cx="2490105" cy="530915"/>
           </a:xfrm>
           <a:prstGeom prst="rect">
             <a:avLst/>
@@ -5435,7 +5372,7 @@
           <a:lstStyle/>
           <a:p>
             <a:r>
-              <a:rPr lang="en-US" sz="3800" dirty="0">
+              <a:rPr lang="en-US" sz="2850" dirty="0">
                 <a:solidFill>
                   <a:schemeClr val="bg1">
                     <a:lumMod val="50000"/>
@@ -5475,8 +5412,8 @@
         </p:blipFill>
         <p:spPr>
           <a:xfrm>
-            <a:off x="7909259" y="391027"/>
-            <a:ext cx="2838450" cy="4953000"/>
+            <a:off x="5931944" y="1150520"/>
+            <a:ext cx="2128838" cy="3714750"/>
           </a:xfrm>
           <a:prstGeom prst="rect">
             <a:avLst/>

--- a/ppt/CodeCamp18_Template.pptx
+++ b/ppt/CodeCamp18_Template.pptx
@@ -3,18 +3,19 @@
 <p:presentation xmlns:a="http://schemas.openxmlformats.org/drawingml/2006/main" xmlns:r="http://schemas.openxmlformats.org/officeDocument/2006/relationships" xmlns:p="http://schemas.openxmlformats.org/presentationml/2006/main" saveSubsetFonts="1">
   <p:sldMasterIdLst>
     <p:sldMasterId id="2147483664" r:id="rId1"/>
+    <p:sldMasterId id="2147483676" r:id="rId2"/>
   </p:sldMasterIdLst>
   <p:notesMasterIdLst>
-    <p:notesMasterId r:id="rId7"/>
+    <p:notesMasterId r:id="rId8"/>
   </p:notesMasterIdLst>
   <p:sldIdLst>
-    <p:sldId id="256" r:id="rId2"/>
-    <p:sldId id="262" r:id="rId3"/>
-    <p:sldId id="263" r:id="rId4"/>
-    <p:sldId id="264" r:id="rId5"/>
-    <p:sldId id="265" r:id="rId6"/>
+    <p:sldId id="256" r:id="rId3"/>
+    <p:sldId id="262" r:id="rId4"/>
+    <p:sldId id="263" r:id="rId5"/>
+    <p:sldId id="264" r:id="rId6"/>
+    <p:sldId id="265" r:id="rId7"/>
   </p:sldIdLst>
-  <p:sldSz cx="9144000" cy="6858000" type="screen4x3"/>
+  <p:sldSz cx="12192000" cy="6858000"/>
   <p:notesSz cx="6858000" cy="9144000"/>
   <p:defaultTextStyle>
     <a:defPPr>
@@ -219,8 +220,8 @@
         </p:nvSpPr>
         <p:spPr>
           <a:xfrm>
-            <a:off x="1371600" y="1143000"/>
-            <a:ext cx="4114800" cy="3086100"/>
+            <a:off x="685800" y="1143000"/>
+            <a:ext cx="5486400" cy="3086100"/>
           </a:xfrm>
           <a:prstGeom prst="rect">
             <a:avLst/>
@@ -503,8 +504,8 @@
         </p:nvSpPr>
         <p:spPr>
           <a:xfrm>
-            <a:off x="1143000" y="1122363"/>
-            <a:ext cx="6858000" cy="2387600"/>
+            <a:off x="1524000" y="1122363"/>
+            <a:ext cx="9144000" cy="2387600"/>
           </a:xfrm>
         </p:spPr>
         <p:txBody>
@@ -540,8 +541,8 @@
         </p:nvSpPr>
         <p:spPr>
           <a:xfrm>
-            <a:off x="1143000" y="3602038"/>
-            <a:ext cx="6858000" cy="1655762"/>
+            <a:off x="1524000" y="3602038"/>
+            <a:ext cx="9144000" cy="1655762"/>
           </a:xfrm>
         </p:spPr>
         <p:txBody>
@@ -921,8 +922,8 @@
         </p:nvSpPr>
         <p:spPr>
           <a:xfrm>
-            <a:off x="6543675" y="365125"/>
-            <a:ext cx="1971675" cy="5811838"/>
+            <a:off x="8724901" y="365125"/>
+            <a:ext cx="2628900" cy="5811838"/>
           </a:xfrm>
         </p:spPr>
         <p:txBody>
@@ -954,8 +955,8 @@
         </p:nvSpPr>
         <p:spPr>
           <a:xfrm>
-            <a:off x="628650" y="365125"/>
-            <a:ext cx="5800725" cy="5811838"/>
+            <a:off x="838201" y="365125"/>
+            <a:ext cx="7734300" cy="5811838"/>
           </a:xfrm>
         </p:spPr>
         <p:txBody>
@@ -1085,6 +1086,1703 @@
     <p:extLst>
       <p:ext uri="{BB962C8B-B14F-4D97-AF65-F5344CB8AC3E}">
         <p14:creationId xmlns:p14="http://schemas.microsoft.com/office/powerpoint/2010/main" val="1268033430"/>
+      </p:ext>
+    </p:extLst>
+  </p:cSld>
+  <p:clrMapOvr>
+    <a:masterClrMapping/>
+  </p:clrMapOvr>
+</p:sldLayout>
+</file>
+
+<file path=ppt/slideLayouts/slideLayout12.xml><?xml version="1.0" encoding="utf-8"?>
+<p:sldLayout xmlns:a="http://schemas.openxmlformats.org/drawingml/2006/main" xmlns:r="http://schemas.openxmlformats.org/officeDocument/2006/relationships" xmlns:p="http://schemas.openxmlformats.org/presentationml/2006/main" type="title" preserve="1">
+  <p:cSld name="Title Slide">
+    <p:spTree>
+      <p:nvGrpSpPr>
+        <p:cNvPr id="1" name=""/>
+        <p:cNvGrpSpPr/>
+        <p:nvPr/>
+      </p:nvGrpSpPr>
+      <p:grpSpPr>
+        <a:xfrm>
+          <a:off x="0" y="0"/>
+          <a:ext cx="0" cy="0"/>
+          <a:chOff x="0" y="0"/>
+          <a:chExt cx="0" cy="0"/>
+        </a:xfrm>
+      </p:grpSpPr>
+      <p:sp>
+        <p:nvSpPr>
+          <p:cNvPr id="2" name="Title 1"/>
+          <p:cNvSpPr>
+            <a:spLocks noGrp="1"/>
+          </p:cNvSpPr>
+          <p:nvPr>
+            <p:ph type="ctrTitle"/>
+          </p:nvPr>
+        </p:nvSpPr>
+        <p:spPr>
+          <a:xfrm>
+            <a:off x="1524000" y="1122363"/>
+            <a:ext cx="9144000" cy="2387600"/>
+          </a:xfrm>
+        </p:spPr>
+        <p:txBody>
+          <a:bodyPr anchor="b"/>
+          <a:lstStyle>
+            <a:lvl1pPr algn="ctr">
+              <a:defRPr sz="6000"/>
+            </a:lvl1pPr>
+          </a:lstStyle>
+          <a:p>
+            <a:r>
+              <a:rPr lang="en-US"/>
+              <a:t>Click to edit Master title style</a:t>
+            </a:r>
+            <a:endParaRPr lang="en-US" dirty="0"/>
+          </a:p>
+        </p:txBody>
+      </p:sp>
+      <p:sp>
+        <p:nvSpPr>
+          <p:cNvPr id="3" name="Subtitle 2"/>
+          <p:cNvSpPr>
+            <a:spLocks noGrp="1"/>
+          </p:cNvSpPr>
+          <p:nvPr>
+            <p:ph type="subTitle" idx="1"/>
+          </p:nvPr>
+        </p:nvSpPr>
+        <p:spPr>
+          <a:xfrm>
+            <a:off x="1524000" y="3602038"/>
+            <a:ext cx="9144000" cy="1655762"/>
+          </a:xfrm>
+        </p:spPr>
+        <p:txBody>
+          <a:bodyPr/>
+          <a:lstStyle>
+            <a:lvl1pPr marL="0" indent="0" algn="ctr">
+              <a:buNone/>
+              <a:defRPr sz="2400"/>
+            </a:lvl1pPr>
+            <a:lvl2pPr marL="457200" indent="0" algn="ctr">
+              <a:buNone/>
+              <a:defRPr sz="2000"/>
+            </a:lvl2pPr>
+            <a:lvl3pPr marL="914400" indent="0" algn="ctr">
+              <a:buNone/>
+              <a:defRPr sz="1800"/>
+            </a:lvl3pPr>
+            <a:lvl4pPr marL="1371600" indent="0" algn="ctr">
+              <a:buNone/>
+              <a:defRPr sz="1600"/>
+            </a:lvl4pPr>
+            <a:lvl5pPr marL="1828800" indent="0" algn="ctr">
+              <a:buNone/>
+              <a:defRPr sz="1600"/>
+            </a:lvl5pPr>
+            <a:lvl6pPr marL="2286000" indent="0" algn="ctr">
+              <a:buNone/>
+              <a:defRPr sz="1600"/>
+            </a:lvl6pPr>
+            <a:lvl7pPr marL="2743200" indent="0" algn="ctr">
+              <a:buNone/>
+              <a:defRPr sz="1600"/>
+            </a:lvl7pPr>
+            <a:lvl8pPr marL="3200400" indent="0" algn="ctr">
+              <a:buNone/>
+              <a:defRPr sz="1600"/>
+            </a:lvl8pPr>
+            <a:lvl9pPr marL="3657600" indent="0" algn="ctr">
+              <a:buNone/>
+              <a:defRPr sz="1600"/>
+            </a:lvl9pPr>
+          </a:lstStyle>
+          <a:p>
+            <a:r>
+              <a:rPr lang="en-US"/>
+              <a:t>Click to edit Master subtitle style</a:t>
+            </a:r>
+            <a:endParaRPr lang="en-US" dirty="0"/>
+          </a:p>
+        </p:txBody>
+      </p:sp>
+      <p:sp>
+        <p:nvSpPr>
+          <p:cNvPr id="4" name="Date Placeholder 3"/>
+          <p:cNvSpPr>
+            <a:spLocks noGrp="1"/>
+          </p:cNvSpPr>
+          <p:nvPr>
+            <p:ph type="dt" sz="half" idx="10"/>
+          </p:nvPr>
+        </p:nvSpPr>
+        <p:spPr/>
+        <p:txBody>
+          <a:bodyPr/>
+          <a:lstStyle/>
+          <a:p>
+            <a:fld id="{3D2277E6-1886-452C-854D-DB4A9BB05FC1}" type="datetimeFigureOut">
+              <a:rPr lang="en-US" smtClean="0"/>
+              <a:t>13-Nov-18</a:t>
+            </a:fld>
+            <a:endParaRPr lang="en-US"/>
+          </a:p>
+        </p:txBody>
+      </p:sp>
+      <p:sp>
+        <p:nvSpPr>
+          <p:cNvPr id="5" name="Footer Placeholder 4"/>
+          <p:cNvSpPr>
+            <a:spLocks noGrp="1"/>
+          </p:cNvSpPr>
+          <p:nvPr>
+            <p:ph type="ftr" sz="quarter" idx="11"/>
+          </p:nvPr>
+        </p:nvSpPr>
+        <p:spPr/>
+        <p:txBody>
+          <a:bodyPr/>
+          <a:lstStyle/>
+          <a:p>
+            <a:endParaRPr lang="en-US"/>
+          </a:p>
+        </p:txBody>
+      </p:sp>
+      <p:sp>
+        <p:nvSpPr>
+          <p:cNvPr id="6" name="Slide Number Placeholder 5"/>
+          <p:cNvSpPr>
+            <a:spLocks noGrp="1"/>
+          </p:cNvSpPr>
+          <p:nvPr>
+            <p:ph type="sldNum" sz="quarter" idx="12"/>
+          </p:nvPr>
+        </p:nvSpPr>
+        <p:spPr/>
+        <p:txBody>
+          <a:bodyPr/>
+          <a:lstStyle/>
+          <a:p>
+            <a:fld id="{043B9436-2E4C-483D-BC67-D4CE7485150B}" type="slidenum">
+              <a:rPr lang="en-US" smtClean="0"/>
+              <a:t>‹#›</a:t>
+            </a:fld>
+            <a:endParaRPr lang="en-US" dirty="0"/>
+          </a:p>
+        </p:txBody>
+      </p:sp>
+    </p:spTree>
+    <p:extLst>
+      <p:ext uri="{BB962C8B-B14F-4D97-AF65-F5344CB8AC3E}">
+        <p14:creationId xmlns:p14="http://schemas.microsoft.com/office/powerpoint/2010/main" val="1458356971"/>
+      </p:ext>
+    </p:extLst>
+  </p:cSld>
+  <p:clrMapOvr>
+    <a:masterClrMapping/>
+  </p:clrMapOvr>
+</p:sldLayout>
+</file>
+
+<file path=ppt/slideLayouts/slideLayout13.xml><?xml version="1.0" encoding="utf-8"?>
+<p:sldLayout xmlns:a="http://schemas.openxmlformats.org/drawingml/2006/main" xmlns:r="http://schemas.openxmlformats.org/officeDocument/2006/relationships" xmlns:p="http://schemas.openxmlformats.org/presentationml/2006/main" type="obj" preserve="1">
+  <p:cSld name="Title and Content">
+    <p:spTree>
+      <p:nvGrpSpPr>
+        <p:cNvPr id="1" name=""/>
+        <p:cNvGrpSpPr/>
+        <p:nvPr/>
+      </p:nvGrpSpPr>
+      <p:grpSpPr>
+        <a:xfrm>
+          <a:off x="0" y="0"/>
+          <a:ext cx="0" cy="0"/>
+          <a:chOff x="0" y="0"/>
+          <a:chExt cx="0" cy="0"/>
+        </a:xfrm>
+      </p:grpSpPr>
+      <p:sp>
+        <p:nvSpPr>
+          <p:cNvPr id="2" name="Title 1"/>
+          <p:cNvSpPr>
+            <a:spLocks noGrp="1"/>
+          </p:cNvSpPr>
+          <p:nvPr>
+            <p:ph type="title"/>
+          </p:nvPr>
+        </p:nvSpPr>
+        <p:spPr/>
+        <p:txBody>
+          <a:bodyPr/>
+          <a:lstStyle/>
+          <a:p>
+            <a:r>
+              <a:rPr lang="en-US"/>
+              <a:t>Click to edit Master title style</a:t>
+            </a:r>
+            <a:endParaRPr lang="en-US" dirty="0"/>
+          </a:p>
+        </p:txBody>
+      </p:sp>
+      <p:sp>
+        <p:nvSpPr>
+          <p:cNvPr id="3" name="Content Placeholder 2"/>
+          <p:cNvSpPr>
+            <a:spLocks noGrp="1"/>
+          </p:cNvSpPr>
+          <p:nvPr>
+            <p:ph idx="1"/>
+          </p:nvPr>
+        </p:nvSpPr>
+        <p:spPr/>
+        <p:txBody>
+          <a:bodyPr/>
+          <a:lstStyle/>
+          <a:p>
+            <a:pPr lvl="0"/>
+            <a:r>
+              <a:rPr lang="en-US"/>
+              <a:t>Edit Master text styles</a:t>
+            </a:r>
+          </a:p>
+          <a:p>
+            <a:pPr lvl="1"/>
+            <a:r>
+              <a:rPr lang="en-US"/>
+              <a:t>Second level</a:t>
+            </a:r>
+          </a:p>
+          <a:p>
+            <a:pPr lvl="2"/>
+            <a:r>
+              <a:rPr lang="en-US"/>
+              <a:t>Third level</a:t>
+            </a:r>
+          </a:p>
+          <a:p>
+            <a:pPr lvl="3"/>
+            <a:r>
+              <a:rPr lang="en-US"/>
+              <a:t>Fourth level</a:t>
+            </a:r>
+          </a:p>
+          <a:p>
+            <a:pPr lvl="4"/>
+            <a:r>
+              <a:rPr lang="en-US"/>
+              <a:t>Fifth level</a:t>
+            </a:r>
+            <a:endParaRPr lang="en-US" dirty="0"/>
+          </a:p>
+        </p:txBody>
+      </p:sp>
+      <p:sp>
+        <p:nvSpPr>
+          <p:cNvPr id="4" name="Date Placeholder 3"/>
+          <p:cNvSpPr>
+            <a:spLocks noGrp="1"/>
+          </p:cNvSpPr>
+          <p:nvPr>
+            <p:ph type="dt" sz="half" idx="10"/>
+          </p:nvPr>
+        </p:nvSpPr>
+        <p:spPr/>
+        <p:txBody>
+          <a:bodyPr/>
+          <a:lstStyle/>
+          <a:p>
+            <a:fld id="{3D2277E6-1886-452C-854D-DB4A9BB05FC1}" type="datetimeFigureOut">
+              <a:rPr lang="en-US" smtClean="0"/>
+              <a:t>13-Nov-18</a:t>
+            </a:fld>
+            <a:endParaRPr lang="en-US"/>
+          </a:p>
+        </p:txBody>
+      </p:sp>
+      <p:sp>
+        <p:nvSpPr>
+          <p:cNvPr id="5" name="Footer Placeholder 4"/>
+          <p:cNvSpPr>
+            <a:spLocks noGrp="1"/>
+          </p:cNvSpPr>
+          <p:nvPr>
+            <p:ph type="ftr" sz="quarter" idx="11"/>
+          </p:nvPr>
+        </p:nvSpPr>
+        <p:spPr/>
+        <p:txBody>
+          <a:bodyPr/>
+          <a:lstStyle/>
+          <a:p>
+            <a:endParaRPr lang="en-US"/>
+          </a:p>
+        </p:txBody>
+      </p:sp>
+      <p:sp>
+        <p:nvSpPr>
+          <p:cNvPr id="6" name="Slide Number Placeholder 5"/>
+          <p:cNvSpPr>
+            <a:spLocks noGrp="1"/>
+          </p:cNvSpPr>
+          <p:nvPr>
+            <p:ph type="sldNum" sz="quarter" idx="12"/>
+          </p:nvPr>
+        </p:nvSpPr>
+        <p:spPr/>
+        <p:txBody>
+          <a:bodyPr/>
+          <a:lstStyle/>
+          <a:p>
+            <a:fld id="{043B9436-2E4C-483D-BC67-D4CE7485150B}" type="slidenum">
+              <a:rPr lang="en-US" smtClean="0"/>
+              <a:t>‹#›</a:t>
+            </a:fld>
+            <a:endParaRPr lang="en-US"/>
+          </a:p>
+        </p:txBody>
+      </p:sp>
+    </p:spTree>
+    <p:extLst>
+      <p:ext uri="{BB962C8B-B14F-4D97-AF65-F5344CB8AC3E}">
+        <p14:creationId xmlns:p14="http://schemas.microsoft.com/office/powerpoint/2010/main" val="3747231652"/>
+      </p:ext>
+    </p:extLst>
+  </p:cSld>
+  <p:clrMapOvr>
+    <a:masterClrMapping/>
+  </p:clrMapOvr>
+</p:sldLayout>
+</file>
+
+<file path=ppt/slideLayouts/slideLayout14.xml><?xml version="1.0" encoding="utf-8"?>
+<p:sldLayout xmlns:a="http://schemas.openxmlformats.org/drawingml/2006/main" xmlns:r="http://schemas.openxmlformats.org/officeDocument/2006/relationships" xmlns:p="http://schemas.openxmlformats.org/presentationml/2006/main" type="secHead" preserve="1">
+  <p:cSld name="Section Header">
+    <p:spTree>
+      <p:nvGrpSpPr>
+        <p:cNvPr id="1" name=""/>
+        <p:cNvGrpSpPr/>
+        <p:nvPr/>
+      </p:nvGrpSpPr>
+      <p:grpSpPr>
+        <a:xfrm>
+          <a:off x="0" y="0"/>
+          <a:ext cx="0" cy="0"/>
+          <a:chOff x="0" y="0"/>
+          <a:chExt cx="0" cy="0"/>
+        </a:xfrm>
+      </p:grpSpPr>
+      <p:sp>
+        <p:nvSpPr>
+          <p:cNvPr id="2" name="Title 1"/>
+          <p:cNvSpPr>
+            <a:spLocks noGrp="1"/>
+          </p:cNvSpPr>
+          <p:nvPr>
+            <p:ph type="title"/>
+          </p:nvPr>
+        </p:nvSpPr>
+        <p:spPr>
+          <a:xfrm>
+            <a:off x="831850" y="1709738"/>
+            <a:ext cx="10515600" cy="2852737"/>
+          </a:xfrm>
+        </p:spPr>
+        <p:txBody>
+          <a:bodyPr anchor="b"/>
+          <a:lstStyle>
+            <a:lvl1pPr>
+              <a:defRPr sz="6000"/>
+            </a:lvl1pPr>
+          </a:lstStyle>
+          <a:p>
+            <a:r>
+              <a:rPr lang="en-US"/>
+              <a:t>Click to edit Master title style</a:t>
+            </a:r>
+            <a:endParaRPr lang="en-US" dirty="0"/>
+          </a:p>
+        </p:txBody>
+      </p:sp>
+      <p:sp>
+        <p:nvSpPr>
+          <p:cNvPr id="3" name="Text Placeholder 2"/>
+          <p:cNvSpPr>
+            <a:spLocks noGrp="1"/>
+          </p:cNvSpPr>
+          <p:nvPr>
+            <p:ph type="body" idx="1"/>
+          </p:nvPr>
+        </p:nvSpPr>
+        <p:spPr>
+          <a:xfrm>
+            <a:off x="831850" y="4589463"/>
+            <a:ext cx="10515600" cy="1500187"/>
+          </a:xfrm>
+        </p:spPr>
+        <p:txBody>
+          <a:bodyPr/>
+          <a:lstStyle>
+            <a:lvl1pPr marL="0" indent="0">
+              <a:buNone/>
+              <a:defRPr sz="2400">
+                <a:solidFill>
+                  <a:schemeClr val="tx1">
+                    <a:tint val="75000"/>
+                  </a:schemeClr>
+                </a:solidFill>
+              </a:defRPr>
+            </a:lvl1pPr>
+            <a:lvl2pPr marL="457200" indent="0">
+              <a:buNone/>
+              <a:defRPr sz="2000">
+                <a:solidFill>
+                  <a:schemeClr val="tx1">
+                    <a:tint val="75000"/>
+                  </a:schemeClr>
+                </a:solidFill>
+              </a:defRPr>
+            </a:lvl2pPr>
+            <a:lvl3pPr marL="914400" indent="0">
+              <a:buNone/>
+              <a:defRPr sz="1800">
+                <a:solidFill>
+                  <a:schemeClr val="tx1">
+                    <a:tint val="75000"/>
+                  </a:schemeClr>
+                </a:solidFill>
+              </a:defRPr>
+            </a:lvl3pPr>
+            <a:lvl4pPr marL="1371600" indent="0">
+              <a:buNone/>
+              <a:defRPr sz="1600">
+                <a:solidFill>
+                  <a:schemeClr val="tx1">
+                    <a:tint val="75000"/>
+                  </a:schemeClr>
+                </a:solidFill>
+              </a:defRPr>
+            </a:lvl4pPr>
+            <a:lvl5pPr marL="1828800" indent="0">
+              <a:buNone/>
+              <a:defRPr sz="1600">
+                <a:solidFill>
+                  <a:schemeClr val="tx1">
+                    <a:tint val="75000"/>
+                  </a:schemeClr>
+                </a:solidFill>
+              </a:defRPr>
+            </a:lvl5pPr>
+            <a:lvl6pPr marL="2286000" indent="0">
+              <a:buNone/>
+              <a:defRPr sz="1600">
+                <a:solidFill>
+                  <a:schemeClr val="tx1">
+                    <a:tint val="75000"/>
+                  </a:schemeClr>
+                </a:solidFill>
+              </a:defRPr>
+            </a:lvl6pPr>
+            <a:lvl7pPr marL="2743200" indent="0">
+              <a:buNone/>
+              <a:defRPr sz="1600">
+                <a:solidFill>
+                  <a:schemeClr val="tx1">
+                    <a:tint val="75000"/>
+                  </a:schemeClr>
+                </a:solidFill>
+              </a:defRPr>
+            </a:lvl7pPr>
+            <a:lvl8pPr marL="3200400" indent="0">
+              <a:buNone/>
+              <a:defRPr sz="1600">
+                <a:solidFill>
+                  <a:schemeClr val="tx1">
+                    <a:tint val="75000"/>
+                  </a:schemeClr>
+                </a:solidFill>
+              </a:defRPr>
+            </a:lvl8pPr>
+            <a:lvl9pPr marL="3657600" indent="0">
+              <a:buNone/>
+              <a:defRPr sz="1600">
+                <a:solidFill>
+                  <a:schemeClr val="tx1">
+                    <a:tint val="75000"/>
+                  </a:schemeClr>
+                </a:solidFill>
+              </a:defRPr>
+            </a:lvl9pPr>
+          </a:lstStyle>
+          <a:p>
+            <a:pPr lvl="0"/>
+            <a:r>
+              <a:rPr lang="en-US"/>
+              <a:t>Edit Master text styles</a:t>
+            </a:r>
+          </a:p>
+        </p:txBody>
+      </p:sp>
+      <p:sp>
+        <p:nvSpPr>
+          <p:cNvPr id="4" name="Date Placeholder 3"/>
+          <p:cNvSpPr>
+            <a:spLocks noGrp="1"/>
+          </p:cNvSpPr>
+          <p:nvPr>
+            <p:ph type="dt" sz="half" idx="10"/>
+          </p:nvPr>
+        </p:nvSpPr>
+        <p:spPr/>
+        <p:txBody>
+          <a:bodyPr/>
+          <a:lstStyle/>
+          <a:p>
+            <a:fld id="{3D2277E6-1886-452C-854D-DB4A9BB05FC1}" type="datetimeFigureOut">
+              <a:rPr lang="en-US" smtClean="0"/>
+              <a:t>13-Nov-18</a:t>
+            </a:fld>
+            <a:endParaRPr lang="en-US"/>
+          </a:p>
+        </p:txBody>
+      </p:sp>
+      <p:sp>
+        <p:nvSpPr>
+          <p:cNvPr id="5" name="Footer Placeholder 4"/>
+          <p:cNvSpPr>
+            <a:spLocks noGrp="1"/>
+          </p:cNvSpPr>
+          <p:nvPr>
+            <p:ph type="ftr" sz="quarter" idx="11"/>
+          </p:nvPr>
+        </p:nvSpPr>
+        <p:spPr/>
+        <p:txBody>
+          <a:bodyPr/>
+          <a:lstStyle/>
+          <a:p>
+            <a:endParaRPr lang="en-US"/>
+          </a:p>
+        </p:txBody>
+      </p:sp>
+      <p:sp>
+        <p:nvSpPr>
+          <p:cNvPr id="6" name="Slide Number Placeholder 5"/>
+          <p:cNvSpPr>
+            <a:spLocks noGrp="1"/>
+          </p:cNvSpPr>
+          <p:nvPr>
+            <p:ph type="sldNum" sz="quarter" idx="12"/>
+          </p:nvPr>
+        </p:nvSpPr>
+        <p:spPr/>
+        <p:txBody>
+          <a:bodyPr/>
+          <a:lstStyle/>
+          <a:p>
+            <a:fld id="{043B9436-2E4C-483D-BC67-D4CE7485150B}" type="slidenum">
+              <a:rPr lang="en-US" smtClean="0"/>
+              <a:t>‹#›</a:t>
+            </a:fld>
+            <a:endParaRPr lang="en-US"/>
+          </a:p>
+        </p:txBody>
+      </p:sp>
+    </p:spTree>
+    <p:extLst>
+      <p:ext uri="{BB962C8B-B14F-4D97-AF65-F5344CB8AC3E}">
+        <p14:creationId xmlns:p14="http://schemas.microsoft.com/office/powerpoint/2010/main" val="1176628716"/>
+      </p:ext>
+    </p:extLst>
+  </p:cSld>
+  <p:clrMapOvr>
+    <a:masterClrMapping/>
+  </p:clrMapOvr>
+</p:sldLayout>
+</file>
+
+<file path=ppt/slideLayouts/slideLayout15.xml><?xml version="1.0" encoding="utf-8"?>
+<p:sldLayout xmlns:a="http://schemas.openxmlformats.org/drawingml/2006/main" xmlns:r="http://schemas.openxmlformats.org/officeDocument/2006/relationships" xmlns:p="http://schemas.openxmlformats.org/presentationml/2006/main" type="twoObj" preserve="1">
+  <p:cSld name="Two Content">
+    <p:spTree>
+      <p:nvGrpSpPr>
+        <p:cNvPr id="1" name=""/>
+        <p:cNvGrpSpPr/>
+        <p:nvPr/>
+      </p:nvGrpSpPr>
+      <p:grpSpPr>
+        <a:xfrm>
+          <a:off x="0" y="0"/>
+          <a:ext cx="0" cy="0"/>
+          <a:chOff x="0" y="0"/>
+          <a:chExt cx="0" cy="0"/>
+        </a:xfrm>
+      </p:grpSpPr>
+      <p:sp>
+        <p:nvSpPr>
+          <p:cNvPr id="2" name="Title 1"/>
+          <p:cNvSpPr>
+            <a:spLocks noGrp="1"/>
+          </p:cNvSpPr>
+          <p:nvPr>
+            <p:ph type="title"/>
+          </p:nvPr>
+        </p:nvSpPr>
+        <p:spPr/>
+        <p:txBody>
+          <a:bodyPr/>
+          <a:lstStyle/>
+          <a:p>
+            <a:r>
+              <a:rPr lang="en-US"/>
+              <a:t>Click to edit Master title style</a:t>
+            </a:r>
+            <a:endParaRPr lang="en-US" dirty="0"/>
+          </a:p>
+        </p:txBody>
+      </p:sp>
+      <p:sp>
+        <p:nvSpPr>
+          <p:cNvPr id="3" name="Content Placeholder 2"/>
+          <p:cNvSpPr>
+            <a:spLocks noGrp="1"/>
+          </p:cNvSpPr>
+          <p:nvPr>
+            <p:ph sz="half" idx="1"/>
+          </p:nvPr>
+        </p:nvSpPr>
+        <p:spPr>
+          <a:xfrm>
+            <a:off x="838200" y="1825625"/>
+            <a:ext cx="5181600" cy="4351338"/>
+          </a:xfrm>
+        </p:spPr>
+        <p:txBody>
+          <a:bodyPr/>
+          <a:lstStyle/>
+          <a:p>
+            <a:pPr lvl="0"/>
+            <a:r>
+              <a:rPr lang="en-US"/>
+              <a:t>Edit Master text styles</a:t>
+            </a:r>
+          </a:p>
+          <a:p>
+            <a:pPr lvl="1"/>
+            <a:r>
+              <a:rPr lang="en-US"/>
+              <a:t>Second level</a:t>
+            </a:r>
+          </a:p>
+          <a:p>
+            <a:pPr lvl="2"/>
+            <a:r>
+              <a:rPr lang="en-US"/>
+              <a:t>Third level</a:t>
+            </a:r>
+          </a:p>
+          <a:p>
+            <a:pPr lvl="3"/>
+            <a:r>
+              <a:rPr lang="en-US"/>
+              <a:t>Fourth level</a:t>
+            </a:r>
+          </a:p>
+          <a:p>
+            <a:pPr lvl="4"/>
+            <a:r>
+              <a:rPr lang="en-US"/>
+              <a:t>Fifth level</a:t>
+            </a:r>
+            <a:endParaRPr lang="en-US" dirty="0"/>
+          </a:p>
+        </p:txBody>
+      </p:sp>
+      <p:sp>
+        <p:nvSpPr>
+          <p:cNvPr id="4" name="Content Placeholder 3"/>
+          <p:cNvSpPr>
+            <a:spLocks noGrp="1"/>
+          </p:cNvSpPr>
+          <p:nvPr>
+            <p:ph sz="half" idx="2"/>
+          </p:nvPr>
+        </p:nvSpPr>
+        <p:spPr>
+          <a:xfrm>
+            <a:off x="6172200" y="1825625"/>
+            <a:ext cx="5181600" cy="4351338"/>
+          </a:xfrm>
+        </p:spPr>
+        <p:txBody>
+          <a:bodyPr/>
+          <a:lstStyle/>
+          <a:p>
+            <a:pPr lvl="0"/>
+            <a:r>
+              <a:rPr lang="en-US"/>
+              <a:t>Edit Master text styles</a:t>
+            </a:r>
+          </a:p>
+          <a:p>
+            <a:pPr lvl="1"/>
+            <a:r>
+              <a:rPr lang="en-US"/>
+              <a:t>Second level</a:t>
+            </a:r>
+          </a:p>
+          <a:p>
+            <a:pPr lvl="2"/>
+            <a:r>
+              <a:rPr lang="en-US"/>
+              <a:t>Third level</a:t>
+            </a:r>
+          </a:p>
+          <a:p>
+            <a:pPr lvl="3"/>
+            <a:r>
+              <a:rPr lang="en-US"/>
+              <a:t>Fourth level</a:t>
+            </a:r>
+          </a:p>
+          <a:p>
+            <a:pPr lvl="4"/>
+            <a:r>
+              <a:rPr lang="en-US"/>
+              <a:t>Fifth level</a:t>
+            </a:r>
+            <a:endParaRPr lang="en-US" dirty="0"/>
+          </a:p>
+        </p:txBody>
+      </p:sp>
+      <p:sp>
+        <p:nvSpPr>
+          <p:cNvPr id="5" name="Date Placeholder 4"/>
+          <p:cNvSpPr>
+            <a:spLocks noGrp="1"/>
+          </p:cNvSpPr>
+          <p:nvPr>
+            <p:ph type="dt" sz="half" idx="10"/>
+          </p:nvPr>
+        </p:nvSpPr>
+        <p:spPr/>
+        <p:txBody>
+          <a:bodyPr/>
+          <a:lstStyle/>
+          <a:p>
+            <a:fld id="{3D2277E6-1886-452C-854D-DB4A9BB05FC1}" type="datetimeFigureOut">
+              <a:rPr lang="en-US" smtClean="0"/>
+              <a:t>13-Nov-18</a:t>
+            </a:fld>
+            <a:endParaRPr lang="en-US"/>
+          </a:p>
+        </p:txBody>
+      </p:sp>
+      <p:sp>
+        <p:nvSpPr>
+          <p:cNvPr id="6" name="Footer Placeholder 5"/>
+          <p:cNvSpPr>
+            <a:spLocks noGrp="1"/>
+          </p:cNvSpPr>
+          <p:nvPr>
+            <p:ph type="ftr" sz="quarter" idx="11"/>
+          </p:nvPr>
+        </p:nvSpPr>
+        <p:spPr/>
+        <p:txBody>
+          <a:bodyPr/>
+          <a:lstStyle/>
+          <a:p>
+            <a:endParaRPr lang="en-US"/>
+          </a:p>
+        </p:txBody>
+      </p:sp>
+      <p:sp>
+        <p:nvSpPr>
+          <p:cNvPr id="7" name="Slide Number Placeholder 6"/>
+          <p:cNvSpPr>
+            <a:spLocks noGrp="1"/>
+          </p:cNvSpPr>
+          <p:nvPr>
+            <p:ph type="sldNum" sz="quarter" idx="12"/>
+          </p:nvPr>
+        </p:nvSpPr>
+        <p:spPr/>
+        <p:txBody>
+          <a:bodyPr/>
+          <a:lstStyle/>
+          <a:p>
+            <a:fld id="{043B9436-2E4C-483D-BC67-D4CE7485150B}" type="slidenum">
+              <a:rPr lang="en-US" smtClean="0"/>
+              <a:t>‹#›</a:t>
+            </a:fld>
+            <a:endParaRPr lang="en-US"/>
+          </a:p>
+        </p:txBody>
+      </p:sp>
+    </p:spTree>
+    <p:extLst>
+      <p:ext uri="{BB962C8B-B14F-4D97-AF65-F5344CB8AC3E}">
+        <p14:creationId xmlns:p14="http://schemas.microsoft.com/office/powerpoint/2010/main" val="1753167744"/>
+      </p:ext>
+    </p:extLst>
+  </p:cSld>
+  <p:clrMapOvr>
+    <a:masterClrMapping/>
+  </p:clrMapOvr>
+</p:sldLayout>
+</file>
+
+<file path=ppt/slideLayouts/slideLayout16.xml><?xml version="1.0" encoding="utf-8"?>
+<p:sldLayout xmlns:a="http://schemas.openxmlformats.org/drawingml/2006/main" xmlns:r="http://schemas.openxmlformats.org/officeDocument/2006/relationships" xmlns:p="http://schemas.openxmlformats.org/presentationml/2006/main" type="twoTxTwoObj" preserve="1">
+  <p:cSld name="Comparison">
+    <p:spTree>
+      <p:nvGrpSpPr>
+        <p:cNvPr id="1" name=""/>
+        <p:cNvGrpSpPr/>
+        <p:nvPr/>
+      </p:nvGrpSpPr>
+      <p:grpSpPr>
+        <a:xfrm>
+          <a:off x="0" y="0"/>
+          <a:ext cx="0" cy="0"/>
+          <a:chOff x="0" y="0"/>
+          <a:chExt cx="0" cy="0"/>
+        </a:xfrm>
+      </p:grpSpPr>
+      <p:sp>
+        <p:nvSpPr>
+          <p:cNvPr id="2" name="Title 1"/>
+          <p:cNvSpPr>
+            <a:spLocks noGrp="1"/>
+          </p:cNvSpPr>
+          <p:nvPr>
+            <p:ph type="title"/>
+          </p:nvPr>
+        </p:nvSpPr>
+        <p:spPr>
+          <a:xfrm>
+            <a:off x="839788" y="365125"/>
+            <a:ext cx="10515600" cy="1325563"/>
+          </a:xfrm>
+        </p:spPr>
+        <p:txBody>
+          <a:bodyPr/>
+          <a:lstStyle/>
+          <a:p>
+            <a:r>
+              <a:rPr lang="en-US"/>
+              <a:t>Click to edit Master title style</a:t>
+            </a:r>
+            <a:endParaRPr lang="en-US" dirty="0"/>
+          </a:p>
+        </p:txBody>
+      </p:sp>
+      <p:sp>
+        <p:nvSpPr>
+          <p:cNvPr id="3" name="Text Placeholder 2"/>
+          <p:cNvSpPr>
+            <a:spLocks noGrp="1"/>
+          </p:cNvSpPr>
+          <p:nvPr>
+            <p:ph type="body" idx="1"/>
+          </p:nvPr>
+        </p:nvSpPr>
+        <p:spPr>
+          <a:xfrm>
+            <a:off x="839788" y="1681163"/>
+            <a:ext cx="5157787" cy="823912"/>
+          </a:xfrm>
+        </p:spPr>
+        <p:txBody>
+          <a:bodyPr anchor="b"/>
+          <a:lstStyle>
+            <a:lvl1pPr marL="0" indent="0">
+              <a:buNone/>
+              <a:defRPr sz="2400" b="1"/>
+            </a:lvl1pPr>
+            <a:lvl2pPr marL="457200" indent="0">
+              <a:buNone/>
+              <a:defRPr sz="2000" b="1"/>
+            </a:lvl2pPr>
+            <a:lvl3pPr marL="914400" indent="0">
+              <a:buNone/>
+              <a:defRPr sz="1800" b="1"/>
+            </a:lvl3pPr>
+            <a:lvl4pPr marL="1371600" indent="0">
+              <a:buNone/>
+              <a:defRPr sz="1600" b="1"/>
+            </a:lvl4pPr>
+            <a:lvl5pPr marL="1828800" indent="0">
+              <a:buNone/>
+              <a:defRPr sz="1600" b="1"/>
+            </a:lvl5pPr>
+            <a:lvl6pPr marL="2286000" indent="0">
+              <a:buNone/>
+              <a:defRPr sz="1600" b="1"/>
+            </a:lvl6pPr>
+            <a:lvl7pPr marL="2743200" indent="0">
+              <a:buNone/>
+              <a:defRPr sz="1600" b="1"/>
+            </a:lvl7pPr>
+            <a:lvl8pPr marL="3200400" indent="0">
+              <a:buNone/>
+              <a:defRPr sz="1600" b="1"/>
+            </a:lvl8pPr>
+            <a:lvl9pPr marL="3657600" indent="0">
+              <a:buNone/>
+              <a:defRPr sz="1600" b="1"/>
+            </a:lvl9pPr>
+          </a:lstStyle>
+          <a:p>
+            <a:pPr lvl="0"/>
+            <a:r>
+              <a:rPr lang="en-US"/>
+              <a:t>Edit Master text styles</a:t>
+            </a:r>
+          </a:p>
+        </p:txBody>
+      </p:sp>
+      <p:sp>
+        <p:nvSpPr>
+          <p:cNvPr id="4" name="Content Placeholder 3"/>
+          <p:cNvSpPr>
+            <a:spLocks noGrp="1"/>
+          </p:cNvSpPr>
+          <p:nvPr>
+            <p:ph sz="half" idx="2"/>
+          </p:nvPr>
+        </p:nvSpPr>
+        <p:spPr>
+          <a:xfrm>
+            <a:off x="839788" y="2505075"/>
+            <a:ext cx="5157787" cy="3684588"/>
+          </a:xfrm>
+        </p:spPr>
+        <p:txBody>
+          <a:bodyPr/>
+          <a:lstStyle/>
+          <a:p>
+            <a:pPr lvl="0"/>
+            <a:r>
+              <a:rPr lang="en-US"/>
+              <a:t>Edit Master text styles</a:t>
+            </a:r>
+          </a:p>
+          <a:p>
+            <a:pPr lvl="1"/>
+            <a:r>
+              <a:rPr lang="en-US"/>
+              <a:t>Second level</a:t>
+            </a:r>
+          </a:p>
+          <a:p>
+            <a:pPr lvl="2"/>
+            <a:r>
+              <a:rPr lang="en-US"/>
+              <a:t>Third level</a:t>
+            </a:r>
+          </a:p>
+          <a:p>
+            <a:pPr lvl="3"/>
+            <a:r>
+              <a:rPr lang="en-US"/>
+              <a:t>Fourth level</a:t>
+            </a:r>
+          </a:p>
+          <a:p>
+            <a:pPr lvl="4"/>
+            <a:r>
+              <a:rPr lang="en-US"/>
+              <a:t>Fifth level</a:t>
+            </a:r>
+            <a:endParaRPr lang="en-US" dirty="0"/>
+          </a:p>
+        </p:txBody>
+      </p:sp>
+      <p:sp>
+        <p:nvSpPr>
+          <p:cNvPr id="5" name="Text Placeholder 4"/>
+          <p:cNvSpPr>
+            <a:spLocks noGrp="1"/>
+          </p:cNvSpPr>
+          <p:nvPr>
+            <p:ph type="body" sz="quarter" idx="3"/>
+          </p:nvPr>
+        </p:nvSpPr>
+        <p:spPr>
+          <a:xfrm>
+            <a:off x="6172200" y="1681163"/>
+            <a:ext cx="5183188" cy="823912"/>
+          </a:xfrm>
+        </p:spPr>
+        <p:txBody>
+          <a:bodyPr anchor="b"/>
+          <a:lstStyle>
+            <a:lvl1pPr marL="0" indent="0">
+              <a:buNone/>
+              <a:defRPr sz="2400" b="1"/>
+            </a:lvl1pPr>
+            <a:lvl2pPr marL="457200" indent="0">
+              <a:buNone/>
+              <a:defRPr sz="2000" b="1"/>
+            </a:lvl2pPr>
+            <a:lvl3pPr marL="914400" indent="0">
+              <a:buNone/>
+              <a:defRPr sz="1800" b="1"/>
+            </a:lvl3pPr>
+            <a:lvl4pPr marL="1371600" indent="0">
+              <a:buNone/>
+              <a:defRPr sz="1600" b="1"/>
+            </a:lvl4pPr>
+            <a:lvl5pPr marL="1828800" indent="0">
+              <a:buNone/>
+              <a:defRPr sz="1600" b="1"/>
+            </a:lvl5pPr>
+            <a:lvl6pPr marL="2286000" indent="0">
+              <a:buNone/>
+              <a:defRPr sz="1600" b="1"/>
+            </a:lvl6pPr>
+            <a:lvl7pPr marL="2743200" indent="0">
+              <a:buNone/>
+              <a:defRPr sz="1600" b="1"/>
+            </a:lvl7pPr>
+            <a:lvl8pPr marL="3200400" indent="0">
+              <a:buNone/>
+              <a:defRPr sz="1600" b="1"/>
+            </a:lvl8pPr>
+            <a:lvl9pPr marL="3657600" indent="0">
+              <a:buNone/>
+              <a:defRPr sz="1600" b="1"/>
+            </a:lvl9pPr>
+          </a:lstStyle>
+          <a:p>
+            <a:pPr lvl="0"/>
+            <a:r>
+              <a:rPr lang="en-US"/>
+              <a:t>Edit Master text styles</a:t>
+            </a:r>
+          </a:p>
+        </p:txBody>
+      </p:sp>
+      <p:sp>
+        <p:nvSpPr>
+          <p:cNvPr id="6" name="Content Placeholder 5"/>
+          <p:cNvSpPr>
+            <a:spLocks noGrp="1"/>
+          </p:cNvSpPr>
+          <p:nvPr>
+            <p:ph sz="quarter" idx="4"/>
+          </p:nvPr>
+        </p:nvSpPr>
+        <p:spPr>
+          <a:xfrm>
+            <a:off x="6172200" y="2505075"/>
+            <a:ext cx="5183188" cy="3684588"/>
+          </a:xfrm>
+        </p:spPr>
+        <p:txBody>
+          <a:bodyPr/>
+          <a:lstStyle/>
+          <a:p>
+            <a:pPr lvl="0"/>
+            <a:r>
+              <a:rPr lang="en-US"/>
+              <a:t>Edit Master text styles</a:t>
+            </a:r>
+          </a:p>
+          <a:p>
+            <a:pPr lvl="1"/>
+            <a:r>
+              <a:rPr lang="en-US"/>
+              <a:t>Second level</a:t>
+            </a:r>
+          </a:p>
+          <a:p>
+            <a:pPr lvl="2"/>
+            <a:r>
+              <a:rPr lang="en-US"/>
+              <a:t>Third level</a:t>
+            </a:r>
+          </a:p>
+          <a:p>
+            <a:pPr lvl="3"/>
+            <a:r>
+              <a:rPr lang="en-US"/>
+              <a:t>Fourth level</a:t>
+            </a:r>
+          </a:p>
+          <a:p>
+            <a:pPr lvl="4"/>
+            <a:r>
+              <a:rPr lang="en-US"/>
+              <a:t>Fifth level</a:t>
+            </a:r>
+            <a:endParaRPr lang="en-US" dirty="0"/>
+          </a:p>
+        </p:txBody>
+      </p:sp>
+      <p:sp>
+        <p:nvSpPr>
+          <p:cNvPr id="7" name="Date Placeholder 6"/>
+          <p:cNvSpPr>
+            <a:spLocks noGrp="1"/>
+          </p:cNvSpPr>
+          <p:nvPr>
+            <p:ph type="dt" sz="half" idx="10"/>
+          </p:nvPr>
+        </p:nvSpPr>
+        <p:spPr/>
+        <p:txBody>
+          <a:bodyPr/>
+          <a:lstStyle/>
+          <a:p>
+            <a:fld id="{3D2277E6-1886-452C-854D-DB4A9BB05FC1}" type="datetimeFigureOut">
+              <a:rPr lang="en-US" smtClean="0"/>
+              <a:t>13-Nov-18</a:t>
+            </a:fld>
+            <a:endParaRPr lang="en-US"/>
+          </a:p>
+        </p:txBody>
+      </p:sp>
+      <p:sp>
+        <p:nvSpPr>
+          <p:cNvPr id="8" name="Footer Placeholder 7"/>
+          <p:cNvSpPr>
+            <a:spLocks noGrp="1"/>
+          </p:cNvSpPr>
+          <p:nvPr>
+            <p:ph type="ftr" sz="quarter" idx="11"/>
+          </p:nvPr>
+        </p:nvSpPr>
+        <p:spPr/>
+        <p:txBody>
+          <a:bodyPr/>
+          <a:lstStyle/>
+          <a:p>
+            <a:endParaRPr lang="en-US"/>
+          </a:p>
+        </p:txBody>
+      </p:sp>
+      <p:sp>
+        <p:nvSpPr>
+          <p:cNvPr id="9" name="Slide Number Placeholder 8"/>
+          <p:cNvSpPr>
+            <a:spLocks noGrp="1"/>
+          </p:cNvSpPr>
+          <p:nvPr>
+            <p:ph type="sldNum" sz="quarter" idx="12"/>
+          </p:nvPr>
+        </p:nvSpPr>
+        <p:spPr/>
+        <p:txBody>
+          <a:bodyPr/>
+          <a:lstStyle/>
+          <a:p>
+            <a:fld id="{043B9436-2E4C-483D-BC67-D4CE7485150B}" type="slidenum">
+              <a:rPr lang="en-US" smtClean="0"/>
+              <a:t>‹#›</a:t>
+            </a:fld>
+            <a:endParaRPr lang="en-US"/>
+          </a:p>
+        </p:txBody>
+      </p:sp>
+    </p:spTree>
+    <p:extLst>
+      <p:ext uri="{BB962C8B-B14F-4D97-AF65-F5344CB8AC3E}">
+        <p14:creationId xmlns:p14="http://schemas.microsoft.com/office/powerpoint/2010/main" val="1715779759"/>
+      </p:ext>
+    </p:extLst>
+  </p:cSld>
+  <p:clrMapOvr>
+    <a:masterClrMapping/>
+  </p:clrMapOvr>
+</p:sldLayout>
+</file>
+
+<file path=ppt/slideLayouts/slideLayout17.xml><?xml version="1.0" encoding="utf-8"?>
+<p:sldLayout xmlns:a="http://schemas.openxmlformats.org/drawingml/2006/main" xmlns:r="http://schemas.openxmlformats.org/officeDocument/2006/relationships" xmlns:p="http://schemas.openxmlformats.org/presentationml/2006/main" type="titleOnly" preserve="1">
+  <p:cSld name="Title Only">
+    <p:spTree>
+      <p:nvGrpSpPr>
+        <p:cNvPr id="1" name=""/>
+        <p:cNvGrpSpPr/>
+        <p:nvPr/>
+      </p:nvGrpSpPr>
+      <p:grpSpPr>
+        <a:xfrm>
+          <a:off x="0" y="0"/>
+          <a:ext cx="0" cy="0"/>
+          <a:chOff x="0" y="0"/>
+          <a:chExt cx="0" cy="0"/>
+        </a:xfrm>
+      </p:grpSpPr>
+      <p:sp>
+        <p:nvSpPr>
+          <p:cNvPr id="2" name="Title 1"/>
+          <p:cNvSpPr>
+            <a:spLocks noGrp="1"/>
+          </p:cNvSpPr>
+          <p:nvPr>
+            <p:ph type="title"/>
+          </p:nvPr>
+        </p:nvSpPr>
+        <p:spPr/>
+        <p:txBody>
+          <a:bodyPr/>
+          <a:lstStyle/>
+          <a:p>
+            <a:r>
+              <a:rPr lang="en-US"/>
+              <a:t>Click to edit Master title style</a:t>
+            </a:r>
+            <a:endParaRPr lang="en-US" dirty="0"/>
+          </a:p>
+        </p:txBody>
+      </p:sp>
+      <p:sp>
+        <p:nvSpPr>
+          <p:cNvPr id="3" name="Date Placeholder 2"/>
+          <p:cNvSpPr>
+            <a:spLocks noGrp="1"/>
+          </p:cNvSpPr>
+          <p:nvPr>
+            <p:ph type="dt" sz="half" idx="10"/>
+          </p:nvPr>
+        </p:nvSpPr>
+        <p:spPr/>
+        <p:txBody>
+          <a:bodyPr/>
+          <a:lstStyle/>
+          <a:p>
+            <a:fld id="{3D2277E6-1886-452C-854D-DB4A9BB05FC1}" type="datetimeFigureOut">
+              <a:rPr lang="en-US" smtClean="0"/>
+              <a:t>13-Nov-18</a:t>
+            </a:fld>
+            <a:endParaRPr lang="en-US"/>
+          </a:p>
+        </p:txBody>
+      </p:sp>
+      <p:sp>
+        <p:nvSpPr>
+          <p:cNvPr id="4" name="Footer Placeholder 3"/>
+          <p:cNvSpPr>
+            <a:spLocks noGrp="1"/>
+          </p:cNvSpPr>
+          <p:nvPr>
+            <p:ph type="ftr" sz="quarter" idx="11"/>
+          </p:nvPr>
+        </p:nvSpPr>
+        <p:spPr/>
+        <p:txBody>
+          <a:bodyPr/>
+          <a:lstStyle/>
+          <a:p>
+            <a:endParaRPr lang="en-US"/>
+          </a:p>
+        </p:txBody>
+      </p:sp>
+      <p:sp>
+        <p:nvSpPr>
+          <p:cNvPr id="5" name="Slide Number Placeholder 4"/>
+          <p:cNvSpPr>
+            <a:spLocks noGrp="1"/>
+          </p:cNvSpPr>
+          <p:nvPr>
+            <p:ph type="sldNum" sz="quarter" idx="12"/>
+          </p:nvPr>
+        </p:nvSpPr>
+        <p:spPr/>
+        <p:txBody>
+          <a:bodyPr/>
+          <a:lstStyle/>
+          <a:p>
+            <a:fld id="{043B9436-2E4C-483D-BC67-D4CE7485150B}" type="slidenum">
+              <a:rPr lang="en-US" smtClean="0"/>
+              <a:t>‹#›</a:t>
+            </a:fld>
+            <a:endParaRPr lang="en-US"/>
+          </a:p>
+        </p:txBody>
+      </p:sp>
+    </p:spTree>
+    <p:extLst>
+      <p:ext uri="{BB962C8B-B14F-4D97-AF65-F5344CB8AC3E}">
+        <p14:creationId xmlns:p14="http://schemas.microsoft.com/office/powerpoint/2010/main" val="3286355422"/>
+      </p:ext>
+    </p:extLst>
+  </p:cSld>
+  <p:clrMapOvr>
+    <a:masterClrMapping/>
+  </p:clrMapOvr>
+</p:sldLayout>
+</file>
+
+<file path=ppt/slideLayouts/slideLayout18.xml><?xml version="1.0" encoding="utf-8"?>
+<p:sldLayout xmlns:a="http://schemas.openxmlformats.org/drawingml/2006/main" xmlns:r="http://schemas.openxmlformats.org/officeDocument/2006/relationships" xmlns:p="http://schemas.openxmlformats.org/presentationml/2006/main" type="blank" preserve="1">
+  <p:cSld name="Blank">
+    <p:spTree>
+      <p:nvGrpSpPr>
+        <p:cNvPr id="1" name=""/>
+        <p:cNvGrpSpPr/>
+        <p:nvPr/>
+      </p:nvGrpSpPr>
+      <p:grpSpPr>
+        <a:xfrm>
+          <a:off x="0" y="0"/>
+          <a:ext cx="0" cy="0"/>
+          <a:chOff x="0" y="0"/>
+          <a:chExt cx="0" cy="0"/>
+        </a:xfrm>
+      </p:grpSpPr>
+      <p:sp>
+        <p:nvSpPr>
+          <p:cNvPr id="2" name="Date Placeholder 1"/>
+          <p:cNvSpPr>
+            <a:spLocks noGrp="1"/>
+          </p:cNvSpPr>
+          <p:nvPr>
+            <p:ph type="dt" sz="half" idx="10"/>
+          </p:nvPr>
+        </p:nvSpPr>
+        <p:spPr/>
+        <p:txBody>
+          <a:bodyPr/>
+          <a:lstStyle/>
+          <a:p>
+            <a:fld id="{3D2277E6-1886-452C-854D-DB4A9BB05FC1}" type="datetimeFigureOut">
+              <a:rPr lang="en-US" smtClean="0"/>
+              <a:t>13-Nov-18</a:t>
+            </a:fld>
+            <a:endParaRPr lang="en-US"/>
+          </a:p>
+        </p:txBody>
+      </p:sp>
+      <p:sp>
+        <p:nvSpPr>
+          <p:cNvPr id="3" name="Footer Placeholder 2"/>
+          <p:cNvSpPr>
+            <a:spLocks noGrp="1"/>
+          </p:cNvSpPr>
+          <p:nvPr>
+            <p:ph type="ftr" sz="quarter" idx="11"/>
+          </p:nvPr>
+        </p:nvSpPr>
+        <p:spPr/>
+        <p:txBody>
+          <a:bodyPr/>
+          <a:lstStyle/>
+          <a:p>
+            <a:endParaRPr lang="en-US"/>
+          </a:p>
+        </p:txBody>
+      </p:sp>
+      <p:sp>
+        <p:nvSpPr>
+          <p:cNvPr id="4" name="Slide Number Placeholder 3"/>
+          <p:cNvSpPr>
+            <a:spLocks noGrp="1"/>
+          </p:cNvSpPr>
+          <p:nvPr>
+            <p:ph type="sldNum" sz="quarter" idx="12"/>
+          </p:nvPr>
+        </p:nvSpPr>
+        <p:spPr/>
+        <p:txBody>
+          <a:bodyPr/>
+          <a:lstStyle/>
+          <a:p>
+            <a:fld id="{043B9436-2E4C-483D-BC67-D4CE7485150B}" type="slidenum">
+              <a:rPr lang="en-US" smtClean="0"/>
+              <a:t>‹#›</a:t>
+            </a:fld>
+            <a:endParaRPr lang="en-US"/>
+          </a:p>
+        </p:txBody>
+      </p:sp>
+    </p:spTree>
+    <p:extLst>
+      <p:ext uri="{BB962C8B-B14F-4D97-AF65-F5344CB8AC3E}">
+        <p14:creationId xmlns:p14="http://schemas.microsoft.com/office/powerpoint/2010/main" val="2077241273"/>
+      </p:ext>
+    </p:extLst>
+  </p:cSld>
+  <p:clrMapOvr>
+    <a:masterClrMapping/>
+  </p:clrMapOvr>
+</p:sldLayout>
+</file>
+
+<file path=ppt/slideLayouts/slideLayout19.xml><?xml version="1.0" encoding="utf-8"?>
+<p:sldLayout xmlns:a="http://schemas.openxmlformats.org/drawingml/2006/main" xmlns:r="http://schemas.openxmlformats.org/officeDocument/2006/relationships" xmlns:p="http://schemas.openxmlformats.org/presentationml/2006/main" type="objTx" preserve="1">
+  <p:cSld name="Content with Caption">
+    <p:spTree>
+      <p:nvGrpSpPr>
+        <p:cNvPr id="1" name=""/>
+        <p:cNvGrpSpPr/>
+        <p:nvPr/>
+      </p:nvGrpSpPr>
+      <p:grpSpPr>
+        <a:xfrm>
+          <a:off x="0" y="0"/>
+          <a:ext cx="0" cy="0"/>
+          <a:chOff x="0" y="0"/>
+          <a:chExt cx="0" cy="0"/>
+        </a:xfrm>
+      </p:grpSpPr>
+      <p:sp>
+        <p:nvSpPr>
+          <p:cNvPr id="2" name="Title 1"/>
+          <p:cNvSpPr>
+            <a:spLocks noGrp="1"/>
+          </p:cNvSpPr>
+          <p:nvPr>
+            <p:ph type="title"/>
+          </p:nvPr>
+        </p:nvSpPr>
+        <p:spPr>
+          <a:xfrm>
+            <a:off x="839788" y="457200"/>
+            <a:ext cx="3932237" cy="1600200"/>
+          </a:xfrm>
+        </p:spPr>
+        <p:txBody>
+          <a:bodyPr anchor="b"/>
+          <a:lstStyle>
+            <a:lvl1pPr>
+              <a:defRPr sz="3200"/>
+            </a:lvl1pPr>
+          </a:lstStyle>
+          <a:p>
+            <a:r>
+              <a:rPr lang="en-US"/>
+              <a:t>Click to edit Master title style</a:t>
+            </a:r>
+            <a:endParaRPr lang="en-US" dirty="0"/>
+          </a:p>
+        </p:txBody>
+      </p:sp>
+      <p:sp>
+        <p:nvSpPr>
+          <p:cNvPr id="3" name="Content Placeholder 2"/>
+          <p:cNvSpPr>
+            <a:spLocks noGrp="1"/>
+          </p:cNvSpPr>
+          <p:nvPr>
+            <p:ph idx="1"/>
+          </p:nvPr>
+        </p:nvSpPr>
+        <p:spPr>
+          <a:xfrm>
+            <a:off x="5183188" y="987425"/>
+            <a:ext cx="6172200" cy="4873625"/>
+          </a:xfrm>
+        </p:spPr>
+        <p:txBody>
+          <a:bodyPr/>
+          <a:lstStyle>
+            <a:lvl1pPr>
+              <a:defRPr sz="3200"/>
+            </a:lvl1pPr>
+            <a:lvl2pPr>
+              <a:defRPr sz="2800"/>
+            </a:lvl2pPr>
+            <a:lvl3pPr>
+              <a:defRPr sz="2400"/>
+            </a:lvl3pPr>
+            <a:lvl4pPr>
+              <a:defRPr sz="2000"/>
+            </a:lvl4pPr>
+            <a:lvl5pPr>
+              <a:defRPr sz="2000"/>
+            </a:lvl5pPr>
+            <a:lvl6pPr>
+              <a:defRPr sz="2000"/>
+            </a:lvl6pPr>
+            <a:lvl7pPr>
+              <a:defRPr sz="2000"/>
+            </a:lvl7pPr>
+            <a:lvl8pPr>
+              <a:defRPr sz="2000"/>
+            </a:lvl8pPr>
+            <a:lvl9pPr>
+              <a:defRPr sz="2000"/>
+            </a:lvl9pPr>
+          </a:lstStyle>
+          <a:p>
+            <a:pPr lvl="0"/>
+            <a:r>
+              <a:rPr lang="en-US"/>
+              <a:t>Edit Master text styles</a:t>
+            </a:r>
+          </a:p>
+          <a:p>
+            <a:pPr lvl="1"/>
+            <a:r>
+              <a:rPr lang="en-US"/>
+              <a:t>Second level</a:t>
+            </a:r>
+          </a:p>
+          <a:p>
+            <a:pPr lvl="2"/>
+            <a:r>
+              <a:rPr lang="en-US"/>
+              <a:t>Third level</a:t>
+            </a:r>
+          </a:p>
+          <a:p>
+            <a:pPr lvl="3"/>
+            <a:r>
+              <a:rPr lang="en-US"/>
+              <a:t>Fourth level</a:t>
+            </a:r>
+          </a:p>
+          <a:p>
+            <a:pPr lvl="4"/>
+            <a:r>
+              <a:rPr lang="en-US"/>
+              <a:t>Fifth level</a:t>
+            </a:r>
+            <a:endParaRPr lang="en-US" dirty="0"/>
+          </a:p>
+        </p:txBody>
+      </p:sp>
+      <p:sp>
+        <p:nvSpPr>
+          <p:cNvPr id="4" name="Text Placeholder 3"/>
+          <p:cNvSpPr>
+            <a:spLocks noGrp="1"/>
+          </p:cNvSpPr>
+          <p:nvPr>
+            <p:ph type="body" sz="half" idx="2"/>
+          </p:nvPr>
+        </p:nvSpPr>
+        <p:spPr>
+          <a:xfrm>
+            <a:off x="839788" y="2057400"/>
+            <a:ext cx="3932237" cy="3811588"/>
+          </a:xfrm>
+        </p:spPr>
+        <p:txBody>
+          <a:bodyPr/>
+          <a:lstStyle>
+            <a:lvl1pPr marL="0" indent="0">
+              <a:buNone/>
+              <a:defRPr sz="1600"/>
+            </a:lvl1pPr>
+            <a:lvl2pPr marL="457200" indent="0">
+              <a:buNone/>
+              <a:defRPr sz="1400"/>
+            </a:lvl2pPr>
+            <a:lvl3pPr marL="914400" indent="0">
+              <a:buNone/>
+              <a:defRPr sz="1200"/>
+            </a:lvl3pPr>
+            <a:lvl4pPr marL="1371600" indent="0">
+              <a:buNone/>
+              <a:defRPr sz="1000"/>
+            </a:lvl4pPr>
+            <a:lvl5pPr marL="1828800" indent="0">
+              <a:buNone/>
+              <a:defRPr sz="1000"/>
+            </a:lvl5pPr>
+            <a:lvl6pPr marL="2286000" indent="0">
+              <a:buNone/>
+              <a:defRPr sz="1000"/>
+            </a:lvl6pPr>
+            <a:lvl7pPr marL="2743200" indent="0">
+              <a:buNone/>
+              <a:defRPr sz="1000"/>
+            </a:lvl7pPr>
+            <a:lvl8pPr marL="3200400" indent="0">
+              <a:buNone/>
+              <a:defRPr sz="1000"/>
+            </a:lvl8pPr>
+            <a:lvl9pPr marL="3657600" indent="0">
+              <a:buNone/>
+              <a:defRPr sz="1000"/>
+            </a:lvl9pPr>
+          </a:lstStyle>
+          <a:p>
+            <a:pPr lvl="0"/>
+            <a:r>
+              <a:rPr lang="en-US"/>
+              <a:t>Edit Master text styles</a:t>
+            </a:r>
+          </a:p>
+        </p:txBody>
+      </p:sp>
+      <p:sp>
+        <p:nvSpPr>
+          <p:cNvPr id="5" name="Date Placeholder 4"/>
+          <p:cNvSpPr>
+            <a:spLocks noGrp="1"/>
+          </p:cNvSpPr>
+          <p:nvPr>
+            <p:ph type="dt" sz="half" idx="10"/>
+          </p:nvPr>
+        </p:nvSpPr>
+        <p:spPr/>
+        <p:txBody>
+          <a:bodyPr/>
+          <a:lstStyle/>
+          <a:p>
+            <a:fld id="{3D2277E6-1886-452C-854D-DB4A9BB05FC1}" type="datetimeFigureOut">
+              <a:rPr lang="en-US" smtClean="0"/>
+              <a:t>13-Nov-18</a:t>
+            </a:fld>
+            <a:endParaRPr lang="en-US"/>
+          </a:p>
+        </p:txBody>
+      </p:sp>
+      <p:sp>
+        <p:nvSpPr>
+          <p:cNvPr id="6" name="Footer Placeholder 5"/>
+          <p:cNvSpPr>
+            <a:spLocks noGrp="1"/>
+          </p:cNvSpPr>
+          <p:nvPr>
+            <p:ph type="ftr" sz="quarter" idx="11"/>
+          </p:nvPr>
+        </p:nvSpPr>
+        <p:spPr/>
+        <p:txBody>
+          <a:bodyPr/>
+          <a:lstStyle/>
+          <a:p>
+            <a:endParaRPr lang="en-US"/>
+          </a:p>
+        </p:txBody>
+      </p:sp>
+      <p:sp>
+        <p:nvSpPr>
+          <p:cNvPr id="7" name="Slide Number Placeholder 6"/>
+          <p:cNvSpPr>
+            <a:spLocks noGrp="1"/>
+          </p:cNvSpPr>
+          <p:nvPr>
+            <p:ph type="sldNum" sz="quarter" idx="12"/>
+          </p:nvPr>
+        </p:nvSpPr>
+        <p:spPr/>
+        <p:txBody>
+          <a:bodyPr/>
+          <a:lstStyle/>
+          <a:p>
+            <a:fld id="{043B9436-2E4C-483D-BC67-D4CE7485150B}" type="slidenum">
+              <a:rPr lang="en-US" smtClean="0"/>
+              <a:t>‹#›</a:t>
+            </a:fld>
+            <a:endParaRPr lang="en-US"/>
+          </a:p>
+        </p:txBody>
+      </p:sp>
+    </p:spTree>
+    <p:extLst>
+      <p:ext uri="{BB962C8B-B14F-4D97-AF65-F5344CB8AC3E}">
+        <p14:creationId xmlns:p14="http://schemas.microsoft.com/office/powerpoint/2010/main" val="1910158842"/>
       </p:ext>
     </p:extLst>
   </p:cSld>
@@ -1300,6 +2998,613 @@
 </p:sldLayout>
 </file>
 
+<file path=ppt/slideLayouts/slideLayout20.xml><?xml version="1.0" encoding="utf-8"?>
+<p:sldLayout xmlns:a="http://schemas.openxmlformats.org/drawingml/2006/main" xmlns:r="http://schemas.openxmlformats.org/officeDocument/2006/relationships" xmlns:p="http://schemas.openxmlformats.org/presentationml/2006/main" type="picTx" preserve="1">
+  <p:cSld name="Picture with Caption">
+    <p:spTree>
+      <p:nvGrpSpPr>
+        <p:cNvPr id="1" name=""/>
+        <p:cNvGrpSpPr/>
+        <p:nvPr/>
+      </p:nvGrpSpPr>
+      <p:grpSpPr>
+        <a:xfrm>
+          <a:off x="0" y="0"/>
+          <a:ext cx="0" cy="0"/>
+          <a:chOff x="0" y="0"/>
+          <a:chExt cx="0" cy="0"/>
+        </a:xfrm>
+      </p:grpSpPr>
+      <p:sp>
+        <p:nvSpPr>
+          <p:cNvPr id="2" name="Title 1"/>
+          <p:cNvSpPr>
+            <a:spLocks noGrp="1"/>
+          </p:cNvSpPr>
+          <p:nvPr>
+            <p:ph type="title"/>
+          </p:nvPr>
+        </p:nvSpPr>
+        <p:spPr>
+          <a:xfrm>
+            <a:off x="839788" y="457200"/>
+            <a:ext cx="3932237" cy="1600200"/>
+          </a:xfrm>
+        </p:spPr>
+        <p:txBody>
+          <a:bodyPr anchor="b"/>
+          <a:lstStyle>
+            <a:lvl1pPr>
+              <a:defRPr sz="3200"/>
+            </a:lvl1pPr>
+          </a:lstStyle>
+          <a:p>
+            <a:r>
+              <a:rPr lang="en-US"/>
+              <a:t>Click to edit Master title style</a:t>
+            </a:r>
+            <a:endParaRPr lang="en-US" dirty="0"/>
+          </a:p>
+        </p:txBody>
+      </p:sp>
+      <p:sp>
+        <p:nvSpPr>
+          <p:cNvPr id="3" name="Picture Placeholder 2"/>
+          <p:cNvSpPr>
+            <a:spLocks noGrp="1" noChangeAspect="1"/>
+          </p:cNvSpPr>
+          <p:nvPr>
+            <p:ph type="pic" idx="1"/>
+          </p:nvPr>
+        </p:nvSpPr>
+        <p:spPr>
+          <a:xfrm>
+            <a:off x="5183188" y="987425"/>
+            <a:ext cx="6172200" cy="4873625"/>
+          </a:xfrm>
+        </p:spPr>
+        <p:txBody>
+          <a:bodyPr anchor="t"/>
+          <a:lstStyle>
+            <a:lvl1pPr marL="0" indent="0">
+              <a:buNone/>
+              <a:defRPr sz="3200"/>
+            </a:lvl1pPr>
+            <a:lvl2pPr marL="457200" indent="0">
+              <a:buNone/>
+              <a:defRPr sz="2800"/>
+            </a:lvl2pPr>
+            <a:lvl3pPr marL="914400" indent="0">
+              <a:buNone/>
+              <a:defRPr sz="2400"/>
+            </a:lvl3pPr>
+            <a:lvl4pPr marL="1371600" indent="0">
+              <a:buNone/>
+              <a:defRPr sz="2000"/>
+            </a:lvl4pPr>
+            <a:lvl5pPr marL="1828800" indent="0">
+              <a:buNone/>
+              <a:defRPr sz="2000"/>
+            </a:lvl5pPr>
+            <a:lvl6pPr marL="2286000" indent="0">
+              <a:buNone/>
+              <a:defRPr sz="2000"/>
+            </a:lvl6pPr>
+            <a:lvl7pPr marL="2743200" indent="0">
+              <a:buNone/>
+              <a:defRPr sz="2000"/>
+            </a:lvl7pPr>
+            <a:lvl8pPr marL="3200400" indent="0">
+              <a:buNone/>
+              <a:defRPr sz="2000"/>
+            </a:lvl8pPr>
+            <a:lvl9pPr marL="3657600" indent="0">
+              <a:buNone/>
+              <a:defRPr sz="2000"/>
+            </a:lvl9pPr>
+          </a:lstStyle>
+          <a:p>
+            <a:r>
+              <a:rPr lang="en-US"/>
+              <a:t>Click icon to add picture</a:t>
+            </a:r>
+            <a:endParaRPr lang="en-US" dirty="0"/>
+          </a:p>
+        </p:txBody>
+      </p:sp>
+      <p:sp>
+        <p:nvSpPr>
+          <p:cNvPr id="4" name="Text Placeholder 3"/>
+          <p:cNvSpPr>
+            <a:spLocks noGrp="1"/>
+          </p:cNvSpPr>
+          <p:nvPr>
+            <p:ph type="body" sz="half" idx="2"/>
+          </p:nvPr>
+        </p:nvSpPr>
+        <p:spPr>
+          <a:xfrm>
+            <a:off x="839788" y="2057400"/>
+            <a:ext cx="3932237" cy="3811588"/>
+          </a:xfrm>
+        </p:spPr>
+        <p:txBody>
+          <a:bodyPr/>
+          <a:lstStyle>
+            <a:lvl1pPr marL="0" indent="0">
+              <a:buNone/>
+              <a:defRPr sz="1600"/>
+            </a:lvl1pPr>
+            <a:lvl2pPr marL="457200" indent="0">
+              <a:buNone/>
+              <a:defRPr sz="1400"/>
+            </a:lvl2pPr>
+            <a:lvl3pPr marL="914400" indent="0">
+              <a:buNone/>
+              <a:defRPr sz="1200"/>
+            </a:lvl3pPr>
+            <a:lvl4pPr marL="1371600" indent="0">
+              <a:buNone/>
+              <a:defRPr sz="1000"/>
+            </a:lvl4pPr>
+            <a:lvl5pPr marL="1828800" indent="0">
+              <a:buNone/>
+              <a:defRPr sz="1000"/>
+            </a:lvl5pPr>
+            <a:lvl6pPr marL="2286000" indent="0">
+              <a:buNone/>
+              <a:defRPr sz="1000"/>
+            </a:lvl6pPr>
+            <a:lvl7pPr marL="2743200" indent="0">
+              <a:buNone/>
+              <a:defRPr sz="1000"/>
+            </a:lvl7pPr>
+            <a:lvl8pPr marL="3200400" indent="0">
+              <a:buNone/>
+              <a:defRPr sz="1000"/>
+            </a:lvl8pPr>
+            <a:lvl9pPr marL="3657600" indent="0">
+              <a:buNone/>
+              <a:defRPr sz="1000"/>
+            </a:lvl9pPr>
+          </a:lstStyle>
+          <a:p>
+            <a:pPr lvl="0"/>
+            <a:r>
+              <a:rPr lang="en-US"/>
+              <a:t>Edit Master text styles</a:t>
+            </a:r>
+          </a:p>
+        </p:txBody>
+      </p:sp>
+      <p:sp>
+        <p:nvSpPr>
+          <p:cNvPr id="5" name="Date Placeholder 4"/>
+          <p:cNvSpPr>
+            <a:spLocks noGrp="1"/>
+          </p:cNvSpPr>
+          <p:nvPr>
+            <p:ph type="dt" sz="half" idx="10"/>
+          </p:nvPr>
+        </p:nvSpPr>
+        <p:spPr/>
+        <p:txBody>
+          <a:bodyPr/>
+          <a:lstStyle/>
+          <a:p>
+            <a:fld id="{3D2277E6-1886-452C-854D-DB4A9BB05FC1}" type="datetimeFigureOut">
+              <a:rPr lang="en-US" smtClean="0"/>
+              <a:t>13-Nov-18</a:t>
+            </a:fld>
+            <a:endParaRPr lang="en-US"/>
+          </a:p>
+        </p:txBody>
+      </p:sp>
+      <p:sp>
+        <p:nvSpPr>
+          <p:cNvPr id="6" name="Footer Placeholder 5"/>
+          <p:cNvSpPr>
+            <a:spLocks noGrp="1"/>
+          </p:cNvSpPr>
+          <p:nvPr>
+            <p:ph type="ftr" sz="quarter" idx="11"/>
+          </p:nvPr>
+        </p:nvSpPr>
+        <p:spPr/>
+        <p:txBody>
+          <a:bodyPr/>
+          <a:lstStyle/>
+          <a:p>
+            <a:endParaRPr lang="en-US"/>
+          </a:p>
+        </p:txBody>
+      </p:sp>
+      <p:sp>
+        <p:nvSpPr>
+          <p:cNvPr id="7" name="Slide Number Placeholder 6"/>
+          <p:cNvSpPr>
+            <a:spLocks noGrp="1"/>
+          </p:cNvSpPr>
+          <p:nvPr>
+            <p:ph type="sldNum" sz="quarter" idx="12"/>
+          </p:nvPr>
+        </p:nvSpPr>
+        <p:spPr/>
+        <p:txBody>
+          <a:bodyPr/>
+          <a:lstStyle/>
+          <a:p>
+            <a:fld id="{043B9436-2E4C-483D-BC67-D4CE7485150B}" type="slidenum">
+              <a:rPr lang="en-US" smtClean="0"/>
+              <a:t>‹#›</a:t>
+            </a:fld>
+            <a:endParaRPr lang="en-US"/>
+          </a:p>
+        </p:txBody>
+      </p:sp>
+    </p:spTree>
+    <p:extLst>
+      <p:ext uri="{BB962C8B-B14F-4D97-AF65-F5344CB8AC3E}">
+        <p14:creationId xmlns:p14="http://schemas.microsoft.com/office/powerpoint/2010/main" val="704385126"/>
+      </p:ext>
+    </p:extLst>
+  </p:cSld>
+  <p:clrMapOvr>
+    <a:masterClrMapping/>
+  </p:clrMapOvr>
+</p:sldLayout>
+</file>
+
+<file path=ppt/slideLayouts/slideLayout21.xml><?xml version="1.0" encoding="utf-8"?>
+<p:sldLayout xmlns:a="http://schemas.openxmlformats.org/drawingml/2006/main" xmlns:r="http://schemas.openxmlformats.org/officeDocument/2006/relationships" xmlns:p="http://schemas.openxmlformats.org/presentationml/2006/main" type="vertTx" preserve="1">
+  <p:cSld name="Title and Vertical Text">
+    <p:spTree>
+      <p:nvGrpSpPr>
+        <p:cNvPr id="1" name=""/>
+        <p:cNvGrpSpPr/>
+        <p:nvPr/>
+      </p:nvGrpSpPr>
+      <p:grpSpPr>
+        <a:xfrm>
+          <a:off x="0" y="0"/>
+          <a:ext cx="0" cy="0"/>
+          <a:chOff x="0" y="0"/>
+          <a:chExt cx="0" cy="0"/>
+        </a:xfrm>
+      </p:grpSpPr>
+      <p:sp>
+        <p:nvSpPr>
+          <p:cNvPr id="2" name="Title 1"/>
+          <p:cNvSpPr>
+            <a:spLocks noGrp="1"/>
+          </p:cNvSpPr>
+          <p:nvPr>
+            <p:ph type="title"/>
+          </p:nvPr>
+        </p:nvSpPr>
+        <p:spPr/>
+        <p:txBody>
+          <a:bodyPr/>
+          <a:lstStyle/>
+          <a:p>
+            <a:r>
+              <a:rPr lang="en-US"/>
+              <a:t>Click to edit Master title style</a:t>
+            </a:r>
+            <a:endParaRPr lang="en-US" dirty="0"/>
+          </a:p>
+        </p:txBody>
+      </p:sp>
+      <p:sp>
+        <p:nvSpPr>
+          <p:cNvPr id="3" name="Vertical Text Placeholder 2"/>
+          <p:cNvSpPr>
+            <a:spLocks noGrp="1"/>
+          </p:cNvSpPr>
+          <p:nvPr>
+            <p:ph type="body" orient="vert" idx="1"/>
+          </p:nvPr>
+        </p:nvSpPr>
+        <p:spPr/>
+        <p:txBody>
+          <a:bodyPr vert="eaVert"/>
+          <a:lstStyle/>
+          <a:p>
+            <a:pPr lvl="0"/>
+            <a:r>
+              <a:rPr lang="en-US"/>
+              <a:t>Edit Master text styles</a:t>
+            </a:r>
+          </a:p>
+          <a:p>
+            <a:pPr lvl="1"/>
+            <a:r>
+              <a:rPr lang="en-US"/>
+              <a:t>Second level</a:t>
+            </a:r>
+          </a:p>
+          <a:p>
+            <a:pPr lvl="2"/>
+            <a:r>
+              <a:rPr lang="en-US"/>
+              <a:t>Third level</a:t>
+            </a:r>
+          </a:p>
+          <a:p>
+            <a:pPr lvl="3"/>
+            <a:r>
+              <a:rPr lang="en-US"/>
+              <a:t>Fourth level</a:t>
+            </a:r>
+          </a:p>
+          <a:p>
+            <a:pPr lvl="4"/>
+            <a:r>
+              <a:rPr lang="en-US"/>
+              <a:t>Fifth level</a:t>
+            </a:r>
+            <a:endParaRPr lang="en-US" dirty="0"/>
+          </a:p>
+        </p:txBody>
+      </p:sp>
+      <p:sp>
+        <p:nvSpPr>
+          <p:cNvPr id="4" name="Date Placeholder 3"/>
+          <p:cNvSpPr>
+            <a:spLocks noGrp="1"/>
+          </p:cNvSpPr>
+          <p:nvPr>
+            <p:ph type="dt" sz="half" idx="10"/>
+          </p:nvPr>
+        </p:nvSpPr>
+        <p:spPr/>
+        <p:txBody>
+          <a:bodyPr/>
+          <a:lstStyle/>
+          <a:p>
+            <a:fld id="{3D2277E6-1886-452C-854D-DB4A9BB05FC1}" type="datetimeFigureOut">
+              <a:rPr lang="en-US" smtClean="0"/>
+              <a:t>13-Nov-18</a:t>
+            </a:fld>
+            <a:endParaRPr lang="en-US"/>
+          </a:p>
+        </p:txBody>
+      </p:sp>
+      <p:sp>
+        <p:nvSpPr>
+          <p:cNvPr id="5" name="Footer Placeholder 4"/>
+          <p:cNvSpPr>
+            <a:spLocks noGrp="1"/>
+          </p:cNvSpPr>
+          <p:nvPr>
+            <p:ph type="ftr" sz="quarter" idx="11"/>
+          </p:nvPr>
+        </p:nvSpPr>
+        <p:spPr/>
+        <p:txBody>
+          <a:bodyPr/>
+          <a:lstStyle/>
+          <a:p>
+            <a:endParaRPr lang="en-US"/>
+          </a:p>
+        </p:txBody>
+      </p:sp>
+      <p:sp>
+        <p:nvSpPr>
+          <p:cNvPr id="6" name="Slide Number Placeholder 5"/>
+          <p:cNvSpPr>
+            <a:spLocks noGrp="1"/>
+          </p:cNvSpPr>
+          <p:nvPr>
+            <p:ph type="sldNum" sz="quarter" idx="12"/>
+          </p:nvPr>
+        </p:nvSpPr>
+        <p:spPr/>
+        <p:txBody>
+          <a:bodyPr/>
+          <a:lstStyle/>
+          <a:p>
+            <a:fld id="{043B9436-2E4C-483D-BC67-D4CE7485150B}" type="slidenum">
+              <a:rPr lang="en-US" smtClean="0"/>
+              <a:t>‹#›</a:t>
+            </a:fld>
+            <a:endParaRPr lang="en-US"/>
+          </a:p>
+        </p:txBody>
+      </p:sp>
+    </p:spTree>
+    <p:extLst>
+      <p:ext uri="{BB962C8B-B14F-4D97-AF65-F5344CB8AC3E}">
+        <p14:creationId xmlns:p14="http://schemas.microsoft.com/office/powerpoint/2010/main" val="2850634339"/>
+      </p:ext>
+    </p:extLst>
+  </p:cSld>
+  <p:clrMapOvr>
+    <a:masterClrMapping/>
+  </p:clrMapOvr>
+</p:sldLayout>
+</file>
+
+<file path=ppt/slideLayouts/slideLayout22.xml><?xml version="1.0" encoding="utf-8"?>
+<p:sldLayout xmlns:a="http://schemas.openxmlformats.org/drawingml/2006/main" xmlns:r="http://schemas.openxmlformats.org/officeDocument/2006/relationships" xmlns:p="http://schemas.openxmlformats.org/presentationml/2006/main" type="vertTitleAndTx" preserve="1">
+  <p:cSld name="Vertical Title and Text">
+    <p:spTree>
+      <p:nvGrpSpPr>
+        <p:cNvPr id="1" name=""/>
+        <p:cNvGrpSpPr/>
+        <p:nvPr/>
+      </p:nvGrpSpPr>
+      <p:grpSpPr>
+        <a:xfrm>
+          <a:off x="0" y="0"/>
+          <a:ext cx="0" cy="0"/>
+          <a:chOff x="0" y="0"/>
+          <a:chExt cx="0" cy="0"/>
+        </a:xfrm>
+      </p:grpSpPr>
+      <p:sp>
+        <p:nvSpPr>
+          <p:cNvPr id="2" name="Vertical Title 1"/>
+          <p:cNvSpPr>
+            <a:spLocks noGrp="1"/>
+          </p:cNvSpPr>
+          <p:nvPr>
+            <p:ph type="title" orient="vert"/>
+          </p:nvPr>
+        </p:nvSpPr>
+        <p:spPr>
+          <a:xfrm>
+            <a:off x="8724900" y="365125"/>
+            <a:ext cx="2628900" cy="5811838"/>
+          </a:xfrm>
+        </p:spPr>
+        <p:txBody>
+          <a:bodyPr vert="eaVert"/>
+          <a:lstStyle/>
+          <a:p>
+            <a:r>
+              <a:rPr lang="en-US"/>
+              <a:t>Click to edit Master title style</a:t>
+            </a:r>
+            <a:endParaRPr lang="en-US" dirty="0"/>
+          </a:p>
+        </p:txBody>
+      </p:sp>
+      <p:sp>
+        <p:nvSpPr>
+          <p:cNvPr id="3" name="Vertical Text Placeholder 2"/>
+          <p:cNvSpPr>
+            <a:spLocks noGrp="1"/>
+          </p:cNvSpPr>
+          <p:nvPr>
+            <p:ph type="body" orient="vert" idx="1"/>
+          </p:nvPr>
+        </p:nvSpPr>
+        <p:spPr>
+          <a:xfrm>
+            <a:off x="838200" y="365125"/>
+            <a:ext cx="7734300" cy="5811838"/>
+          </a:xfrm>
+        </p:spPr>
+        <p:txBody>
+          <a:bodyPr vert="eaVert"/>
+          <a:lstStyle/>
+          <a:p>
+            <a:pPr lvl="0"/>
+            <a:r>
+              <a:rPr lang="en-US"/>
+              <a:t>Edit Master text styles</a:t>
+            </a:r>
+          </a:p>
+          <a:p>
+            <a:pPr lvl="1"/>
+            <a:r>
+              <a:rPr lang="en-US"/>
+              <a:t>Second level</a:t>
+            </a:r>
+          </a:p>
+          <a:p>
+            <a:pPr lvl="2"/>
+            <a:r>
+              <a:rPr lang="en-US"/>
+              <a:t>Third level</a:t>
+            </a:r>
+          </a:p>
+          <a:p>
+            <a:pPr lvl="3"/>
+            <a:r>
+              <a:rPr lang="en-US"/>
+              <a:t>Fourth level</a:t>
+            </a:r>
+          </a:p>
+          <a:p>
+            <a:pPr lvl="4"/>
+            <a:r>
+              <a:rPr lang="en-US"/>
+              <a:t>Fifth level</a:t>
+            </a:r>
+            <a:endParaRPr lang="en-US" dirty="0"/>
+          </a:p>
+        </p:txBody>
+      </p:sp>
+      <p:sp>
+        <p:nvSpPr>
+          <p:cNvPr id="4" name="Date Placeholder 3"/>
+          <p:cNvSpPr>
+            <a:spLocks noGrp="1"/>
+          </p:cNvSpPr>
+          <p:nvPr>
+            <p:ph type="dt" sz="half" idx="10"/>
+          </p:nvPr>
+        </p:nvSpPr>
+        <p:spPr/>
+        <p:txBody>
+          <a:bodyPr/>
+          <a:lstStyle/>
+          <a:p>
+            <a:fld id="{3D2277E6-1886-452C-854D-DB4A9BB05FC1}" type="datetimeFigureOut">
+              <a:rPr lang="en-US" smtClean="0"/>
+              <a:t>13-Nov-18</a:t>
+            </a:fld>
+            <a:endParaRPr lang="en-US"/>
+          </a:p>
+        </p:txBody>
+      </p:sp>
+      <p:sp>
+        <p:nvSpPr>
+          <p:cNvPr id="5" name="Footer Placeholder 4"/>
+          <p:cNvSpPr>
+            <a:spLocks noGrp="1"/>
+          </p:cNvSpPr>
+          <p:nvPr>
+            <p:ph type="ftr" sz="quarter" idx="11"/>
+          </p:nvPr>
+        </p:nvSpPr>
+        <p:spPr/>
+        <p:txBody>
+          <a:bodyPr/>
+          <a:lstStyle/>
+          <a:p>
+            <a:endParaRPr lang="en-US"/>
+          </a:p>
+        </p:txBody>
+      </p:sp>
+      <p:sp>
+        <p:nvSpPr>
+          <p:cNvPr id="6" name="Slide Number Placeholder 5"/>
+          <p:cNvSpPr>
+            <a:spLocks noGrp="1"/>
+          </p:cNvSpPr>
+          <p:nvPr>
+            <p:ph type="sldNum" sz="quarter" idx="12"/>
+          </p:nvPr>
+        </p:nvSpPr>
+        <p:spPr/>
+        <p:txBody>
+          <a:bodyPr/>
+          <a:lstStyle/>
+          <a:p>
+            <a:fld id="{043B9436-2E4C-483D-BC67-D4CE7485150B}" type="slidenum">
+              <a:rPr lang="en-US" smtClean="0"/>
+              <a:t>‹#›</a:t>
+            </a:fld>
+            <a:endParaRPr lang="en-US"/>
+          </a:p>
+        </p:txBody>
+      </p:sp>
+    </p:spTree>
+    <p:extLst>
+      <p:ext uri="{BB962C8B-B14F-4D97-AF65-F5344CB8AC3E}">
+        <p14:creationId xmlns:p14="http://schemas.microsoft.com/office/powerpoint/2010/main" val="2909633025"/>
+      </p:ext>
+    </p:extLst>
+  </p:cSld>
+  <p:clrMapOvr>
+    <a:masterClrMapping/>
+  </p:clrMapOvr>
+</p:sldLayout>
+</file>
+
 <file path=ppt/slideLayouts/slideLayout3.xml><?xml version="1.0" encoding="utf-8"?>
 <p:sldLayout xmlns:a="http://schemas.openxmlformats.org/drawingml/2006/main" xmlns:r="http://schemas.openxmlformats.org/officeDocument/2006/relationships" xmlns:p="http://schemas.openxmlformats.org/presentationml/2006/main" type="secHead" preserve="1">
   <p:cSld name="Section Header">
@@ -1335,8 +3640,8 @@
         </p:nvSpPr>
         <p:spPr>
           <a:xfrm>
-            <a:off x="623888" y="1709739"/>
-            <a:ext cx="7886700" cy="2852737"/>
+            <a:off x="831851" y="1709740"/>
+            <a:ext cx="10515600" cy="2852737"/>
           </a:xfrm>
         </p:spPr>
         <p:txBody>
@@ -1372,8 +3677,8 @@
         </p:nvSpPr>
         <p:spPr>
           <a:xfrm>
-            <a:off x="623888" y="4589464"/>
-            <a:ext cx="7886700" cy="1500187"/>
+            <a:off x="831851" y="4589465"/>
+            <a:ext cx="10515600" cy="1500187"/>
           </a:xfrm>
         </p:spPr>
         <p:txBody>
@@ -1638,8 +3943,8 @@
         </p:nvSpPr>
         <p:spPr>
           <a:xfrm>
-            <a:off x="628650" y="1825625"/>
-            <a:ext cx="3886200" cy="4351338"/>
+            <a:off x="838200" y="1825625"/>
+            <a:ext cx="5181600" cy="4351338"/>
           </a:xfrm>
         </p:spPr>
         <p:txBody>
@@ -1700,8 +4005,8 @@
         </p:nvSpPr>
         <p:spPr>
           <a:xfrm>
-            <a:off x="4629150" y="1825625"/>
-            <a:ext cx="3886200" cy="4351338"/>
+            <a:off x="6172200" y="1825625"/>
+            <a:ext cx="5181600" cy="4351338"/>
           </a:xfrm>
         </p:spPr>
         <p:txBody>
@@ -1875,8 +4180,8 @@
         </p:nvSpPr>
         <p:spPr>
           <a:xfrm>
-            <a:off x="629841" y="365126"/>
-            <a:ext cx="7886700" cy="1325563"/>
+            <a:off x="839788" y="365127"/>
+            <a:ext cx="10515600" cy="1325563"/>
           </a:xfrm>
         </p:spPr>
         <p:txBody>
@@ -1908,8 +4213,8 @@
         </p:nvSpPr>
         <p:spPr>
           <a:xfrm>
-            <a:off x="629842" y="1681163"/>
-            <a:ext cx="3868340" cy="823912"/>
+            <a:off x="839789" y="1681163"/>
+            <a:ext cx="5157787" cy="823912"/>
           </a:xfrm>
         </p:spPr>
         <p:txBody>
@@ -1979,8 +4284,8 @@
         </p:nvSpPr>
         <p:spPr>
           <a:xfrm>
-            <a:off x="629842" y="2505075"/>
-            <a:ext cx="3868340" cy="3684588"/>
+            <a:off x="839789" y="2505075"/>
+            <a:ext cx="5157787" cy="3684588"/>
           </a:xfrm>
         </p:spPr>
         <p:txBody>
@@ -2041,8 +4346,8 @@
         </p:nvSpPr>
         <p:spPr>
           <a:xfrm>
-            <a:off x="4629150" y="1681163"/>
-            <a:ext cx="3887391" cy="823912"/>
+            <a:off x="6172201" y="1681163"/>
+            <a:ext cx="5183188" cy="823912"/>
           </a:xfrm>
         </p:spPr>
         <p:txBody>
@@ -2112,8 +4417,8 @@
         </p:nvSpPr>
         <p:spPr>
           <a:xfrm>
-            <a:off x="4629150" y="2505075"/>
-            <a:ext cx="3887391" cy="3684588"/>
+            <a:off x="6172201" y="2505075"/>
+            <a:ext cx="5183188" cy="3684588"/>
           </a:xfrm>
         </p:spPr>
         <p:txBody>
@@ -2541,8 +4846,8 @@
         </p:nvSpPr>
         <p:spPr>
           <a:xfrm>
-            <a:off x="629841" y="457200"/>
-            <a:ext cx="2949178" cy="1600200"/>
+            <a:off x="839788" y="457200"/>
+            <a:ext cx="3932237" cy="1600200"/>
           </a:xfrm>
         </p:spPr>
         <p:txBody>
@@ -2578,8 +4883,8 @@
         </p:nvSpPr>
         <p:spPr>
           <a:xfrm>
-            <a:off x="3887391" y="987426"/>
-            <a:ext cx="4629150" cy="4873625"/>
+            <a:off x="5183188" y="987427"/>
+            <a:ext cx="6172200" cy="4873625"/>
           </a:xfrm>
         </p:spPr>
         <p:txBody>
@@ -2668,8 +4973,8 @@
         </p:nvSpPr>
         <p:spPr>
           <a:xfrm>
-            <a:off x="629841" y="2057400"/>
-            <a:ext cx="2949178" cy="3811588"/>
+            <a:off x="839788" y="2057400"/>
+            <a:ext cx="3932237" cy="3811588"/>
           </a:xfrm>
         </p:spPr>
         <p:txBody>
@@ -2852,8 +5157,8 @@
         </p:nvSpPr>
         <p:spPr>
           <a:xfrm>
-            <a:off x="629841" y="457200"/>
-            <a:ext cx="2949178" cy="1600200"/>
+            <a:off x="839788" y="457200"/>
+            <a:ext cx="3932237" cy="1600200"/>
           </a:xfrm>
         </p:spPr>
         <p:txBody>
@@ -2889,8 +5194,8 @@
         </p:nvSpPr>
         <p:spPr>
           <a:xfrm>
-            <a:off x="3887391" y="987426"/>
-            <a:ext cx="4629150" cy="4873625"/>
+            <a:off x="5183188" y="987427"/>
+            <a:ext cx="6172200" cy="4873625"/>
           </a:xfrm>
         </p:spPr>
         <p:txBody>
@@ -2956,8 +5261,8 @@
         </p:nvSpPr>
         <p:spPr>
           <a:xfrm>
-            <a:off x="629841" y="2057400"/>
-            <a:ext cx="2949178" cy="3811588"/>
+            <a:off x="839788" y="2057400"/>
+            <a:ext cx="3932237" cy="3811588"/>
           </a:xfrm>
         </p:spPr>
         <p:txBody>
@@ -3155,8 +5460,8 @@
         </p:blipFill>
         <p:spPr>
           <a:xfrm>
-            <a:off x="4975901" y="0"/>
-            <a:ext cx="4817014" cy="6858000"/>
+            <a:off x="6634535" y="0"/>
+            <a:ext cx="6422685" cy="6858000"/>
           </a:xfrm>
           <a:prstGeom prst="rect">
             <a:avLst/>
@@ -3181,8 +5486,8 @@
         </p:nvSpPr>
         <p:spPr>
           <a:xfrm>
-            <a:off x="628650" y="365126"/>
-            <a:ext cx="7886700" cy="1325563"/>
+            <a:off x="838200" y="365127"/>
+            <a:ext cx="10515600" cy="1325563"/>
           </a:xfrm>
           <a:prstGeom prst="rect">
             <a:avLst/>
@@ -3219,8 +5524,8 @@
         </p:nvSpPr>
         <p:spPr>
           <a:xfrm>
-            <a:off x="628650" y="1825625"/>
-            <a:ext cx="7886700" cy="4351338"/>
+            <a:off x="838200" y="1825625"/>
+            <a:ext cx="10515600" cy="4351338"/>
           </a:xfrm>
           <a:prstGeom prst="rect">
             <a:avLst/>
@@ -3286,8 +5591,8 @@
         </p:nvSpPr>
         <p:spPr>
           <a:xfrm>
-            <a:off x="628650" y="6356351"/>
-            <a:ext cx="2057400" cy="365125"/>
+            <a:off x="838200" y="6356352"/>
+            <a:ext cx="2743200" cy="365125"/>
           </a:xfrm>
           <a:prstGeom prst="rect">
             <a:avLst/>
@@ -3333,8 +5638,8 @@
         </p:nvSpPr>
         <p:spPr>
           <a:xfrm>
-            <a:off x="3028950" y="6356351"/>
-            <a:ext cx="3086100" cy="365125"/>
+            <a:off x="4038600" y="6356352"/>
+            <a:ext cx="4114800" cy="365125"/>
           </a:xfrm>
           <a:prstGeom prst="rect">
             <a:avLst/>
@@ -3376,8 +5681,8 @@
         </p:nvSpPr>
         <p:spPr>
           <a:xfrm>
-            <a:off x="6457950" y="6356351"/>
-            <a:ext cx="2057400" cy="365125"/>
+            <a:off x="8610600" y="6356352"/>
+            <a:ext cx="2743200" cy="365125"/>
           </a:xfrm>
           <a:prstGeom prst="rect">
             <a:avLst/>
@@ -3421,13 +5726,13 @@
         </p:nvGraphicFramePr>
         <p:xfrm>
           <a:off x="0" y="6582032"/>
-          <a:ext cx="9144000" cy="275968"/>
+          <a:ext cx="12192000" cy="275968"/>
         </p:xfrm>
         <a:graphic>
           <a:graphicData uri="http://schemas.openxmlformats.org/presentationml/2006/ole">
             <mc:AlternateContent xmlns:mc="http://schemas.openxmlformats.org/markup-compatibility/2006">
               <mc:Choice xmlns:v="urn:schemas-microsoft-com:vml" Requires="v">
-                <p:oleObj spid="_x0000_s7192" r:id="rId15" imgW="12380760" imgH="279360" progId="">
+                <p:oleObj spid="_x0000_s7194" r:id="rId15" imgW="12380760" imgH="279360" progId="">
                   <p:embed/>
                 </p:oleObj>
               </mc:Choice>
@@ -3455,7 +5760,7 @@
                     <p:spPr>
                       <a:xfrm>
                         <a:off x="0" y="6582032"/>
-                        <a:ext cx="9144000" cy="275968"/>
+                        <a:ext cx="12192000" cy="275968"/>
                       </a:xfrm>
                       <a:prstGeom prst="rect">
                         <a:avLst/>
@@ -3496,8 +5801,8 @@
         </p:blipFill>
         <p:spPr>
           <a:xfrm>
-            <a:off x="6508750" y="5932627"/>
-            <a:ext cx="2569211" cy="618880"/>
+            <a:off x="8678334" y="5932627"/>
+            <a:ext cx="3425615" cy="618880"/>
           </a:xfrm>
           <a:prstGeom prst="rect">
             <a:avLst/>
@@ -3532,8 +5837,8 @@
         </p:blipFill>
         <p:spPr>
           <a:xfrm>
-            <a:off x="66040" y="6126678"/>
-            <a:ext cx="1685346" cy="275968"/>
+            <a:off x="88053" y="6126678"/>
+            <a:ext cx="2247128" cy="275968"/>
           </a:xfrm>
           <a:prstGeom prst="rect">
             <a:avLst/>
@@ -3844,6 +6149,717 @@
 </p:sldMaster>
 </file>
 
+<file path=ppt/slideMasters/slideMaster2.xml><?xml version="1.0" encoding="utf-8"?>
+<p:sldMaster xmlns:a="http://schemas.openxmlformats.org/drawingml/2006/main" xmlns:r="http://schemas.openxmlformats.org/officeDocument/2006/relationships" xmlns:p="http://schemas.openxmlformats.org/presentationml/2006/main">
+  <p:cSld>
+    <p:bg>
+      <p:bgRef idx="1001">
+        <a:schemeClr val="bg1"/>
+      </p:bgRef>
+    </p:bg>
+    <p:spTree>
+      <p:nvGrpSpPr>
+        <p:cNvPr id="1" name=""/>
+        <p:cNvGrpSpPr/>
+        <p:nvPr/>
+      </p:nvGrpSpPr>
+      <p:grpSpPr>
+        <a:xfrm>
+          <a:off x="0" y="0"/>
+          <a:ext cx="0" cy="0"/>
+          <a:chOff x="0" y="0"/>
+          <a:chExt cx="0" cy="0"/>
+        </a:xfrm>
+      </p:grpSpPr>
+      <p:sp>
+        <p:nvSpPr>
+          <p:cNvPr id="2" name="Title Placeholder 1"/>
+          <p:cNvSpPr>
+            <a:spLocks noGrp="1"/>
+          </p:cNvSpPr>
+          <p:nvPr>
+            <p:ph type="title"/>
+          </p:nvPr>
+        </p:nvSpPr>
+        <p:spPr>
+          <a:xfrm>
+            <a:off x="838200" y="365125"/>
+            <a:ext cx="10515600" cy="1325563"/>
+          </a:xfrm>
+          <a:prstGeom prst="rect">
+            <a:avLst/>
+          </a:prstGeom>
+        </p:spPr>
+        <p:txBody>
+          <a:bodyPr vert="horz" lIns="91440" tIns="45720" rIns="91440" bIns="45720" rtlCol="0" anchor="ctr">
+            <a:normAutofit/>
+          </a:bodyPr>
+          <a:lstStyle/>
+          <a:p>
+            <a:r>
+              <a:rPr lang="en-US"/>
+              <a:t>Click to edit Master title style</a:t>
+            </a:r>
+            <a:endParaRPr lang="en-US" dirty="0"/>
+          </a:p>
+        </p:txBody>
+      </p:sp>
+      <p:sp>
+        <p:nvSpPr>
+          <p:cNvPr id="3" name="Text Placeholder 2"/>
+          <p:cNvSpPr>
+            <a:spLocks noGrp="1"/>
+          </p:cNvSpPr>
+          <p:nvPr>
+            <p:ph type="body" idx="1"/>
+          </p:nvPr>
+        </p:nvSpPr>
+        <p:spPr>
+          <a:xfrm>
+            <a:off x="838200" y="1825625"/>
+            <a:ext cx="10515600" cy="4351338"/>
+          </a:xfrm>
+          <a:prstGeom prst="rect">
+            <a:avLst/>
+          </a:prstGeom>
+        </p:spPr>
+        <p:txBody>
+          <a:bodyPr vert="horz" lIns="91440" tIns="45720" rIns="91440" bIns="45720" rtlCol="0">
+            <a:normAutofit/>
+          </a:bodyPr>
+          <a:lstStyle/>
+          <a:p>
+            <a:pPr lvl="0"/>
+            <a:r>
+              <a:rPr lang="en-US"/>
+              <a:t>Edit Master text styles</a:t>
+            </a:r>
+          </a:p>
+          <a:p>
+            <a:pPr lvl="1"/>
+            <a:r>
+              <a:rPr lang="en-US"/>
+              <a:t>Second level</a:t>
+            </a:r>
+          </a:p>
+          <a:p>
+            <a:pPr lvl="2"/>
+            <a:r>
+              <a:rPr lang="en-US"/>
+              <a:t>Third level</a:t>
+            </a:r>
+          </a:p>
+          <a:p>
+            <a:pPr lvl="3"/>
+            <a:r>
+              <a:rPr lang="en-US"/>
+              <a:t>Fourth level</a:t>
+            </a:r>
+          </a:p>
+          <a:p>
+            <a:pPr lvl="4"/>
+            <a:r>
+              <a:rPr lang="en-US"/>
+              <a:t>Fifth level</a:t>
+            </a:r>
+            <a:endParaRPr lang="en-US" dirty="0"/>
+          </a:p>
+        </p:txBody>
+      </p:sp>
+      <p:sp>
+        <p:nvSpPr>
+          <p:cNvPr id="4" name="Date Placeholder 3"/>
+          <p:cNvSpPr>
+            <a:spLocks noGrp="1"/>
+          </p:cNvSpPr>
+          <p:nvPr>
+            <p:ph type="dt" sz="half" idx="2"/>
+          </p:nvPr>
+        </p:nvSpPr>
+        <p:spPr>
+          <a:xfrm>
+            <a:off x="838200" y="6356350"/>
+            <a:ext cx="2743200" cy="365125"/>
+          </a:xfrm>
+          <a:prstGeom prst="rect">
+            <a:avLst/>
+          </a:prstGeom>
+        </p:spPr>
+        <p:txBody>
+          <a:bodyPr vert="horz" lIns="91440" tIns="45720" rIns="91440" bIns="45720" rtlCol="0" anchor="ctr"/>
+          <a:lstStyle>
+            <a:lvl1pPr algn="l">
+              <a:defRPr sz="1200">
+                <a:solidFill>
+                  <a:schemeClr val="tx1">
+                    <a:tint val="75000"/>
+                  </a:schemeClr>
+                </a:solidFill>
+              </a:defRPr>
+            </a:lvl1pPr>
+          </a:lstStyle>
+          <a:p>
+            <a:fld id="{3D2277E6-1886-452C-854D-DB4A9BB05FC1}" type="datetimeFigureOut">
+              <a:rPr lang="en-US" smtClean="0"/>
+              <a:t>13-Nov-18</a:t>
+            </a:fld>
+            <a:endParaRPr lang="en-US"/>
+          </a:p>
+        </p:txBody>
+      </p:sp>
+      <p:sp>
+        <p:nvSpPr>
+          <p:cNvPr id="5" name="Footer Placeholder 4"/>
+          <p:cNvSpPr>
+            <a:spLocks noGrp="1"/>
+          </p:cNvSpPr>
+          <p:nvPr>
+            <p:ph type="ftr" sz="quarter" idx="3"/>
+          </p:nvPr>
+        </p:nvSpPr>
+        <p:spPr>
+          <a:xfrm>
+            <a:off x="4038600" y="6356350"/>
+            <a:ext cx="4114800" cy="365125"/>
+          </a:xfrm>
+          <a:prstGeom prst="rect">
+            <a:avLst/>
+          </a:prstGeom>
+        </p:spPr>
+        <p:txBody>
+          <a:bodyPr vert="horz" lIns="91440" tIns="45720" rIns="91440" bIns="45720" rtlCol="0" anchor="ctr"/>
+          <a:lstStyle>
+            <a:lvl1pPr algn="ctr">
+              <a:defRPr sz="1200">
+                <a:solidFill>
+                  <a:schemeClr val="tx1">
+                    <a:tint val="75000"/>
+                  </a:schemeClr>
+                </a:solidFill>
+              </a:defRPr>
+            </a:lvl1pPr>
+          </a:lstStyle>
+          <a:p>
+            <a:endParaRPr lang="en-US"/>
+          </a:p>
+        </p:txBody>
+      </p:sp>
+      <p:sp>
+        <p:nvSpPr>
+          <p:cNvPr id="6" name="Slide Number Placeholder 5"/>
+          <p:cNvSpPr>
+            <a:spLocks noGrp="1"/>
+          </p:cNvSpPr>
+          <p:nvPr>
+            <p:ph type="sldNum" sz="quarter" idx="4"/>
+          </p:nvPr>
+        </p:nvSpPr>
+        <p:spPr>
+          <a:xfrm>
+            <a:off x="8610600" y="6356350"/>
+            <a:ext cx="2743200" cy="365125"/>
+          </a:xfrm>
+          <a:prstGeom prst="rect">
+            <a:avLst/>
+          </a:prstGeom>
+        </p:spPr>
+        <p:txBody>
+          <a:bodyPr vert="horz" lIns="91440" tIns="45720" rIns="91440" bIns="45720" rtlCol="0" anchor="ctr"/>
+          <a:lstStyle>
+            <a:lvl1pPr algn="r">
+              <a:defRPr sz="1200">
+                <a:solidFill>
+                  <a:schemeClr val="tx1">
+                    <a:tint val="75000"/>
+                  </a:schemeClr>
+                </a:solidFill>
+              </a:defRPr>
+            </a:lvl1pPr>
+          </a:lstStyle>
+          <a:p>
+            <a:fld id="{043B9436-2E4C-483D-BC67-D4CE7485150B}" type="slidenum">
+              <a:rPr lang="en-US" smtClean="0"/>
+              <a:t>‹#›</a:t>
+            </a:fld>
+            <a:endParaRPr lang="en-US"/>
+          </a:p>
+        </p:txBody>
+      </p:sp>
+      <p:pic>
+        <p:nvPicPr>
+          <p:cNvPr id="7" name="Picture 6">
+            <a:extLst>
+              <a:ext uri="{FF2B5EF4-FFF2-40B4-BE49-F238E27FC236}">
+                <a16:creationId xmlns:a16="http://schemas.microsoft.com/office/drawing/2014/main" id="{D598E77C-143D-4AA7-8E39-5DD4D985E3D8}"/>
+              </a:ext>
+            </a:extLst>
+          </p:cNvPr>
+          <p:cNvPicPr>
+            <a:picLocks noChangeAspect="1"/>
+          </p:cNvPicPr>
+          <p:nvPr userDrawn="1"/>
+        </p:nvPicPr>
+        <p:blipFill>
+          <a:blip r:embed="rId14">
+            <a:extLst>
+              <a:ext uri="{28A0092B-C50C-407E-A947-70E740481C1C}">
+                <a14:useLocalDpi xmlns:a14="http://schemas.microsoft.com/office/drawing/2010/main" val="0"/>
+              </a:ext>
+            </a:extLst>
+          </a:blip>
+          <a:stretch>
+            <a:fillRect/>
+          </a:stretch>
+        </p:blipFill>
+        <p:spPr>
+          <a:xfrm>
+            <a:off x="6634535" y="0"/>
+            <a:ext cx="6422685" cy="6858000"/>
+          </a:xfrm>
+          <a:prstGeom prst="rect">
+            <a:avLst/>
+          </a:prstGeom>
+        </p:spPr>
+      </p:pic>
+      <p:graphicFrame>
+        <p:nvGraphicFramePr>
+          <p:cNvPr id="8" name="Object 7">
+            <a:extLst>
+              <a:ext uri="{FF2B5EF4-FFF2-40B4-BE49-F238E27FC236}">
+                <a16:creationId xmlns:a16="http://schemas.microsoft.com/office/drawing/2014/main" id="{FB6B848D-AF48-4901-B4EC-9266B766053B}"/>
+              </a:ext>
+            </a:extLst>
+          </p:cNvPr>
+          <p:cNvGraphicFramePr>
+            <a:graphicFrameLocks noChangeAspect="1"/>
+          </p:cNvGraphicFramePr>
+          <p:nvPr userDrawn="1"/>
+        </p:nvGraphicFramePr>
+        <p:xfrm>
+          <a:off x="0" y="6582032"/>
+          <a:ext cx="12192000" cy="275968"/>
+        </p:xfrm>
+        <a:graphic>
+          <a:graphicData uri="http://schemas.openxmlformats.org/presentationml/2006/ole">
+            <mc:AlternateContent xmlns:mc="http://schemas.openxmlformats.org/markup-compatibility/2006">
+              <mc:Choice xmlns:v="urn:schemas-microsoft-com:vml" Requires="v">
+                <p:oleObj spid="_x0000_s8195" r:id="rId15" imgW="12380760" imgH="279360" progId="">
+                  <p:embed/>
+                </p:oleObj>
+              </mc:Choice>
+              <mc:Fallback>
+                <p:oleObj r:id="rId15" imgW="12380760" imgH="279360" progId="">
+                  <p:embed/>
+                  <p:pic>
+                    <p:nvPicPr>
+                      <p:cNvPr id="7" name="Object 6">
+                        <a:extLst>
+                          <a:ext uri="{FF2B5EF4-FFF2-40B4-BE49-F238E27FC236}">
+                            <a16:creationId xmlns:a16="http://schemas.microsoft.com/office/drawing/2014/main" id="{CD6FDDF6-C53C-4F63-8FAD-1799B7BA326C}"/>
+                          </a:ext>
+                        </a:extLst>
+                      </p:cNvPr>
+                      <p:cNvPicPr/>
+                      <p:nvPr/>
+                    </p:nvPicPr>
+                    <p:blipFill>
+                      <a:blip r:embed="rId16"/>
+                      <a:stretch>
+                        <a:fillRect/>
+                      </a:stretch>
+                    </p:blipFill>
+                    <p:spPr>
+                      <a:xfrm>
+                        <a:off x="0" y="6582032"/>
+                        <a:ext cx="12192000" cy="275968"/>
+                      </a:xfrm>
+                      <a:prstGeom prst="rect">
+                        <a:avLst/>
+                      </a:prstGeom>
+                    </p:spPr>
+                  </p:pic>
+                </p:oleObj>
+              </mc:Fallback>
+            </mc:AlternateContent>
+          </a:graphicData>
+        </a:graphic>
+      </p:graphicFrame>
+      <p:pic>
+        <p:nvPicPr>
+          <p:cNvPr id="9" name="Picture 8">
+            <a:extLst>
+              <a:ext uri="{FF2B5EF4-FFF2-40B4-BE49-F238E27FC236}">
+                <a16:creationId xmlns:a16="http://schemas.microsoft.com/office/drawing/2014/main" id="{73152BEF-DE65-46C4-96D4-1236E59993B4}"/>
+              </a:ext>
+            </a:extLst>
+          </p:cNvPr>
+          <p:cNvPicPr>
+            <a:picLocks noChangeAspect="1"/>
+          </p:cNvPicPr>
+          <p:nvPr userDrawn="1"/>
+        </p:nvPicPr>
+        <p:blipFill>
+          <a:blip r:embed="rId17">
+            <a:extLst>
+              <a:ext uri="{28A0092B-C50C-407E-A947-70E740481C1C}">
+                <a14:useLocalDpi xmlns:a14="http://schemas.microsoft.com/office/drawing/2010/main" val="0"/>
+              </a:ext>
+            </a:extLst>
+          </a:blip>
+          <a:stretch>
+            <a:fillRect/>
+          </a:stretch>
+        </p:blipFill>
+        <p:spPr>
+          <a:xfrm>
+            <a:off x="8678334" y="5932627"/>
+            <a:ext cx="3425615" cy="618880"/>
+          </a:xfrm>
+          <a:prstGeom prst="rect">
+            <a:avLst/>
+          </a:prstGeom>
+        </p:spPr>
+      </p:pic>
+      <p:pic>
+        <p:nvPicPr>
+          <p:cNvPr id="10" name="Picture 9">
+            <a:extLst>
+              <a:ext uri="{FF2B5EF4-FFF2-40B4-BE49-F238E27FC236}">
+                <a16:creationId xmlns:a16="http://schemas.microsoft.com/office/drawing/2014/main" id="{03552A32-7563-49DA-9E2B-D06E2D0F6589}"/>
+              </a:ext>
+            </a:extLst>
+          </p:cNvPr>
+          <p:cNvPicPr>
+            <a:picLocks noChangeAspect="1"/>
+          </p:cNvPicPr>
+          <p:nvPr userDrawn="1"/>
+        </p:nvPicPr>
+        <p:blipFill>
+          <a:blip r:embed="rId18">
+            <a:extLst>
+              <a:ext uri="{28A0092B-C50C-407E-A947-70E740481C1C}">
+                <a14:useLocalDpi xmlns:a14="http://schemas.microsoft.com/office/drawing/2010/main" val="0"/>
+              </a:ext>
+            </a:extLst>
+          </a:blip>
+          <a:stretch>
+            <a:fillRect/>
+          </a:stretch>
+        </p:blipFill>
+        <p:spPr>
+          <a:xfrm>
+            <a:off x="88053" y="6126678"/>
+            <a:ext cx="2247128" cy="275968"/>
+          </a:xfrm>
+          <a:prstGeom prst="rect">
+            <a:avLst/>
+          </a:prstGeom>
+        </p:spPr>
+      </p:pic>
+    </p:spTree>
+    <p:extLst>
+      <p:ext uri="{BB962C8B-B14F-4D97-AF65-F5344CB8AC3E}">
+        <p14:creationId xmlns:p14="http://schemas.microsoft.com/office/powerpoint/2010/main" val="2588382058"/>
+      </p:ext>
+    </p:extLst>
+  </p:cSld>
+  <p:clrMap bg1="lt1" tx1="dk1" bg2="lt2" tx2="dk2" accent1="accent1" accent2="accent2" accent3="accent3" accent4="accent4" accent5="accent5" accent6="accent6" hlink="hlink" folHlink="folHlink"/>
+  <p:sldLayoutIdLst>
+    <p:sldLayoutId id="2147483677" r:id="rId1"/>
+    <p:sldLayoutId id="2147483678" r:id="rId2"/>
+    <p:sldLayoutId id="2147483679" r:id="rId3"/>
+    <p:sldLayoutId id="2147483680" r:id="rId4"/>
+    <p:sldLayoutId id="2147483681" r:id="rId5"/>
+    <p:sldLayoutId id="2147483682" r:id="rId6"/>
+    <p:sldLayoutId id="2147483683" r:id="rId7"/>
+    <p:sldLayoutId id="2147483684" r:id="rId8"/>
+    <p:sldLayoutId id="2147483685" r:id="rId9"/>
+    <p:sldLayoutId id="2147483686" r:id="rId10"/>
+    <p:sldLayoutId id="2147483687" r:id="rId11"/>
+  </p:sldLayoutIdLst>
+  <p:txStyles>
+    <p:titleStyle>
+      <a:lvl1pPr algn="l" defTabSz="914400" rtl="0" eaLnBrk="1" latinLnBrk="0" hangingPunct="1">
+        <a:lnSpc>
+          <a:spcPct val="90000"/>
+        </a:lnSpc>
+        <a:spcBef>
+          <a:spcPct val="0"/>
+        </a:spcBef>
+        <a:buNone/>
+        <a:defRPr sz="4400" kern="1200">
+          <a:solidFill>
+            <a:schemeClr val="tx1"/>
+          </a:solidFill>
+          <a:latin typeface="+mj-lt"/>
+          <a:ea typeface="+mj-ea"/>
+          <a:cs typeface="+mj-cs"/>
+        </a:defRPr>
+      </a:lvl1pPr>
+    </p:titleStyle>
+    <p:bodyStyle>
+      <a:lvl1pPr marL="228600" indent="-228600" algn="l" defTabSz="914400" rtl="0" eaLnBrk="1" latinLnBrk="0" hangingPunct="1">
+        <a:lnSpc>
+          <a:spcPct val="90000"/>
+        </a:lnSpc>
+        <a:spcBef>
+          <a:spcPts val="1000"/>
+        </a:spcBef>
+        <a:buFont typeface="Arial" panose="020B0604020202020204" pitchFamily="34" charset="0"/>
+        <a:buChar char="•"/>
+        <a:defRPr sz="2800" kern="1200">
+          <a:solidFill>
+            <a:schemeClr val="tx1"/>
+          </a:solidFill>
+          <a:latin typeface="+mn-lt"/>
+          <a:ea typeface="+mn-ea"/>
+          <a:cs typeface="+mn-cs"/>
+        </a:defRPr>
+      </a:lvl1pPr>
+      <a:lvl2pPr marL="685800" indent="-228600" algn="l" defTabSz="914400" rtl="0" eaLnBrk="1" latinLnBrk="0" hangingPunct="1">
+        <a:lnSpc>
+          <a:spcPct val="90000"/>
+        </a:lnSpc>
+        <a:spcBef>
+          <a:spcPts val="500"/>
+        </a:spcBef>
+        <a:buFont typeface="Arial" panose="020B0604020202020204" pitchFamily="34" charset="0"/>
+        <a:buChar char="•"/>
+        <a:defRPr sz="2400" kern="1200">
+          <a:solidFill>
+            <a:schemeClr val="tx1"/>
+          </a:solidFill>
+          <a:latin typeface="+mn-lt"/>
+          <a:ea typeface="+mn-ea"/>
+          <a:cs typeface="+mn-cs"/>
+        </a:defRPr>
+      </a:lvl2pPr>
+      <a:lvl3pPr marL="1143000" indent="-228600" algn="l" defTabSz="914400" rtl="0" eaLnBrk="1" latinLnBrk="0" hangingPunct="1">
+        <a:lnSpc>
+          <a:spcPct val="90000"/>
+        </a:lnSpc>
+        <a:spcBef>
+          <a:spcPts val="500"/>
+        </a:spcBef>
+        <a:buFont typeface="Arial" panose="020B0604020202020204" pitchFamily="34" charset="0"/>
+        <a:buChar char="•"/>
+        <a:defRPr sz="2000" kern="1200">
+          <a:solidFill>
+            <a:schemeClr val="tx1"/>
+          </a:solidFill>
+          <a:latin typeface="+mn-lt"/>
+          <a:ea typeface="+mn-ea"/>
+          <a:cs typeface="+mn-cs"/>
+        </a:defRPr>
+      </a:lvl3pPr>
+      <a:lvl4pPr marL="1600200" indent="-228600" algn="l" defTabSz="914400" rtl="0" eaLnBrk="1" latinLnBrk="0" hangingPunct="1">
+        <a:lnSpc>
+          <a:spcPct val="90000"/>
+        </a:lnSpc>
+        <a:spcBef>
+          <a:spcPts val="500"/>
+        </a:spcBef>
+        <a:buFont typeface="Arial" panose="020B0604020202020204" pitchFamily="34" charset="0"/>
+        <a:buChar char="•"/>
+        <a:defRPr sz="1800" kern="1200">
+          <a:solidFill>
+            <a:schemeClr val="tx1"/>
+          </a:solidFill>
+          <a:latin typeface="+mn-lt"/>
+          <a:ea typeface="+mn-ea"/>
+          <a:cs typeface="+mn-cs"/>
+        </a:defRPr>
+      </a:lvl4pPr>
+      <a:lvl5pPr marL="2057400" indent="-228600" algn="l" defTabSz="914400" rtl="0" eaLnBrk="1" latinLnBrk="0" hangingPunct="1">
+        <a:lnSpc>
+          <a:spcPct val="90000"/>
+        </a:lnSpc>
+        <a:spcBef>
+          <a:spcPts val="500"/>
+        </a:spcBef>
+        <a:buFont typeface="Arial" panose="020B0604020202020204" pitchFamily="34" charset="0"/>
+        <a:buChar char="•"/>
+        <a:defRPr sz="1800" kern="1200">
+          <a:solidFill>
+            <a:schemeClr val="tx1"/>
+          </a:solidFill>
+          <a:latin typeface="+mn-lt"/>
+          <a:ea typeface="+mn-ea"/>
+          <a:cs typeface="+mn-cs"/>
+        </a:defRPr>
+      </a:lvl5pPr>
+      <a:lvl6pPr marL="2514600" indent="-228600" algn="l" defTabSz="914400" rtl="0" eaLnBrk="1" latinLnBrk="0" hangingPunct="1">
+        <a:lnSpc>
+          <a:spcPct val="90000"/>
+        </a:lnSpc>
+        <a:spcBef>
+          <a:spcPts val="500"/>
+        </a:spcBef>
+        <a:buFont typeface="Arial" panose="020B0604020202020204" pitchFamily="34" charset="0"/>
+        <a:buChar char="•"/>
+        <a:defRPr sz="1800" kern="1200">
+          <a:solidFill>
+            <a:schemeClr val="tx1"/>
+          </a:solidFill>
+          <a:latin typeface="+mn-lt"/>
+          <a:ea typeface="+mn-ea"/>
+          <a:cs typeface="+mn-cs"/>
+        </a:defRPr>
+      </a:lvl6pPr>
+      <a:lvl7pPr marL="2971800" indent="-228600" algn="l" defTabSz="914400" rtl="0" eaLnBrk="1" latinLnBrk="0" hangingPunct="1">
+        <a:lnSpc>
+          <a:spcPct val="90000"/>
+        </a:lnSpc>
+        <a:spcBef>
+          <a:spcPts val="500"/>
+        </a:spcBef>
+        <a:buFont typeface="Arial" panose="020B0604020202020204" pitchFamily="34" charset="0"/>
+        <a:buChar char="•"/>
+        <a:defRPr sz="1800" kern="1200">
+          <a:solidFill>
+            <a:schemeClr val="tx1"/>
+          </a:solidFill>
+          <a:latin typeface="+mn-lt"/>
+          <a:ea typeface="+mn-ea"/>
+          <a:cs typeface="+mn-cs"/>
+        </a:defRPr>
+      </a:lvl7pPr>
+      <a:lvl8pPr marL="3429000" indent="-228600" algn="l" defTabSz="914400" rtl="0" eaLnBrk="1" latinLnBrk="0" hangingPunct="1">
+        <a:lnSpc>
+          <a:spcPct val="90000"/>
+        </a:lnSpc>
+        <a:spcBef>
+          <a:spcPts val="500"/>
+        </a:spcBef>
+        <a:buFont typeface="Arial" panose="020B0604020202020204" pitchFamily="34" charset="0"/>
+        <a:buChar char="•"/>
+        <a:defRPr sz="1800" kern="1200">
+          <a:solidFill>
+            <a:schemeClr val="tx1"/>
+          </a:solidFill>
+          <a:latin typeface="+mn-lt"/>
+          <a:ea typeface="+mn-ea"/>
+          <a:cs typeface="+mn-cs"/>
+        </a:defRPr>
+      </a:lvl8pPr>
+      <a:lvl9pPr marL="3886200" indent="-228600" algn="l" defTabSz="914400" rtl="0" eaLnBrk="1" latinLnBrk="0" hangingPunct="1">
+        <a:lnSpc>
+          <a:spcPct val="90000"/>
+        </a:lnSpc>
+        <a:spcBef>
+          <a:spcPts val="500"/>
+        </a:spcBef>
+        <a:buFont typeface="Arial" panose="020B0604020202020204" pitchFamily="34" charset="0"/>
+        <a:buChar char="•"/>
+        <a:defRPr sz="1800" kern="1200">
+          <a:solidFill>
+            <a:schemeClr val="tx1"/>
+          </a:solidFill>
+          <a:latin typeface="+mn-lt"/>
+          <a:ea typeface="+mn-ea"/>
+          <a:cs typeface="+mn-cs"/>
+        </a:defRPr>
+      </a:lvl9pPr>
+    </p:bodyStyle>
+    <p:otherStyle>
+      <a:defPPr>
+        <a:defRPr lang="en-US"/>
+      </a:defPPr>
+      <a:lvl1pPr marL="0" algn="l" defTabSz="914400" rtl="0" eaLnBrk="1" latinLnBrk="0" hangingPunct="1">
+        <a:defRPr sz="1800" kern="1200">
+          <a:solidFill>
+            <a:schemeClr val="tx1"/>
+          </a:solidFill>
+          <a:latin typeface="+mn-lt"/>
+          <a:ea typeface="+mn-ea"/>
+          <a:cs typeface="+mn-cs"/>
+        </a:defRPr>
+      </a:lvl1pPr>
+      <a:lvl2pPr marL="457200" algn="l" defTabSz="914400" rtl="0" eaLnBrk="1" latinLnBrk="0" hangingPunct="1">
+        <a:defRPr sz="1800" kern="1200">
+          <a:solidFill>
+            <a:schemeClr val="tx1"/>
+          </a:solidFill>
+          <a:latin typeface="+mn-lt"/>
+          <a:ea typeface="+mn-ea"/>
+          <a:cs typeface="+mn-cs"/>
+        </a:defRPr>
+      </a:lvl2pPr>
+      <a:lvl3pPr marL="914400" algn="l" defTabSz="914400" rtl="0" eaLnBrk="1" latinLnBrk="0" hangingPunct="1">
+        <a:defRPr sz="1800" kern="1200">
+          <a:solidFill>
+            <a:schemeClr val="tx1"/>
+          </a:solidFill>
+          <a:latin typeface="+mn-lt"/>
+          <a:ea typeface="+mn-ea"/>
+          <a:cs typeface="+mn-cs"/>
+        </a:defRPr>
+      </a:lvl3pPr>
+      <a:lvl4pPr marL="1371600" algn="l" defTabSz="914400" rtl="0" eaLnBrk="1" latinLnBrk="0" hangingPunct="1">
+        <a:defRPr sz="1800" kern="1200">
+          <a:solidFill>
+            <a:schemeClr val="tx1"/>
+          </a:solidFill>
+          <a:latin typeface="+mn-lt"/>
+          <a:ea typeface="+mn-ea"/>
+          <a:cs typeface="+mn-cs"/>
+        </a:defRPr>
+      </a:lvl4pPr>
+      <a:lvl5pPr marL="1828800" algn="l" defTabSz="914400" rtl="0" eaLnBrk="1" latinLnBrk="0" hangingPunct="1">
+        <a:defRPr sz="1800" kern="1200">
+          <a:solidFill>
+            <a:schemeClr val="tx1"/>
+          </a:solidFill>
+          <a:latin typeface="+mn-lt"/>
+          <a:ea typeface="+mn-ea"/>
+          <a:cs typeface="+mn-cs"/>
+        </a:defRPr>
+      </a:lvl5pPr>
+      <a:lvl6pPr marL="2286000" algn="l" defTabSz="914400" rtl="0" eaLnBrk="1" latinLnBrk="0" hangingPunct="1">
+        <a:defRPr sz="1800" kern="1200">
+          <a:solidFill>
+            <a:schemeClr val="tx1"/>
+          </a:solidFill>
+          <a:latin typeface="+mn-lt"/>
+          <a:ea typeface="+mn-ea"/>
+          <a:cs typeface="+mn-cs"/>
+        </a:defRPr>
+      </a:lvl6pPr>
+      <a:lvl7pPr marL="2743200" algn="l" defTabSz="914400" rtl="0" eaLnBrk="1" latinLnBrk="0" hangingPunct="1">
+        <a:defRPr sz="1800" kern="1200">
+          <a:solidFill>
+            <a:schemeClr val="tx1"/>
+          </a:solidFill>
+          <a:latin typeface="+mn-lt"/>
+          <a:ea typeface="+mn-ea"/>
+          <a:cs typeface="+mn-cs"/>
+        </a:defRPr>
+      </a:lvl7pPr>
+      <a:lvl8pPr marL="3200400" algn="l" defTabSz="914400" rtl="0" eaLnBrk="1" latinLnBrk="0" hangingPunct="1">
+        <a:defRPr sz="1800" kern="1200">
+          <a:solidFill>
+            <a:schemeClr val="tx1"/>
+          </a:solidFill>
+          <a:latin typeface="+mn-lt"/>
+          <a:ea typeface="+mn-ea"/>
+          <a:cs typeface="+mn-cs"/>
+        </a:defRPr>
+      </a:lvl8pPr>
+      <a:lvl9pPr marL="3657600" algn="l" defTabSz="914400" rtl="0" eaLnBrk="1" latinLnBrk="0" hangingPunct="1">
+        <a:defRPr sz="1800" kern="1200">
+          <a:solidFill>
+            <a:schemeClr val="tx1"/>
+          </a:solidFill>
+          <a:latin typeface="+mn-lt"/>
+          <a:ea typeface="+mn-ea"/>
+          <a:cs typeface="+mn-cs"/>
+        </a:defRPr>
+      </a:lvl9pPr>
+    </p:otherStyle>
+  </p:txStyles>
+</p:sldMaster>
+</file>
+
 <file path=ppt/slides/slide1.xml><?xml version="1.0" encoding="utf-8"?>
 <p:sld xmlns:a="http://schemas.openxmlformats.org/drawingml/2006/main" xmlns:r="http://schemas.openxmlformats.org/officeDocument/2006/relationships" xmlns:p="http://schemas.openxmlformats.org/presentationml/2006/main">
   <p:cSld>
@@ -3889,7 +6905,7 @@
         </p:blipFill>
         <p:spPr>
           <a:xfrm>
-            <a:off x="1000125" y="2878931"/>
+            <a:off x="2524125" y="2878931"/>
             <a:ext cx="7143750" cy="1100138"/>
           </a:xfrm>
           <a:prstGeom prst="rect">
@@ -3956,7 +6972,7 @@
         </p:blipFill>
         <p:spPr bwMode="auto">
           <a:xfrm>
-            <a:off x="1418860" y="1755728"/>
+            <a:off x="3021931" y="1805093"/>
             <a:ext cx="1119684" cy="371459"/>
           </a:xfrm>
           <a:prstGeom prst="rect">
@@ -4003,7 +7019,7 @@
         </p:blipFill>
         <p:spPr bwMode="auto">
           <a:xfrm>
-            <a:off x="1317459" y="2408774"/>
+            <a:off x="2841459" y="2408774"/>
             <a:ext cx="1402622" cy="461786"/>
           </a:xfrm>
           <a:prstGeom prst="rect">
@@ -4050,7 +7066,7 @@
         </p:blipFill>
         <p:spPr bwMode="auto">
           <a:xfrm>
-            <a:off x="2675691" y="2448809"/>
+            <a:off x="4199691" y="2448809"/>
             <a:ext cx="1079218" cy="374604"/>
           </a:xfrm>
           <a:prstGeom prst="rect">
@@ -4097,7 +7113,7 @@
         </p:blipFill>
         <p:spPr bwMode="auto">
           <a:xfrm>
-            <a:off x="3829070" y="2484229"/>
+            <a:off x="5353071" y="2484229"/>
             <a:ext cx="894921" cy="325426"/>
           </a:xfrm>
           <a:prstGeom prst="rect">
@@ -4144,7 +7160,7 @@
         </p:blipFill>
         <p:spPr bwMode="auto">
           <a:xfrm>
-            <a:off x="4847161" y="2475859"/>
+            <a:off x="6371162" y="2475860"/>
             <a:ext cx="767321" cy="372699"/>
           </a:xfrm>
           <a:prstGeom prst="rect">
@@ -4191,7 +7207,7 @@
         </p:blipFill>
         <p:spPr bwMode="auto">
           <a:xfrm>
-            <a:off x="1418859" y="3065313"/>
+            <a:off x="2942859" y="3065314"/>
             <a:ext cx="1126022" cy="556637"/>
           </a:xfrm>
           <a:prstGeom prst="rect">
@@ -4238,7 +7254,7 @@
         </p:blipFill>
         <p:spPr bwMode="auto">
           <a:xfrm>
-            <a:off x="2762832" y="3237469"/>
+            <a:off x="4286832" y="3237469"/>
             <a:ext cx="1211006" cy="254948"/>
           </a:xfrm>
           <a:prstGeom prst="rect">
@@ -4285,7 +7301,7 @@
         </p:blipFill>
         <p:spPr bwMode="auto">
           <a:xfrm>
-            <a:off x="4202369" y="3258015"/>
+            <a:off x="5726369" y="3258016"/>
             <a:ext cx="1211004" cy="203959"/>
           </a:xfrm>
           <a:prstGeom prst="rect">
@@ -4332,7 +7348,7 @@
         </p:blipFill>
         <p:spPr bwMode="auto">
           <a:xfrm>
-            <a:off x="1418859" y="3915568"/>
+            <a:off x="2942860" y="3915568"/>
             <a:ext cx="883439" cy="135914"/>
           </a:xfrm>
           <a:prstGeom prst="rect">
@@ -4379,7 +7395,7 @@
         </p:blipFill>
         <p:spPr bwMode="auto">
           <a:xfrm>
-            <a:off x="2609389" y="3710619"/>
+            <a:off x="4133389" y="3710619"/>
             <a:ext cx="858400" cy="464966"/>
           </a:xfrm>
           <a:prstGeom prst="rect">
@@ -4426,7 +7442,7 @@
         </p:blipFill>
         <p:spPr bwMode="auto">
           <a:xfrm>
-            <a:off x="3639295" y="3778499"/>
+            <a:off x="5163296" y="3778499"/>
             <a:ext cx="1019349" cy="293286"/>
           </a:xfrm>
           <a:prstGeom prst="rect">
@@ -4473,7 +7489,7 @@
         </p:blipFill>
         <p:spPr bwMode="auto">
           <a:xfrm>
-            <a:off x="4847161" y="3803390"/>
+            <a:off x="6371161" y="3803390"/>
             <a:ext cx="1273292" cy="236060"/>
           </a:xfrm>
           <a:prstGeom prst="rect">
@@ -4520,7 +7536,7 @@
         </p:blipFill>
         <p:spPr bwMode="auto">
           <a:xfrm>
-            <a:off x="6328832" y="3818704"/>
+            <a:off x="7852832" y="3818705"/>
             <a:ext cx="954970" cy="185987"/>
           </a:xfrm>
           <a:prstGeom prst="rect">
@@ -4567,7 +7583,7 @@
         </p:blipFill>
         <p:spPr bwMode="auto">
           <a:xfrm>
-            <a:off x="1317460" y="4272703"/>
+            <a:off x="2841460" y="4272703"/>
             <a:ext cx="825104" cy="825104"/>
           </a:xfrm>
           <a:prstGeom prst="rect">
@@ -4614,7 +7630,7 @@
         </p:blipFill>
         <p:spPr bwMode="auto">
           <a:xfrm>
-            <a:off x="6589264" y="4604669"/>
+            <a:off x="8113264" y="4604670"/>
             <a:ext cx="1108776" cy="284301"/>
           </a:xfrm>
           <a:prstGeom prst="rect">
@@ -4661,7 +7677,7 @@
         </p:blipFill>
         <p:spPr bwMode="auto">
           <a:xfrm>
-            <a:off x="5077356" y="4622437"/>
+            <a:off x="6601357" y="4622438"/>
             <a:ext cx="1246189" cy="227441"/>
           </a:xfrm>
           <a:prstGeom prst="rect">
@@ -4708,7 +7724,7 @@
         </p:blipFill>
         <p:spPr bwMode="auto">
           <a:xfrm>
-            <a:off x="4103883" y="4471605"/>
+            <a:off x="5627883" y="4471606"/>
             <a:ext cx="843428" cy="431191"/>
           </a:xfrm>
           <a:prstGeom prst="rect">
@@ -4740,8 +7756,8 @@
         </p:nvSpPr>
         <p:spPr>
           <a:xfrm>
-            <a:off x="389155" y="1807956"/>
-            <a:ext cx="928304" cy="507831"/>
+            <a:off x="1913155" y="1807957"/>
+            <a:ext cx="1029704" cy="300082"/>
           </a:xfrm>
           <a:prstGeom prst="rect">
             <a:avLst/>
@@ -4781,7 +7797,7 @@
         </p:nvSpPr>
         <p:spPr>
           <a:xfrm>
-            <a:off x="389156" y="2523709"/>
+            <a:off x="1913156" y="2523709"/>
             <a:ext cx="1108776" cy="300082"/>
           </a:xfrm>
           <a:prstGeom prst="rect">
@@ -4822,7 +7838,7 @@
         </p:nvSpPr>
         <p:spPr>
           <a:xfrm>
-            <a:off x="389156" y="3208543"/>
+            <a:off x="1913156" y="3208543"/>
             <a:ext cx="1108776" cy="300082"/>
           </a:xfrm>
           <a:prstGeom prst="rect">
@@ -4863,7 +7879,7 @@
         </p:nvSpPr>
         <p:spPr>
           <a:xfrm>
-            <a:off x="389156" y="3809361"/>
+            <a:off x="1913156" y="3809361"/>
             <a:ext cx="1108776" cy="300082"/>
           </a:xfrm>
           <a:prstGeom prst="rect">
@@ -4904,7 +7920,7 @@
         </p:nvSpPr>
         <p:spPr>
           <a:xfrm>
-            <a:off x="389155" y="4471018"/>
+            <a:off x="1913155" y="4471019"/>
             <a:ext cx="1108776" cy="507831"/>
           </a:xfrm>
           <a:prstGeom prst="rect">
@@ -4957,8 +7973,8 @@
         </p:nvSpPr>
         <p:spPr>
           <a:xfrm>
-            <a:off x="2865062" y="4475525"/>
-            <a:ext cx="1108776" cy="507831"/>
+            <a:off x="4389062" y="4475526"/>
+            <a:ext cx="1211006" cy="507831"/>
           </a:xfrm>
           <a:prstGeom prst="rect">
             <a:avLst/>
@@ -5000,7 +8016,7 @@
         </p:nvSpPr>
         <p:spPr>
           <a:xfrm>
-            <a:off x="389155" y="673122"/>
+            <a:off x="1913156" y="673122"/>
             <a:ext cx="8079515" cy="650836"/>
           </a:xfrm>
           <a:prstGeom prst="rect">
@@ -5071,7 +8087,7 @@
         </p:blipFill>
         <p:spPr>
           <a:xfrm>
-            <a:off x="5565475" y="3128658"/>
+            <a:off x="7089475" y="3128659"/>
             <a:ext cx="643054" cy="429949"/>
           </a:xfrm>
           <a:prstGeom prst="rect">
@@ -5137,7 +8153,7 @@
         </p:blipFill>
         <p:spPr>
           <a:xfrm>
-            <a:off x="5758096" y="1212369"/>
+            <a:off x="7282096" y="1212370"/>
             <a:ext cx="2416994" cy="3772381"/>
           </a:xfrm>
           <a:prstGeom prst="rect">
@@ -5269,7 +8285,7 @@
         </p:nvSpPr>
         <p:spPr>
           <a:xfrm>
-            <a:off x="1" y="857250"/>
+            <a:off x="1524001" y="857250"/>
             <a:ext cx="9300410" cy="2297094"/>
           </a:xfrm>
           <a:prstGeom prst="rect">
@@ -5318,7 +8334,7 @@
         </p:nvSpPr>
         <p:spPr>
           <a:xfrm>
-            <a:off x="469983" y="2176588"/>
+            <a:off x="1993983" y="2176588"/>
             <a:ext cx="2874698" cy="1107996"/>
           </a:xfrm>
           <a:prstGeom prst="rect">
@@ -5357,7 +8373,7 @@
         </p:nvSpPr>
         <p:spPr>
           <a:xfrm>
-            <a:off x="541421" y="3154345"/>
+            <a:off x="2065422" y="3154346"/>
             <a:ext cx="2490105" cy="530915"/>
           </a:xfrm>
           <a:prstGeom prst="rect">
@@ -5412,7 +8428,7 @@
         </p:blipFill>
         <p:spPr>
           <a:xfrm>
-            <a:off x="5931944" y="1150520"/>
+            <a:off x="7455944" y="1150520"/>
             <a:ext cx="2128838" cy="3714750"/>
           </a:xfrm>
           <a:prstGeom prst="rect">
@@ -5729,6 +8745,267 @@
 </file>
 
 <file path=ppt/theme/theme2.xml><?xml version="1.0" encoding="utf-8"?>
+<a:theme xmlns:a="http://schemas.openxmlformats.org/drawingml/2006/main" name="2_Office Theme">
+  <a:themeElements>
+    <a:clrScheme name="Office Theme">
+      <a:dk1>
+        <a:sysClr val="windowText" lastClr="000000"/>
+      </a:dk1>
+      <a:lt1>
+        <a:sysClr val="window" lastClr="FFFFFF"/>
+      </a:lt1>
+      <a:dk2>
+        <a:srgbClr val="44546A"/>
+      </a:dk2>
+      <a:lt2>
+        <a:srgbClr val="E7E6E6"/>
+      </a:lt2>
+      <a:accent1>
+        <a:srgbClr val="4472C4"/>
+      </a:accent1>
+      <a:accent2>
+        <a:srgbClr val="ED7D31"/>
+      </a:accent2>
+      <a:accent3>
+        <a:srgbClr val="A5A5A5"/>
+      </a:accent3>
+      <a:accent4>
+        <a:srgbClr val="FFC000"/>
+      </a:accent4>
+      <a:accent5>
+        <a:srgbClr val="5B9BD5"/>
+      </a:accent5>
+      <a:accent6>
+        <a:srgbClr val="70AD47"/>
+      </a:accent6>
+      <a:hlink>
+        <a:srgbClr val="0563C1"/>
+      </a:hlink>
+      <a:folHlink>
+        <a:srgbClr val="954F72"/>
+      </a:folHlink>
+    </a:clrScheme>
+    <a:fontScheme name="Office Theme">
+      <a:majorFont>
+        <a:latin typeface="Calibri Light" panose="020F0302020204030204"/>
+        <a:ea typeface=""/>
+        <a:cs typeface=""/>
+        <a:font script="Jpan" typeface="游ゴシック Light"/>
+        <a:font script="Hang" typeface="맑은 고딕"/>
+        <a:font script="Hans" typeface="等线 Light"/>
+        <a:font script="Hant" typeface="新細明體"/>
+        <a:font script="Arab" typeface="Times New Roman"/>
+        <a:font script="Hebr" typeface="Times New Roman"/>
+        <a:font script="Thai" typeface="Angsana New"/>
+        <a:font script="Ethi" typeface="Nyala"/>
+        <a:font script="Beng" typeface="Vrinda"/>
+        <a:font script="Gujr" typeface="Shruti"/>
+        <a:font script="Khmr" typeface="MoolBoran"/>
+        <a:font script="Knda" typeface="Tunga"/>
+        <a:font script="Guru" typeface="Raavi"/>
+        <a:font script="Cans" typeface="Euphemia"/>
+        <a:font script="Cher" typeface="Plantagenet Cherokee"/>
+        <a:font script="Yiii" typeface="Microsoft Yi Baiti"/>
+        <a:font script="Tibt" typeface="Microsoft Himalaya"/>
+        <a:font script="Thaa" typeface="MV Boli"/>
+        <a:font script="Deva" typeface="Mangal"/>
+        <a:font script="Telu" typeface="Gautami"/>
+        <a:font script="Taml" typeface="Latha"/>
+        <a:font script="Syrc" typeface="Estrangelo Edessa"/>
+        <a:font script="Orya" typeface="Kalinga"/>
+        <a:font script="Mlym" typeface="Kartika"/>
+        <a:font script="Laoo" typeface="DokChampa"/>
+        <a:font script="Sinh" typeface="Iskoola Pota"/>
+        <a:font script="Mong" typeface="Mongolian Baiti"/>
+        <a:font script="Viet" typeface="Times New Roman"/>
+        <a:font script="Uigh" typeface="Microsoft Uighur"/>
+        <a:font script="Geor" typeface="Sylfaen"/>
+      </a:majorFont>
+      <a:minorFont>
+        <a:latin typeface="Calibri" panose="020F0502020204030204"/>
+        <a:ea typeface=""/>
+        <a:cs typeface=""/>
+        <a:font script="Jpan" typeface="游ゴシック"/>
+        <a:font script="Hang" typeface="맑은 고딕"/>
+        <a:font script="Hans" typeface="等线"/>
+        <a:font script="Hant" typeface="新細明體"/>
+        <a:font script="Arab" typeface="Arial"/>
+        <a:font script="Hebr" typeface="Arial"/>
+        <a:font script="Thai" typeface="Cordia New"/>
+        <a:font script="Ethi" typeface="Nyala"/>
+        <a:font script="Beng" typeface="Vrinda"/>
+        <a:font script="Gujr" typeface="Shruti"/>
+        <a:font script="Khmr" typeface="DaunPenh"/>
+        <a:font script="Knda" typeface="Tunga"/>
+        <a:font script="Guru" typeface="Raavi"/>
+        <a:font script="Cans" typeface="Euphemia"/>
+        <a:font script="Cher" typeface="Plantagenet Cherokee"/>
+        <a:font script="Yiii" typeface="Microsoft Yi Baiti"/>
+        <a:font script="Tibt" typeface="Microsoft Himalaya"/>
+        <a:font script="Thaa" typeface="MV Boli"/>
+        <a:font script="Deva" typeface="Mangal"/>
+        <a:font script="Telu" typeface="Gautami"/>
+        <a:font script="Taml" typeface="Latha"/>
+        <a:font script="Syrc" typeface="Estrangelo Edessa"/>
+        <a:font script="Orya" typeface="Kalinga"/>
+        <a:font script="Mlym" typeface="Kartika"/>
+        <a:font script="Laoo" typeface="DokChampa"/>
+        <a:font script="Sinh" typeface="Iskoola Pota"/>
+        <a:font script="Mong" typeface="Mongolian Baiti"/>
+        <a:font script="Viet" typeface="Arial"/>
+        <a:font script="Uigh" typeface="Microsoft Uighur"/>
+        <a:font script="Geor" typeface="Sylfaen"/>
+      </a:minorFont>
+    </a:fontScheme>
+    <a:fmtScheme name="Office Theme">
+      <a:fillStyleLst>
+        <a:solidFill>
+          <a:schemeClr val="phClr"/>
+        </a:solidFill>
+        <a:gradFill rotWithShape="1">
+          <a:gsLst>
+            <a:gs pos="0">
+              <a:schemeClr val="phClr">
+                <a:lumMod val="110000"/>
+                <a:satMod val="105000"/>
+                <a:tint val="67000"/>
+              </a:schemeClr>
+            </a:gs>
+            <a:gs pos="50000">
+              <a:schemeClr val="phClr">
+                <a:lumMod val="105000"/>
+                <a:satMod val="103000"/>
+                <a:tint val="73000"/>
+              </a:schemeClr>
+            </a:gs>
+            <a:gs pos="100000">
+              <a:schemeClr val="phClr">
+                <a:lumMod val="105000"/>
+                <a:satMod val="109000"/>
+                <a:tint val="81000"/>
+              </a:schemeClr>
+            </a:gs>
+          </a:gsLst>
+          <a:lin ang="5400000" scaled="0"/>
+        </a:gradFill>
+        <a:gradFill rotWithShape="1">
+          <a:gsLst>
+            <a:gs pos="0">
+              <a:schemeClr val="phClr">
+                <a:satMod val="103000"/>
+                <a:lumMod val="102000"/>
+                <a:tint val="94000"/>
+              </a:schemeClr>
+            </a:gs>
+            <a:gs pos="50000">
+              <a:schemeClr val="phClr">
+                <a:satMod val="110000"/>
+                <a:lumMod val="100000"/>
+                <a:shade val="100000"/>
+              </a:schemeClr>
+            </a:gs>
+            <a:gs pos="100000">
+              <a:schemeClr val="phClr">
+                <a:lumMod val="99000"/>
+                <a:satMod val="120000"/>
+                <a:shade val="78000"/>
+              </a:schemeClr>
+            </a:gs>
+          </a:gsLst>
+          <a:lin ang="5400000" scaled="0"/>
+        </a:gradFill>
+      </a:fillStyleLst>
+      <a:lnStyleLst>
+        <a:ln w="6350" cap="flat" cmpd="sng" algn="ctr">
+          <a:solidFill>
+            <a:schemeClr val="phClr"/>
+          </a:solidFill>
+          <a:prstDash val="solid"/>
+          <a:miter lim="800000"/>
+        </a:ln>
+        <a:ln w="12700" cap="flat" cmpd="sng" algn="ctr">
+          <a:solidFill>
+            <a:schemeClr val="phClr"/>
+          </a:solidFill>
+          <a:prstDash val="solid"/>
+          <a:miter lim="800000"/>
+        </a:ln>
+        <a:ln w="19050" cap="flat" cmpd="sng" algn="ctr">
+          <a:solidFill>
+            <a:schemeClr val="phClr"/>
+          </a:solidFill>
+          <a:prstDash val="solid"/>
+          <a:miter lim="800000"/>
+        </a:ln>
+      </a:lnStyleLst>
+      <a:effectStyleLst>
+        <a:effectStyle>
+          <a:effectLst/>
+        </a:effectStyle>
+        <a:effectStyle>
+          <a:effectLst/>
+        </a:effectStyle>
+        <a:effectStyle>
+          <a:effectLst>
+            <a:outerShdw blurRad="57150" dist="19050" dir="5400000" algn="ctr" rotWithShape="0">
+              <a:srgbClr val="000000">
+                <a:alpha val="63000"/>
+              </a:srgbClr>
+            </a:outerShdw>
+          </a:effectLst>
+        </a:effectStyle>
+      </a:effectStyleLst>
+      <a:bgFillStyleLst>
+        <a:solidFill>
+          <a:schemeClr val="phClr"/>
+        </a:solidFill>
+        <a:solidFill>
+          <a:schemeClr val="phClr">
+            <a:tint val="95000"/>
+            <a:satMod val="170000"/>
+          </a:schemeClr>
+        </a:solidFill>
+        <a:gradFill rotWithShape="1">
+          <a:gsLst>
+            <a:gs pos="0">
+              <a:schemeClr val="phClr">
+                <a:tint val="93000"/>
+                <a:satMod val="150000"/>
+                <a:shade val="98000"/>
+                <a:lumMod val="102000"/>
+              </a:schemeClr>
+            </a:gs>
+            <a:gs pos="50000">
+              <a:schemeClr val="phClr">
+                <a:tint val="98000"/>
+                <a:satMod val="130000"/>
+                <a:shade val="90000"/>
+                <a:lumMod val="103000"/>
+              </a:schemeClr>
+            </a:gs>
+            <a:gs pos="100000">
+              <a:schemeClr val="phClr">
+                <a:shade val="63000"/>
+                <a:satMod val="120000"/>
+              </a:schemeClr>
+            </a:gs>
+          </a:gsLst>
+          <a:lin ang="5400000" scaled="0"/>
+        </a:gradFill>
+      </a:bgFillStyleLst>
+    </a:fmtScheme>
+  </a:themeElements>
+  <a:objectDefaults/>
+  <a:extraClrSchemeLst/>
+  <a:extLst>
+    <a:ext uri="{05A4C25C-085E-4340-85A3-A5531E510DB2}">
+      <thm15:themeFamily xmlns:thm15="http://schemas.microsoft.com/office/thememl/2012/main" name="Office Theme" id="{62F939B6-93AF-4DB8-9C6B-D6C7DFDC589F}" vid="{4A3C46E8-61CC-4603-A589-7422A47A8E4A}"/>
+    </a:ext>
+  </a:extLst>
+</a:theme>
+</file>
+
+<file path=ppt/theme/theme3.xml><?xml version="1.0" encoding="utf-8"?>
 <a:theme xmlns:a="http://schemas.openxmlformats.org/drawingml/2006/main" name="Office Theme">
   <a:themeElements>
     <a:clrScheme name="Office">

--- a/ppt/CodeCamp18_Template.pptx
+++ b/ppt/CodeCamp18_Template.pptx
@@ -2,26 +2,26 @@
 <file path=ppt/presentation.xml><?xml version="1.0" encoding="utf-8"?>
 <p:presentation xmlns:a="http://schemas.openxmlformats.org/drawingml/2006/main" xmlns:r="http://schemas.openxmlformats.org/officeDocument/2006/relationships" xmlns:p="http://schemas.openxmlformats.org/presentationml/2006/main" saveSubsetFonts="1">
   <p:sldMasterIdLst>
-    <p:sldMasterId id="2147483664" r:id="rId1"/>
-    <p:sldMasterId id="2147483676" r:id="rId2"/>
+    <p:sldMasterId id="2147483712" r:id="rId1"/>
   </p:sldMasterIdLst>
   <p:notesMasterIdLst>
     <p:notesMasterId r:id="rId8"/>
   </p:notesMasterIdLst>
   <p:sldIdLst>
-    <p:sldId id="256" r:id="rId3"/>
-    <p:sldId id="262" r:id="rId4"/>
-    <p:sldId id="263" r:id="rId5"/>
+    <p:sldId id="256" r:id="rId2"/>
+    <p:sldId id="262" r:id="rId3"/>
+    <p:sldId id="263" r:id="rId4"/>
+    <p:sldId id="266" r:id="rId5"/>
     <p:sldId id="264" r:id="rId6"/>
     <p:sldId id="265" r:id="rId7"/>
   </p:sldIdLst>
-  <p:sldSz cx="12192000" cy="6858000"/>
+  <p:sldSz cx="9144000" cy="6858000" type="screen4x3"/>
   <p:notesSz cx="6858000" cy="9144000"/>
   <p:defaultTextStyle>
     <a:defPPr>
       <a:defRPr lang="en-US"/>
     </a:defPPr>
-    <a:lvl1pPr marL="0" algn="l" defTabSz="914400" rtl="0" eaLnBrk="1" latinLnBrk="0" hangingPunct="1">
+    <a:lvl1pPr marL="0" algn="l" defTabSz="457200" rtl="0" eaLnBrk="1" latinLnBrk="0" hangingPunct="1">
       <a:defRPr sz="1800" kern="1200">
         <a:solidFill>
           <a:schemeClr val="tx1"/>
@@ -31,7 +31,7 @@
         <a:cs typeface="+mn-cs"/>
       </a:defRPr>
     </a:lvl1pPr>
-    <a:lvl2pPr marL="457200" algn="l" defTabSz="914400" rtl="0" eaLnBrk="1" latinLnBrk="0" hangingPunct="1">
+    <a:lvl2pPr marL="457200" algn="l" defTabSz="457200" rtl="0" eaLnBrk="1" latinLnBrk="0" hangingPunct="1">
       <a:defRPr sz="1800" kern="1200">
         <a:solidFill>
           <a:schemeClr val="tx1"/>
@@ -41,7 +41,7 @@
         <a:cs typeface="+mn-cs"/>
       </a:defRPr>
     </a:lvl2pPr>
-    <a:lvl3pPr marL="914400" algn="l" defTabSz="914400" rtl="0" eaLnBrk="1" latinLnBrk="0" hangingPunct="1">
+    <a:lvl3pPr marL="914400" algn="l" defTabSz="457200" rtl="0" eaLnBrk="1" latinLnBrk="0" hangingPunct="1">
       <a:defRPr sz="1800" kern="1200">
         <a:solidFill>
           <a:schemeClr val="tx1"/>
@@ -51,7 +51,7 @@
         <a:cs typeface="+mn-cs"/>
       </a:defRPr>
     </a:lvl3pPr>
-    <a:lvl4pPr marL="1371600" algn="l" defTabSz="914400" rtl="0" eaLnBrk="1" latinLnBrk="0" hangingPunct="1">
+    <a:lvl4pPr marL="1371600" algn="l" defTabSz="457200" rtl="0" eaLnBrk="1" latinLnBrk="0" hangingPunct="1">
       <a:defRPr sz="1800" kern="1200">
         <a:solidFill>
           <a:schemeClr val="tx1"/>
@@ -61,7 +61,7 @@
         <a:cs typeface="+mn-cs"/>
       </a:defRPr>
     </a:lvl4pPr>
-    <a:lvl5pPr marL="1828800" algn="l" defTabSz="914400" rtl="0" eaLnBrk="1" latinLnBrk="0" hangingPunct="1">
+    <a:lvl5pPr marL="1828800" algn="l" defTabSz="457200" rtl="0" eaLnBrk="1" latinLnBrk="0" hangingPunct="1">
       <a:defRPr sz="1800" kern="1200">
         <a:solidFill>
           <a:schemeClr val="tx1"/>
@@ -71,7 +71,7 @@
         <a:cs typeface="+mn-cs"/>
       </a:defRPr>
     </a:lvl5pPr>
-    <a:lvl6pPr marL="2286000" algn="l" defTabSz="914400" rtl="0" eaLnBrk="1" latinLnBrk="0" hangingPunct="1">
+    <a:lvl6pPr marL="2286000" algn="l" defTabSz="457200" rtl="0" eaLnBrk="1" latinLnBrk="0" hangingPunct="1">
       <a:defRPr sz="1800" kern="1200">
         <a:solidFill>
           <a:schemeClr val="tx1"/>
@@ -81,7 +81,7 @@
         <a:cs typeface="+mn-cs"/>
       </a:defRPr>
     </a:lvl6pPr>
-    <a:lvl7pPr marL="2743200" algn="l" defTabSz="914400" rtl="0" eaLnBrk="1" latinLnBrk="0" hangingPunct="1">
+    <a:lvl7pPr marL="2743200" algn="l" defTabSz="457200" rtl="0" eaLnBrk="1" latinLnBrk="0" hangingPunct="1">
       <a:defRPr sz="1800" kern="1200">
         <a:solidFill>
           <a:schemeClr val="tx1"/>
@@ -91,7 +91,7 @@
         <a:cs typeface="+mn-cs"/>
       </a:defRPr>
     </a:lvl7pPr>
-    <a:lvl8pPr marL="3200400" algn="l" defTabSz="914400" rtl="0" eaLnBrk="1" latinLnBrk="0" hangingPunct="1">
+    <a:lvl8pPr marL="3200400" algn="l" defTabSz="457200" rtl="0" eaLnBrk="1" latinLnBrk="0" hangingPunct="1">
       <a:defRPr sz="1800" kern="1200">
         <a:solidFill>
           <a:schemeClr val="tx1"/>
@@ -101,7 +101,7 @@
         <a:cs typeface="+mn-cs"/>
       </a:defRPr>
     </a:lvl8pPr>
-    <a:lvl9pPr marL="3657600" algn="l" defTabSz="914400" rtl="0" eaLnBrk="1" latinLnBrk="0" hangingPunct="1">
+    <a:lvl9pPr marL="3657600" algn="l" defTabSz="457200" rtl="0" eaLnBrk="1" latinLnBrk="0" hangingPunct="1">
       <a:defRPr sz="1800" kern="1200">
         <a:solidFill>
           <a:schemeClr val="tx1"/>
@@ -202,7 +202,7 @@
           <a:p>
             <a:fld id="{C91BFF47-E31A-4E60-ACD4-BFAF7686EC84}" type="datetimeFigureOut">
               <a:rPr lang="en-US" smtClean="0"/>
-              <a:t>13-Nov-18</a:t>
+              <a:t>14-Nov-18</a:t>
             </a:fld>
             <a:endParaRPr lang="en-US"/>
           </a:p>
@@ -220,8 +220,8 @@
         </p:nvSpPr>
         <p:spPr>
           <a:xfrm>
-            <a:off x="685800" y="1143000"/>
-            <a:ext cx="5486400" cy="3086100"/>
+            <a:off x="1371600" y="1143000"/>
+            <a:ext cx="4114800" cy="3086100"/>
           </a:xfrm>
           <a:prstGeom prst="rect">
             <a:avLst/>
@@ -488,13 +488,7 @@
       </p:grpSpPr>
       <p:sp>
         <p:nvSpPr>
-          <p:cNvPr id="2" name="Title 1">
-            <a:extLst>
-              <a:ext uri="{FF2B5EF4-FFF2-40B4-BE49-F238E27FC236}">
-                <a16:creationId xmlns:a16="http://schemas.microsoft.com/office/drawing/2014/main" id="{8EFCDD77-099E-4A22-994F-52D4973DE491}"/>
-              </a:ext>
-            </a:extLst>
-          </p:cNvPr>
+          <p:cNvPr id="2" name="Title 1"/>
           <p:cNvSpPr>
             <a:spLocks noGrp="1"/>
           </p:cNvSpPr>
@@ -504,15 +498,15 @@
         </p:nvSpPr>
         <p:spPr>
           <a:xfrm>
-            <a:off x="1524000" y="1122363"/>
-            <a:ext cx="9144000" cy="2387600"/>
+            <a:off x="685800" y="1122363"/>
+            <a:ext cx="7772400" cy="2387600"/>
           </a:xfrm>
         </p:spPr>
         <p:txBody>
           <a:bodyPr anchor="b"/>
           <a:lstStyle>
             <a:lvl1pPr algn="ctr">
-              <a:defRPr sz="4500"/>
+              <a:defRPr sz="6000"/>
             </a:lvl1pPr>
           </a:lstStyle>
           <a:p>
@@ -520,18 +514,13 @@
               <a:rPr lang="en-US"/>
               <a:t>Click to edit Master title style</a:t>
             </a:r>
-          </a:p>
-        </p:txBody>
-      </p:sp>
-      <p:sp>
-        <p:nvSpPr>
-          <p:cNvPr id="3" name="Subtitle 2">
-            <a:extLst>
-              <a:ext uri="{FF2B5EF4-FFF2-40B4-BE49-F238E27FC236}">
-                <a16:creationId xmlns:a16="http://schemas.microsoft.com/office/drawing/2014/main" id="{704FC7B4-AF2A-4861-AC74-D5263F5A9656}"/>
-              </a:ext>
-            </a:extLst>
-          </p:cNvPr>
+            <a:endParaRPr lang="en-US" dirty="0"/>
+          </a:p>
+        </p:txBody>
+      </p:sp>
+      <p:sp>
+        <p:nvSpPr>
+          <p:cNvPr id="3" name="Subtitle 2"/>
           <p:cNvSpPr>
             <a:spLocks noGrp="1"/>
           </p:cNvSpPr>
@@ -541,8 +530,8 @@
         </p:nvSpPr>
         <p:spPr>
           <a:xfrm>
-            <a:off x="1524000" y="3602038"/>
-            <a:ext cx="9144000" cy="1655762"/>
+            <a:off x="1143000" y="3602038"/>
+            <a:ext cx="6858000" cy="1655762"/>
           </a:xfrm>
         </p:spPr>
         <p:txBody>
@@ -550,39 +539,39 @@
           <a:lstStyle>
             <a:lvl1pPr marL="0" indent="0" algn="ctr">
               <a:buNone/>
+              <a:defRPr sz="2400"/>
+            </a:lvl1pPr>
+            <a:lvl2pPr marL="457200" indent="0" algn="ctr">
+              <a:buNone/>
+              <a:defRPr sz="2000"/>
+            </a:lvl2pPr>
+            <a:lvl3pPr marL="914400" indent="0" algn="ctr">
+              <a:buNone/>
               <a:defRPr sz="1800"/>
-            </a:lvl1pPr>
-            <a:lvl2pPr marL="342900" indent="0" algn="ctr">
-              <a:buNone/>
-              <a:defRPr sz="1500"/>
-            </a:lvl2pPr>
-            <a:lvl3pPr marL="685800" indent="0" algn="ctr">
-              <a:buNone/>
-              <a:defRPr sz="1350"/>
             </a:lvl3pPr>
-            <a:lvl4pPr marL="1028700" indent="0" algn="ctr">
-              <a:buNone/>
-              <a:defRPr sz="1200"/>
+            <a:lvl4pPr marL="1371600" indent="0" algn="ctr">
+              <a:buNone/>
+              <a:defRPr sz="1600"/>
             </a:lvl4pPr>
-            <a:lvl5pPr marL="1371600" indent="0" algn="ctr">
-              <a:buNone/>
-              <a:defRPr sz="1200"/>
+            <a:lvl5pPr marL="1828800" indent="0" algn="ctr">
+              <a:buNone/>
+              <a:defRPr sz="1600"/>
             </a:lvl5pPr>
-            <a:lvl6pPr marL="1714500" indent="0" algn="ctr">
-              <a:buNone/>
-              <a:defRPr sz="1200"/>
+            <a:lvl6pPr marL="2286000" indent="0" algn="ctr">
+              <a:buNone/>
+              <a:defRPr sz="1600"/>
             </a:lvl6pPr>
-            <a:lvl7pPr marL="2057400" indent="0" algn="ctr">
-              <a:buNone/>
-              <a:defRPr sz="1200"/>
+            <a:lvl7pPr marL="2743200" indent="0" algn="ctr">
+              <a:buNone/>
+              <a:defRPr sz="1600"/>
             </a:lvl7pPr>
-            <a:lvl8pPr marL="2400300" indent="0" algn="ctr">
-              <a:buNone/>
-              <a:defRPr sz="1200"/>
+            <a:lvl8pPr marL="3200400" indent="0" algn="ctr">
+              <a:buNone/>
+              <a:defRPr sz="1600"/>
             </a:lvl8pPr>
-            <a:lvl9pPr marL="2743200" indent="0" algn="ctr">
-              <a:buNone/>
-              <a:defRPr sz="1200"/>
+            <a:lvl9pPr marL="3657600" indent="0" algn="ctr">
+              <a:buNone/>
+              <a:defRPr sz="1600"/>
             </a:lvl9pPr>
           </a:lstStyle>
           <a:p>
@@ -590,18 +579,13 @@
               <a:rPr lang="en-US"/>
               <a:t>Click to edit Master subtitle style</a:t>
             </a:r>
-          </a:p>
-        </p:txBody>
-      </p:sp>
-      <p:sp>
-        <p:nvSpPr>
-          <p:cNvPr id="4" name="Date Placeholder 3">
-            <a:extLst>
-              <a:ext uri="{FF2B5EF4-FFF2-40B4-BE49-F238E27FC236}">
-                <a16:creationId xmlns:a16="http://schemas.microsoft.com/office/drawing/2014/main" id="{D7B40149-5008-45FE-89BD-2C36A173E132}"/>
-              </a:ext>
-            </a:extLst>
-          </p:cNvPr>
+            <a:endParaRPr lang="en-US" dirty="0"/>
+          </a:p>
+        </p:txBody>
+      </p:sp>
+      <p:sp>
+        <p:nvSpPr>
+          <p:cNvPr id="4" name="Date Placeholder 3"/>
           <p:cNvSpPr>
             <a:spLocks noGrp="1"/>
           </p:cNvSpPr>
@@ -616,7 +600,7 @@
           <a:p>
             <a:fld id="{3D2277E6-1886-452C-854D-DB4A9BB05FC1}" type="datetimeFigureOut">
               <a:rPr lang="en-US" smtClean="0"/>
-              <a:t>13-Nov-18</a:t>
+              <a:t>14-Nov-18</a:t>
             </a:fld>
             <a:endParaRPr lang="en-US"/>
           </a:p>
@@ -624,13 +608,7 @@
       </p:sp>
       <p:sp>
         <p:nvSpPr>
-          <p:cNvPr id="5" name="Footer Placeholder 4">
-            <a:extLst>
-              <a:ext uri="{FF2B5EF4-FFF2-40B4-BE49-F238E27FC236}">
-                <a16:creationId xmlns:a16="http://schemas.microsoft.com/office/drawing/2014/main" id="{CEF72986-2A30-4D32-A205-9C9284F9ABAA}"/>
-              </a:ext>
-            </a:extLst>
-          </p:cNvPr>
+          <p:cNvPr id="5" name="Footer Placeholder 4"/>
           <p:cNvSpPr>
             <a:spLocks noGrp="1"/>
           </p:cNvSpPr>
@@ -649,13 +627,7 @@
       </p:sp>
       <p:sp>
         <p:nvSpPr>
-          <p:cNvPr id="6" name="Slide Number Placeholder 5">
-            <a:extLst>
-              <a:ext uri="{FF2B5EF4-FFF2-40B4-BE49-F238E27FC236}">
-                <a16:creationId xmlns:a16="http://schemas.microsoft.com/office/drawing/2014/main" id="{B1106826-6060-40D6-94DE-C9AD09320465}"/>
-              </a:ext>
-            </a:extLst>
-          </p:cNvPr>
+          <p:cNvPr id="6" name="Slide Number Placeholder 5"/>
           <p:cNvSpPr>
             <a:spLocks noGrp="1"/>
           </p:cNvSpPr>
@@ -679,7 +651,7 @@
     </p:spTree>
     <p:extLst>
       <p:ext uri="{BB962C8B-B14F-4D97-AF65-F5344CB8AC3E}">
-        <p14:creationId xmlns:p14="http://schemas.microsoft.com/office/powerpoint/2010/main" val="2389048847"/>
+        <p14:creationId xmlns:p14="http://schemas.microsoft.com/office/powerpoint/2010/main" val="4051576070"/>
       </p:ext>
     </p:extLst>
   </p:cSld>
@@ -708,13 +680,7 @@
       </p:grpSpPr>
       <p:sp>
         <p:nvSpPr>
-          <p:cNvPr id="2" name="Title 1">
-            <a:extLst>
-              <a:ext uri="{FF2B5EF4-FFF2-40B4-BE49-F238E27FC236}">
-                <a16:creationId xmlns:a16="http://schemas.microsoft.com/office/drawing/2014/main" id="{095C36CC-EB09-4D5F-B779-A32B39D236A6}"/>
-              </a:ext>
-            </a:extLst>
-          </p:cNvPr>
+          <p:cNvPr id="2" name="Title 1"/>
           <p:cNvSpPr>
             <a:spLocks noGrp="1"/>
           </p:cNvSpPr>
@@ -731,18 +697,13 @@
               <a:rPr lang="en-US"/>
               <a:t>Click to edit Master title style</a:t>
             </a:r>
-          </a:p>
-        </p:txBody>
-      </p:sp>
-      <p:sp>
-        <p:nvSpPr>
-          <p:cNvPr id="3" name="Vertical Text Placeholder 2">
-            <a:extLst>
-              <a:ext uri="{FF2B5EF4-FFF2-40B4-BE49-F238E27FC236}">
-                <a16:creationId xmlns:a16="http://schemas.microsoft.com/office/drawing/2014/main" id="{4229A25D-6B97-43FC-B4FD-76A51BDB36D9}"/>
-              </a:ext>
-            </a:extLst>
-          </p:cNvPr>
+            <a:endParaRPr lang="en-US" dirty="0"/>
+          </a:p>
+        </p:txBody>
+      </p:sp>
+      <p:sp>
+        <p:nvSpPr>
+          <p:cNvPr id="3" name="Vertical Text Placeholder 2"/>
           <p:cNvSpPr>
             <a:spLocks noGrp="1"/>
           </p:cNvSpPr>
@@ -788,18 +749,13 @@
               <a:rPr lang="en-US"/>
               <a:t>Fifth level</a:t>
             </a:r>
-          </a:p>
-        </p:txBody>
-      </p:sp>
-      <p:sp>
-        <p:nvSpPr>
-          <p:cNvPr id="4" name="Date Placeholder 3">
-            <a:extLst>
-              <a:ext uri="{FF2B5EF4-FFF2-40B4-BE49-F238E27FC236}">
-                <a16:creationId xmlns:a16="http://schemas.microsoft.com/office/drawing/2014/main" id="{177C9C21-6B07-4DED-85DD-207C9A4294B6}"/>
-              </a:ext>
-            </a:extLst>
-          </p:cNvPr>
+            <a:endParaRPr lang="en-US" dirty="0"/>
+          </a:p>
+        </p:txBody>
+      </p:sp>
+      <p:sp>
+        <p:nvSpPr>
+          <p:cNvPr id="4" name="Date Placeholder 3"/>
           <p:cNvSpPr>
             <a:spLocks noGrp="1"/>
           </p:cNvSpPr>
@@ -814,7 +770,7 @@
           <a:p>
             <a:fld id="{3D2277E6-1886-452C-854D-DB4A9BB05FC1}" type="datetimeFigureOut">
               <a:rPr lang="en-US" smtClean="0"/>
-              <a:t>13-Nov-18</a:t>
+              <a:t>14-Nov-18</a:t>
             </a:fld>
             <a:endParaRPr lang="en-US"/>
           </a:p>
@@ -822,13 +778,7 @@
       </p:sp>
       <p:sp>
         <p:nvSpPr>
-          <p:cNvPr id="5" name="Footer Placeholder 4">
-            <a:extLst>
-              <a:ext uri="{FF2B5EF4-FFF2-40B4-BE49-F238E27FC236}">
-                <a16:creationId xmlns:a16="http://schemas.microsoft.com/office/drawing/2014/main" id="{9F03EA41-937A-4A45-AFE4-6515F374F5A6}"/>
-              </a:ext>
-            </a:extLst>
-          </p:cNvPr>
+          <p:cNvPr id="5" name="Footer Placeholder 4"/>
           <p:cNvSpPr>
             <a:spLocks noGrp="1"/>
           </p:cNvSpPr>
@@ -847,13 +797,7 @@
       </p:sp>
       <p:sp>
         <p:nvSpPr>
-          <p:cNvPr id="6" name="Slide Number Placeholder 5">
-            <a:extLst>
-              <a:ext uri="{FF2B5EF4-FFF2-40B4-BE49-F238E27FC236}">
-                <a16:creationId xmlns:a16="http://schemas.microsoft.com/office/drawing/2014/main" id="{873FD338-1CFA-49BC-BF61-812B47B8D492}"/>
-              </a:ext>
-            </a:extLst>
-          </p:cNvPr>
+          <p:cNvPr id="6" name="Slide Number Placeholder 5"/>
           <p:cNvSpPr>
             <a:spLocks noGrp="1"/>
           </p:cNvSpPr>
@@ -877,7 +821,7 @@
     </p:spTree>
     <p:extLst>
       <p:ext uri="{BB962C8B-B14F-4D97-AF65-F5344CB8AC3E}">
-        <p14:creationId xmlns:p14="http://schemas.microsoft.com/office/powerpoint/2010/main" val="1819042626"/>
+        <p14:creationId xmlns:p14="http://schemas.microsoft.com/office/powerpoint/2010/main" val="1451618210"/>
       </p:ext>
     </p:extLst>
   </p:cSld>
@@ -906,13 +850,7 @@
       </p:grpSpPr>
       <p:sp>
         <p:nvSpPr>
-          <p:cNvPr id="2" name="Vertical Title 1">
-            <a:extLst>
-              <a:ext uri="{FF2B5EF4-FFF2-40B4-BE49-F238E27FC236}">
-                <a16:creationId xmlns:a16="http://schemas.microsoft.com/office/drawing/2014/main" id="{1F009331-F149-40C6-93FF-DF9A15920423}"/>
-              </a:ext>
-            </a:extLst>
-          </p:cNvPr>
+          <p:cNvPr id="2" name="Vertical Title 1"/>
           <p:cNvSpPr>
             <a:spLocks noGrp="1"/>
           </p:cNvSpPr>
@@ -922,8 +860,8 @@
         </p:nvSpPr>
         <p:spPr>
           <a:xfrm>
-            <a:off x="8724901" y="365125"/>
-            <a:ext cx="2628900" cy="5811838"/>
+            <a:off x="6543675" y="365125"/>
+            <a:ext cx="1971675" cy="5811838"/>
           </a:xfrm>
         </p:spPr>
         <p:txBody>
@@ -934,18 +872,13 @@
               <a:rPr lang="en-US"/>
               <a:t>Click to edit Master title style</a:t>
             </a:r>
-          </a:p>
-        </p:txBody>
-      </p:sp>
-      <p:sp>
-        <p:nvSpPr>
-          <p:cNvPr id="3" name="Vertical Text Placeholder 2">
-            <a:extLst>
-              <a:ext uri="{FF2B5EF4-FFF2-40B4-BE49-F238E27FC236}">
-                <a16:creationId xmlns:a16="http://schemas.microsoft.com/office/drawing/2014/main" id="{F286927D-7EEE-4026-83FB-A87E3A6910DB}"/>
-              </a:ext>
-            </a:extLst>
-          </p:cNvPr>
+            <a:endParaRPr lang="en-US" dirty="0"/>
+          </a:p>
+        </p:txBody>
+      </p:sp>
+      <p:sp>
+        <p:nvSpPr>
+          <p:cNvPr id="3" name="Vertical Text Placeholder 2"/>
           <p:cNvSpPr>
             <a:spLocks noGrp="1"/>
           </p:cNvSpPr>
@@ -955,8 +888,8 @@
         </p:nvSpPr>
         <p:spPr>
           <a:xfrm>
-            <a:off x="838201" y="365125"/>
-            <a:ext cx="7734300" cy="5811838"/>
+            <a:off x="628650" y="365125"/>
+            <a:ext cx="5800725" cy="5811838"/>
           </a:xfrm>
         </p:spPr>
         <p:txBody>
@@ -996,18 +929,13 @@
               <a:rPr lang="en-US"/>
               <a:t>Fifth level</a:t>
             </a:r>
-          </a:p>
-        </p:txBody>
-      </p:sp>
-      <p:sp>
-        <p:nvSpPr>
-          <p:cNvPr id="4" name="Date Placeholder 3">
-            <a:extLst>
-              <a:ext uri="{FF2B5EF4-FFF2-40B4-BE49-F238E27FC236}">
-                <a16:creationId xmlns:a16="http://schemas.microsoft.com/office/drawing/2014/main" id="{F03675B6-F0AF-46FA-9394-8DAC599295A2}"/>
-              </a:ext>
-            </a:extLst>
-          </p:cNvPr>
+            <a:endParaRPr lang="en-US" dirty="0"/>
+          </a:p>
+        </p:txBody>
+      </p:sp>
+      <p:sp>
+        <p:nvSpPr>
+          <p:cNvPr id="4" name="Date Placeholder 3"/>
           <p:cNvSpPr>
             <a:spLocks noGrp="1"/>
           </p:cNvSpPr>
@@ -1022,7 +950,7 @@
           <a:p>
             <a:fld id="{3D2277E6-1886-452C-854D-DB4A9BB05FC1}" type="datetimeFigureOut">
               <a:rPr lang="en-US" smtClean="0"/>
-              <a:t>13-Nov-18</a:t>
+              <a:t>14-Nov-18</a:t>
             </a:fld>
             <a:endParaRPr lang="en-US"/>
           </a:p>
@@ -1030,13 +958,7 @@
       </p:sp>
       <p:sp>
         <p:nvSpPr>
-          <p:cNvPr id="5" name="Footer Placeholder 4">
-            <a:extLst>
-              <a:ext uri="{FF2B5EF4-FFF2-40B4-BE49-F238E27FC236}">
-                <a16:creationId xmlns:a16="http://schemas.microsoft.com/office/drawing/2014/main" id="{B267E0B4-0CD3-4B8D-AFC6-42CA8E9DBDEF}"/>
-              </a:ext>
-            </a:extLst>
-          </p:cNvPr>
+          <p:cNvPr id="5" name="Footer Placeholder 4"/>
           <p:cNvSpPr>
             <a:spLocks noGrp="1"/>
           </p:cNvSpPr>
@@ -1055,13 +977,7 @@
       </p:sp>
       <p:sp>
         <p:nvSpPr>
-          <p:cNvPr id="6" name="Slide Number Placeholder 5">
-            <a:extLst>
-              <a:ext uri="{FF2B5EF4-FFF2-40B4-BE49-F238E27FC236}">
-                <a16:creationId xmlns:a16="http://schemas.microsoft.com/office/drawing/2014/main" id="{5E6D7656-E01B-4ED6-91F5-E42260390C2D}"/>
-              </a:ext>
-            </a:extLst>
-          </p:cNvPr>
+          <p:cNvPr id="6" name="Slide Number Placeholder 5"/>
           <p:cNvSpPr>
             <a:spLocks noGrp="1"/>
           </p:cNvSpPr>
@@ -1085,7 +1001,7 @@
     </p:spTree>
     <p:extLst>
       <p:ext uri="{BB962C8B-B14F-4D97-AF65-F5344CB8AC3E}">
-        <p14:creationId xmlns:p14="http://schemas.microsoft.com/office/powerpoint/2010/main" val="1268033430"/>
+        <p14:creationId xmlns:p14="http://schemas.microsoft.com/office/powerpoint/2010/main" val="2866212258"/>
       </p:ext>
     </p:extLst>
   </p:cSld>
@@ -1095,199 +1011,7 @@
 </p:sldLayout>
 </file>
 
-<file path=ppt/slideLayouts/slideLayout12.xml><?xml version="1.0" encoding="utf-8"?>
-<p:sldLayout xmlns:a="http://schemas.openxmlformats.org/drawingml/2006/main" xmlns:r="http://schemas.openxmlformats.org/officeDocument/2006/relationships" xmlns:p="http://schemas.openxmlformats.org/presentationml/2006/main" type="title" preserve="1">
-  <p:cSld name="Title Slide">
-    <p:spTree>
-      <p:nvGrpSpPr>
-        <p:cNvPr id="1" name=""/>
-        <p:cNvGrpSpPr/>
-        <p:nvPr/>
-      </p:nvGrpSpPr>
-      <p:grpSpPr>
-        <a:xfrm>
-          <a:off x="0" y="0"/>
-          <a:ext cx="0" cy="0"/>
-          <a:chOff x="0" y="0"/>
-          <a:chExt cx="0" cy="0"/>
-        </a:xfrm>
-      </p:grpSpPr>
-      <p:sp>
-        <p:nvSpPr>
-          <p:cNvPr id="2" name="Title 1"/>
-          <p:cNvSpPr>
-            <a:spLocks noGrp="1"/>
-          </p:cNvSpPr>
-          <p:nvPr>
-            <p:ph type="ctrTitle"/>
-          </p:nvPr>
-        </p:nvSpPr>
-        <p:spPr>
-          <a:xfrm>
-            <a:off x="1524000" y="1122363"/>
-            <a:ext cx="9144000" cy="2387600"/>
-          </a:xfrm>
-        </p:spPr>
-        <p:txBody>
-          <a:bodyPr anchor="b"/>
-          <a:lstStyle>
-            <a:lvl1pPr algn="ctr">
-              <a:defRPr sz="6000"/>
-            </a:lvl1pPr>
-          </a:lstStyle>
-          <a:p>
-            <a:r>
-              <a:rPr lang="en-US"/>
-              <a:t>Click to edit Master title style</a:t>
-            </a:r>
-            <a:endParaRPr lang="en-US" dirty="0"/>
-          </a:p>
-        </p:txBody>
-      </p:sp>
-      <p:sp>
-        <p:nvSpPr>
-          <p:cNvPr id="3" name="Subtitle 2"/>
-          <p:cNvSpPr>
-            <a:spLocks noGrp="1"/>
-          </p:cNvSpPr>
-          <p:nvPr>
-            <p:ph type="subTitle" idx="1"/>
-          </p:nvPr>
-        </p:nvSpPr>
-        <p:spPr>
-          <a:xfrm>
-            <a:off x="1524000" y="3602038"/>
-            <a:ext cx="9144000" cy="1655762"/>
-          </a:xfrm>
-        </p:spPr>
-        <p:txBody>
-          <a:bodyPr/>
-          <a:lstStyle>
-            <a:lvl1pPr marL="0" indent="0" algn="ctr">
-              <a:buNone/>
-              <a:defRPr sz="2400"/>
-            </a:lvl1pPr>
-            <a:lvl2pPr marL="457200" indent="0" algn="ctr">
-              <a:buNone/>
-              <a:defRPr sz="2000"/>
-            </a:lvl2pPr>
-            <a:lvl3pPr marL="914400" indent="0" algn="ctr">
-              <a:buNone/>
-              <a:defRPr sz="1800"/>
-            </a:lvl3pPr>
-            <a:lvl4pPr marL="1371600" indent="0" algn="ctr">
-              <a:buNone/>
-              <a:defRPr sz="1600"/>
-            </a:lvl4pPr>
-            <a:lvl5pPr marL="1828800" indent="0" algn="ctr">
-              <a:buNone/>
-              <a:defRPr sz="1600"/>
-            </a:lvl5pPr>
-            <a:lvl6pPr marL="2286000" indent="0" algn="ctr">
-              <a:buNone/>
-              <a:defRPr sz="1600"/>
-            </a:lvl6pPr>
-            <a:lvl7pPr marL="2743200" indent="0" algn="ctr">
-              <a:buNone/>
-              <a:defRPr sz="1600"/>
-            </a:lvl7pPr>
-            <a:lvl8pPr marL="3200400" indent="0" algn="ctr">
-              <a:buNone/>
-              <a:defRPr sz="1600"/>
-            </a:lvl8pPr>
-            <a:lvl9pPr marL="3657600" indent="0" algn="ctr">
-              <a:buNone/>
-              <a:defRPr sz="1600"/>
-            </a:lvl9pPr>
-          </a:lstStyle>
-          <a:p>
-            <a:r>
-              <a:rPr lang="en-US"/>
-              <a:t>Click to edit Master subtitle style</a:t>
-            </a:r>
-            <a:endParaRPr lang="en-US" dirty="0"/>
-          </a:p>
-        </p:txBody>
-      </p:sp>
-      <p:sp>
-        <p:nvSpPr>
-          <p:cNvPr id="4" name="Date Placeholder 3"/>
-          <p:cNvSpPr>
-            <a:spLocks noGrp="1"/>
-          </p:cNvSpPr>
-          <p:nvPr>
-            <p:ph type="dt" sz="half" idx="10"/>
-          </p:nvPr>
-        </p:nvSpPr>
-        <p:spPr/>
-        <p:txBody>
-          <a:bodyPr/>
-          <a:lstStyle/>
-          <a:p>
-            <a:fld id="{3D2277E6-1886-452C-854D-DB4A9BB05FC1}" type="datetimeFigureOut">
-              <a:rPr lang="en-US" smtClean="0"/>
-              <a:t>13-Nov-18</a:t>
-            </a:fld>
-            <a:endParaRPr lang="en-US"/>
-          </a:p>
-        </p:txBody>
-      </p:sp>
-      <p:sp>
-        <p:nvSpPr>
-          <p:cNvPr id="5" name="Footer Placeholder 4"/>
-          <p:cNvSpPr>
-            <a:spLocks noGrp="1"/>
-          </p:cNvSpPr>
-          <p:nvPr>
-            <p:ph type="ftr" sz="quarter" idx="11"/>
-          </p:nvPr>
-        </p:nvSpPr>
-        <p:spPr/>
-        <p:txBody>
-          <a:bodyPr/>
-          <a:lstStyle/>
-          <a:p>
-            <a:endParaRPr lang="en-US"/>
-          </a:p>
-        </p:txBody>
-      </p:sp>
-      <p:sp>
-        <p:nvSpPr>
-          <p:cNvPr id="6" name="Slide Number Placeholder 5"/>
-          <p:cNvSpPr>
-            <a:spLocks noGrp="1"/>
-          </p:cNvSpPr>
-          <p:nvPr>
-            <p:ph type="sldNum" sz="quarter" idx="12"/>
-          </p:nvPr>
-        </p:nvSpPr>
-        <p:spPr/>
-        <p:txBody>
-          <a:bodyPr/>
-          <a:lstStyle/>
-          <a:p>
-            <a:fld id="{043B9436-2E4C-483D-BC67-D4CE7485150B}" type="slidenum">
-              <a:rPr lang="en-US" smtClean="0"/>
-              <a:t>‹#›</a:t>
-            </a:fld>
-            <a:endParaRPr lang="en-US" dirty="0"/>
-          </a:p>
-        </p:txBody>
-      </p:sp>
-    </p:spTree>
-    <p:extLst>
-      <p:ext uri="{BB962C8B-B14F-4D97-AF65-F5344CB8AC3E}">
-        <p14:creationId xmlns:p14="http://schemas.microsoft.com/office/powerpoint/2010/main" val="1458356971"/>
-      </p:ext>
-    </p:extLst>
-  </p:cSld>
-  <p:clrMapOvr>
-    <a:masterClrMapping/>
-  </p:clrMapOvr>
-</p:sldLayout>
-</file>
-
-<file path=ppt/slideLayouts/slideLayout13.xml><?xml version="1.0" encoding="utf-8"?>
+<file path=ppt/slideLayouts/slideLayout2.xml><?xml version="1.0" encoding="utf-8"?>
 <p:sldLayout xmlns:a="http://schemas.openxmlformats.org/drawingml/2006/main" xmlns:r="http://schemas.openxmlformats.org/officeDocument/2006/relationships" xmlns:p="http://schemas.openxmlformats.org/presentationml/2006/main" type="obj" preserve="1">
   <p:cSld name="Title and Content">
     <p:spTree>
@@ -1396,7 +1120,7 @@
           <a:p>
             <a:fld id="{3D2277E6-1886-452C-854D-DB4A9BB05FC1}" type="datetimeFigureOut">
               <a:rPr lang="en-US" smtClean="0"/>
-              <a:t>13-Nov-18</a:t>
+              <a:t>14-Nov-18</a:t>
             </a:fld>
             <a:endParaRPr lang="en-US"/>
           </a:p>
@@ -1447,7 +1171,7 @@
     </p:spTree>
     <p:extLst>
       <p:ext uri="{BB962C8B-B14F-4D97-AF65-F5344CB8AC3E}">
-        <p14:creationId xmlns:p14="http://schemas.microsoft.com/office/powerpoint/2010/main" val="3747231652"/>
+        <p14:creationId xmlns:p14="http://schemas.microsoft.com/office/powerpoint/2010/main" val="683352560"/>
       </p:ext>
     </p:extLst>
   </p:cSld>
@@ -1457,7 +1181,7 @@
 </p:sldLayout>
 </file>
 
-<file path=ppt/slideLayouts/slideLayout14.xml><?xml version="1.0" encoding="utf-8"?>
+<file path=ppt/slideLayouts/slideLayout3.xml><?xml version="1.0" encoding="utf-8"?>
 <p:sldLayout xmlns:a="http://schemas.openxmlformats.org/drawingml/2006/main" xmlns:r="http://schemas.openxmlformats.org/officeDocument/2006/relationships" xmlns:p="http://schemas.openxmlformats.org/presentationml/2006/main" type="secHead" preserve="1">
   <p:cSld name="Section Header">
     <p:spTree>
@@ -1486,8 +1210,8 @@
         </p:nvSpPr>
         <p:spPr>
           <a:xfrm>
-            <a:off x="831850" y="1709738"/>
-            <a:ext cx="10515600" cy="2852737"/>
+            <a:off x="623888" y="1709739"/>
+            <a:ext cx="7886700" cy="2852737"/>
           </a:xfrm>
         </p:spPr>
         <p:txBody>
@@ -1518,8 +1242,8 @@
         </p:nvSpPr>
         <p:spPr>
           <a:xfrm>
-            <a:off x="831850" y="4589463"/>
-            <a:ext cx="10515600" cy="1500187"/>
+            <a:off x="623888" y="4589464"/>
+            <a:ext cx="7886700" cy="1500187"/>
           </a:xfrm>
         </p:spPr>
         <p:txBody>
@@ -1529,9 +1253,7 @@
               <a:buNone/>
               <a:defRPr sz="2400">
                 <a:solidFill>
-                  <a:schemeClr val="tx1">
-                    <a:tint val="75000"/>
-                  </a:schemeClr>
+                  <a:schemeClr val="tx1"/>
                 </a:solidFill>
               </a:defRPr>
             </a:lvl1pPr>
@@ -1642,7 +1364,7 @@
           <a:p>
             <a:fld id="{3D2277E6-1886-452C-854D-DB4A9BB05FC1}" type="datetimeFigureOut">
               <a:rPr lang="en-US" smtClean="0"/>
-              <a:t>13-Nov-18</a:t>
+              <a:t>14-Nov-18</a:t>
             </a:fld>
             <a:endParaRPr lang="en-US"/>
           </a:p>
@@ -1693,7 +1415,7 @@
     </p:spTree>
     <p:extLst>
       <p:ext uri="{BB962C8B-B14F-4D97-AF65-F5344CB8AC3E}">
-        <p14:creationId xmlns:p14="http://schemas.microsoft.com/office/powerpoint/2010/main" val="1176628716"/>
+        <p14:creationId xmlns:p14="http://schemas.microsoft.com/office/powerpoint/2010/main" val="2709680480"/>
       </p:ext>
     </p:extLst>
   </p:cSld>
@@ -1703,7 +1425,7 @@
 </p:sldLayout>
 </file>
 
-<file path=ppt/slideLayouts/slideLayout15.xml><?xml version="1.0" encoding="utf-8"?>
+<file path=ppt/slideLayouts/slideLayout4.xml><?xml version="1.0" encoding="utf-8"?>
 <p:sldLayout xmlns:a="http://schemas.openxmlformats.org/drawingml/2006/main" xmlns:r="http://schemas.openxmlformats.org/officeDocument/2006/relationships" xmlns:p="http://schemas.openxmlformats.org/presentationml/2006/main" type="twoObj" preserve="1">
   <p:cSld name="Two Content">
     <p:spTree>
@@ -1755,8 +1477,8 @@
         </p:nvSpPr>
         <p:spPr>
           <a:xfrm>
-            <a:off x="838200" y="1825625"/>
-            <a:ext cx="5181600" cy="4351338"/>
+            <a:off x="628650" y="1825625"/>
+            <a:ext cx="3886200" cy="4351338"/>
           </a:xfrm>
         </p:spPr>
         <p:txBody>
@@ -1812,8 +1534,8 @@
         </p:nvSpPr>
         <p:spPr>
           <a:xfrm>
-            <a:off x="6172200" y="1825625"/>
-            <a:ext cx="5181600" cy="4351338"/>
+            <a:off x="4629150" y="1825625"/>
+            <a:ext cx="3886200" cy="4351338"/>
           </a:xfrm>
         </p:spPr>
         <p:txBody>
@@ -1874,7 +1596,7 @@
           <a:p>
             <a:fld id="{3D2277E6-1886-452C-854D-DB4A9BB05FC1}" type="datetimeFigureOut">
               <a:rPr lang="en-US" smtClean="0"/>
-              <a:t>13-Nov-18</a:t>
+              <a:t>14-Nov-18</a:t>
             </a:fld>
             <a:endParaRPr lang="en-US"/>
           </a:p>
@@ -1925,7 +1647,7 @@
     </p:spTree>
     <p:extLst>
       <p:ext uri="{BB962C8B-B14F-4D97-AF65-F5344CB8AC3E}">
-        <p14:creationId xmlns:p14="http://schemas.microsoft.com/office/powerpoint/2010/main" val="1753167744"/>
+        <p14:creationId xmlns:p14="http://schemas.microsoft.com/office/powerpoint/2010/main" val="1188026125"/>
       </p:ext>
     </p:extLst>
   </p:cSld>
@@ -1935,7 +1657,7 @@
 </p:sldLayout>
 </file>
 
-<file path=ppt/slideLayouts/slideLayout16.xml><?xml version="1.0" encoding="utf-8"?>
+<file path=ppt/slideLayouts/slideLayout5.xml><?xml version="1.0" encoding="utf-8"?>
 <p:sldLayout xmlns:a="http://schemas.openxmlformats.org/drawingml/2006/main" xmlns:r="http://schemas.openxmlformats.org/officeDocument/2006/relationships" xmlns:p="http://schemas.openxmlformats.org/presentationml/2006/main" type="twoTxTwoObj" preserve="1">
   <p:cSld name="Comparison">
     <p:spTree>
@@ -1964,8 +1686,8 @@
         </p:nvSpPr>
         <p:spPr>
           <a:xfrm>
-            <a:off x="839788" y="365125"/>
-            <a:ext cx="10515600" cy="1325563"/>
+            <a:off x="629841" y="365126"/>
+            <a:ext cx="7886700" cy="1325563"/>
           </a:xfrm>
         </p:spPr>
         <p:txBody>
@@ -1992,8 +1714,8 @@
         </p:nvSpPr>
         <p:spPr>
           <a:xfrm>
-            <a:off x="839788" y="1681163"/>
-            <a:ext cx="5157787" cy="823912"/>
+            <a:off x="629842" y="1681163"/>
+            <a:ext cx="3868340" cy="823912"/>
           </a:xfrm>
         </p:spPr>
         <p:txBody>
@@ -2057,8 +1779,8 @@
         </p:nvSpPr>
         <p:spPr>
           <a:xfrm>
-            <a:off x="839788" y="2505075"/>
-            <a:ext cx="5157787" cy="3684588"/>
+            <a:off x="629842" y="2505075"/>
+            <a:ext cx="3868340" cy="3684588"/>
           </a:xfrm>
         </p:spPr>
         <p:txBody>
@@ -2114,8 +1836,8 @@
         </p:nvSpPr>
         <p:spPr>
           <a:xfrm>
-            <a:off x="6172200" y="1681163"/>
-            <a:ext cx="5183188" cy="823912"/>
+            <a:off x="4629150" y="1681163"/>
+            <a:ext cx="3887391" cy="823912"/>
           </a:xfrm>
         </p:spPr>
         <p:txBody>
@@ -2179,8 +1901,8 @@
         </p:nvSpPr>
         <p:spPr>
           <a:xfrm>
-            <a:off x="6172200" y="2505075"/>
-            <a:ext cx="5183188" cy="3684588"/>
+            <a:off x="4629150" y="2505075"/>
+            <a:ext cx="3887391" cy="3684588"/>
           </a:xfrm>
         </p:spPr>
         <p:txBody>
@@ -2241,7 +1963,7 @@
           <a:p>
             <a:fld id="{3D2277E6-1886-452C-854D-DB4A9BB05FC1}" type="datetimeFigureOut">
               <a:rPr lang="en-US" smtClean="0"/>
-              <a:t>13-Nov-18</a:t>
+              <a:t>14-Nov-18</a:t>
             </a:fld>
             <a:endParaRPr lang="en-US"/>
           </a:p>
@@ -2292,7 +2014,7 @@
     </p:spTree>
     <p:extLst>
       <p:ext uri="{BB962C8B-B14F-4D97-AF65-F5344CB8AC3E}">
-        <p14:creationId xmlns:p14="http://schemas.microsoft.com/office/powerpoint/2010/main" val="1715779759"/>
+        <p14:creationId xmlns:p14="http://schemas.microsoft.com/office/powerpoint/2010/main" val="1669296614"/>
       </p:ext>
     </p:extLst>
   </p:cSld>
@@ -2302,7 +2024,7 @@
 </p:sldLayout>
 </file>
 
-<file path=ppt/slideLayouts/slideLayout17.xml><?xml version="1.0" encoding="utf-8"?>
+<file path=ppt/slideLayouts/slideLayout6.xml><?xml version="1.0" encoding="utf-8"?>
 <p:sldLayout xmlns:a="http://schemas.openxmlformats.org/drawingml/2006/main" xmlns:r="http://schemas.openxmlformats.org/officeDocument/2006/relationships" xmlns:p="http://schemas.openxmlformats.org/presentationml/2006/main" type="titleOnly" preserve="1">
   <p:cSld name="Title Only">
     <p:spTree>
@@ -2359,7 +2081,7 @@
           <a:p>
             <a:fld id="{3D2277E6-1886-452C-854D-DB4A9BB05FC1}" type="datetimeFigureOut">
               <a:rPr lang="en-US" smtClean="0"/>
-              <a:t>13-Nov-18</a:t>
+              <a:t>14-Nov-18</a:t>
             </a:fld>
             <a:endParaRPr lang="en-US"/>
           </a:p>
@@ -2410,7 +2132,7 @@
     </p:spTree>
     <p:extLst>
       <p:ext uri="{BB962C8B-B14F-4D97-AF65-F5344CB8AC3E}">
-        <p14:creationId xmlns:p14="http://schemas.microsoft.com/office/powerpoint/2010/main" val="3286355422"/>
+        <p14:creationId xmlns:p14="http://schemas.microsoft.com/office/powerpoint/2010/main" val="1216219980"/>
       </p:ext>
     </p:extLst>
   </p:cSld>
@@ -2420,7 +2142,7 @@
 </p:sldLayout>
 </file>
 
-<file path=ppt/slideLayouts/slideLayout18.xml><?xml version="1.0" encoding="utf-8"?>
+<file path=ppt/slideLayouts/slideLayout7.xml><?xml version="1.0" encoding="utf-8"?>
 <p:sldLayout xmlns:a="http://schemas.openxmlformats.org/drawingml/2006/main" xmlns:r="http://schemas.openxmlformats.org/officeDocument/2006/relationships" xmlns:p="http://schemas.openxmlformats.org/presentationml/2006/main" type="blank" preserve="1">
   <p:cSld name="Blank">
     <p:spTree>
@@ -2454,7 +2176,7 @@
           <a:p>
             <a:fld id="{3D2277E6-1886-452C-854D-DB4A9BB05FC1}" type="datetimeFigureOut">
               <a:rPr lang="en-US" smtClean="0"/>
-              <a:t>13-Nov-18</a:t>
+              <a:t>14-Nov-18</a:t>
             </a:fld>
             <a:endParaRPr lang="en-US"/>
           </a:p>
@@ -2505,7 +2227,7 @@
     </p:spTree>
     <p:extLst>
       <p:ext uri="{BB962C8B-B14F-4D97-AF65-F5344CB8AC3E}">
-        <p14:creationId xmlns:p14="http://schemas.microsoft.com/office/powerpoint/2010/main" val="2077241273"/>
+        <p14:creationId xmlns:p14="http://schemas.microsoft.com/office/powerpoint/2010/main" val="3715909008"/>
       </p:ext>
     </p:extLst>
   </p:cSld>
@@ -2515,7 +2237,7 @@
 </p:sldLayout>
 </file>
 
-<file path=ppt/slideLayouts/slideLayout19.xml><?xml version="1.0" encoding="utf-8"?>
+<file path=ppt/slideLayouts/slideLayout8.xml><?xml version="1.0" encoding="utf-8"?>
 <p:sldLayout xmlns:a="http://schemas.openxmlformats.org/drawingml/2006/main" xmlns:r="http://schemas.openxmlformats.org/officeDocument/2006/relationships" xmlns:p="http://schemas.openxmlformats.org/presentationml/2006/main" type="objTx" preserve="1">
   <p:cSld name="Content with Caption">
     <p:spTree>
@@ -2544,8 +2266,8 @@
         </p:nvSpPr>
         <p:spPr>
           <a:xfrm>
-            <a:off x="839788" y="457200"/>
-            <a:ext cx="3932237" cy="1600200"/>
+            <a:off x="629841" y="457200"/>
+            <a:ext cx="2949178" cy="1600200"/>
           </a:xfrm>
         </p:spPr>
         <p:txBody>
@@ -2576,8 +2298,8 @@
         </p:nvSpPr>
         <p:spPr>
           <a:xfrm>
-            <a:off x="5183188" y="987425"/>
-            <a:ext cx="6172200" cy="4873625"/>
+            <a:off x="3887391" y="987426"/>
+            <a:ext cx="4629150" cy="4873625"/>
           </a:xfrm>
         </p:spPr>
         <p:txBody>
@@ -2661,8 +2383,8 @@
         </p:nvSpPr>
         <p:spPr>
           <a:xfrm>
-            <a:off x="839788" y="2057400"/>
-            <a:ext cx="3932237" cy="3811588"/>
+            <a:off x="629841" y="2057400"/>
+            <a:ext cx="2949178" cy="3811588"/>
           </a:xfrm>
         </p:spPr>
         <p:txBody>
@@ -2731,7 +2453,7 @@
           <a:p>
             <a:fld id="{3D2277E6-1886-452C-854D-DB4A9BB05FC1}" type="datetimeFigureOut">
               <a:rPr lang="en-US" smtClean="0"/>
-              <a:t>13-Nov-18</a:t>
+              <a:t>14-Nov-18</a:t>
             </a:fld>
             <a:endParaRPr lang="en-US"/>
           </a:p>
@@ -2782,2337 +2504,7 @@
     </p:spTree>
     <p:extLst>
       <p:ext uri="{BB962C8B-B14F-4D97-AF65-F5344CB8AC3E}">
-        <p14:creationId xmlns:p14="http://schemas.microsoft.com/office/powerpoint/2010/main" val="1910158842"/>
-      </p:ext>
-    </p:extLst>
-  </p:cSld>
-  <p:clrMapOvr>
-    <a:masterClrMapping/>
-  </p:clrMapOvr>
-</p:sldLayout>
-</file>
-
-<file path=ppt/slideLayouts/slideLayout2.xml><?xml version="1.0" encoding="utf-8"?>
-<p:sldLayout xmlns:a="http://schemas.openxmlformats.org/drawingml/2006/main" xmlns:r="http://schemas.openxmlformats.org/officeDocument/2006/relationships" xmlns:p="http://schemas.openxmlformats.org/presentationml/2006/main" type="obj" preserve="1">
-  <p:cSld name="Title and Content">
-    <p:spTree>
-      <p:nvGrpSpPr>
-        <p:cNvPr id="1" name=""/>
-        <p:cNvGrpSpPr/>
-        <p:nvPr/>
-      </p:nvGrpSpPr>
-      <p:grpSpPr>
-        <a:xfrm>
-          <a:off x="0" y="0"/>
-          <a:ext cx="0" cy="0"/>
-          <a:chOff x="0" y="0"/>
-          <a:chExt cx="0" cy="0"/>
-        </a:xfrm>
-      </p:grpSpPr>
-      <p:sp>
-        <p:nvSpPr>
-          <p:cNvPr id="2" name="Title 1">
-            <a:extLst>
-              <a:ext uri="{FF2B5EF4-FFF2-40B4-BE49-F238E27FC236}">
-                <a16:creationId xmlns:a16="http://schemas.microsoft.com/office/drawing/2014/main" id="{89E6D293-A229-4D4D-810B-0EC0BCC72E5D}"/>
-              </a:ext>
-            </a:extLst>
-          </p:cNvPr>
-          <p:cNvSpPr>
-            <a:spLocks noGrp="1"/>
-          </p:cNvSpPr>
-          <p:nvPr>
-            <p:ph type="title"/>
-          </p:nvPr>
-        </p:nvSpPr>
-        <p:spPr/>
-        <p:txBody>
-          <a:bodyPr/>
-          <a:lstStyle>
-            <a:lvl1pPr>
-              <a:defRPr>
-                <a:solidFill>
-                  <a:srgbClr val="0D78BF"/>
-                </a:solidFill>
-              </a:defRPr>
-            </a:lvl1pPr>
-          </a:lstStyle>
-          <a:p>
-            <a:r>
-              <a:rPr lang="en-US" dirty="0"/>
-              <a:t>Click to edit Master title style</a:t>
-            </a:r>
-          </a:p>
-        </p:txBody>
-      </p:sp>
-      <p:sp>
-        <p:nvSpPr>
-          <p:cNvPr id="3" name="Content Placeholder 2">
-            <a:extLst>
-              <a:ext uri="{FF2B5EF4-FFF2-40B4-BE49-F238E27FC236}">
-                <a16:creationId xmlns:a16="http://schemas.microsoft.com/office/drawing/2014/main" id="{B03CB7C2-3755-4868-B0A7-62A243031D9E}"/>
-              </a:ext>
-            </a:extLst>
-          </p:cNvPr>
-          <p:cNvSpPr>
-            <a:spLocks noGrp="1"/>
-          </p:cNvSpPr>
-          <p:nvPr>
-            <p:ph idx="1"/>
-          </p:nvPr>
-        </p:nvSpPr>
-        <p:spPr/>
-        <p:txBody>
-          <a:bodyPr/>
-          <a:lstStyle/>
-          <a:p>
-            <a:pPr lvl="0"/>
-            <a:r>
-              <a:rPr lang="en-US"/>
-              <a:t>Edit Master text styles</a:t>
-            </a:r>
-          </a:p>
-          <a:p>
-            <a:pPr lvl="1"/>
-            <a:r>
-              <a:rPr lang="en-US"/>
-              <a:t>Second level</a:t>
-            </a:r>
-          </a:p>
-          <a:p>
-            <a:pPr lvl="2"/>
-            <a:r>
-              <a:rPr lang="en-US"/>
-              <a:t>Third level</a:t>
-            </a:r>
-          </a:p>
-          <a:p>
-            <a:pPr lvl="3"/>
-            <a:r>
-              <a:rPr lang="en-US"/>
-              <a:t>Fourth level</a:t>
-            </a:r>
-          </a:p>
-          <a:p>
-            <a:pPr lvl="4"/>
-            <a:r>
-              <a:rPr lang="en-US"/>
-              <a:t>Fifth level</a:t>
-            </a:r>
-          </a:p>
-        </p:txBody>
-      </p:sp>
-      <p:sp>
-        <p:nvSpPr>
-          <p:cNvPr id="4" name="Date Placeholder 3">
-            <a:extLst>
-              <a:ext uri="{FF2B5EF4-FFF2-40B4-BE49-F238E27FC236}">
-                <a16:creationId xmlns:a16="http://schemas.microsoft.com/office/drawing/2014/main" id="{84CBA54A-1B4A-41DF-9024-3FCC8CCFE02D}"/>
-              </a:ext>
-            </a:extLst>
-          </p:cNvPr>
-          <p:cNvSpPr>
-            <a:spLocks noGrp="1"/>
-          </p:cNvSpPr>
-          <p:nvPr>
-            <p:ph type="dt" sz="half" idx="10"/>
-          </p:nvPr>
-        </p:nvSpPr>
-        <p:spPr/>
-        <p:txBody>
-          <a:bodyPr/>
-          <a:lstStyle/>
-          <a:p>
-            <a:fld id="{3D2277E6-1886-452C-854D-DB4A9BB05FC1}" type="datetimeFigureOut">
-              <a:rPr lang="en-US" smtClean="0"/>
-              <a:t>13-Nov-18</a:t>
-            </a:fld>
-            <a:endParaRPr lang="en-US"/>
-          </a:p>
-        </p:txBody>
-      </p:sp>
-      <p:sp>
-        <p:nvSpPr>
-          <p:cNvPr id="5" name="Footer Placeholder 4">
-            <a:extLst>
-              <a:ext uri="{FF2B5EF4-FFF2-40B4-BE49-F238E27FC236}">
-                <a16:creationId xmlns:a16="http://schemas.microsoft.com/office/drawing/2014/main" id="{45829B15-BC70-44AB-9D9C-E078E8632985}"/>
-              </a:ext>
-            </a:extLst>
-          </p:cNvPr>
-          <p:cNvSpPr>
-            <a:spLocks noGrp="1"/>
-          </p:cNvSpPr>
-          <p:nvPr>
-            <p:ph type="ftr" sz="quarter" idx="11"/>
-          </p:nvPr>
-        </p:nvSpPr>
-        <p:spPr/>
-        <p:txBody>
-          <a:bodyPr/>
-          <a:lstStyle/>
-          <a:p>
-            <a:endParaRPr lang="en-US"/>
-          </a:p>
-        </p:txBody>
-      </p:sp>
-      <p:sp>
-        <p:nvSpPr>
-          <p:cNvPr id="6" name="Slide Number Placeholder 5">
-            <a:extLst>
-              <a:ext uri="{FF2B5EF4-FFF2-40B4-BE49-F238E27FC236}">
-                <a16:creationId xmlns:a16="http://schemas.microsoft.com/office/drawing/2014/main" id="{21DED0DA-DB41-44E0-AEB0-A44234BE559D}"/>
-              </a:ext>
-            </a:extLst>
-          </p:cNvPr>
-          <p:cNvSpPr>
-            <a:spLocks noGrp="1"/>
-          </p:cNvSpPr>
-          <p:nvPr>
-            <p:ph type="sldNum" sz="quarter" idx="12"/>
-          </p:nvPr>
-        </p:nvSpPr>
-        <p:spPr/>
-        <p:txBody>
-          <a:bodyPr/>
-          <a:lstStyle/>
-          <a:p>
-            <a:fld id="{043B9436-2E4C-483D-BC67-D4CE7485150B}" type="slidenum">
-              <a:rPr lang="en-US" smtClean="0"/>
-              <a:t>‹#›</a:t>
-            </a:fld>
-            <a:endParaRPr lang="en-US"/>
-          </a:p>
-        </p:txBody>
-      </p:sp>
-    </p:spTree>
-    <p:extLst>
-      <p:ext uri="{BB962C8B-B14F-4D97-AF65-F5344CB8AC3E}">
-        <p14:creationId xmlns:p14="http://schemas.microsoft.com/office/powerpoint/2010/main" val="52785961"/>
-      </p:ext>
-    </p:extLst>
-  </p:cSld>
-  <p:clrMapOvr>
-    <a:masterClrMapping/>
-  </p:clrMapOvr>
-</p:sldLayout>
-</file>
-
-<file path=ppt/slideLayouts/slideLayout20.xml><?xml version="1.0" encoding="utf-8"?>
-<p:sldLayout xmlns:a="http://schemas.openxmlformats.org/drawingml/2006/main" xmlns:r="http://schemas.openxmlformats.org/officeDocument/2006/relationships" xmlns:p="http://schemas.openxmlformats.org/presentationml/2006/main" type="picTx" preserve="1">
-  <p:cSld name="Picture with Caption">
-    <p:spTree>
-      <p:nvGrpSpPr>
-        <p:cNvPr id="1" name=""/>
-        <p:cNvGrpSpPr/>
-        <p:nvPr/>
-      </p:nvGrpSpPr>
-      <p:grpSpPr>
-        <a:xfrm>
-          <a:off x="0" y="0"/>
-          <a:ext cx="0" cy="0"/>
-          <a:chOff x="0" y="0"/>
-          <a:chExt cx="0" cy="0"/>
-        </a:xfrm>
-      </p:grpSpPr>
-      <p:sp>
-        <p:nvSpPr>
-          <p:cNvPr id="2" name="Title 1"/>
-          <p:cNvSpPr>
-            <a:spLocks noGrp="1"/>
-          </p:cNvSpPr>
-          <p:nvPr>
-            <p:ph type="title"/>
-          </p:nvPr>
-        </p:nvSpPr>
-        <p:spPr>
-          <a:xfrm>
-            <a:off x="839788" y="457200"/>
-            <a:ext cx="3932237" cy="1600200"/>
-          </a:xfrm>
-        </p:spPr>
-        <p:txBody>
-          <a:bodyPr anchor="b"/>
-          <a:lstStyle>
-            <a:lvl1pPr>
-              <a:defRPr sz="3200"/>
-            </a:lvl1pPr>
-          </a:lstStyle>
-          <a:p>
-            <a:r>
-              <a:rPr lang="en-US"/>
-              <a:t>Click to edit Master title style</a:t>
-            </a:r>
-            <a:endParaRPr lang="en-US" dirty="0"/>
-          </a:p>
-        </p:txBody>
-      </p:sp>
-      <p:sp>
-        <p:nvSpPr>
-          <p:cNvPr id="3" name="Picture Placeholder 2"/>
-          <p:cNvSpPr>
-            <a:spLocks noGrp="1" noChangeAspect="1"/>
-          </p:cNvSpPr>
-          <p:nvPr>
-            <p:ph type="pic" idx="1"/>
-          </p:nvPr>
-        </p:nvSpPr>
-        <p:spPr>
-          <a:xfrm>
-            <a:off x="5183188" y="987425"/>
-            <a:ext cx="6172200" cy="4873625"/>
-          </a:xfrm>
-        </p:spPr>
-        <p:txBody>
-          <a:bodyPr anchor="t"/>
-          <a:lstStyle>
-            <a:lvl1pPr marL="0" indent="0">
-              <a:buNone/>
-              <a:defRPr sz="3200"/>
-            </a:lvl1pPr>
-            <a:lvl2pPr marL="457200" indent="0">
-              <a:buNone/>
-              <a:defRPr sz="2800"/>
-            </a:lvl2pPr>
-            <a:lvl3pPr marL="914400" indent="0">
-              <a:buNone/>
-              <a:defRPr sz="2400"/>
-            </a:lvl3pPr>
-            <a:lvl4pPr marL="1371600" indent="0">
-              <a:buNone/>
-              <a:defRPr sz="2000"/>
-            </a:lvl4pPr>
-            <a:lvl5pPr marL="1828800" indent="0">
-              <a:buNone/>
-              <a:defRPr sz="2000"/>
-            </a:lvl5pPr>
-            <a:lvl6pPr marL="2286000" indent="0">
-              <a:buNone/>
-              <a:defRPr sz="2000"/>
-            </a:lvl6pPr>
-            <a:lvl7pPr marL="2743200" indent="0">
-              <a:buNone/>
-              <a:defRPr sz="2000"/>
-            </a:lvl7pPr>
-            <a:lvl8pPr marL="3200400" indent="0">
-              <a:buNone/>
-              <a:defRPr sz="2000"/>
-            </a:lvl8pPr>
-            <a:lvl9pPr marL="3657600" indent="0">
-              <a:buNone/>
-              <a:defRPr sz="2000"/>
-            </a:lvl9pPr>
-          </a:lstStyle>
-          <a:p>
-            <a:r>
-              <a:rPr lang="en-US"/>
-              <a:t>Click icon to add picture</a:t>
-            </a:r>
-            <a:endParaRPr lang="en-US" dirty="0"/>
-          </a:p>
-        </p:txBody>
-      </p:sp>
-      <p:sp>
-        <p:nvSpPr>
-          <p:cNvPr id="4" name="Text Placeholder 3"/>
-          <p:cNvSpPr>
-            <a:spLocks noGrp="1"/>
-          </p:cNvSpPr>
-          <p:nvPr>
-            <p:ph type="body" sz="half" idx="2"/>
-          </p:nvPr>
-        </p:nvSpPr>
-        <p:spPr>
-          <a:xfrm>
-            <a:off x="839788" y="2057400"/>
-            <a:ext cx="3932237" cy="3811588"/>
-          </a:xfrm>
-        </p:spPr>
-        <p:txBody>
-          <a:bodyPr/>
-          <a:lstStyle>
-            <a:lvl1pPr marL="0" indent="0">
-              <a:buNone/>
-              <a:defRPr sz="1600"/>
-            </a:lvl1pPr>
-            <a:lvl2pPr marL="457200" indent="0">
-              <a:buNone/>
-              <a:defRPr sz="1400"/>
-            </a:lvl2pPr>
-            <a:lvl3pPr marL="914400" indent="0">
-              <a:buNone/>
-              <a:defRPr sz="1200"/>
-            </a:lvl3pPr>
-            <a:lvl4pPr marL="1371600" indent="0">
-              <a:buNone/>
-              <a:defRPr sz="1000"/>
-            </a:lvl4pPr>
-            <a:lvl5pPr marL="1828800" indent="0">
-              <a:buNone/>
-              <a:defRPr sz="1000"/>
-            </a:lvl5pPr>
-            <a:lvl6pPr marL="2286000" indent="0">
-              <a:buNone/>
-              <a:defRPr sz="1000"/>
-            </a:lvl6pPr>
-            <a:lvl7pPr marL="2743200" indent="0">
-              <a:buNone/>
-              <a:defRPr sz="1000"/>
-            </a:lvl7pPr>
-            <a:lvl8pPr marL="3200400" indent="0">
-              <a:buNone/>
-              <a:defRPr sz="1000"/>
-            </a:lvl8pPr>
-            <a:lvl9pPr marL="3657600" indent="0">
-              <a:buNone/>
-              <a:defRPr sz="1000"/>
-            </a:lvl9pPr>
-          </a:lstStyle>
-          <a:p>
-            <a:pPr lvl="0"/>
-            <a:r>
-              <a:rPr lang="en-US"/>
-              <a:t>Edit Master text styles</a:t>
-            </a:r>
-          </a:p>
-        </p:txBody>
-      </p:sp>
-      <p:sp>
-        <p:nvSpPr>
-          <p:cNvPr id="5" name="Date Placeholder 4"/>
-          <p:cNvSpPr>
-            <a:spLocks noGrp="1"/>
-          </p:cNvSpPr>
-          <p:nvPr>
-            <p:ph type="dt" sz="half" idx="10"/>
-          </p:nvPr>
-        </p:nvSpPr>
-        <p:spPr/>
-        <p:txBody>
-          <a:bodyPr/>
-          <a:lstStyle/>
-          <a:p>
-            <a:fld id="{3D2277E6-1886-452C-854D-DB4A9BB05FC1}" type="datetimeFigureOut">
-              <a:rPr lang="en-US" smtClean="0"/>
-              <a:t>13-Nov-18</a:t>
-            </a:fld>
-            <a:endParaRPr lang="en-US"/>
-          </a:p>
-        </p:txBody>
-      </p:sp>
-      <p:sp>
-        <p:nvSpPr>
-          <p:cNvPr id="6" name="Footer Placeholder 5"/>
-          <p:cNvSpPr>
-            <a:spLocks noGrp="1"/>
-          </p:cNvSpPr>
-          <p:nvPr>
-            <p:ph type="ftr" sz="quarter" idx="11"/>
-          </p:nvPr>
-        </p:nvSpPr>
-        <p:spPr/>
-        <p:txBody>
-          <a:bodyPr/>
-          <a:lstStyle/>
-          <a:p>
-            <a:endParaRPr lang="en-US"/>
-          </a:p>
-        </p:txBody>
-      </p:sp>
-      <p:sp>
-        <p:nvSpPr>
-          <p:cNvPr id="7" name="Slide Number Placeholder 6"/>
-          <p:cNvSpPr>
-            <a:spLocks noGrp="1"/>
-          </p:cNvSpPr>
-          <p:nvPr>
-            <p:ph type="sldNum" sz="quarter" idx="12"/>
-          </p:nvPr>
-        </p:nvSpPr>
-        <p:spPr/>
-        <p:txBody>
-          <a:bodyPr/>
-          <a:lstStyle/>
-          <a:p>
-            <a:fld id="{043B9436-2E4C-483D-BC67-D4CE7485150B}" type="slidenum">
-              <a:rPr lang="en-US" smtClean="0"/>
-              <a:t>‹#›</a:t>
-            </a:fld>
-            <a:endParaRPr lang="en-US"/>
-          </a:p>
-        </p:txBody>
-      </p:sp>
-    </p:spTree>
-    <p:extLst>
-      <p:ext uri="{BB962C8B-B14F-4D97-AF65-F5344CB8AC3E}">
-        <p14:creationId xmlns:p14="http://schemas.microsoft.com/office/powerpoint/2010/main" val="704385126"/>
-      </p:ext>
-    </p:extLst>
-  </p:cSld>
-  <p:clrMapOvr>
-    <a:masterClrMapping/>
-  </p:clrMapOvr>
-</p:sldLayout>
-</file>
-
-<file path=ppt/slideLayouts/slideLayout21.xml><?xml version="1.0" encoding="utf-8"?>
-<p:sldLayout xmlns:a="http://schemas.openxmlformats.org/drawingml/2006/main" xmlns:r="http://schemas.openxmlformats.org/officeDocument/2006/relationships" xmlns:p="http://schemas.openxmlformats.org/presentationml/2006/main" type="vertTx" preserve="1">
-  <p:cSld name="Title and Vertical Text">
-    <p:spTree>
-      <p:nvGrpSpPr>
-        <p:cNvPr id="1" name=""/>
-        <p:cNvGrpSpPr/>
-        <p:nvPr/>
-      </p:nvGrpSpPr>
-      <p:grpSpPr>
-        <a:xfrm>
-          <a:off x="0" y="0"/>
-          <a:ext cx="0" cy="0"/>
-          <a:chOff x="0" y="0"/>
-          <a:chExt cx="0" cy="0"/>
-        </a:xfrm>
-      </p:grpSpPr>
-      <p:sp>
-        <p:nvSpPr>
-          <p:cNvPr id="2" name="Title 1"/>
-          <p:cNvSpPr>
-            <a:spLocks noGrp="1"/>
-          </p:cNvSpPr>
-          <p:nvPr>
-            <p:ph type="title"/>
-          </p:nvPr>
-        </p:nvSpPr>
-        <p:spPr/>
-        <p:txBody>
-          <a:bodyPr/>
-          <a:lstStyle/>
-          <a:p>
-            <a:r>
-              <a:rPr lang="en-US"/>
-              <a:t>Click to edit Master title style</a:t>
-            </a:r>
-            <a:endParaRPr lang="en-US" dirty="0"/>
-          </a:p>
-        </p:txBody>
-      </p:sp>
-      <p:sp>
-        <p:nvSpPr>
-          <p:cNvPr id="3" name="Vertical Text Placeholder 2"/>
-          <p:cNvSpPr>
-            <a:spLocks noGrp="1"/>
-          </p:cNvSpPr>
-          <p:nvPr>
-            <p:ph type="body" orient="vert" idx="1"/>
-          </p:nvPr>
-        </p:nvSpPr>
-        <p:spPr/>
-        <p:txBody>
-          <a:bodyPr vert="eaVert"/>
-          <a:lstStyle/>
-          <a:p>
-            <a:pPr lvl="0"/>
-            <a:r>
-              <a:rPr lang="en-US"/>
-              <a:t>Edit Master text styles</a:t>
-            </a:r>
-          </a:p>
-          <a:p>
-            <a:pPr lvl="1"/>
-            <a:r>
-              <a:rPr lang="en-US"/>
-              <a:t>Second level</a:t>
-            </a:r>
-          </a:p>
-          <a:p>
-            <a:pPr lvl="2"/>
-            <a:r>
-              <a:rPr lang="en-US"/>
-              <a:t>Third level</a:t>
-            </a:r>
-          </a:p>
-          <a:p>
-            <a:pPr lvl="3"/>
-            <a:r>
-              <a:rPr lang="en-US"/>
-              <a:t>Fourth level</a:t>
-            </a:r>
-          </a:p>
-          <a:p>
-            <a:pPr lvl="4"/>
-            <a:r>
-              <a:rPr lang="en-US"/>
-              <a:t>Fifth level</a:t>
-            </a:r>
-            <a:endParaRPr lang="en-US" dirty="0"/>
-          </a:p>
-        </p:txBody>
-      </p:sp>
-      <p:sp>
-        <p:nvSpPr>
-          <p:cNvPr id="4" name="Date Placeholder 3"/>
-          <p:cNvSpPr>
-            <a:spLocks noGrp="1"/>
-          </p:cNvSpPr>
-          <p:nvPr>
-            <p:ph type="dt" sz="half" idx="10"/>
-          </p:nvPr>
-        </p:nvSpPr>
-        <p:spPr/>
-        <p:txBody>
-          <a:bodyPr/>
-          <a:lstStyle/>
-          <a:p>
-            <a:fld id="{3D2277E6-1886-452C-854D-DB4A9BB05FC1}" type="datetimeFigureOut">
-              <a:rPr lang="en-US" smtClean="0"/>
-              <a:t>13-Nov-18</a:t>
-            </a:fld>
-            <a:endParaRPr lang="en-US"/>
-          </a:p>
-        </p:txBody>
-      </p:sp>
-      <p:sp>
-        <p:nvSpPr>
-          <p:cNvPr id="5" name="Footer Placeholder 4"/>
-          <p:cNvSpPr>
-            <a:spLocks noGrp="1"/>
-          </p:cNvSpPr>
-          <p:nvPr>
-            <p:ph type="ftr" sz="quarter" idx="11"/>
-          </p:nvPr>
-        </p:nvSpPr>
-        <p:spPr/>
-        <p:txBody>
-          <a:bodyPr/>
-          <a:lstStyle/>
-          <a:p>
-            <a:endParaRPr lang="en-US"/>
-          </a:p>
-        </p:txBody>
-      </p:sp>
-      <p:sp>
-        <p:nvSpPr>
-          <p:cNvPr id="6" name="Slide Number Placeholder 5"/>
-          <p:cNvSpPr>
-            <a:spLocks noGrp="1"/>
-          </p:cNvSpPr>
-          <p:nvPr>
-            <p:ph type="sldNum" sz="quarter" idx="12"/>
-          </p:nvPr>
-        </p:nvSpPr>
-        <p:spPr/>
-        <p:txBody>
-          <a:bodyPr/>
-          <a:lstStyle/>
-          <a:p>
-            <a:fld id="{043B9436-2E4C-483D-BC67-D4CE7485150B}" type="slidenum">
-              <a:rPr lang="en-US" smtClean="0"/>
-              <a:t>‹#›</a:t>
-            </a:fld>
-            <a:endParaRPr lang="en-US"/>
-          </a:p>
-        </p:txBody>
-      </p:sp>
-    </p:spTree>
-    <p:extLst>
-      <p:ext uri="{BB962C8B-B14F-4D97-AF65-F5344CB8AC3E}">
-        <p14:creationId xmlns:p14="http://schemas.microsoft.com/office/powerpoint/2010/main" val="2850634339"/>
-      </p:ext>
-    </p:extLst>
-  </p:cSld>
-  <p:clrMapOvr>
-    <a:masterClrMapping/>
-  </p:clrMapOvr>
-</p:sldLayout>
-</file>
-
-<file path=ppt/slideLayouts/slideLayout22.xml><?xml version="1.0" encoding="utf-8"?>
-<p:sldLayout xmlns:a="http://schemas.openxmlformats.org/drawingml/2006/main" xmlns:r="http://schemas.openxmlformats.org/officeDocument/2006/relationships" xmlns:p="http://schemas.openxmlformats.org/presentationml/2006/main" type="vertTitleAndTx" preserve="1">
-  <p:cSld name="Vertical Title and Text">
-    <p:spTree>
-      <p:nvGrpSpPr>
-        <p:cNvPr id="1" name=""/>
-        <p:cNvGrpSpPr/>
-        <p:nvPr/>
-      </p:nvGrpSpPr>
-      <p:grpSpPr>
-        <a:xfrm>
-          <a:off x="0" y="0"/>
-          <a:ext cx="0" cy="0"/>
-          <a:chOff x="0" y="0"/>
-          <a:chExt cx="0" cy="0"/>
-        </a:xfrm>
-      </p:grpSpPr>
-      <p:sp>
-        <p:nvSpPr>
-          <p:cNvPr id="2" name="Vertical Title 1"/>
-          <p:cNvSpPr>
-            <a:spLocks noGrp="1"/>
-          </p:cNvSpPr>
-          <p:nvPr>
-            <p:ph type="title" orient="vert"/>
-          </p:nvPr>
-        </p:nvSpPr>
-        <p:spPr>
-          <a:xfrm>
-            <a:off x="8724900" y="365125"/>
-            <a:ext cx="2628900" cy="5811838"/>
-          </a:xfrm>
-        </p:spPr>
-        <p:txBody>
-          <a:bodyPr vert="eaVert"/>
-          <a:lstStyle/>
-          <a:p>
-            <a:r>
-              <a:rPr lang="en-US"/>
-              <a:t>Click to edit Master title style</a:t>
-            </a:r>
-            <a:endParaRPr lang="en-US" dirty="0"/>
-          </a:p>
-        </p:txBody>
-      </p:sp>
-      <p:sp>
-        <p:nvSpPr>
-          <p:cNvPr id="3" name="Vertical Text Placeholder 2"/>
-          <p:cNvSpPr>
-            <a:spLocks noGrp="1"/>
-          </p:cNvSpPr>
-          <p:nvPr>
-            <p:ph type="body" orient="vert" idx="1"/>
-          </p:nvPr>
-        </p:nvSpPr>
-        <p:spPr>
-          <a:xfrm>
-            <a:off x="838200" y="365125"/>
-            <a:ext cx="7734300" cy="5811838"/>
-          </a:xfrm>
-        </p:spPr>
-        <p:txBody>
-          <a:bodyPr vert="eaVert"/>
-          <a:lstStyle/>
-          <a:p>
-            <a:pPr lvl="0"/>
-            <a:r>
-              <a:rPr lang="en-US"/>
-              <a:t>Edit Master text styles</a:t>
-            </a:r>
-          </a:p>
-          <a:p>
-            <a:pPr lvl="1"/>
-            <a:r>
-              <a:rPr lang="en-US"/>
-              <a:t>Second level</a:t>
-            </a:r>
-          </a:p>
-          <a:p>
-            <a:pPr lvl="2"/>
-            <a:r>
-              <a:rPr lang="en-US"/>
-              <a:t>Third level</a:t>
-            </a:r>
-          </a:p>
-          <a:p>
-            <a:pPr lvl="3"/>
-            <a:r>
-              <a:rPr lang="en-US"/>
-              <a:t>Fourth level</a:t>
-            </a:r>
-          </a:p>
-          <a:p>
-            <a:pPr lvl="4"/>
-            <a:r>
-              <a:rPr lang="en-US"/>
-              <a:t>Fifth level</a:t>
-            </a:r>
-            <a:endParaRPr lang="en-US" dirty="0"/>
-          </a:p>
-        </p:txBody>
-      </p:sp>
-      <p:sp>
-        <p:nvSpPr>
-          <p:cNvPr id="4" name="Date Placeholder 3"/>
-          <p:cNvSpPr>
-            <a:spLocks noGrp="1"/>
-          </p:cNvSpPr>
-          <p:nvPr>
-            <p:ph type="dt" sz="half" idx="10"/>
-          </p:nvPr>
-        </p:nvSpPr>
-        <p:spPr/>
-        <p:txBody>
-          <a:bodyPr/>
-          <a:lstStyle/>
-          <a:p>
-            <a:fld id="{3D2277E6-1886-452C-854D-DB4A9BB05FC1}" type="datetimeFigureOut">
-              <a:rPr lang="en-US" smtClean="0"/>
-              <a:t>13-Nov-18</a:t>
-            </a:fld>
-            <a:endParaRPr lang="en-US"/>
-          </a:p>
-        </p:txBody>
-      </p:sp>
-      <p:sp>
-        <p:nvSpPr>
-          <p:cNvPr id="5" name="Footer Placeholder 4"/>
-          <p:cNvSpPr>
-            <a:spLocks noGrp="1"/>
-          </p:cNvSpPr>
-          <p:nvPr>
-            <p:ph type="ftr" sz="quarter" idx="11"/>
-          </p:nvPr>
-        </p:nvSpPr>
-        <p:spPr/>
-        <p:txBody>
-          <a:bodyPr/>
-          <a:lstStyle/>
-          <a:p>
-            <a:endParaRPr lang="en-US"/>
-          </a:p>
-        </p:txBody>
-      </p:sp>
-      <p:sp>
-        <p:nvSpPr>
-          <p:cNvPr id="6" name="Slide Number Placeholder 5"/>
-          <p:cNvSpPr>
-            <a:spLocks noGrp="1"/>
-          </p:cNvSpPr>
-          <p:nvPr>
-            <p:ph type="sldNum" sz="quarter" idx="12"/>
-          </p:nvPr>
-        </p:nvSpPr>
-        <p:spPr/>
-        <p:txBody>
-          <a:bodyPr/>
-          <a:lstStyle/>
-          <a:p>
-            <a:fld id="{043B9436-2E4C-483D-BC67-D4CE7485150B}" type="slidenum">
-              <a:rPr lang="en-US" smtClean="0"/>
-              <a:t>‹#›</a:t>
-            </a:fld>
-            <a:endParaRPr lang="en-US"/>
-          </a:p>
-        </p:txBody>
-      </p:sp>
-    </p:spTree>
-    <p:extLst>
-      <p:ext uri="{BB962C8B-B14F-4D97-AF65-F5344CB8AC3E}">
-        <p14:creationId xmlns:p14="http://schemas.microsoft.com/office/powerpoint/2010/main" val="2909633025"/>
-      </p:ext>
-    </p:extLst>
-  </p:cSld>
-  <p:clrMapOvr>
-    <a:masterClrMapping/>
-  </p:clrMapOvr>
-</p:sldLayout>
-</file>
-
-<file path=ppt/slideLayouts/slideLayout3.xml><?xml version="1.0" encoding="utf-8"?>
-<p:sldLayout xmlns:a="http://schemas.openxmlformats.org/drawingml/2006/main" xmlns:r="http://schemas.openxmlformats.org/officeDocument/2006/relationships" xmlns:p="http://schemas.openxmlformats.org/presentationml/2006/main" type="secHead" preserve="1">
-  <p:cSld name="Section Header">
-    <p:spTree>
-      <p:nvGrpSpPr>
-        <p:cNvPr id="1" name=""/>
-        <p:cNvGrpSpPr/>
-        <p:nvPr/>
-      </p:nvGrpSpPr>
-      <p:grpSpPr>
-        <a:xfrm>
-          <a:off x="0" y="0"/>
-          <a:ext cx="0" cy="0"/>
-          <a:chOff x="0" y="0"/>
-          <a:chExt cx="0" cy="0"/>
-        </a:xfrm>
-      </p:grpSpPr>
-      <p:sp>
-        <p:nvSpPr>
-          <p:cNvPr id="2" name="Title 1">
-            <a:extLst>
-              <a:ext uri="{FF2B5EF4-FFF2-40B4-BE49-F238E27FC236}">
-                <a16:creationId xmlns:a16="http://schemas.microsoft.com/office/drawing/2014/main" id="{6241AE3B-149A-4376-8769-5F2AC959AAD3}"/>
-              </a:ext>
-            </a:extLst>
-          </p:cNvPr>
-          <p:cNvSpPr>
-            <a:spLocks noGrp="1"/>
-          </p:cNvSpPr>
-          <p:nvPr>
-            <p:ph type="title"/>
-          </p:nvPr>
-        </p:nvSpPr>
-        <p:spPr>
-          <a:xfrm>
-            <a:off x="831851" y="1709740"/>
-            <a:ext cx="10515600" cy="2852737"/>
-          </a:xfrm>
-        </p:spPr>
-        <p:txBody>
-          <a:bodyPr anchor="b"/>
-          <a:lstStyle>
-            <a:lvl1pPr>
-              <a:defRPr sz="4500"/>
-            </a:lvl1pPr>
-          </a:lstStyle>
-          <a:p>
-            <a:r>
-              <a:rPr lang="en-US"/>
-              <a:t>Click to edit Master title style</a:t>
-            </a:r>
-          </a:p>
-        </p:txBody>
-      </p:sp>
-      <p:sp>
-        <p:nvSpPr>
-          <p:cNvPr id="3" name="Text Placeholder 2">
-            <a:extLst>
-              <a:ext uri="{FF2B5EF4-FFF2-40B4-BE49-F238E27FC236}">
-                <a16:creationId xmlns:a16="http://schemas.microsoft.com/office/drawing/2014/main" id="{FD2FCC2C-24DB-4EFC-B3AA-33ABF21F925D}"/>
-              </a:ext>
-            </a:extLst>
-          </p:cNvPr>
-          <p:cNvSpPr>
-            <a:spLocks noGrp="1"/>
-          </p:cNvSpPr>
-          <p:nvPr>
-            <p:ph type="body" idx="1"/>
-          </p:nvPr>
-        </p:nvSpPr>
-        <p:spPr>
-          <a:xfrm>
-            <a:off x="831851" y="4589465"/>
-            <a:ext cx="10515600" cy="1500187"/>
-          </a:xfrm>
-        </p:spPr>
-        <p:txBody>
-          <a:bodyPr/>
-          <a:lstStyle>
-            <a:lvl1pPr marL="0" indent="0">
-              <a:buNone/>
-              <a:defRPr sz="1800">
-                <a:solidFill>
-                  <a:schemeClr val="tx1">
-                    <a:tint val="75000"/>
-                  </a:schemeClr>
-                </a:solidFill>
-              </a:defRPr>
-            </a:lvl1pPr>
-            <a:lvl2pPr marL="342900" indent="0">
-              <a:buNone/>
-              <a:defRPr sz="1500">
-                <a:solidFill>
-                  <a:schemeClr val="tx1">
-                    <a:tint val="75000"/>
-                  </a:schemeClr>
-                </a:solidFill>
-              </a:defRPr>
-            </a:lvl2pPr>
-            <a:lvl3pPr marL="685800" indent="0">
-              <a:buNone/>
-              <a:defRPr sz="1350">
-                <a:solidFill>
-                  <a:schemeClr val="tx1">
-                    <a:tint val="75000"/>
-                  </a:schemeClr>
-                </a:solidFill>
-              </a:defRPr>
-            </a:lvl3pPr>
-            <a:lvl4pPr marL="1028700" indent="0">
-              <a:buNone/>
-              <a:defRPr sz="1200">
-                <a:solidFill>
-                  <a:schemeClr val="tx1">
-                    <a:tint val="75000"/>
-                  </a:schemeClr>
-                </a:solidFill>
-              </a:defRPr>
-            </a:lvl4pPr>
-            <a:lvl5pPr marL="1371600" indent="0">
-              <a:buNone/>
-              <a:defRPr sz="1200">
-                <a:solidFill>
-                  <a:schemeClr val="tx1">
-                    <a:tint val="75000"/>
-                  </a:schemeClr>
-                </a:solidFill>
-              </a:defRPr>
-            </a:lvl5pPr>
-            <a:lvl6pPr marL="1714500" indent="0">
-              <a:buNone/>
-              <a:defRPr sz="1200">
-                <a:solidFill>
-                  <a:schemeClr val="tx1">
-                    <a:tint val="75000"/>
-                  </a:schemeClr>
-                </a:solidFill>
-              </a:defRPr>
-            </a:lvl6pPr>
-            <a:lvl7pPr marL="2057400" indent="0">
-              <a:buNone/>
-              <a:defRPr sz="1200">
-                <a:solidFill>
-                  <a:schemeClr val="tx1">
-                    <a:tint val="75000"/>
-                  </a:schemeClr>
-                </a:solidFill>
-              </a:defRPr>
-            </a:lvl7pPr>
-            <a:lvl8pPr marL="2400300" indent="0">
-              <a:buNone/>
-              <a:defRPr sz="1200">
-                <a:solidFill>
-                  <a:schemeClr val="tx1">
-                    <a:tint val="75000"/>
-                  </a:schemeClr>
-                </a:solidFill>
-              </a:defRPr>
-            </a:lvl8pPr>
-            <a:lvl9pPr marL="2743200" indent="0">
-              <a:buNone/>
-              <a:defRPr sz="1200">
-                <a:solidFill>
-                  <a:schemeClr val="tx1">
-                    <a:tint val="75000"/>
-                  </a:schemeClr>
-                </a:solidFill>
-              </a:defRPr>
-            </a:lvl9pPr>
-          </a:lstStyle>
-          <a:p>
-            <a:pPr lvl="0"/>
-            <a:r>
-              <a:rPr lang="en-US"/>
-              <a:t>Edit Master text styles</a:t>
-            </a:r>
-          </a:p>
-        </p:txBody>
-      </p:sp>
-      <p:sp>
-        <p:nvSpPr>
-          <p:cNvPr id="4" name="Date Placeholder 3">
-            <a:extLst>
-              <a:ext uri="{FF2B5EF4-FFF2-40B4-BE49-F238E27FC236}">
-                <a16:creationId xmlns:a16="http://schemas.microsoft.com/office/drawing/2014/main" id="{67C1B34F-A233-483F-A73F-D01337865AC4}"/>
-              </a:ext>
-            </a:extLst>
-          </p:cNvPr>
-          <p:cNvSpPr>
-            <a:spLocks noGrp="1"/>
-          </p:cNvSpPr>
-          <p:nvPr>
-            <p:ph type="dt" sz="half" idx="10"/>
-          </p:nvPr>
-        </p:nvSpPr>
-        <p:spPr/>
-        <p:txBody>
-          <a:bodyPr/>
-          <a:lstStyle/>
-          <a:p>
-            <a:fld id="{3D2277E6-1886-452C-854D-DB4A9BB05FC1}" type="datetimeFigureOut">
-              <a:rPr lang="en-US" smtClean="0"/>
-              <a:t>13-Nov-18</a:t>
-            </a:fld>
-            <a:endParaRPr lang="en-US"/>
-          </a:p>
-        </p:txBody>
-      </p:sp>
-      <p:sp>
-        <p:nvSpPr>
-          <p:cNvPr id="5" name="Footer Placeholder 4">
-            <a:extLst>
-              <a:ext uri="{FF2B5EF4-FFF2-40B4-BE49-F238E27FC236}">
-                <a16:creationId xmlns:a16="http://schemas.microsoft.com/office/drawing/2014/main" id="{65008A3C-466A-46EF-B4B8-76066F97E82F}"/>
-              </a:ext>
-            </a:extLst>
-          </p:cNvPr>
-          <p:cNvSpPr>
-            <a:spLocks noGrp="1"/>
-          </p:cNvSpPr>
-          <p:nvPr>
-            <p:ph type="ftr" sz="quarter" idx="11"/>
-          </p:nvPr>
-        </p:nvSpPr>
-        <p:spPr/>
-        <p:txBody>
-          <a:bodyPr/>
-          <a:lstStyle/>
-          <a:p>
-            <a:endParaRPr lang="en-US"/>
-          </a:p>
-        </p:txBody>
-      </p:sp>
-      <p:sp>
-        <p:nvSpPr>
-          <p:cNvPr id="6" name="Slide Number Placeholder 5">
-            <a:extLst>
-              <a:ext uri="{FF2B5EF4-FFF2-40B4-BE49-F238E27FC236}">
-                <a16:creationId xmlns:a16="http://schemas.microsoft.com/office/drawing/2014/main" id="{57834DE5-1A9F-4257-AD7F-AE94D5CAD46F}"/>
-              </a:ext>
-            </a:extLst>
-          </p:cNvPr>
-          <p:cNvSpPr>
-            <a:spLocks noGrp="1"/>
-          </p:cNvSpPr>
-          <p:nvPr>
-            <p:ph type="sldNum" sz="quarter" idx="12"/>
-          </p:nvPr>
-        </p:nvSpPr>
-        <p:spPr/>
-        <p:txBody>
-          <a:bodyPr/>
-          <a:lstStyle/>
-          <a:p>
-            <a:fld id="{043B9436-2E4C-483D-BC67-D4CE7485150B}" type="slidenum">
-              <a:rPr lang="en-US" smtClean="0"/>
-              <a:t>‹#›</a:t>
-            </a:fld>
-            <a:endParaRPr lang="en-US"/>
-          </a:p>
-        </p:txBody>
-      </p:sp>
-    </p:spTree>
-    <p:extLst>
-      <p:ext uri="{BB962C8B-B14F-4D97-AF65-F5344CB8AC3E}">
-        <p14:creationId xmlns:p14="http://schemas.microsoft.com/office/powerpoint/2010/main" val="2891846373"/>
-      </p:ext>
-    </p:extLst>
-  </p:cSld>
-  <p:clrMapOvr>
-    <a:masterClrMapping/>
-  </p:clrMapOvr>
-</p:sldLayout>
-</file>
-
-<file path=ppt/slideLayouts/slideLayout4.xml><?xml version="1.0" encoding="utf-8"?>
-<p:sldLayout xmlns:a="http://schemas.openxmlformats.org/drawingml/2006/main" xmlns:r="http://schemas.openxmlformats.org/officeDocument/2006/relationships" xmlns:p="http://schemas.openxmlformats.org/presentationml/2006/main" type="twoObj" preserve="1">
-  <p:cSld name="Two Content">
-    <p:spTree>
-      <p:nvGrpSpPr>
-        <p:cNvPr id="1" name=""/>
-        <p:cNvGrpSpPr/>
-        <p:nvPr/>
-      </p:nvGrpSpPr>
-      <p:grpSpPr>
-        <a:xfrm>
-          <a:off x="0" y="0"/>
-          <a:ext cx="0" cy="0"/>
-          <a:chOff x="0" y="0"/>
-          <a:chExt cx="0" cy="0"/>
-        </a:xfrm>
-      </p:grpSpPr>
-      <p:sp>
-        <p:nvSpPr>
-          <p:cNvPr id="2" name="Title 1">
-            <a:extLst>
-              <a:ext uri="{FF2B5EF4-FFF2-40B4-BE49-F238E27FC236}">
-                <a16:creationId xmlns:a16="http://schemas.microsoft.com/office/drawing/2014/main" id="{544056CF-1008-4067-B867-5397B478E128}"/>
-              </a:ext>
-            </a:extLst>
-          </p:cNvPr>
-          <p:cNvSpPr>
-            <a:spLocks noGrp="1"/>
-          </p:cNvSpPr>
-          <p:nvPr>
-            <p:ph type="title"/>
-          </p:nvPr>
-        </p:nvSpPr>
-        <p:spPr/>
-        <p:txBody>
-          <a:bodyPr/>
-          <a:lstStyle/>
-          <a:p>
-            <a:r>
-              <a:rPr lang="en-US"/>
-              <a:t>Click to edit Master title style</a:t>
-            </a:r>
-          </a:p>
-        </p:txBody>
-      </p:sp>
-      <p:sp>
-        <p:nvSpPr>
-          <p:cNvPr id="3" name="Content Placeholder 2">
-            <a:extLst>
-              <a:ext uri="{FF2B5EF4-FFF2-40B4-BE49-F238E27FC236}">
-                <a16:creationId xmlns:a16="http://schemas.microsoft.com/office/drawing/2014/main" id="{865C8DB4-9DE4-4C27-9286-A6CD12C092B4}"/>
-              </a:ext>
-            </a:extLst>
-          </p:cNvPr>
-          <p:cNvSpPr>
-            <a:spLocks noGrp="1"/>
-          </p:cNvSpPr>
-          <p:nvPr>
-            <p:ph sz="half" idx="1"/>
-          </p:nvPr>
-        </p:nvSpPr>
-        <p:spPr>
-          <a:xfrm>
-            <a:off x="838200" y="1825625"/>
-            <a:ext cx="5181600" cy="4351338"/>
-          </a:xfrm>
-        </p:spPr>
-        <p:txBody>
-          <a:bodyPr/>
-          <a:lstStyle/>
-          <a:p>
-            <a:pPr lvl="0"/>
-            <a:r>
-              <a:rPr lang="en-US"/>
-              <a:t>Edit Master text styles</a:t>
-            </a:r>
-          </a:p>
-          <a:p>
-            <a:pPr lvl="1"/>
-            <a:r>
-              <a:rPr lang="en-US"/>
-              <a:t>Second level</a:t>
-            </a:r>
-          </a:p>
-          <a:p>
-            <a:pPr lvl="2"/>
-            <a:r>
-              <a:rPr lang="en-US"/>
-              <a:t>Third level</a:t>
-            </a:r>
-          </a:p>
-          <a:p>
-            <a:pPr lvl="3"/>
-            <a:r>
-              <a:rPr lang="en-US"/>
-              <a:t>Fourth level</a:t>
-            </a:r>
-          </a:p>
-          <a:p>
-            <a:pPr lvl="4"/>
-            <a:r>
-              <a:rPr lang="en-US"/>
-              <a:t>Fifth level</a:t>
-            </a:r>
-          </a:p>
-        </p:txBody>
-      </p:sp>
-      <p:sp>
-        <p:nvSpPr>
-          <p:cNvPr id="4" name="Content Placeholder 3">
-            <a:extLst>
-              <a:ext uri="{FF2B5EF4-FFF2-40B4-BE49-F238E27FC236}">
-                <a16:creationId xmlns:a16="http://schemas.microsoft.com/office/drawing/2014/main" id="{D3D6D7D3-87C1-4B29-B738-9E6BCC590F5E}"/>
-              </a:ext>
-            </a:extLst>
-          </p:cNvPr>
-          <p:cNvSpPr>
-            <a:spLocks noGrp="1"/>
-          </p:cNvSpPr>
-          <p:nvPr>
-            <p:ph sz="half" idx="2"/>
-          </p:nvPr>
-        </p:nvSpPr>
-        <p:spPr>
-          <a:xfrm>
-            <a:off x="6172200" y="1825625"/>
-            <a:ext cx="5181600" cy="4351338"/>
-          </a:xfrm>
-        </p:spPr>
-        <p:txBody>
-          <a:bodyPr/>
-          <a:lstStyle/>
-          <a:p>
-            <a:pPr lvl="0"/>
-            <a:r>
-              <a:rPr lang="en-US"/>
-              <a:t>Edit Master text styles</a:t>
-            </a:r>
-          </a:p>
-          <a:p>
-            <a:pPr lvl="1"/>
-            <a:r>
-              <a:rPr lang="en-US"/>
-              <a:t>Second level</a:t>
-            </a:r>
-          </a:p>
-          <a:p>
-            <a:pPr lvl="2"/>
-            <a:r>
-              <a:rPr lang="en-US"/>
-              <a:t>Third level</a:t>
-            </a:r>
-          </a:p>
-          <a:p>
-            <a:pPr lvl="3"/>
-            <a:r>
-              <a:rPr lang="en-US"/>
-              <a:t>Fourth level</a:t>
-            </a:r>
-          </a:p>
-          <a:p>
-            <a:pPr lvl="4"/>
-            <a:r>
-              <a:rPr lang="en-US"/>
-              <a:t>Fifth level</a:t>
-            </a:r>
-          </a:p>
-        </p:txBody>
-      </p:sp>
-      <p:sp>
-        <p:nvSpPr>
-          <p:cNvPr id="5" name="Date Placeholder 4">
-            <a:extLst>
-              <a:ext uri="{FF2B5EF4-FFF2-40B4-BE49-F238E27FC236}">
-                <a16:creationId xmlns:a16="http://schemas.microsoft.com/office/drawing/2014/main" id="{44834423-7BB7-4361-803A-BCB67D3321D1}"/>
-              </a:ext>
-            </a:extLst>
-          </p:cNvPr>
-          <p:cNvSpPr>
-            <a:spLocks noGrp="1"/>
-          </p:cNvSpPr>
-          <p:nvPr>
-            <p:ph type="dt" sz="half" idx="10"/>
-          </p:nvPr>
-        </p:nvSpPr>
-        <p:spPr/>
-        <p:txBody>
-          <a:bodyPr/>
-          <a:lstStyle/>
-          <a:p>
-            <a:fld id="{3D2277E6-1886-452C-854D-DB4A9BB05FC1}" type="datetimeFigureOut">
-              <a:rPr lang="en-US" smtClean="0"/>
-              <a:t>13-Nov-18</a:t>
-            </a:fld>
-            <a:endParaRPr lang="en-US"/>
-          </a:p>
-        </p:txBody>
-      </p:sp>
-      <p:sp>
-        <p:nvSpPr>
-          <p:cNvPr id="6" name="Footer Placeholder 5">
-            <a:extLst>
-              <a:ext uri="{FF2B5EF4-FFF2-40B4-BE49-F238E27FC236}">
-                <a16:creationId xmlns:a16="http://schemas.microsoft.com/office/drawing/2014/main" id="{F9853793-4206-4D4E-B52F-D7DE96C20717}"/>
-              </a:ext>
-            </a:extLst>
-          </p:cNvPr>
-          <p:cNvSpPr>
-            <a:spLocks noGrp="1"/>
-          </p:cNvSpPr>
-          <p:nvPr>
-            <p:ph type="ftr" sz="quarter" idx="11"/>
-          </p:nvPr>
-        </p:nvSpPr>
-        <p:spPr/>
-        <p:txBody>
-          <a:bodyPr/>
-          <a:lstStyle/>
-          <a:p>
-            <a:endParaRPr lang="en-US"/>
-          </a:p>
-        </p:txBody>
-      </p:sp>
-      <p:sp>
-        <p:nvSpPr>
-          <p:cNvPr id="7" name="Slide Number Placeholder 6">
-            <a:extLst>
-              <a:ext uri="{FF2B5EF4-FFF2-40B4-BE49-F238E27FC236}">
-                <a16:creationId xmlns:a16="http://schemas.microsoft.com/office/drawing/2014/main" id="{97390BCC-F131-4184-B5D5-8A23E74AA69C}"/>
-              </a:ext>
-            </a:extLst>
-          </p:cNvPr>
-          <p:cNvSpPr>
-            <a:spLocks noGrp="1"/>
-          </p:cNvSpPr>
-          <p:nvPr>
-            <p:ph type="sldNum" sz="quarter" idx="12"/>
-          </p:nvPr>
-        </p:nvSpPr>
-        <p:spPr/>
-        <p:txBody>
-          <a:bodyPr/>
-          <a:lstStyle/>
-          <a:p>
-            <a:fld id="{043B9436-2E4C-483D-BC67-D4CE7485150B}" type="slidenum">
-              <a:rPr lang="en-US" smtClean="0"/>
-              <a:t>‹#›</a:t>
-            </a:fld>
-            <a:endParaRPr lang="en-US"/>
-          </a:p>
-        </p:txBody>
-      </p:sp>
-    </p:spTree>
-    <p:extLst>
-      <p:ext uri="{BB962C8B-B14F-4D97-AF65-F5344CB8AC3E}">
-        <p14:creationId xmlns:p14="http://schemas.microsoft.com/office/powerpoint/2010/main" val="4105581185"/>
-      </p:ext>
-    </p:extLst>
-  </p:cSld>
-  <p:clrMapOvr>
-    <a:masterClrMapping/>
-  </p:clrMapOvr>
-</p:sldLayout>
-</file>
-
-<file path=ppt/slideLayouts/slideLayout5.xml><?xml version="1.0" encoding="utf-8"?>
-<p:sldLayout xmlns:a="http://schemas.openxmlformats.org/drawingml/2006/main" xmlns:r="http://schemas.openxmlformats.org/officeDocument/2006/relationships" xmlns:p="http://schemas.openxmlformats.org/presentationml/2006/main" type="twoTxTwoObj" preserve="1">
-  <p:cSld name="Comparison">
-    <p:spTree>
-      <p:nvGrpSpPr>
-        <p:cNvPr id="1" name=""/>
-        <p:cNvGrpSpPr/>
-        <p:nvPr/>
-      </p:nvGrpSpPr>
-      <p:grpSpPr>
-        <a:xfrm>
-          <a:off x="0" y="0"/>
-          <a:ext cx="0" cy="0"/>
-          <a:chOff x="0" y="0"/>
-          <a:chExt cx="0" cy="0"/>
-        </a:xfrm>
-      </p:grpSpPr>
-      <p:sp>
-        <p:nvSpPr>
-          <p:cNvPr id="2" name="Title 1">
-            <a:extLst>
-              <a:ext uri="{FF2B5EF4-FFF2-40B4-BE49-F238E27FC236}">
-                <a16:creationId xmlns:a16="http://schemas.microsoft.com/office/drawing/2014/main" id="{02E55C72-042F-4355-9070-9F3B9B7B74C9}"/>
-              </a:ext>
-            </a:extLst>
-          </p:cNvPr>
-          <p:cNvSpPr>
-            <a:spLocks noGrp="1"/>
-          </p:cNvSpPr>
-          <p:nvPr>
-            <p:ph type="title"/>
-          </p:nvPr>
-        </p:nvSpPr>
-        <p:spPr>
-          <a:xfrm>
-            <a:off x="839788" y="365127"/>
-            <a:ext cx="10515600" cy="1325563"/>
-          </a:xfrm>
-        </p:spPr>
-        <p:txBody>
-          <a:bodyPr/>
-          <a:lstStyle/>
-          <a:p>
-            <a:r>
-              <a:rPr lang="en-US"/>
-              <a:t>Click to edit Master title style</a:t>
-            </a:r>
-          </a:p>
-        </p:txBody>
-      </p:sp>
-      <p:sp>
-        <p:nvSpPr>
-          <p:cNvPr id="3" name="Text Placeholder 2">
-            <a:extLst>
-              <a:ext uri="{FF2B5EF4-FFF2-40B4-BE49-F238E27FC236}">
-                <a16:creationId xmlns:a16="http://schemas.microsoft.com/office/drawing/2014/main" id="{1BA8C787-2214-400A-9072-11F25AF9D840}"/>
-              </a:ext>
-            </a:extLst>
-          </p:cNvPr>
-          <p:cNvSpPr>
-            <a:spLocks noGrp="1"/>
-          </p:cNvSpPr>
-          <p:nvPr>
-            <p:ph type="body" idx="1"/>
-          </p:nvPr>
-        </p:nvSpPr>
-        <p:spPr>
-          <a:xfrm>
-            <a:off x="839789" y="1681163"/>
-            <a:ext cx="5157787" cy="823912"/>
-          </a:xfrm>
-        </p:spPr>
-        <p:txBody>
-          <a:bodyPr anchor="b"/>
-          <a:lstStyle>
-            <a:lvl1pPr marL="0" indent="0">
-              <a:buNone/>
-              <a:defRPr sz="1800" b="1"/>
-            </a:lvl1pPr>
-            <a:lvl2pPr marL="342900" indent="0">
-              <a:buNone/>
-              <a:defRPr sz="1500" b="1"/>
-            </a:lvl2pPr>
-            <a:lvl3pPr marL="685800" indent="0">
-              <a:buNone/>
-              <a:defRPr sz="1350" b="1"/>
-            </a:lvl3pPr>
-            <a:lvl4pPr marL="1028700" indent="0">
-              <a:buNone/>
-              <a:defRPr sz="1200" b="1"/>
-            </a:lvl4pPr>
-            <a:lvl5pPr marL="1371600" indent="0">
-              <a:buNone/>
-              <a:defRPr sz="1200" b="1"/>
-            </a:lvl5pPr>
-            <a:lvl6pPr marL="1714500" indent="0">
-              <a:buNone/>
-              <a:defRPr sz="1200" b="1"/>
-            </a:lvl6pPr>
-            <a:lvl7pPr marL="2057400" indent="0">
-              <a:buNone/>
-              <a:defRPr sz="1200" b="1"/>
-            </a:lvl7pPr>
-            <a:lvl8pPr marL="2400300" indent="0">
-              <a:buNone/>
-              <a:defRPr sz="1200" b="1"/>
-            </a:lvl8pPr>
-            <a:lvl9pPr marL="2743200" indent="0">
-              <a:buNone/>
-              <a:defRPr sz="1200" b="1"/>
-            </a:lvl9pPr>
-          </a:lstStyle>
-          <a:p>
-            <a:pPr lvl="0"/>
-            <a:r>
-              <a:rPr lang="en-US"/>
-              <a:t>Edit Master text styles</a:t>
-            </a:r>
-          </a:p>
-        </p:txBody>
-      </p:sp>
-      <p:sp>
-        <p:nvSpPr>
-          <p:cNvPr id="4" name="Content Placeholder 3">
-            <a:extLst>
-              <a:ext uri="{FF2B5EF4-FFF2-40B4-BE49-F238E27FC236}">
-                <a16:creationId xmlns:a16="http://schemas.microsoft.com/office/drawing/2014/main" id="{B344C656-8AED-4B66-9CB2-0EE4502DC60A}"/>
-              </a:ext>
-            </a:extLst>
-          </p:cNvPr>
-          <p:cNvSpPr>
-            <a:spLocks noGrp="1"/>
-          </p:cNvSpPr>
-          <p:nvPr>
-            <p:ph sz="half" idx="2"/>
-          </p:nvPr>
-        </p:nvSpPr>
-        <p:spPr>
-          <a:xfrm>
-            <a:off x="839789" y="2505075"/>
-            <a:ext cx="5157787" cy="3684588"/>
-          </a:xfrm>
-        </p:spPr>
-        <p:txBody>
-          <a:bodyPr/>
-          <a:lstStyle/>
-          <a:p>
-            <a:pPr lvl="0"/>
-            <a:r>
-              <a:rPr lang="en-US"/>
-              <a:t>Edit Master text styles</a:t>
-            </a:r>
-          </a:p>
-          <a:p>
-            <a:pPr lvl="1"/>
-            <a:r>
-              <a:rPr lang="en-US"/>
-              <a:t>Second level</a:t>
-            </a:r>
-          </a:p>
-          <a:p>
-            <a:pPr lvl="2"/>
-            <a:r>
-              <a:rPr lang="en-US"/>
-              <a:t>Third level</a:t>
-            </a:r>
-          </a:p>
-          <a:p>
-            <a:pPr lvl="3"/>
-            <a:r>
-              <a:rPr lang="en-US"/>
-              <a:t>Fourth level</a:t>
-            </a:r>
-          </a:p>
-          <a:p>
-            <a:pPr lvl="4"/>
-            <a:r>
-              <a:rPr lang="en-US"/>
-              <a:t>Fifth level</a:t>
-            </a:r>
-          </a:p>
-        </p:txBody>
-      </p:sp>
-      <p:sp>
-        <p:nvSpPr>
-          <p:cNvPr id="5" name="Text Placeholder 4">
-            <a:extLst>
-              <a:ext uri="{FF2B5EF4-FFF2-40B4-BE49-F238E27FC236}">
-                <a16:creationId xmlns:a16="http://schemas.microsoft.com/office/drawing/2014/main" id="{F2C34B01-9D75-4872-9DAA-8F518F0FCF26}"/>
-              </a:ext>
-            </a:extLst>
-          </p:cNvPr>
-          <p:cNvSpPr>
-            <a:spLocks noGrp="1"/>
-          </p:cNvSpPr>
-          <p:nvPr>
-            <p:ph type="body" sz="quarter" idx="3"/>
-          </p:nvPr>
-        </p:nvSpPr>
-        <p:spPr>
-          <a:xfrm>
-            <a:off x="6172201" y="1681163"/>
-            <a:ext cx="5183188" cy="823912"/>
-          </a:xfrm>
-        </p:spPr>
-        <p:txBody>
-          <a:bodyPr anchor="b"/>
-          <a:lstStyle>
-            <a:lvl1pPr marL="0" indent="0">
-              <a:buNone/>
-              <a:defRPr sz="1800" b="1"/>
-            </a:lvl1pPr>
-            <a:lvl2pPr marL="342900" indent="0">
-              <a:buNone/>
-              <a:defRPr sz="1500" b="1"/>
-            </a:lvl2pPr>
-            <a:lvl3pPr marL="685800" indent="0">
-              <a:buNone/>
-              <a:defRPr sz="1350" b="1"/>
-            </a:lvl3pPr>
-            <a:lvl4pPr marL="1028700" indent="0">
-              <a:buNone/>
-              <a:defRPr sz="1200" b="1"/>
-            </a:lvl4pPr>
-            <a:lvl5pPr marL="1371600" indent="0">
-              <a:buNone/>
-              <a:defRPr sz="1200" b="1"/>
-            </a:lvl5pPr>
-            <a:lvl6pPr marL="1714500" indent="0">
-              <a:buNone/>
-              <a:defRPr sz="1200" b="1"/>
-            </a:lvl6pPr>
-            <a:lvl7pPr marL="2057400" indent="0">
-              <a:buNone/>
-              <a:defRPr sz="1200" b="1"/>
-            </a:lvl7pPr>
-            <a:lvl8pPr marL="2400300" indent="0">
-              <a:buNone/>
-              <a:defRPr sz="1200" b="1"/>
-            </a:lvl8pPr>
-            <a:lvl9pPr marL="2743200" indent="0">
-              <a:buNone/>
-              <a:defRPr sz="1200" b="1"/>
-            </a:lvl9pPr>
-          </a:lstStyle>
-          <a:p>
-            <a:pPr lvl="0"/>
-            <a:r>
-              <a:rPr lang="en-US"/>
-              <a:t>Edit Master text styles</a:t>
-            </a:r>
-          </a:p>
-        </p:txBody>
-      </p:sp>
-      <p:sp>
-        <p:nvSpPr>
-          <p:cNvPr id="6" name="Content Placeholder 5">
-            <a:extLst>
-              <a:ext uri="{FF2B5EF4-FFF2-40B4-BE49-F238E27FC236}">
-                <a16:creationId xmlns:a16="http://schemas.microsoft.com/office/drawing/2014/main" id="{56326AE0-2803-4273-A1A6-BFF46DA84AB3}"/>
-              </a:ext>
-            </a:extLst>
-          </p:cNvPr>
-          <p:cNvSpPr>
-            <a:spLocks noGrp="1"/>
-          </p:cNvSpPr>
-          <p:nvPr>
-            <p:ph sz="quarter" idx="4"/>
-          </p:nvPr>
-        </p:nvSpPr>
-        <p:spPr>
-          <a:xfrm>
-            <a:off x="6172201" y="2505075"/>
-            <a:ext cx="5183188" cy="3684588"/>
-          </a:xfrm>
-        </p:spPr>
-        <p:txBody>
-          <a:bodyPr/>
-          <a:lstStyle/>
-          <a:p>
-            <a:pPr lvl="0"/>
-            <a:r>
-              <a:rPr lang="en-US"/>
-              <a:t>Edit Master text styles</a:t>
-            </a:r>
-          </a:p>
-          <a:p>
-            <a:pPr lvl="1"/>
-            <a:r>
-              <a:rPr lang="en-US"/>
-              <a:t>Second level</a:t>
-            </a:r>
-          </a:p>
-          <a:p>
-            <a:pPr lvl="2"/>
-            <a:r>
-              <a:rPr lang="en-US"/>
-              <a:t>Third level</a:t>
-            </a:r>
-          </a:p>
-          <a:p>
-            <a:pPr lvl="3"/>
-            <a:r>
-              <a:rPr lang="en-US"/>
-              <a:t>Fourth level</a:t>
-            </a:r>
-          </a:p>
-          <a:p>
-            <a:pPr lvl="4"/>
-            <a:r>
-              <a:rPr lang="en-US"/>
-              <a:t>Fifth level</a:t>
-            </a:r>
-          </a:p>
-        </p:txBody>
-      </p:sp>
-      <p:sp>
-        <p:nvSpPr>
-          <p:cNvPr id="7" name="Date Placeholder 6">
-            <a:extLst>
-              <a:ext uri="{FF2B5EF4-FFF2-40B4-BE49-F238E27FC236}">
-                <a16:creationId xmlns:a16="http://schemas.microsoft.com/office/drawing/2014/main" id="{38DA7A13-8197-417B-A767-102BDC74123B}"/>
-              </a:ext>
-            </a:extLst>
-          </p:cNvPr>
-          <p:cNvSpPr>
-            <a:spLocks noGrp="1"/>
-          </p:cNvSpPr>
-          <p:nvPr>
-            <p:ph type="dt" sz="half" idx="10"/>
-          </p:nvPr>
-        </p:nvSpPr>
-        <p:spPr/>
-        <p:txBody>
-          <a:bodyPr/>
-          <a:lstStyle/>
-          <a:p>
-            <a:fld id="{3D2277E6-1886-452C-854D-DB4A9BB05FC1}" type="datetimeFigureOut">
-              <a:rPr lang="en-US" smtClean="0"/>
-              <a:t>13-Nov-18</a:t>
-            </a:fld>
-            <a:endParaRPr lang="en-US"/>
-          </a:p>
-        </p:txBody>
-      </p:sp>
-      <p:sp>
-        <p:nvSpPr>
-          <p:cNvPr id="8" name="Footer Placeholder 7">
-            <a:extLst>
-              <a:ext uri="{FF2B5EF4-FFF2-40B4-BE49-F238E27FC236}">
-                <a16:creationId xmlns:a16="http://schemas.microsoft.com/office/drawing/2014/main" id="{19E6B884-914C-4D19-89D6-8899B2F38CE3}"/>
-              </a:ext>
-            </a:extLst>
-          </p:cNvPr>
-          <p:cNvSpPr>
-            <a:spLocks noGrp="1"/>
-          </p:cNvSpPr>
-          <p:nvPr>
-            <p:ph type="ftr" sz="quarter" idx="11"/>
-          </p:nvPr>
-        </p:nvSpPr>
-        <p:spPr/>
-        <p:txBody>
-          <a:bodyPr/>
-          <a:lstStyle/>
-          <a:p>
-            <a:endParaRPr lang="en-US"/>
-          </a:p>
-        </p:txBody>
-      </p:sp>
-      <p:sp>
-        <p:nvSpPr>
-          <p:cNvPr id="9" name="Slide Number Placeholder 8">
-            <a:extLst>
-              <a:ext uri="{FF2B5EF4-FFF2-40B4-BE49-F238E27FC236}">
-                <a16:creationId xmlns:a16="http://schemas.microsoft.com/office/drawing/2014/main" id="{EA11E342-7D32-4A9D-89E2-03655480F3B4}"/>
-              </a:ext>
-            </a:extLst>
-          </p:cNvPr>
-          <p:cNvSpPr>
-            <a:spLocks noGrp="1"/>
-          </p:cNvSpPr>
-          <p:nvPr>
-            <p:ph type="sldNum" sz="quarter" idx="12"/>
-          </p:nvPr>
-        </p:nvSpPr>
-        <p:spPr/>
-        <p:txBody>
-          <a:bodyPr/>
-          <a:lstStyle/>
-          <a:p>
-            <a:fld id="{043B9436-2E4C-483D-BC67-D4CE7485150B}" type="slidenum">
-              <a:rPr lang="en-US" smtClean="0"/>
-              <a:t>‹#›</a:t>
-            </a:fld>
-            <a:endParaRPr lang="en-US"/>
-          </a:p>
-        </p:txBody>
-      </p:sp>
-    </p:spTree>
-    <p:extLst>
-      <p:ext uri="{BB962C8B-B14F-4D97-AF65-F5344CB8AC3E}">
-        <p14:creationId xmlns:p14="http://schemas.microsoft.com/office/powerpoint/2010/main" val="2632877586"/>
-      </p:ext>
-    </p:extLst>
-  </p:cSld>
-  <p:clrMapOvr>
-    <a:masterClrMapping/>
-  </p:clrMapOvr>
-</p:sldLayout>
-</file>
-
-<file path=ppt/slideLayouts/slideLayout6.xml><?xml version="1.0" encoding="utf-8"?>
-<p:sldLayout xmlns:a="http://schemas.openxmlformats.org/drawingml/2006/main" xmlns:r="http://schemas.openxmlformats.org/officeDocument/2006/relationships" xmlns:p="http://schemas.openxmlformats.org/presentationml/2006/main" type="titleOnly" preserve="1">
-  <p:cSld name="Title Only">
-    <p:spTree>
-      <p:nvGrpSpPr>
-        <p:cNvPr id="1" name=""/>
-        <p:cNvGrpSpPr/>
-        <p:nvPr/>
-      </p:nvGrpSpPr>
-      <p:grpSpPr>
-        <a:xfrm>
-          <a:off x="0" y="0"/>
-          <a:ext cx="0" cy="0"/>
-          <a:chOff x="0" y="0"/>
-          <a:chExt cx="0" cy="0"/>
-        </a:xfrm>
-      </p:grpSpPr>
-      <p:sp>
-        <p:nvSpPr>
-          <p:cNvPr id="2" name="Title 1">
-            <a:extLst>
-              <a:ext uri="{FF2B5EF4-FFF2-40B4-BE49-F238E27FC236}">
-                <a16:creationId xmlns:a16="http://schemas.microsoft.com/office/drawing/2014/main" id="{40AE4B82-3F23-4B8B-B2ED-95AF381AF36B}"/>
-              </a:ext>
-            </a:extLst>
-          </p:cNvPr>
-          <p:cNvSpPr>
-            <a:spLocks noGrp="1"/>
-          </p:cNvSpPr>
-          <p:nvPr>
-            <p:ph type="title"/>
-          </p:nvPr>
-        </p:nvSpPr>
-        <p:spPr/>
-        <p:txBody>
-          <a:bodyPr/>
-          <a:lstStyle/>
-          <a:p>
-            <a:r>
-              <a:rPr lang="en-US"/>
-              <a:t>Click to edit Master title style</a:t>
-            </a:r>
-          </a:p>
-        </p:txBody>
-      </p:sp>
-      <p:sp>
-        <p:nvSpPr>
-          <p:cNvPr id="3" name="Date Placeholder 2">
-            <a:extLst>
-              <a:ext uri="{FF2B5EF4-FFF2-40B4-BE49-F238E27FC236}">
-                <a16:creationId xmlns:a16="http://schemas.microsoft.com/office/drawing/2014/main" id="{DE0B0BC5-CB21-4D96-8289-F8D9540EF1EB}"/>
-              </a:ext>
-            </a:extLst>
-          </p:cNvPr>
-          <p:cNvSpPr>
-            <a:spLocks noGrp="1"/>
-          </p:cNvSpPr>
-          <p:nvPr>
-            <p:ph type="dt" sz="half" idx="10"/>
-          </p:nvPr>
-        </p:nvSpPr>
-        <p:spPr/>
-        <p:txBody>
-          <a:bodyPr/>
-          <a:lstStyle/>
-          <a:p>
-            <a:fld id="{3D2277E6-1886-452C-854D-DB4A9BB05FC1}" type="datetimeFigureOut">
-              <a:rPr lang="en-US" smtClean="0"/>
-              <a:t>13-Nov-18</a:t>
-            </a:fld>
-            <a:endParaRPr lang="en-US"/>
-          </a:p>
-        </p:txBody>
-      </p:sp>
-      <p:sp>
-        <p:nvSpPr>
-          <p:cNvPr id="4" name="Footer Placeholder 3">
-            <a:extLst>
-              <a:ext uri="{FF2B5EF4-FFF2-40B4-BE49-F238E27FC236}">
-                <a16:creationId xmlns:a16="http://schemas.microsoft.com/office/drawing/2014/main" id="{E4DD2B5B-5AB1-4D72-BBC6-D10E9027C814}"/>
-              </a:ext>
-            </a:extLst>
-          </p:cNvPr>
-          <p:cNvSpPr>
-            <a:spLocks noGrp="1"/>
-          </p:cNvSpPr>
-          <p:nvPr>
-            <p:ph type="ftr" sz="quarter" idx="11"/>
-          </p:nvPr>
-        </p:nvSpPr>
-        <p:spPr/>
-        <p:txBody>
-          <a:bodyPr/>
-          <a:lstStyle/>
-          <a:p>
-            <a:endParaRPr lang="en-US"/>
-          </a:p>
-        </p:txBody>
-      </p:sp>
-      <p:sp>
-        <p:nvSpPr>
-          <p:cNvPr id="5" name="Slide Number Placeholder 4">
-            <a:extLst>
-              <a:ext uri="{FF2B5EF4-FFF2-40B4-BE49-F238E27FC236}">
-                <a16:creationId xmlns:a16="http://schemas.microsoft.com/office/drawing/2014/main" id="{07643889-58C5-4A2C-880C-A5FAF8F7C915}"/>
-              </a:ext>
-            </a:extLst>
-          </p:cNvPr>
-          <p:cNvSpPr>
-            <a:spLocks noGrp="1"/>
-          </p:cNvSpPr>
-          <p:nvPr>
-            <p:ph type="sldNum" sz="quarter" idx="12"/>
-          </p:nvPr>
-        </p:nvSpPr>
-        <p:spPr/>
-        <p:txBody>
-          <a:bodyPr/>
-          <a:lstStyle/>
-          <a:p>
-            <a:fld id="{043B9436-2E4C-483D-BC67-D4CE7485150B}" type="slidenum">
-              <a:rPr lang="en-US" smtClean="0"/>
-              <a:t>‹#›</a:t>
-            </a:fld>
-            <a:endParaRPr lang="en-US"/>
-          </a:p>
-        </p:txBody>
-      </p:sp>
-    </p:spTree>
-    <p:extLst>
-      <p:ext uri="{BB962C8B-B14F-4D97-AF65-F5344CB8AC3E}">
-        <p14:creationId xmlns:p14="http://schemas.microsoft.com/office/powerpoint/2010/main" val="1616588528"/>
-      </p:ext>
-    </p:extLst>
-  </p:cSld>
-  <p:clrMapOvr>
-    <a:masterClrMapping/>
-  </p:clrMapOvr>
-</p:sldLayout>
-</file>
-
-<file path=ppt/slideLayouts/slideLayout7.xml><?xml version="1.0" encoding="utf-8"?>
-<p:sldLayout xmlns:a="http://schemas.openxmlformats.org/drawingml/2006/main" xmlns:r="http://schemas.openxmlformats.org/officeDocument/2006/relationships" xmlns:p="http://schemas.openxmlformats.org/presentationml/2006/main" type="blank" preserve="1">
-  <p:cSld name="Blank">
-    <p:spTree>
-      <p:nvGrpSpPr>
-        <p:cNvPr id="1" name=""/>
-        <p:cNvGrpSpPr/>
-        <p:nvPr/>
-      </p:nvGrpSpPr>
-      <p:grpSpPr>
-        <a:xfrm>
-          <a:off x="0" y="0"/>
-          <a:ext cx="0" cy="0"/>
-          <a:chOff x="0" y="0"/>
-          <a:chExt cx="0" cy="0"/>
-        </a:xfrm>
-      </p:grpSpPr>
-      <p:sp>
-        <p:nvSpPr>
-          <p:cNvPr id="2" name="Date Placeholder 1">
-            <a:extLst>
-              <a:ext uri="{FF2B5EF4-FFF2-40B4-BE49-F238E27FC236}">
-                <a16:creationId xmlns:a16="http://schemas.microsoft.com/office/drawing/2014/main" id="{2B818810-2937-4246-A436-5C98CE308510}"/>
-              </a:ext>
-            </a:extLst>
-          </p:cNvPr>
-          <p:cNvSpPr>
-            <a:spLocks noGrp="1"/>
-          </p:cNvSpPr>
-          <p:nvPr>
-            <p:ph type="dt" sz="half" idx="10"/>
-          </p:nvPr>
-        </p:nvSpPr>
-        <p:spPr/>
-        <p:txBody>
-          <a:bodyPr/>
-          <a:lstStyle/>
-          <a:p>
-            <a:fld id="{3D2277E6-1886-452C-854D-DB4A9BB05FC1}" type="datetimeFigureOut">
-              <a:rPr lang="en-US" smtClean="0"/>
-              <a:t>13-Nov-18</a:t>
-            </a:fld>
-            <a:endParaRPr lang="en-US"/>
-          </a:p>
-        </p:txBody>
-      </p:sp>
-      <p:sp>
-        <p:nvSpPr>
-          <p:cNvPr id="3" name="Footer Placeholder 2">
-            <a:extLst>
-              <a:ext uri="{FF2B5EF4-FFF2-40B4-BE49-F238E27FC236}">
-                <a16:creationId xmlns:a16="http://schemas.microsoft.com/office/drawing/2014/main" id="{2AAD2818-A446-48C6-9F49-744B5FE4F5E0}"/>
-              </a:ext>
-            </a:extLst>
-          </p:cNvPr>
-          <p:cNvSpPr>
-            <a:spLocks noGrp="1"/>
-          </p:cNvSpPr>
-          <p:nvPr>
-            <p:ph type="ftr" sz="quarter" idx="11"/>
-          </p:nvPr>
-        </p:nvSpPr>
-        <p:spPr/>
-        <p:txBody>
-          <a:bodyPr/>
-          <a:lstStyle/>
-          <a:p>
-            <a:endParaRPr lang="en-US"/>
-          </a:p>
-        </p:txBody>
-      </p:sp>
-      <p:sp>
-        <p:nvSpPr>
-          <p:cNvPr id="4" name="Slide Number Placeholder 3">
-            <a:extLst>
-              <a:ext uri="{FF2B5EF4-FFF2-40B4-BE49-F238E27FC236}">
-                <a16:creationId xmlns:a16="http://schemas.microsoft.com/office/drawing/2014/main" id="{C96771BF-708B-4FCF-B7A3-2CC818383861}"/>
-              </a:ext>
-            </a:extLst>
-          </p:cNvPr>
-          <p:cNvSpPr>
-            <a:spLocks noGrp="1"/>
-          </p:cNvSpPr>
-          <p:nvPr>
-            <p:ph type="sldNum" sz="quarter" idx="12"/>
-          </p:nvPr>
-        </p:nvSpPr>
-        <p:spPr/>
-        <p:txBody>
-          <a:bodyPr/>
-          <a:lstStyle/>
-          <a:p>
-            <a:fld id="{043B9436-2E4C-483D-BC67-D4CE7485150B}" type="slidenum">
-              <a:rPr lang="en-US" smtClean="0"/>
-              <a:t>‹#›</a:t>
-            </a:fld>
-            <a:endParaRPr lang="en-US"/>
-          </a:p>
-        </p:txBody>
-      </p:sp>
-    </p:spTree>
-    <p:extLst>
-      <p:ext uri="{BB962C8B-B14F-4D97-AF65-F5344CB8AC3E}">
-        <p14:creationId xmlns:p14="http://schemas.microsoft.com/office/powerpoint/2010/main" val="2447756264"/>
-      </p:ext>
-    </p:extLst>
-  </p:cSld>
-  <p:clrMapOvr>
-    <a:masterClrMapping/>
-  </p:clrMapOvr>
-</p:sldLayout>
-</file>
-
-<file path=ppt/slideLayouts/slideLayout8.xml><?xml version="1.0" encoding="utf-8"?>
-<p:sldLayout xmlns:a="http://schemas.openxmlformats.org/drawingml/2006/main" xmlns:r="http://schemas.openxmlformats.org/officeDocument/2006/relationships" xmlns:p="http://schemas.openxmlformats.org/presentationml/2006/main" type="objTx" preserve="1">
-  <p:cSld name="Content with Caption">
-    <p:spTree>
-      <p:nvGrpSpPr>
-        <p:cNvPr id="1" name=""/>
-        <p:cNvGrpSpPr/>
-        <p:nvPr/>
-      </p:nvGrpSpPr>
-      <p:grpSpPr>
-        <a:xfrm>
-          <a:off x="0" y="0"/>
-          <a:ext cx="0" cy="0"/>
-          <a:chOff x="0" y="0"/>
-          <a:chExt cx="0" cy="0"/>
-        </a:xfrm>
-      </p:grpSpPr>
-      <p:sp>
-        <p:nvSpPr>
-          <p:cNvPr id="2" name="Title 1">
-            <a:extLst>
-              <a:ext uri="{FF2B5EF4-FFF2-40B4-BE49-F238E27FC236}">
-                <a16:creationId xmlns:a16="http://schemas.microsoft.com/office/drawing/2014/main" id="{5E3534C1-E37B-49A6-BAA3-DA3AC90126F8}"/>
-              </a:ext>
-            </a:extLst>
-          </p:cNvPr>
-          <p:cNvSpPr>
-            <a:spLocks noGrp="1"/>
-          </p:cNvSpPr>
-          <p:nvPr>
-            <p:ph type="title"/>
-          </p:nvPr>
-        </p:nvSpPr>
-        <p:spPr>
-          <a:xfrm>
-            <a:off x="839788" y="457200"/>
-            <a:ext cx="3932237" cy="1600200"/>
-          </a:xfrm>
-        </p:spPr>
-        <p:txBody>
-          <a:bodyPr anchor="b"/>
-          <a:lstStyle>
-            <a:lvl1pPr>
-              <a:defRPr sz="2400"/>
-            </a:lvl1pPr>
-          </a:lstStyle>
-          <a:p>
-            <a:r>
-              <a:rPr lang="en-US"/>
-              <a:t>Click to edit Master title style</a:t>
-            </a:r>
-          </a:p>
-        </p:txBody>
-      </p:sp>
-      <p:sp>
-        <p:nvSpPr>
-          <p:cNvPr id="3" name="Content Placeholder 2">
-            <a:extLst>
-              <a:ext uri="{FF2B5EF4-FFF2-40B4-BE49-F238E27FC236}">
-                <a16:creationId xmlns:a16="http://schemas.microsoft.com/office/drawing/2014/main" id="{CB34EB66-72FD-444E-BF33-40CC32590714}"/>
-              </a:ext>
-            </a:extLst>
-          </p:cNvPr>
-          <p:cNvSpPr>
-            <a:spLocks noGrp="1"/>
-          </p:cNvSpPr>
-          <p:nvPr>
-            <p:ph idx="1"/>
-          </p:nvPr>
-        </p:nvSpPr>
-        <p:spPr>
-          <a:xfrm>
-            <a:off x="5183188" y="987427"/>
-            <a:ext cx="6172200" cy="4873625"/>
-          </a:xfrm>
-        </p:spPr>
-        <p:txBody>
-          <a:bodyPr/>
-          <a:lstStyle>
-            <a:lvl1pPr>
-              <a:defRPr sz="2400"/>
-            </a:lvl1pPr>
-            <a:lvl2pPr>
-              <a:defRPr sz="2100"/>
-            </a:lvl2pPr>
-            <a:lvl3pPr>
-              <a:defRPr sz="1800"/>
-            </a:lvl3pPr>
-            <a:lvl4pPr>
-              <a:defRPr sz="1500"/>
-            </a:lvl4pPr>
-            <a:lvl5pPr>
-              <a:defRPr sz="1500"/>
-            </a:lvl5pPr>
-            <a:lvl6pPr>
-              <a:defRPr sz="1500"/>
-            </a:lvl6pPr>
-            <a:lvl7pPr>
-              <a:defRPr sz="1500"/>
-            </a:lvl7pPr>
-            <a:lvl8pPr>
-              <a:defRPr sz="1500"/>
-            </a:lvl8pPr>
-            <a:lvl9pPr>
-              <a:defRPr sz="1500"/>
-            </a:lvl9pPr>
-          </a:lstStyle>
-          <a:p>
-            <a:pPr lvl="0"/>
-            <a:r>
-              <a:rPr lang="en-US"/>
-              <a:t>Edit Master text styles</a:t>
-            </a:r>
-          </a:p>
-          <a:p>
-            <a:pPr lvl="1"/>
-            <a:r>
-              <a:rPr lang="en-US"/>
-              <a:t>Second level</a:t>
-            </a:r>
-          </a:p>
-          <a:p>
-            <a:pPr lvl="2"/>
-            <a:r>
-              <a:rPr lang="en-US"/>
-              <a:t>Third level</a:t>
-            </a:r>
-          </a:p>
-          <a:p>
-            <a:pPr lvl="3"/>
-            <a:r>
-              <a:rPr lang="en-US"/>
-              <a:t>Fourth level</a:t>
-            </a:r>
-          </a:p>
-          <a:p>
-            <a:pPr lvl="4"/>
-            <a:r>
-              <a:rPr lang="en-US"/>
-              <a:t>Fifth level</a:t>
-            </a:r>
-          </a:p>
-        </p:txBody>
-      </p:sp>
-      <p:sp>
-        <p:nvSpPr>
-          <p:cNvPr id="4" name="Text Placeholder 3">
-            <a:extLst>
-              <a:ext uri="{FF2B5EF4-FFF2-40B4-BE49-F238E27FC236}">
-                <a16:creationId xmlns:a16="http://schemas.microsoft.com/office/drawing/2014/main" id="{02E4A7BD-4691-4075-A602-E741D121C631}"/>
-              </a:ext>
-            </a:extLst>
-          </p:cNvPr>
-          <p:cNvSpPr>
-            <a:spLocks noGrp="1"/>
-          </p:cNvSpPr>
-          <p:nvPr>
-            <p:ph type="body" sz="half" idx="2"/>
-          </p:nvPr>
-        </p:nvSpPr>
-        <p:spPr>
-          <a:xfrm>
-            <a:off x="839788" y="2057400"/>
-            <a:ext cx="3932237" cy="3811588"/>
-          </a:xfrm>
-        </p:spPr>
-        <p:txBody>
-          <a:bodyPr/>
-          <a:lstStyle>
-            <a:lvl1pPr marL="0" indent="0">
-              <a:buNone/>
-              <a:defRPr sz="1200"/>
-            </a:lvl1pPr>
-            <a:lvl2pPr marL="342900" indent="0">
-              <a:buNone/>
-              <a:defRPr sz="1050"/>
-            </a:lvl2pPr>
-            <a:lvl3pPr marL="685800" indent="0">
-              <a:buNone/>
-              <a:defRPr sz="900"/>
-            </a:lvl3pPr>
-            <a:lvl4pPr marL="1028700" indent="0">
-              <a:buNone/>
-              <a:defRPr sz="750"/>
-            </a:lvl4pPr>
-            <a:lvl5pPr marL="1371600" indent="0">
-              <a:buNone/>
-              <a:defRPr sz="750"/>
-            </a:lvl5pPr>
-            <a:lvl6pPr marL="1714500" indent="0">
-              <a:buNone/>
-              <a:defRPr sz="750"/>
-            </a:lvl6pPr>
-            <a:lvl7pPr marL="2057400" indent="0">
-              <a:buNone/>
-              <a:defRPr sz="750"/>
-            </a:lvl7pPr>
-            <a:lvl8pPr marL="2400300" indent="0">
-              <a:buNone/>
-              <a:defRPr sz="750"/>
-            </a:lvl8pPr>
-            <a:lvl9pPr marL="2743200" indent="0">
-              <a:buNone/>
-              <a:defRPr sz="750"/>
-            </a:lvl9pPr>
-          </a:lstStyle>
-          <a:p>
-            <a:pPr lvl="0"/>
-            <a:r>
-              <a:rPr lang="en-US"/>
-              <a:t>Edit Master text styles</a:t>
-            </a:r>
-          </a:p>
-        </p:txBody>
-      </p:sp>
-      <p:sp>
-        <p:nvSpPr>
-          <p:cNvPr id="5" name="Date Placeholder 4">
-            <a:extLst>
-              <a:ext uri="{FF2B5EF4-FFF2-40B4-BE49-F238E27FC236}">
-                <a16:creationId xmlns:a16="http://schemas.microsoft.com/office/drawing/2014/main" id="{E18FE6A9-067C-4FE4-B712-87F0143901D5}"/>
-              </a:ext>
-            </a:extLst>
-          </p:cNvPr>
-          <p:cNvSpPr>
-            <a:spLocks noGrp="1"/>
-          </p:cNvSpPr>
-          <p:nvPr>
-            <p:ph type="dt" sz="half" idx="10"/>
-          </p:nvPr>
-        </p:nvSpPr>
-        <p:spPr/>
-        <p:txBody>
-          <a:bodyPr/>
-          <a:lstStyle/>
-          <a:p>
-            <a:fld id="{3D2277E6-1886-452C-854D-DB4A9BB05FC1}" type="datetimeFigureOut">
-              <a:rPr lang="en-US" smtClean="0"/>
-              <a:t>13-Nov-18</a:t>
-            </a:fld>
-            <a:endParaRPr lang="en-US"/>
-          </a:p>
-        </p:txBody>
-      </p:sp>
-      <p:sp>
-        <p:nvSpPr>
-          <p:cNvPr id="6" name="Footer Placeholder 5">
-            <a:extLst>
-              <a:ext uri="{FF2B5EF4-FFF2-40B4-BE49-F238E27FC236}">
-                <a16:creationId xmlns:a16="http://schemas.microsoft.com/office/drawing/2014/main" id="{5E9786DC-C9DC-4A28-96D5-17A1FC4DB59B}"/>
-              </a:ext>
-            </a:extLst>
-          </p:cNvPr>
-          <p:cNvSpPr>
-            <a:spLocks noGrp="1"/>
-          </p:cNvSpPr>
-          <p:nvPr>
-            <p:ph type="ftr" sz="quarter" idx="11"/>
-          </p:nvPr>
-        </p:nvSpPr>
-        <p:spPr/>
-        <p:txBody>
-          <a:bodyPr/>
-          <a:lstStyle/>
-          <a:p>
-            <a:endParaRPr lang="en-US"/>
-          </a:p>
-        </p:txBody>
-      </p:sp>
-      <p:sp>
-        <p:nvSpPr>
-          <p:cNvPr id="7" name="Slide Number Placeholder 6">
-            <a:extLst>
-              <a:ext uri="{FF2B5EF4-FFF2-40B4-BE49-F238E27FC236}">
-                <a16:creationId xmlns:a16="http://schemas.microsoft.com/office/drawing/2014/main" id="{FB90DE2A-1A66-41B1-96D3-05A38BA4A76B}"/>
-              </a:ext>
-            </a:extLst>
-          </p:cNvPr>
-          <p:cNvSpPr>
-            <a:spLocks noGrp="1"/>
-          </p:cNvSpPr>
-          <p:nvPr>
-            <p:ph type="sldNum" sz="quarter" idx="12"/>
-          </p:nvPr>
-        </p:nvSpPr>
-        <p:spPr/>
-        <p:txBody>
-          <a:bodyPr/>
-          <a:lstStyle/>
-          <a:p>
-            <a:fld id="{043B9436-2E4C-483D-BC67-D4CE7485150B}" type="slidenum">
-              <a:rPr lang="en-US" smtClean="0"/>
-              <a:t>‹#›</a:t>
-            </a:fld>
-            <a:endParaRPr lang="en-US"/>
-          </a:p>
-        </p:txBody>
-      </p:sp>
-    </p:spTree>
-    <p:extLst>
-      <p:ext uri="{BB962C8B-B14F-4D97-AF65-F5344CB8AC3E}">
-        <p14:creationId xmlns:p14="http://schemas.microsoft.com/office/powerpoint/2010/main" val="2857109354"/>
+        <p14:creationId xmlns:p14="http://schemas.microsoft.com/office/powerpoint/2010/main" val="1100221760"/>
       </p:ext>
     </p:extLst>
   </p:cSld>
@@ -5141,13 +2533,7 @@
       </p:grpSpPr>
       <p:sp>
         <p:nvSpPr>
-          <p:cNvPr id="2" name="Title 1">
-            <a:extLst>
-              <a:ext uri="{FF2B5EF4-FFF2-40B4-BE49-F238E27FC236}">
-                <a16:creationId xmlns:a16="http://schemas.microsoft.com/office/drawing/2014/main" id="{D9C98A29-B4E2-4D2E-BCDE-7B516194A5BD}"/>
-              </a:ext>
-            </a:extLst>
-          </p:cNvPr>
+          <p:cNvPr id="2" name="Title 1"/>
           <p:cNvSpPr>
             <a:spLocks noGrp="1"/>
           </p:cNvSpPr>
@@ -5157,15 +2543,15 @@
         </p:nvSpPr>
         <p:spPr>
           <a:xfrm>
-            <a:off x="839788" y="457200"/>
-            <a:ext cx="3932237" cy="1600200"/>
+            <a:off x="629841" y="457200"/>
+            <a:ext cx="2949178" cy="1600200"/>
           </a:xfrm>
         </p:spPr>
         <p:txBody>
           <a:bodyPr anchor="b"/>
           <a:lstStyle>
             <a:lvl1pPr>
-              <a:defRPr sz="2400"/>
+              <a:defRPr sz="3200"/>
             </a:lvl1pPr>
           </a:lstStyle>
           <a:p>
@@ -5173,20 +2559,15 @@
               <a:rPr lang="en-US"/>
               <a:t>Click to edit Master title style</a:t>
             </a:r>
-          </a:p>
-        </p:txBody>
-      </p:sp>
-      <p:sp>
-        <p:nvSpPr>
-          <p:cNvPr id="3" name="Picture Placeholder 2">
-            <a:extLst>
-              <a:ext uri="{FF2B5EF4-FFF2-40B4-BE49-F238E27FC236}">
-                <a16:creationId xmlns:a16="http://schemas.microsoft.com/office/drawing/2014/main" id="{98EB8426-3ED6-49A7-A540-8F9ACE09F3AC}"/>
-              </a:ext>
-            </a:extLst>
-          </p:cNvPr>
-          <p:cNvSpPr>
-            <a:spLocks noGrp="1"/>
+            <a:endParaRPr lang="en-US" dirty="0"/>
+          </a:p>
+        </p:txBody>
+      </p:sp>
+      <p:sp>
+        <p:nvSpPr>
+          <p:cNvPr id="3" name="Picture Placeholder 2"/>
+          <p:cNvSpPr>
+            <a:spLocks noGrp="1" noChangeAspect="1"/>
           </p:cNvSpPr>
           <p:nvPr>
             <p:ph type="pic" idx="1"/>
@@ -5194,8 +2575,73 @@
         </p:nvSpPr>
         <p:spPr>
           <a:xfrm>
-            <a:off x="5183188" y="987427"/>
-            <a:ext cx="6172200" cy="4873625"/>
+            <a:off x="3887391" y="987426"/>
+            <a:ext cx="4629150" cy="4873625"/>
+          </a:xfrm>
+        </p:spPr>
+        <p:txBody>
+          <a:bodyPr anchor="t"/>
+          <a:lstStyle>
+            <a:lvl1pPr marL="0" indent="0">
+              <a:buNone/>
+              <a:defRPr sz="3200"/>
+            </a:lvl1pPr>
+            <a:lvl2pPr marL="457200" indent="0">
+              <a:buNone/>
+              <a:defRPr sz="2800"/>
+            </a:lvl2pPr>
+            <a:lvl3pPr marL="914400" indent="0">
+              <a:buNone/>
+              <a:defRPr sz="2400"/>
+            </a:lvl3pPr>
+            <a:lvl4pPr marL="1371600" indent="0">
+              <a:buNone/>
+              <a:defRPr sz="2000"/>
+            </a:lvl4pPr>
+            <a:lvl5pPr marL="1828800" indent="0">
+              <a:buNone/>
+              <a:defRPr sz="2000"/>
+            </a:lvl5pPr>
+            <a:lvl6pPr marL="2286000" indent="0">
+              <a:buNone/>
+              <a:defRPr sz="2000"/>
+            </a:lvl6pPr>
+            <a:lvl7pPr marL="2743200" indent="0">
+              <a:buNone/>
+              <a:defRPr sz="2000"/>
+            </a:lvl7pPr>
+            <a:lvl8pPr marL="3200400" indent="0">
+              <a:buNone/>
+              <a:defRPr sz="2000"/>
+            </a:lvl8pPr>
+            <a:lvl9pPr marL="3657600" indent="0">
+              <a:buNone/>
+              <a:defRPr sz="2000"/>
+            </a:lvl9pPr>
+          </a:lstStyle>
+          <a:p>
+            <a:r>
+              <a:rPr lang="en-US"/>
+              <a:t>Click icon to add picture</a:t>
+            </a:r>
+            <a:endParaRPr lang="en-US" dirty="0"/>
+          </a:p>
+        </p:txBody>
+      </p:sp>
+      <p:sp>
+        <p:nvSpPr>
+          <p:cNvPr id="4" name="Text Placeholder 3"/>
+          <p:cNvSpPr>
+            <a:spLocks noGrp="1"/>
+          </p:cNvSpPr>
+          <p:nvPr>
+            <p:ph type="body" sz="half" idx="2"/>
+          </p:nvPr>
+        </p:nvSpPr>
+        <p:spPr>
+          <a:xfrm>
+            <a:off x="629841" y="2057400"/>
+            <a:ext cx="2949178" cy="3811588"/>
           </a:xfrm>
         </p:spPr>
         <p:txBody>
@@ -5203,109 +2649,42 @@
           <a:lstStyle>
             <a:lvl1pPr marL="0" indent="0">
               <a:buNone/>
-              <a:defRPr sz="2400"/>
+              <a:defRPr sz="1600"/>
             </a:lvl1pPr>
-            <a:lvl2pPr marL="342900" indent="0">
-              <a:buNone/>
-              <a:defRPr sz="2100"/>
+            <a:lvl2pPr marL="457200" indent="0">
+              <a:buNone/>
+              <a:defRPr sz="1400"/>
             </a:lvl2pPr>
-            <a:lvl3pPr marL="685800" indent="0">
-              <a:buNone/>
-              <a:defRPr sz="1800"/>
+            <a:lvl3pPr marL="914400" indent="0">
+              <a:buNone/>
+              <a:defRPr sz="1200"/>
             </a:lvl3pPr>
-            <a:lvl4pPr marL="1028700" indent="0">
-              <a:buNone/>
-              <a:defRPr sz="1500"/>
+            <a:lvl4pPr marL="1371600" indent="0">
+              <a:buNone/>
+              <a:defRPr sz="1000"/>
             </a:lvl4pPr>
-            <a:lvl5pPr marL="1371600" indent="0">
-              <a:buNone/>
-              <a:defRPr sz="1500"/>
+            <a:lvl5pPr marL="1828800" indent="0">
+              <a:buNone/>
+              <a:defRPr sz="1000"/>
             </a:lvl5pPr>
-            <a:lvl6pPr marL="1714500" indent="0">
-              <a:buNone/>
-              <a:defRPr sz="1500"/>
+            <a:lvl6pPr marL="2286000" indent="0">
+              <a:buNone/>
+              <a:defRPr sz="1000"/>
             </a:lvl6pPr>
-            <a:lvl7pPr marL="2057400" indent="0">
-              <a:buNone/>
-              <a:defRPr sz="1500"/>
+            <a:lvl7pPr marL="2743200" indent="0">
+              <a:buNone/>
+              <a:defRPr sz="1000"/>
             </a:lvl7pPr>
-            <a:lvl8pPr marL="2400300" indent="0">
-              <a:buNone/>
-              <a:defRPr sz="1500"/>
+            <a:lvl8pPr marL="3200400" indent="0">
+              <a:buNone/>
+              <a:defRPr sz="1000"/>
             </a:lvl8pPr>
-            <a:lvl9pPr marL="2743200" indent="0">
-              <a:buNone/>
-              <a:defRPr sz="1500"/>
+            <a:lvl9pPr marL="3657600" indent="0">
+              <a:buNone/>
+              <a:defRPr sz="1000"/>
             </a:lvl9pPr>
           </a:lstStyle>
           <a:p>
-            <a:endParaRPr lang="en-US"/>
-          </a:p>
-        </p:txBody>
-      </p:sp>
-      <p:sp>
-        <p:nvSpPr>
-          <p:cNvPr id="4" name="Text Placeholder 3">
-            <a:extLst>
-              <a:ext uri="{FF2B5EF4-FFF2-40B4-BE49-F238E27FC236}">
-                <a16:creationId xmlns:a16="http://schemas.microsoft.com/office/drawing/2014/main" id="{67928DDD-CA51-4F8B-AD1E-F468D06AF770}"/>
-              </a:ext>
-            </a:extLst>
-          </p:cNvPr>
-          <p:cNvSpPr>
-            <a:spLocks noGrp="1"/>
-          </p:cNvSpPr>
-          <p:nvPr>
-            <p:ph type="body" sz="half" idx="2"/>
-          </p:nvPr>
-        </p:nvSpPr>
-        <p:spPr>
-          <a:xfrm>
-            <a:off x="839788" y="2057400"/>
-            <a:ext cx="3932237" cy="3811588"/>
-          </a:xfrm>
-        </p:spPr>
-        <p:txBody>
-          <a:bodyPr/>
-          <a:lstStyle>
-            <a:lvl1pPr marL="0" indent="0">
-              <a:buNone/>
-              <a:defRPr sz="1200"/>
-            </a:lvl1pPr>
-            <a:lvl2pPr marL="342900" indent="0">
-              <a:buNone/>
-              <a:defRPr sz="1050"/>
-            </a:lvl2pPr>
-            <a:lvl3pPr marL="685800" indent="0">
-              <a:buNone/>
-              <a:defRPr sz="900"/>
-            </a:lvl3pPr>
-            <a:lvl4pPr marL="1028700" indent="0">
-              <a:buNone/>
-              <a:defRPr sz="750"/>
-            </a:lvl4pPr>
-            <a:lvl5pPr marL="1371600" indent="0">
-              <a:buNone/>
-              <a:defRPr sz="750"/>
-            </a:lvl5pPr>
-            <a:lvl6pPr marL="1714500" indent="0">
-              <a:buNone/>
-              <a:defRPr sz="750"/>
-            </a:lvl6pPr>
-            <a:lvl7pPr marL="2057400" indent="0">
-              <a:buNone/>
-              <a:defRPr sz="750"/>
-            </a:lvl7pPr>
-            <a:lvl8pPr marL="2400300" indent="0">
-              <a:buNone/>
-              <a:defRPr sz="750"/>
-            </a:lvl8pPr>
-            <a:lvl9pPr marL="2743200" indent="0">
-              <a:buNone/>
-              <a:defRPr sz="750"/>
-            </a:lvl9pPr>
-          </a:lstStyle>
-          <a:p>
             <a:pPr lvl="0"/>
             <a:r>
               <a:rPr lang="en-US"/>
@@ -5316,13 +2695,7 @@
       </p:sp>
       <p:sp>
         <p:nvSpPr>
-          <p:cNvPr id="5" name="Date Placeholder 4">
-            <a:extLst>
-              <a:ext uri="{FF2B5EF4-FFF2-40B4-BE49-F238E27FC236}">
-                <a16:creationId xmlns:a16="http://schemas.microsoft.com/office/drawing/2014/main" id="{8E64AF9D-F2A4-48D8-A5F5-609100FF1EE7}"/>
-              </a:ext>
-            </a:extLst>
-          </p:cNvPr>
+          <p:cNvPr id="5" name="Date Placeholder 4"/>
           <p:cNvSpPr>
             <a:spLocks noGrp="1"/>
           </p:cNvSpPr>
@@ -5337,7 +2710,7 @@
           <a:p>
             <a:fld id="{3D2277E6-1886-452C-854D-DB4A9BB05FC1}" type="datetimeFigureOut">
               <a:rPr lang="en-US" smtClean="0"/>
-              <a:t>13-Nov-18</a:t>
+              <a:t>14-Nov-18</a:t>
             </a:fld>
             <a:endParaRPr lang="en-US"/>
           </a:p>
@@ -5345,13 +2718,7 @@
       </p:sp>
       <p:sp>
         <p:nvSpPr>
-          <p:cNvPr id="6" name="Footer Placeholder 5">
-            <a:extLst>
-              <a:ext uri="{FF2B5EF4-FFF2-40B4-BE49-F238E27FC236}">
-                <a16:creationId xmlns:a16="http://schemas.microsoft.com/office/drawing/2014/main" id="{5DFFCDE1-2996-4C84-9A7A-9158D61469C4}"/>
-              </a:ext>
-            </a:extLst>
-          </p:cNvPr>
+          <p:cNvPr id="6" name="Footer Placeholder 5"/>
           <p:cNvSpPr>
             <a:spLocks noGrp="1"/>
           </p:cNvSpPr>
@@ -5370,13 +2737,7 @@
       </p:sp>
       <p:sp>
         <p:nvSpPr>
-          <p:cNvPr id="7" name="Slide Number Placeholder 6">
-            <a:extLst>
-              <a:ext uri="{FF2B5EF4-FFF2-40B4-BE49-F238E27FC236}">
-                <a16:creationId xmlns:a16="http://schemas.microsoft.com/office/drawing/2014/main" id="{2FCD97B6-ED29-4CA2-8E79-0B9062326C2C}"/>
-              </a:ext>
-            </a:extLst>
-          </p:cNvPr>
+          <p:cNvPr id="7" name="Slide Number Placeholder 6"/>
           <p:cNvSpPr>
             <a:spLocks noGrp="1"/>
           </p:cNvSpPr>
@@ -5400,7 +2761,7 @@
     </p:spTree>
     <p:extLst>
       <p:ext uri="{BB962C8B-B14F-4D97-AF65-F5344CB8AC3E}">
-        <p14:creationId xmlns:p14="http://schemas.microsoft.com/office/powerpoint/2010/main" val="2468369707"/>
+        <p14:creationId xmlns:p14="http://schemas.microsoft.com/office/powerpoint/2010/main" val="3529559992"/>
       </p:ext>
     </p:extLst>
   </p:cSld>
@@ -5411,745 +2772,6 @@
 </file>
 
 <file path=ppt/slideMasters/slideMaster1.xml><?xml version="1.0" encoding="utf-8"?>
-<p:sldMaster xmlns:a="http://schemas.openxmlformats.org/drawingml/2006/main" xmlns:r="http://schemas.openxmlformats.org/officeDocument/2006/relationships" xmlns:p="http://schemas.openxmlformats.org/presentationml/2006/main" preserve="1">
-  <p:cSld>
-    <p:bg>
-      <p:bgRef idx="1001">
-        <a:schemeClr val="bg1"/>
-      </p:bgRef>
-    </p:bg>
-    <p:spTree>
-      <p:nvGrpSpPr>
-        <p:cNvPr id="1" name=""/>
-        <p:cNvGrpSpPr/>
-        <p:nvPr/>
-      </p:nvGrpSpPr>
-      <p:grpSpPr>
-        <a:xfrm>
-          <a:off x="0" y="0"/>
-          <a:ext cx="0" cy="0"/>
-          <a:chOff x="0" y="0"/>
-          <a:chExt cx="0" cy="0"/>
-        </a:xfrm>
-      </p:grpSpPr>
-      <p:pic>
-        <p:nvPicPr>
-          <p:cNvPr id="13" name="Picture 12">
-            <a:extLst>
-              <a:ext uri="{FF2B5EF4-FFF2-40B4-BE49-F238E27FC236}">
-                <a16:creationId xmlns:a16="http://schemas.microsoft.com/office/drawing/2014/main" id="{5E66BDD7-0F1D-45C5-B3EA-FDFE556DAD1C}"/>
-              </a:ext>
-            </a:extLst>
-          </p:cNvPr>
-          <p:cNvPicPr>
-            <a:picLocks noChangeAspect="1"/>
-          </p:cNvPicPr>
-          <p:nvPr userDrawn="1"/>
-        </p:nvPicPr>
-        <p:blipFill>
-          <a:blip r:embed="rId14">
-            <a:extLst>
-              <a:ext uri="{28A0092B-C50C-407E-A947-70E740481C1C}">
-                <a14:useLocalDpi xmlns:a14="http://schemas.microsoft.com/office/drawing/2010/main" val="0"/>
-              </a:ext>
-            </a:extLst>
-          </a:blip>
-          <a:stretch>
-            <a:fillRect/>
-          </a:stretch>
-        </p:blipFill>
-        <p:spPr>
-          <a:xfrm>
-            <a:off x="6634535" y="0"/>
-            <a:ext cx="6422685" cy="6858000"/>
-          </a:xfrm>
-          <a:prstGeom prst="rect">
-            <a:avLst/>
-          </a:prstGeom>
-        </p:spPr>
-      </p:pic>
-      <p:sp>
-        <p:nvSpPr>
-          <p:cNvPr id="2" name="Title Placeholder 1">
-            <a:extLst>
-              <a:ext uri="{FF2B5EF4-FFF2-40B4-BE49-F238E27FC236}">
-                <a16:creationId xmlns:a16="http://schemas.microsoft.com/office/drawing/2014/main" id="{31BC1141-04D7-421A-AD92-EA30DDCF7B47}"/>
-              </a:ext>
-            </a:extLst>
-          </p:cNvPr>
-          <p:cNvSpPr>
-            <a:spLocks noGrp="1"/>
-          </p:cNvSpPr>
-          <p:nvPr>
-            <p:ph type="title"/>
-          </p:nvPr>
-        </p:nvSpPr>
-        <p:spPr>
-          <a:xfrm>
-            <a:off x="838200" y="365127"/>
-            <a:ext cx="10515600" cy="1325563"/>
-          </a:xfrm>
-          <a:prstGeom prst="rect">
-            <a:avLst/>
-          </a:prstGeom>
-        </p:spPr>
-        <p:txBody>
-          <a:bodyPr vert="horz" lIns="91440" tIns="45720" rIns="91440" bIns="45720" rtlCol="0" anchor="ctr">
-            <a:normAutofit/>
-          </a:bodyPr>
-          <a:lstStyle/>
-          <a:p>
-            <a:r>
-              <a:rPr lang="en-US"/>
-              <a:t>Click to edit Master title style</a:t>
-            </a:r>
-          </a:p>
-        </p:txBody>
-      </p:sp>
-      <p:sp>
-        <p:nvSpPr>
-          <p:cNvPr id="3" name="Text Placeholder 2">
-            <a:extLst>
-              <a:ext uri="{FF2B5EF4-FFF2-40B4-BE49-F238E27FC236}">
-                <a16:creationId xmlns:a16="http://schemas.microsoft.com/office/drawing/2014/main" id="{2475F95E-BC79-466F-BE93-2A3BA6873908}"/>
-              </a:ext>
-            </a:extLst>
-          </p:cNvPr>
-          <p:cNvSpPr>
-            <a:spLocks noGrp="1"/>
-          </p:cNvSpPr>
-          <p:nvPr>
-            <p:ph type="body" idx="1"/>
-          </p:nvPr>
-        </p:nvSpPr>
-        <p:spPr>
-          <a:xfrm>
-            <a:off x="838200" y="1825625"/>
-            <a:ext cx="10515600" cy="4351338"/>
-          </a:xfrm>
-          <a:prstGeom prst="rect">
-            <a:avLst/>
-          </a:prstGeom>
-        </p:spPr>
-        <p:txBody>
-          <a:bodyPr vert="horz" lIns="91440" tIns="45720" rIns="91440" bIns="45720" rtlCol="0">
-            <a:normAutofit/>
-          </a:bodyPr>
-          <a:lstStyle/>
-          <a:p>
-            <a:pPr lvl="0"/>
-            <a:r>
-              <a:rPr lang="en-US"/>
-              <a:t>Edit Master text styles</a:t>
-            </a:r>
-          </a:p>
-          <a:p>
-            <a:pPr lvl="1"/>
-            <a:r>
-              <a:rPr lang="en-US"/>
-              <a:t>Second level</a:t>
-            </a:r>
-          </a:p>
-          <a:p>
-            <a:pPr lvl="2"/>
-            <a:r>
-              <a:rPr lang="en-US"/>
-              <a:t>Third level</a:t>
-            </a:r>
-          </a:p>
-          <a:p>
-            <a:pPr lvl="3"/>
-            <a:r>
-              <a:rPr lang="en-US"/>
-              <a:t>Fourth level</a:t>
-            </a:r>
-          </a:p>
-          <a:p>
-            <a:pPr lvl="4"/>
-            <a:r>
-              <a:rPr lang="en-US"/>
-              <a:t>Fifth level</a:t>
-            </a:r>
-          </a:p>
-        </p:txBody>
-      </p:sp>
-      <p:sp>
-        <p:nvSpPr>
-          <p:cNvPr id="4" name="Date Placeholder 3">
-            <a:extLst>
-              <a:ext uri="{FF2B5EF4-FFF2-40B4-BE49-F238E27FC236}">
-                <a16:creationId xmlns:a16="http://schemas.microsoft.com/office/drawing/2014/main" id="{A9E455E9-BDFB-482D-BD83-A551173C5D97}"/>
-              </a:ext>
-            </a:extLst>
-          </p:cNvPr>
-          <p:cNvSpPr>
-            <a:spLocks noGrp="1"/>
-          </p:cNvSpPr>
-          <p:nvPr>
-            <p:ph type="dt" sz="half" idx="2"/>
-          </p:nvPr>
-        </p:nvSpPr>
-        <p:spPr>
-          <a:xfrm>
-            <a:off x="838200" y="6356352"/>
-            <a:ext cx="2743200" cy="365125"/>
-          </a:xfrm>
-          <a:prstGeom prst="rect">
-            <a:avLst/>
-          </a:prstGeom>
-        </p:spPr>
-        <p:txBody>
-          <a:bodyPr vert="horz" lIns="91440" tIns="45720" rIns="91440" bIns="45720" rtlCol="0" anchor="ctr"/>
-          <a:lstStyle>
-            <a:lvl1pPr algn="l">
-              <a:defRPr sz="900">
-                <a:solidFill>
-                  <a:schemeClr val="tx1">
-                    <a:tint val="75000"/>
-                  </a:schemeClr>
-                </a:solidFill>
-              </a:defRPr>
-            </a:lvl1pPr>
-          </a:lstStyle>
-          <a:p>
-            <a:fld id="{3D2277E6-1886-452C-854D-DB4A9BB05FC1}" type="datetimeFigureOut">
-              <a:rPr lang="en-US" smtClean="0"/>
-              <a:t>13-Nov-18</a:t>
-            </a:fld>
-            <a:endParaRPr lang="en-US"/>
-          </a:p>
-        </p:txBody>
-      </p:sp>
-      <p:sp>
-        <p:nvSpPr>
-          <p:cNvPr id="5" name="Footer Placeholder 4">
-            <a:extLst>
-              <a:ext uri="{FF2B5EF4-FFF2-40B4-BE49-F238E27FC236}">
-                <a16:creationId xmlns:a16="http://schemas.microsoft.com/office/drawing/2014/main" id="{F5C9F7C1-9330-428D-8536-EC4C611126D0}"/>
-              </a:ext>
-            </a:extLst>
-          </p:cNvPr>
-          <p:cNvSpPr>
-            <a:spLocks noGrp="1"/>
-          </p:cNvSpPr>
-          <p:nvPr>
-            <p:ph type="ftr" sz="quarter" idx="3"/>
-          </p:nvPr>
-        </p:nvSpPr>
-        <p:spPr>
-          <a:xfrm>
-            <a:off x="4038600" y="6356352"/>
-            <a:ext cx="4114800" cy="365125"/>
-          </a:xfrm>
-          <a:prstGeom prst="rect">
-            <a:avLst/>
-          </a:prstGeom>
-        </p:spPr>
-        <p:txBody>
-          <a:bodyPr vert="horz" lIns="91440" tIns="45720" rIns="91440" bIns="45720" rtlCol="0" anchor="ctr"/>
-          <a:lstStyle>
-            <a:lvl1pPr algn="ctr">
-              <a:defRPr sz="900">
-                <a:solidFill>
-                  <a:schemeClr val="tx1">
-                    <a:tint val="75000"/>
-                  </a:schemeClr>
-                </a:solidFill>
-              </a:defRPr>
-            </a:lvl1pPr>
-          </a:lstStyle>
-          <a:p>
-            <a:endParaRPr lang="en-US"/>
-          </a:p>
-        </p:txBody>
-      </p:sp>
-      <p:sp>
-        <p:nvSpPr>
-          <p:cNvPr id="6" name="Slide Number Placeholder 5">
-            <a:extLst>
-              <a:ext uri="{FF2B5EF4-FFF2-40B4-BE49-F238E27FC236}">
-                <a16:creationId xmlns:a16="http://schemas.microsoft.com/office/drawing/2014/main" id="{1BE59DF0-700B-4706-87E8-400E414E64A4}"/>
-              </a:ext>
-            </a:extLst>
-          </p:cNvPr>
-          <p:cNvSpPr>
-            <a:spLocks noGrp="1"/>
-          </p:cNvSpPr>
-          <p:nvPr>
-            <p:ph type="sldNum" sz="quarter" idx="4"/>
-          </p:nvPr>
-        </p:nvSpPr>
-        <p:spPr>
-          <a:xfrm>
-            <a:off x="8610600" y="6356352"/>
-            <a:ext cx="2743200" cy="365125"/>
-          </a:xfrm>
-          <a:prstGeom prst="rect">
-            <a:avLst/>
-          </a:prstGeom>
-        </p:spPr>
-        <p:txBody>
-          <a:bodyPr vert="horz" lIns="91440" tIns="45720" rIns="91440" bIns="45720" rtlCol="0" anchor="ctr"/>
-          <a:lstStyle>
-            <a:lvl1pPr algn="r">
-              <a:defRPr sz="900">
-                <a:solidFill>
-                  <a:schemeClr val="tx1">
-                    <a:tint val="75000"/>
-                  </a:schemeClr>
-                </a:solidFill>
-              </a:defRPr>
-            </a:lvl1pPr>
-          </a:lstStyle>
-          <a:p>
-            <a:fld id="{043B9436-2E4C-483D-BC67-D4CE7485150B}" type="slidenum">
-              <a:rPr lang="en-US" smtClean="0"/>
-              <a:t>‹#›</a:t>
-            </a:fld>
-            <a:endParaRPr lang="en-US"/>
-          </a:p>
-        </p:txBody>
-      </p:sp>
-      <p:graphicFrame>
-        <p:nvGraphicFramePr>
-          <p:cNvPr id="7" name="Object 6">
-            <a:extLst>
-              <a:ext uri="{FF2B5EF4-FFF2-40B4-BE49-F238E27FC236}">
-                <a16:creationId xmlns:a16="http://schemas.microsoft.com/office/drawing/2014/main" id="{CD6FDDF6-C53C-4F63-8FAD-1799B7BA326C}"/>
-              </a:ext>
-            </a:extLst>
-          </p:cNvPr>
-          <p:cNvGraphicFramePr>
-            <a:graphicFrameLocks noChangeAspect="1"/>
-          </p:cNvGraphicFramePr>
-          <p:nvPr userDrawn="1"/>
-        </p:nvGraphicFramePr>
-        <p:xfrm>
-          <a:off x="0" y="6582032"/>
-          <a:ext cx="12192000" cy="275968"/>
-        </p:xfrm>
-        <a:graphic>
-          <a:graphicData uri="http://schemas.openxmlformats.org/presentationml/2006/ole">
-            <mc:AlternateContent xmlns:mc="http://schemas.openxmlformats.org/markup-compatibility/2006">
-              <mc:Choice xmlns:v="urn:schemas-microsoft-com:vml" Requires="v">
-                <p:oleObj spid="_x0000_s7194" r:id="rId15" imgW="12380760" imgH="279360" progId="">
-                  <p:embed/>
-                </p:oleObj>
-              </mc:Choice>
-              <mc:Fallback>
-                <p:oleObj r:id="rId15" imgW="12380760" imgH="279360" progId="">
-                  <p:embed/>
-                  <p:pic>
-                    <p:nvPicPr>
-                      <p:cNvPr id="8" name="Object 7">
-                        <a:extLst>
-                          <a:ext uri="{FF2B5EF4-FFF2-40B4-BE49-F238E27FC236}">
-                            <a16:creationId xmlns:a16="http://schemas.microsoft.com/office/drawing/2014/main" id="{342AB811-D469-4A80-9409-CD63BDCF1025}"/>
-                          </a:ext>
-                        </a:extLst>
-                      </p:cNvPr>
-                      <p:cNvPicPr/>
-                      <p:nvPr/>
-                    </p:nvPicPr>
-                    <p:blipFill>
-                      <a:blip r:embed="rId16"/>
-                      <a:stretch>
-                        <a:fillRect/>
-                      </a:stretch>
-                    </p:blipFill>
-                    <p:spPr>
-                      <a:xfrm>
-                        <a:off x="0" y="6582032"/>
-                        <a:ext cx="12192000" cy="275968"/>
-                      </a:xfrm>
-                      <a:prstGeom prst="rect">
-                        <a:avLst/>
-                      </a:prstGeom>
-                    </p:spPr>
-                  </p:pic>
-                </p:oleObj>
-              </mc:Fallback>
-            </mc:AlternateContent>
-          </a:graphicData>
-        </a:graphic>
-      </p:graphicFrame>
-      <p:pic>
-        <p:nvPicPr>
-          <p:cNvPr id="12" name="Picture 11">
-            <a:extLst>
-              <a:ext uri="{FF2B5EF4-FFF2-40B4-BE49-F238E27FC236}">
-                <a16:creationId xmlns:a16="http://schemas.microsoft.com/office/drawing/2014/main" id="{C4662F28-52FC-49DB-8369-55360DFC3FCD}"/>
-              </a:ext>
-            </a:extLst>
-          </p:cNvPr>
-          <p:cNvPicPr>
-            <a:picLocks noChangeAspect="1"/>
-          </p:cNvPicPr>
-          <p:nvPr userDrawn="1"/>
-        </p:nvPicPr>
-        <p:blipFill>
-          <a:blip r:embed="rId17">
-            <a:extLst>
-              <a:ext uri="{28A0092B-C50C-407E-A947-70E740481C1C}">
-                <a14:useLocalDpi xmlns:a14="http://schemas.microsoft.com/office/drawing/2010/main" val="0"/>
-              </a:ext>
-            </a:extLst>
-          </a:blip>
-          <a:stretch>
-            <a:fillRect/>
-          </a:stretch>
-        </p:blipFill>
-        <p:spPr>
-          <a:xfrm>
-            <a:off x="8678334" y="5932627"/>
-            <a:ext cx="3425615" cy="618880"/>
-          </a:xfrm>
-          <a:prstGeom prst="rect">
-            <a:avLst/>
-          </a:prstGeom>
-        </p:spPr>
-      </p:pic>
-      <p:pic>
-        <p:nvPicPr>
-          <p:cNvPr id="14" name="Picture 13">
-            <a:extLst>
-              <a:ext uri="{FF2B5EF4-FFF2-40B4-BE49-F238E27FC236}">
-                <a16:creationId xmlns:a16="http://schemas.microsoft.com/office/drawing/2014/main" id="{79ACCCF7-1495-41DD-B9D0-4A0913EDDA00}"/>
-              </a:ext>
-            </a:extLst>
-          </p:cNvPr>
-          <p:cNvPicPr>
-            <a:picLocks noChangeAspect="1"/>
-          </p:cNvPicPr>
-          <p:nvPr userDrawn="1"/>
-        </p:nvPicPr>
-        <p:blipFill>
-          <a:blip r:embed="rId18">
-            <a:extLst>
-              <a:ext uri="{28A0092B-C50C-407E-A947-70E740481C1C}">
-                <a14:useLocalDpi xmlns:a14="http://schemas.microsoft.com/office/drawing/2010/main" val="0"/>
-              </a:ext>
-            </a:extLst>
-          </a:blip>
-          <a:stretch>
-            <a:fillRect/>
-          </a:stretch>
-        </p:blipFill>
-        <p:spPr>
-          <a:xfrm>
-            <a:off x="88053" y="6126678"/>
-            <a:ext cx="2247128" cy="275968"/>
-          </a:xfrm>
-          <a:prstGeom prst="rect">
-            <a:avLst/>
-          </a:prstGeom>
-        </p:spPr>
-      </p:pic>
-    </p:spTree>
-    <p:extLst>
-      <p:ext uri="{BB962C8B-B14F-4D97-AF65-F5344CB8AC3E}">
-        <p14:creationId xmlns:p14="http://schemas.microsoft.com/office/powerpoint/2010/main" val="2400731953"/>
-      </p:ext>
-    </p:extLst>
-  </p:cSld>
-  <p:clrMap bg1="lt1" tx1="dk1" bg2="lt2" tx2="dk2" accent1="accent1" accent2="accent2" accent3="accent3" accent4="accent4" accent5="accent5" accent6="accent6" hlink="hlink" folHlink="folHlink"/>
-  <p:sldLayoutIdLst>
-    <p:sldLayoutId id="2147483665" r:id="rId1"/>
-    <p:sldLayoutId id="2147483666" r:id="rId2"/>
-    <p:sldLayoutId id="2147483667" r:id="rId3"/>
-    <p:sldLayoutId id="2147483668" r:id="rId4"/>
-    <p:sldLayoutId id="2147483669" r:id="rId5"/>
-    <p:sldLayoutId id="2147483670" r:id="rId6"/>
-    <p:sldLayoutId id="2147483671" r:id="rId7"/>
-    <p:sldLayoutId id="2147483672" r:id="rId8"/>
-    <p:sldLayoutId id="2147483673" r:id="rId9"/>
-    <p:sldLayoutId id="2147483674" r:id="rId10"/>
-    <p:sldLayoutId id="2147483675" r:id="rId11"/>
-  </p:sldLayoutIdLst>
-  <p:txStyles>
-    <p:titleStyle>
-      <a:lvl1pPr algn="l" defTabSz="685800" rtl="0" eaLnBrk="1" latinLnBrk="0" hangingPunct="1">
-        <a:lnSpc>
-          <a:spcPct val="90000"/>
-        </a:lnSpc>
-        <a:spcBef>
-          <a:spcPct val="0"/>
-        </a:spcBef>
-        <a:buNone/>
-        <a:defRPr sz="3300" kern="1200">
-          <a:solidFill>
-            <a:schemeClr val="tx1"/>
-          </a:solidFill>
-          <a:latin typeface="+mj-lt"/>
-          <a:ea typeface="+mj-ea"/>
-          <a:cs typeface="+mj-cs"/>
-        </a:defRPr>
-      </a:lvl1pPr>
-    </p:titleStyle>
-    <p:bodyStyle>
-      <a:lvl1pPr marL="171450" indent="-171450" algn="l" defTabSz="685800" rtl="0" eaLnBrk="1" latinLnBrk="0" hangingPunct="1">
-        <a:lnSpc>
-          <a:spcPct val="90000"/>
-        </a:lnSpc>
-        <a:spcBef>
-          <a:spcPts val="750"/>
-        </a:spcBef>
-        <a:buFont typeface="Arial" panose="020B0604020202020204" pitchFamily="34" charset="0"/>
-        <a:buChar char="•"/>
-        <a:defRPr sz="2100" kern="1200">
-          <a:solidFill>
-            <a:schemeClr val="tx1"/>
-          </a:solidFill>
-          <a:latin typeface="+mn-lt"/>
-          <a:ea typeface="+mn-ea"/>
-          <a:cs typeface="+mn-cs"/>
-        </a:defRPr>
-      </a:lvl1pPr>
-      <a:lvl2pPr marL="514350" indent="-171450" algn="l" defTabSz="685800" rtl="0" eaLnBrk="1" latinLnBrk="0" hangingPunct="1">
-        <a:lnSpc>
-          <a:spcPct val="90000"/>
-        </a:lnSpc>
-        <a:spcBef>
-          <a:spcPts val="375"/>
-        </a:spcBef>
-        <a:buFont typeface="Arial" panose="020B0604020202020204" pitchFamily="34" charset="0"/>
-        <a:buChar char="•"/>
-        <a:defRPr sz="1800" kern="1200">
-          <a:solidFill>
-            <a:schemeClr val="tx1"/>
-          </a:solidFill>
-          <a:latin typeface="+mn-lt"/>
-          <a:ea typeface="+mn-ea"/>
-          <a:cs typeface="+mn-cs"/>
-        </a:defRPr>
-      </a:lvl2pPr>
-      <a:lvl3pPr marL="857250" indent="-171450" algn="l" defTabSz="685800" rtl="0" eaLnBrk="1" latinLnBrk="0" hangingPunct="1">
-        <a:lnSpc>
-          <a:spcPct val="90000"/>
-        </a:lnSpc>
-        <a:spcBef>
-          <a:spcPts val="375"/>
-        </a:spcBef>
-        <a:buFont typeface="Arial" panose="020B0604020202020204" pitchFamily="34" charset="0"/>
-        <a:buChar char="•"/>
-        <a:defRPr sz="1500" kern="1200">
-          <a:solidFill>
-            <a:schemeClr val="tx1"/>
-          </a:solidFill>
-          <a:latin typeface="+mn-lt"/>
-          <a:ea typeface="+mn-ea"/>
-          <a:cs typeface="+mn-cs"/>
-        </a:defRPr>
-      </a:lvl3pPr>
-      <a:lvl4pPr marL="1200150" indent="-171450" algn="l" defTabSz="685800" rtl="0" eaLnBrk="1" latinLnBrk="0" hangingPunct="1">
-        <a:lnSpc>
-          <a:spcPct val="90000"/>
-        </a:lnSpc>
-        <a:spcBef>
-          <a:spcPts val="375"/>
-        </a:spcBef>
-        <a:buFont typeface="Arial" panose="020B0604020202020204" pitchFamily="34" charset="0"/>
-        <a:buChar char="•"/>
-        <a:defRPr sz="1350" kern="1200">
-          <a:solidFill>
-            <a:schemeClr val="tx1"/>
-          </a:solidFill>
-          <a:latin typeface="+mn-lt"/>
-          <a:ea typeface="+mn-ea"/>
-          <a:cs typeface="+mn-cs"/>
-        </a:defRPr>
-      </a:lvl4pPr>
-      <a:lvl5pPr marL="1543050" indent="-171450" algn="l" defTabSz="685800" rtl="0" eaLnBrk="1" latinLnBrk="0" hangingPunct="1">
-        <a:lnSpc>
-          <a:spcPct val="90000"/>
-        </a:lnSpc>
-        <a:spcBef>
-          <a:spcPts val="375"/>
-        </a:spcBef>
-        <a:buFont typeface="Arial" panose="020B0604020202020204" pitchFamily="34" charset="0"/>
-        <a:buChar char="•"/>
-        <a:defRPr sz="1350" kern="1200">
-          <a:solidFill>
-            <a:schemeClr val="tx1"/>
-          </a:solidFill>
-          <a:latin typeface="+mn-lt"/>
-          <a:ea typeface="+mn-ea"/>
-          <a:cs typeface="+mn-cs"/>
-        </a:defRPr>
-      </a:lvl5pPr>
-      <a:lvl6pPr marL="1885950" indent="-171450" algn="l" defTabSz="685800" rtl="0" eaLnBrk="1" latinLnBrk="0" hangingPunct="1">
-        <a:lnSpc>
-          <a:spcPct val="90000"/>
-        </a:lnSpc>
-        <a:spcBef>
-          <a:spcPts val="375"/>
-        </a:spcBef>
-        <a:buFont typeface="Arial" panose="020B0604020202020204" pitchFamily="34" charset="0"/>
-        <a:buChar char="•"/>
-        <a:defRPr sz="1350" kern="1200">
-          <a:solidFill>
-            <a:schemeClr val="tx1"/>
-          </a:solidFill>
-          <a:latin typeface="+mn-lt"/>
-          <a:ea typeface="+mn-ea"/>
-          <a:cs typeface="+mn-cs"/>
-        </a:defRPr>
-      </a:lvl6pPr>
-      <a:lvl7pPr marL="2228850" indent="-171450" algn="l" defTabSz="685800" rtl="0" eaLnBrk="1" latinLnBrk="0" hangingPunct="1">
-        <a:lnSpc>
-          <a:spcPct val="90000"/>
-        </a:lnSpc>
-        <a:spcBef>
-          <a:spcPts val="375"/>
-        </a:spcBef>
-        <a:buFont typeface="Arial" panose="020B0604020202020204" pitchFamily="34" charset="0"/>
-        <a:buChar char="•"/>
-        <a:defRPr sz="1350" kern="1200">
-          <a:solidFill>
-            <a:schemeClr val="tx1"/>
-          </a:solidFill>
-          <a:latin typeface="+mn-lt"/>
-          <a:ea typeface="+mn-ea"/>
-          <a:cs typeface="+mn-cs"/>
-        </a:defRPr>
-      </a:lvl7pPr>
-      <a:lvl8pPr marL="2571750" indent="-171450" algn="l" defTabSz="685800" rtl="0" eaLnBrk="1" latinLnBrk="0" hangingPunct="1">
-        <a:lnSpc>
-          <a:spcPct val="90000"/>
-        </a:lnSpc>
-        <a:spcBef>
-          <a:spcPts val="375"/>
-        </a:spcBef>
-        <a:buFont typeface="Arial" panose="020B0604020202020204" pitchFamily="34" charset="0"/>
-        <a:buChar char="•"/>
-        <a:defRPr sz="1350" kern="1200">
-          <a:solidFill>
-            <a:schemeClr val="tx1"/>
-          </a:solidFill>
-          <a:latin typeface="+mn-lt"/>
-          <a:ea typeface="+mn-ea"/>
-          <a:cs typeface="+mn-cs"/>
-        </a:defRPr>
-      </a:lvl8pPr>
-      <a:lvl9pPr marL="2914650" indent="-171450" algn="l" defTabSz="685800" rtl="0" eaLnBrk="1" latinLnBrk="0" hangingPunct="1">
-        <a:lnSpc>
-          <a:spcPct val="90000"/>
-        </a:lnSpc>
-        <a:spcBef>
-          <a:spcPts val="375"/>
-        </a:spcBef>
-        <a:buFont typeface="Arial" panose="020B0604020202020204" pitchFamily="34" charset="0"/>
-        <a:buChar char="•"/>
-        <a:defRPr sz="1350" kern="1200">
-          <a:solidFill>
-            <a:schemeClr val="tx1"/>
-          </a:solidFill>
-          <a:latin typeface="+mn-lt"/>
-          <a:ea typeface="+mn-ea"/>
-          <a:cs typeface="+mn-cs"/>
-        </a:defRPr>
-      </a:lvl9pPr>
-    </p:bodyStyle>
-    <p:otherStyle>
-      <a:defPPr>
-        <a:defRPr lang="en-US"/>
-      </a:defPPr>
-      <a:lvl1pPr marL="0" algn="l" defTabSz="685800" rtl="0" eaLnBrk="1" latinLnBrk="0" hangingPunct="1">
-        <a:defRPr sz="1350" kern="1200">
-          <a:solidFill>
-            <a:schemeClr val="tx1"/>
-          </a:solidFill>
-          <a:latin typeface="+mn-lt"/>
-          <a:ea typeface="+mn-ea"/>
-          <a:cs typeface="+mn-cs"/>
-        </a:defRPr>
-      </a:lvl1pPr>
-      <a:lvl2pPr marL="342900" algn="l" defTabSz="685800" rtl="0" eaLnBrk="1" latinLnBrk="0" hangingPunct="1">
-        <a:defRPr sz="1350" kern="1200">
-          <a:solidFill>
-            <a:schemeClr val="tx1"/>
-          </a:solidFill>
-          <a:latin typeface="+mn-lt"/>
-          <a:ea typeface="+mn-ea"/>
-          <a:cs typeface="+mn-cs"/>
-        </a:defRPr>
-      </a:lvl2pPr>
-      <a:lvl3pPr marL="685800" algn="l" defTabSz="685800" rtl="0" eaLnBrk="1" latinLnBrk="0" hangingPunct="1">
-        <a:defRPr sz="1350" kern="1200">
-          <a:solidFill>
-            <a:schemeClr val="tx1"/>
-          </a:solidFill>
-          <a:latin typeface="+mn-lt"/>
-          <a:ea typeface="+mn-ea"/>
-          <a:cs typeface="+mn-cs"/>
-        </a:defRPr>
-      </a:lvl3pPr>
-      <a:lvl4pPr marL="1028700" algn="l" defTabSz="685800" rtl="0" eaLnBrk="1" latinLnBrk="0" hangingPunct="1">
-        <a:defRPr sz="1350" kern="1200">
-          <a:solidFill>
-            <a:schemeClr val="tx1"/>
-          </a:solidFill>
-          <a:latin typeface="+mn-lt"/>
-          <a:ea typeface="+mn-ea"/>
-          <a:cs typeface="+mn-cs"/>
-        </a:defRPr>
-      </a:lvl4pPr>
-      <a:lvl5pPr marL="1371600" algn="l" defTabSz="685800" rtl="0" eaLnBrk="1" latinLnBrk="0" hangingPunct="1">
-        <a:defRPr sz="1350" kern="1200">
-          <a:solidFill>
-            <a:schemeClr val="tx1"/>
-          </a:solidFill>
-          <a:latin typeface="+mn-lt"/>
-          <a:ea typeface="+mn-ea"/>
-          <a:cs typeface="+mn-cs"/>
-        </a:defRPr>
-      </a:lvl5pPr>
-      <a:lvl6pPr marL="1714500" algn="l" defTabSz="685800" rtl="0" eaLnBrk="1" latinLnBrk="0" hangingPunct="1">
-        <a:defRPr sz="1350" kern="1200">
-          <a:solidFill>
-            <a:schemeClr val="tx1"/>
-          </a:solidFill>
-          <a:latin typeface="+mn-lt"/>
-          <a:ea typeface="+mn-ea"/>
-          <a:cs typeface="+mn-cs"/>
-        </a:defRPr>
-      </a:lvl6pPr>
-      <a:lvl7pPr marL="2057400" algn="l" defTabSz="685800" rtl="0" eaLnBrk="1" latinLnBrk="0" hangingPunct="1">
-        <a:defRPr sz="1350" kern="1200">
-          <a:solidFill>
-            <a:schemeClr val="tx1"/>
-          </a:solidFill>
-          <a:latin typeface="+mn-lt"/>
-          <a:ea typeface="+mn-ea"/>
-          <a:cs typeface="+mn-cs"/>
-        </a:defRPr>
-      </a:lvl7pPr>
-      <a:lvl8pPr marL="2400300" algn="l" defTabSz="685800" rtl="0" eaLnBrk="1" latinLnBrk="0" hangingPunct="1">
-        <a:defRPr sz="1350" kern="1200">
-          <a:solidFill>
-            <a:schemeClr val="tx1"/>
-          </a:solidFill>
-          <a:latin typeface="+mn-lt"/>
-          <a:ea typeface="+mn-ea"/>
-          <a:cs typeface="+mn-cs"/>
-        </a:defRPr>
-      </a:lvl8pPr>
-      <a:lvl9pPr marL="2743200" algn="l" defTabSz="685800" rtl="0" eaLnBrk="1" latinLnBrk="0" hangingPunct="1">
-        <a:defRPr sz="1350" kern="1200">
-          <a:solidFill>
-            <a:schemeClr val="tx1"/>
-          </a:solidFill>
-          <a:latin typeface="+mn-lt"/>
-          <a:ea typeface="+mn-ea"/>
-          <a:cs typeface="+mn-cs"/>
-        </a:defRPr>
-      </a:lvl9pPr>
-    </p:otherStyle>
-  </p:txStyles>
-</p:sldMaster>
-</file>
-
-<file path=ppt/slideMasters/slideMaster2.xml><?xml version="1.0" encoding="utf-8"?>
 <p:sldMaster xmlns:a="http://schemas.openxmlformats.org/drawingml/2006/main" xmlns:r="http://schemas.openxmlformats.org/officeDocument/2006/relationships" xmlns:p="http://schemas.openxmlformats.org/presentationml/2006/main">
   <p:cSld>
     <p:bg>
@@ -6183,8 +2805,8 @@
         </p:nvSpPr>
         <p:spPr>
           <a:xfrm>
-            <a:off x="838200" y="365125"/>
-            <a:ext cx="10515600" cy="1325563"/>
+            <a:off x="628650" y="365126"/>
+            <a:ext cx="7886700" cy="1325563"/>
           </a:xfrm>
           <a:prstGeom prst="rect">
             <a:avLst/>
@@ -6216,8 +2838,8 @@
         </p:nvSpPr>
         <p:spPr>
           <a:xfrm>
-            <a:off x="838200" y="1825625"/>
-            <a:ext cx="10515600" cy="4351338"/>
+            <a:off x="628650" y="1825625"/>
+            <a:ext cx="7886700" cy="4351338"/>
           </a:xfrm>
           <a:prstGeom prst="rect">
             <a:avLst/>
@@ -6278,8 +2900,8 @@
         </p:nvSpPr>
         <p:spPr>
           <a:xfrm>
-            <a:off x="838200" y="6356350"/>
-            <a:ext cx="2743200" cy="365125"/>
+            <a:off x="628650" y="6356351"/>
+            <a:ext cx="2057400" cy="365125"/>
           </a:xfrm>
           <a:prstGeom prst="rect">
             <a:avLst/>
@@ -6301,7 +2923,7 @@
           <a:p>
             <a:fld id="{3D2277E6-1886-452C-854D-DB4A9BB05FC1}" type="datetimeFigureOut">
               <a:rPr lang="en-US" smtClean="0"/>
-              <a:t>13-Nov-18</a:t>
+              <a:t>14-Nov-18</a:t>
             </a:fld>
             <a:endParaRPr lang="en-US"/>
           </a:p>
@@ -6319,8 +2941,8 @@
         </p:nvSpPr>
         <p:spPr>
           <a:xfrm>
-            <a:off x="4038600" y="6356350"/>
-            <a:ext cx="4114800" cy="365125"/>
+            <a:off x="3028950" y="6356351"/>
+            <a:ext cx="3086100" cy="365125"/>
           </a:xfrm>
           <a:prstGeom prst="rect">
             <a:avLst/>
@@ -6356,8 +2978,8 @@
         </p:nvSpPr>
         <p:spPr>
           <a:xfrm>
-            <a:off x="8610600" y="6356350"/>
-            <a:ext cx="2743200" cy="365125"/>
+            <a:off x="6457950" y="6356351"/>
+            <a:ext cx="2057400" cy="365125"/>
           </a:xfrm>
           <a:prstGeom prst="rect">
             <a:avLst/>
@@ -6390,7 +3012,7 @@
           <p:cNvPr id="7" name="Picture 6">
             <a:extLst>
               <a:ext uri="{FF2B5EF4-FFF2-40B4-BE49-F238E27FC236}">
-                <a16:creationId xmlns:a16="http://schemas.microsoft.com/office/drawing/2014/main" id="{D598E77C-143D-4AA7-8E39-5DD4D985E3D8}"/>
+                <a16:creationId xmlns:a16="http://schemas.microsoft.com/office/drawing/2014/main" id="{04AA333B-B8D8-41F4-9761-32A35CC4A854}"/>
               </a:ext>
             </a:extLst>
           </p:cNvPr>
@@ -6413,8 +3035,8 @@
         </p:blipFill>
         <p:spPr>
           <a:xfrm>
-            <a:off x="6634535" y="0"/>
-            <a:ext cx="6422685" cy="6858000"/>
+            <a:off x="6457950" y="3214155"/>
+            <a:ext cx="2686050" cy="3324758"/>
           </a:xfrm>
           <a:prstGeom prst="rect">
             <a:avLst/>
@@ -6426,7 +3048,7 @@
           <p:cNvPr id="8" name="Object 7">
             <a:extLst>
               <a:ext uri="{FF2B5EF4-FFF2-40B4-BE49-F238E27FC236}">
-                <a16:creationId xmlns:a16="http://schemas.microsoft.com/office/drawing/2014/main" id="{FB6B848D-AF48-4901-B4EC-9266B766053B}"/>
+                <a16:creationId xmlns:a16="http://schemas.microsoft.com/office/drawing/2014/main" id="{AC3E12A1-94FC-458F-8ECB-FB11B8131AC9}"/>
               </a:ext>
             </a:extLst>
           </p:cNvPr>
@@ -6437,13 +3059,13 @@
         </p:nvGraphicFramePr>
         <p:xfrm>
           <a:off x="0" y="6582032"/>
-          <a:ext cx="12192000" cy="275968"/>
+          <a:ext cx="9144000" cy="275968"/>
         </p:xfrm>
         <a:graphic>
           <a:graphicData uri="http://schemas.openxmlformats.org/presentationml/2006/ole">
             <mc:AlternateContent xmlns:mc="http://schemas.openxmlformats.org/markup-compatibility/2006">
               <mc:Choice xmlns:v="urn:schemas-microsoft-com:vml" Requires="v">
-                <p:oleObj spid="_x0000_s8195" r:id="rId15" imgW="12380760" imgH="279360" progId="">
+                <p:oleObj spid="_x0000_s10242" r:id="rId15" imgW="12380760" imgH="279360" progId="">
                   <p:embed/>
                 </p:oleObj>
               </mc:Choice>
@@ -6452,10 +3074,10 @@
                   <p:embed/>
                   <p:pic>
                     <p:nvPicPr>
-                      <p:cNvPr id="7" name="Object 6">
+                      <p:cNvPr id="8" name="Object 7">
                         <a:extLst>
                           <a:ext uri="{FF2B5EF4-FFF2-40B4-BE49-F238E27FC236}">
-                            <a16:creationId xmlns:a16="http://schemas.microsoft.com/office/drawing/2014/main" id="{CD6FDDF6-C53C-4F63-8FAD-1799B7BA326C}"/>
+                            <a16:creationId xmlns:a16="http://schemas.microsoft.com/office/drawing/2014/main" id="{EF741176-9EC0-4387-9395-A75FCD0B6540}"/>
                           </a:ext>
                         </a:extLst>
                       </p:cNvPr>
@@ -6471,7 +3093,7 @@
                     <p:spPr>
                       <a:xfrm>
                         <a:off x="0" y="6582032"/>
-                        <a:ext cx="12192000" cy="275968"/>
+                        <a:ext cx="9144000" cy="275968"/>
                       </a:xfrm>
                       <a:prstGeom prst="rect">
                         <a:avLst/>
@@ -6489,7 +3111,7 @@
           <p:cNvPr id="9" name="Picture 8">
             <a:extLst>
               <a:ext uri="{FF2B5EF4-FFF2-40B4-BE49-F238E27FC236}">
-                <a16:creationId xmlns:a16="http://schemas.microsoft.com/office/drawing/2014/main" id="{73152BEF-DE65-46C4-96D4-1236E59993B4}"/>
+                <a16:creationId xmlns:a16="http://schemas.microsoft.com/office/drawing/2014/main" id="{5C7AB634-6FEA-4316-AA68-10F405227275}"/>
               </a:ext>
             </a:extLst>
           </p:cNvPr>
@@ -6512,8 +3134,8 @@
         </p:blipFill>
         <p:spPr>
           <a:xfrm>
-            <a:off x="8678334" y="5932627"/>
-            <a:ext cx="3425615" cy="618880"/>
+            <a:off x="6508753" y="5932627"/>
+            <a:ext cx="2569211" cy="618880"/>
           </a:xfrm>
           <a:prstGeom prst="rect">
             <a:avLst/>
@@ -6525,7 +3147,7 @@
           <p:cNvPr id="10" name="Picture 9">
             <a:extLst>
               <a:ext uri="{FF2B5EF4-FFF2-40B4-BE49-F238E27FC236}">
-                <a16:creationId xmlns:a16="http://schemas.microsoft.com/office/drawing/2014/main" id="{03552A32-7563-49DA-9E2B-D06E2D0F6589}"/>
+                <a16:creationId xmlns:a16="http://schemas.microsoft.com/office/drawing/2014/main" id="{B9947976-6E9A-4030-8AFC-D89043A880BC}"/>
               </a:ext>
             </a:extLst>
           </p:cNvPr>
@@ -6548,8 +3170,8 @@
         </p:blipFill>
         <p:spPr>
           <a:xfrm>
-            <a:off x="88053" y="6126678"/>
-            <a:ext cx="2247128" cy="275968"/>
+            <a:off x="66040" y="6126678"/>
+            <a:ext cx="1685346" cy="275968"/>
           </a:xfrm>
           <a:prstGeom prst="rect">
             <a:avLst/>
@@ -6559,23 +3181,23 @@
     </p:spTree>
     <p:extLst>
       <p:ext uri="{BB962C8B-B14F-4D97-AF65-F5344CB8AC3E}">
-        <p14:creationId xmlns:p14="http://schemas.microsoft.com/office/powerpoint/2010/main" val="2588382058"/>
+        <p14:creationId xmlns:p14="http://schemas.microsoft.com/office/powerpoint/2010/main" val="840649537"/>
       </p:ext>
     </p:extLst>
   </p:cSld>
   <p:clrMap bg1="lt1" tx1="dk1" bg2="lt2" tx2="dk2" accent1="accent1" accent2="accent2" accent3="accent3" accent4="accent4" accent5="accent5" accent6="accent6" hlink="hlink" folHlink="folHlink"/>
   <p:sldLayoutIdLst>
-    <p:sldLayoutId id="2147483677" r:id="rId1"/>
-    <p:sldLayoutId id="2147483678" r:id="rId2"/>
-    <p:sldLayoutId id="2147483679" r:id="rId3"/>
-    <p:sldLayoutId id="2147483680" r:id="rId4"/>
-    <p:sldLayoutId id="2147483681" r:id="rId5"/>
-    <p:sldLayoutId id="2147483682" r:id="rId6"/>
-    <p:sldLayoutId id="2147483683" r:id="rId7"/>
-    <p:sldLayoutId id="2147483684" r:id="rId8"/>
-    <p:sldLayoutId id="2147483685" r:id="rId9"/>
-    <p:sldLayoutId id="2147483686" r:id="rId10"/>
-    <p:sldLayoutId id="2147483687" r:id="rId11"/>
+    <p:sldLayoutId id="2147483713" r:id="rId1"/>
+    <p:sldLayoutId id="2147483714" r:id="rId2"/>
+    <p:sldLayoutId id="2147483715" r:id="rId3"/>
+    <p:sldLayoutId id="2147483716" r:id="rId4"/>
+    <p:sldLayoutId id="2147483717" r:id="rId5"/>
+    <p:sldLayoutId id="2147483718" r:id="rId6"/>
+    <p:sldLayoutId id="2147483719" r:id="rId7"/>
+    <p:sldLayoutId id="2147483720" r:id="rId8"/>
+    <p:sldLayoutId id="2147483721" r:id="rId9"/>
+    <p:sldLayoutId id="2147483722" r:id="rId10"/>
+    <p:sldLayoutId id="2147483723" r:id="rId11"/>
   </p:sldLayoutIdLst>
   <p:txStyles>
     <p:titleStyle>
@@ -6905,8 +3527,8 @@
         </p:blipFill>
         <p:spPr>
           <a:xfrm>
-            <a:off x="2524125" y="2878931"/>
-            <a:ext cx="7143750" cy="1100138"/>
+            <a:off x="1893099" y="3016448"/>
+            <a:ext cx="5357813" cy="825104"/>
           </a:xfrm>
           <a:prstGeom prst="rect">
             <a:avLst/>
@@ -6972,8 +3594,8 @@
         </p:blipFill>
         <p:spPr bwMode="auto">
           <a:xfrm>
-            <a:off x="3021931" y="1805093"/>
-            <a:ext cx="1119684" cy="371459"/>
+            <a:off x="1751699" y="1702302"/>
+            <a:ext cx="1372365" cy="455287"/>
           </a:xfrm>
           <a:prstGeom prst="rect">
             <a:avLst/>
@@ -7019,8 +3641,8 @@
         </p:blipFill>
         <p:spPr bwMode="auto">
           <a:xfrm>
-            <a:off x="2841459" y="2408774"/>
-            <a:ext cx="1402622" cy="461786"/>
+            <a:off x="1729047" y="2280924"/>
+            <a:ext cx="1719157" cy="566001"/>
           </a:xfrm>
           <a:prstGeom prst="rect">
             <a:avLst/>
@@ -7066,8 +3688,8 @@
         </p:blipFill>
         <p:spPr bwMode="auto">
           <a:xfrm>
-            <a:off x="4199691" y="2448809"/>
-            <a:ext cx="1079218" cy="374604"/>
+            <a:off x="3448205" y="2316274"/>
+            <a:ext cx="1322767" cy="459141"/>
           </a:xfrm>
           <a:prstGeom prst="rect">
             <a:avLst/>
@@ -7113,8 +3735,8 @@
         </p:blipFill>
         <p:spPr bwMode="auto">
           <a:xfrm>
-            <a:off x="5353071" y="2484229"/>
-            <a:ext cx="894921" cy="325426"/>
+            <a:off x="4885034" y="2346410"/>
+            <a:ext cx="1096883" cy="398867"/>
           </a:xfrm>
           <a:prstGeom prst="rect">
             <a:avLst/>
@@ -7160,8 +3782,8 @@
         </p:blipFill>
         <p:spPr bwMode="auto">
           <a:xfrm>
-            <a:off x="6371162" y="2475860"/>
-            <a:ext cx="767321" cy="372699"/>
+            <a:off x="6221082" y="2324016"/>
+            <a:ext cx="940485" cy="456807"/>
           </a:xfrm>
           <a:prstGeom prst="rect">
             <a:avLst/>
@@ -7207,8 +3829,8 @@
         </p:blipFill>
         <p:spPr bwMode="auto">
           <a:xfrm>
-            <a:off x="2942859" y="3065314"/>
-            <a:ext cx="1126022" cy="556637"/>
+            <a:off x="1796248" y="3060860"/>
+            <a:ext cx="1079651" cy="533715"/>
           </a:xfrm>
           <a:prstGeom prst="rect">
             <a:avLst/>
@@ -7254,8 +3876,8 @@
         </p:blipFill>
         <p:spPr bwMode="auto">
           <a:xfrm>
-            <a:off x="4286832" y="3237469"/>
-            <a:ext cx="1211006" cy="254948"/>
+            <a:off x="3124063" y="3188008"/>
+            <a:ext cx="1341624" cy="282447"/>
           </a:xfrm>
           <a:prstGeom prst="rect">
             <a:avLst/>
@@ -7301,8 +3923,8 @@
         </p:blipFill>
         <p:spPr bwMode="auto">
           <a:xfrm>
-            <a:off x="5726369" y="3258016"/>
-            <a:ext cx="1211004" cy="203959"/>
+            <a:off x="4649307" y="3220123"/>
+            <a:ext cx="1258684" cy="211989"/>
           </a:xfrm>
           <a:prstGeom prst="rect">
             <a:avLst/>
@@ -7348,8 +3970,8 @@
         </p:blipFill>
         <p:spPr bwMode="auto">
           <a:xfrm>
-            <a:off x="2942860" y="3915568"/>
-            <a:ext cx="883439" cy="135914"/>
+            <a:off x="1757589" y="3948210"/>
+            <a:ext cx="1230407" cy="189295"/>
           </a:xfrm>
           <a:prstGeom prst="rect">
             <a:avLst/>
@@ -7395,8 +4017,8 @@
         </p:blipFill>
         <p:spPr bwMode="auto">
           <a:xfrm>
-            <a:off x="4133389" y="3710619"/>
-            <a:ext cx="858400" cy="464966"/>
+            <a:off x="3150080" y="3936914"/>
+            <a:ext cx="1080272" cy="585148"/>
           </a:xfrm>
           <a:prstGeom prst="rect">
             <a:avLst/>
@@ -7442,8 +4064,8 @@
         </p:blipFill>
         <p:spPr bwMode="auto">
           <a:xfrm>
-            <a:off x="5163296" y="3778499"/>
-            <a:ext cx="1019349" cy="293286"/>
+            <a:off x="4392441" y="3909963"/>
+            <a:ext cx="1254848" cy="361045"/>
           </a:xfrm>
           <a:prstGeom prst="rect">
             <a:avLst/>
@@ -7489,8 +4111,8 @@
         </p:blipFill>
         <p:spPr bwMode="auto">
           <a:xfrm>
-            <a:off x="6371161" y="3803390"/>
-            <a:ext cx="1273292" cy="236060"/>
+            <a:off x="5908638" y="3996351"/>
+            <a:ext cx="1764869" cy="327196"/>
           </a:xfrm>
           <a:prstGeom prst="rect">
             <a:avLst/>
@@ -7536,8 +4158,8 @@
         </p:blipFill>
         <p:spPr bwMode="auto">
           <a:xfrm>
-            <a:off x="7852832" y="3818705"/>
-            <a:ext cx="954970" cy="185987"/>
+            <a:off x="1844731" y="4372414"/>
+            <a:ext cx="1079605" cy="210260"/>
           </a:xfrm>
           <a:prstGeom prst="rect">
             <a:avLst/>
@@ -7583,8 +4205,8 @@
         </p:blipFill>
         <p:spPr bwMode="auto">
           <a:xfrm>
-            <a:off x="2841460" y="4272703"/>
-            <a:ext cx="825104" cy="825104"/>
+            <a:off x="1610471" y="4708460"/>
+            <a:ext cx="966344" cy="966344"/>
           </a:xfrm>
           <a:prstGeom prst="rect">
             <a:avLst/>
@@ -7630,8 +4252,8 @@
         </p:blipFill>
         <p:spPr bwMode="auto">
           <a:xfrm>
-            <a:off x="8113264" y="4604670"/>
-            <a:ext cx="1108776" cy="284301"/>
+            <a:off x="7030359" y="5078637"/>
+            <a:ext cx="1330460" cy="341144"/>
           </a:xfrm>
           <a:prstGeom prst="rect">
             <a:avLst/>
@@ -7677,8 +4299,8 @@
         </p:blipFill>
         <p:spPr bwMode="auto">
           <a:xfrm>
-            <a:off x="6601357" y="4622438"/>
-            <a:ext cx="1246189" cy="227441"/>
+            <a:off x="5428095" y="5112756"/>
+            <a:ext cx="1495349" cy="272915"/>
           </a:xfrm>
           <a:prstGeom prst="rect">
             <a:avLst/>
@@ -7724,8 +4346,8 @@
         </p:blipFill>
         <p:spPr bwMode="auto">
           <a:xfrm>
-            <a:off x="5627883" y="4471606"/>
-            <a:ext cx="843428" cy="431191"/>
+            <a:off x="4297561" y="4948909"/>
+            <a:ext cx="1012061" cy="517401"/>
           </a:xfrm>
           <a:prstGeom prst="rect">
             <a:avLst/>
@@ -7756,8 +4378,8 @@
         </p:nvSpPr>
         <p:spPr>
           <a:xfrm>
-            <a:off x="1913155" y="1807957"/>
-            <a:ext cx="1029704" cy="300082"/>
+            <a:off x="714020" y="1796487"/>
+            <a:ext cx="1003235" cy="276999"/>
           </a:xfrm>
           <a:prstGeom prst="rect">
             <a:avLst/>
@@ -7771,7 +4393,7 @@
           <a:lstStyle/>
           <a:p>
             <a:r>
-              <a:rPr lang="en-US" sz="1350" b="1" cap="all" dirty="0">
+              <a:rPr lang="en-US" sz="1200" b="1" cap="all" dirty="0">
                 <a:solidFill>
                   <a:schemeClr val="bg1">
                     <a:lumMod val="50000"/>
@@ -7797,8 +4419,8 @@
         </p:nvSpPr>
         <p:spPr>
           <a:xfrm>
-            <a:off x="1913156" y="2523709"/>
-            <a:ext cx="1108776" cy="300082"/>
+            <a:off x="719188" y="2456964"/>
+            <a:ext cx="1080273" cy="276999"/>
           </a:xfrm>
           <a:prstGeom prst="rect">
             <a:avLst/>
@@ -7812,7 +4434,7 @@
           <a:lstStyle/>
           <a:p>
             <a:r>
-              <a:rPr lang="en-US" sz="1350" b="1" cap="all" dirty="0">
+              <a:rPr lang="en-US" sz="1200" b="1" cap="all" dirty="0">
                 <a:solidFill>
                   <a:schemeClr val="bg1">
                     <a:lumMod val="50000"/>
@@ -7838,8 +4460,8 @@
         </p:nvSpPr>
         <p:spPr>
           <a:xfrm>
-            <a:off x="1913156" y="3208543"/>
-            <a:ext cx="1108776" cy="300082"/>
+            <a:off x="671428" y="3220522"/>
+            <a:ext cx="1080273" cy="276999"/>
           </a:xfrm>
           <a:prstGeom prst="rect">
             <a:avLst/>
@@ -7853,7 +4475,7 @@
           <a:lstStyle/>
           <a:p>
             <a:r>
-              <a:rPr lang="en-US" sz="1350" b="1" cap="all" dirty="0">
+              <a:rPr lang="en-US" sz="1200" b="1" cap="all" dirty="0">
                 <a:solidFill>
                   <a:schemeClr val="bg1">
                     <a:lumMod val="50000"/>
@@ -7879,8 +4501,8 @@
         </p:nvSpPr>
         <p:spPr>
           <a:xfrm>
-            <a:off x="1913156" y="3809361"/>
-            <a:ext cx="1108776" cy="300082"/>
+            <a:off x="681393" y="4068482"/>
+            <a:ext cx="1080273" cy="276999"/>
           </a:xfrm>
           <a:prstGeom prst="rect">
             <a:avLst/>
@@ -7894,7 +4516,7 @@
           <a:lstStyle/>
           <a:p>
             <a:r>
-              <a:rPr lang="en-US" sz="1350" b="1" cap="all" dirty="0">
+              <a:rPr lang="en-US" sz="1200" b="1" cap="all" dirty="0">
                 <a:solidFill>
                   <a:schemeClr val="bg1">
                     <a:lumMod val="50000"/>
@@ -7920,8 +4542,8 @@
         </p:nvSpPr>
         <p:spPr>
           <a:xfrm>
-            <a:off x="1913155" y="4471019"/>
-            <a:ext cx="1108776" cy="507831"/>
+            <a:off x="714024" y="4976779"/>
+            <a:ext cx="1080273" cy="461665"/>
           </a:xfrm>
           <a:prstGeom prst="rect">
             <a:avLst/>
@@ -7935,7 +4557,7 @@
           <a:lstStyle/>
           <a:p>
             <a:r>
-              <a:rPr lang="en-US" sz="1350" b="1" cap="all" dirty="0">
+              <a:rPr lang="en-US" sz="1200" b="1" cap="all" dirty="0">
                 <a:solidFill>
                   <a:schemeClr val="bg1">
                     <a:lumMod val="50000"/>
@@ -7947,7 +4569,7 @@
           </a:p>
           <a:p>
             <a:r>
-              <a:rPr lang="en-US" sz="1350" b="1" cap="all" dirty="0">
+              <a:rPr lang="en-US" sz="1200" b="1" cap="all" dirty="0">
                 <a:solidFill>
                   <a:schemeClr val="bg1">
                     <a:lumMod val="50000"/>
@@ -7973,8 +4595,8 @@
         </p:nvSpPr>
         <p:spPr>
           <a:xfrm>
-            <a:off x="4389062" y="4475526"/>
-            <a:ext cx="1211006" cy="507831"/>
+            <a:off x="3265062" y="5062225"/>
+            <a:ext cx="1144980" cy="404085"/>
           </a:xfrm>
           <a:prstGeom prst="rect">
             <a:avLst/>
@@ -7988,7 +4610,7 @@
           <a:lstStyle/>
           <a:p>
             <a:r>
-              <a:rPr lang="en-US" sz="1350" b="1" cap="all" dirty="0">
+              <a:rPr lang="en-US" sz="1013" b="1" cap="all" dirty="0">
                 <a:solidFill>
                   <a:schemeClr val="bg1">
                     <a:lumMod val="50000"/>
@@ -8016,16 +4638,16 @@
         </p:nvSpPr>
         <p:spPr>
           <a:xfrm>
-            <a:off x="1913156" y="673122"/>
-            <a:ext cx="8079515" cy="650836"/>
+            <a:off x="1016819" y="857971"/>
+            <a:ext cx="6477689" cy="536940"/>
           </a:xfrm>
           <a:prstGeom prst="rect">
             <a:avLst/>
           </a:prstGeom>
         </p:spPr>
         <p:txBody>
-          <a:bodyPr vert="horz" lIns="68580" tIns="34290" rIns="68580" bIns="34290" rtlCol="0" anchor="b">
-            <a:normAutofit/>
+          <a:bodyPr vert="horz" lIns="51435" tIns="25719" rIns="51435" bIns="25719" rtlCol="0" anchor="b">
+            <a:noAutofit/>
           </a:bodyPr>
           <a:lstStyle>
             <a:lvl1pPr algn="ctr" defTabSz="914400" rtl="0" eaLnBrk="1" latinLnBrk="0" hangingPunct="1">
@@ -8049,7 +4671,7 @@
           <a:p>
             <a:pPr algn="l"/>
             <a:r>
-              <a:rPr lang="en-US" sz="2700" dirty="0">
+              <a:rPr lang="en-US" sz="3600" dirty="0">
                 <a:solidFill>
                   <a:srgbClr val="0D78BF"/>
                 </a:solidFill>
@@ -8087,8 +4709,44 @@
         </p:blipFill>
         <p:spPr>
           <a:xfrm>
-            <a:off x="7089475" y="3128659"/>
-            <a:ext cx="643054" cy="429949"/>
+            <a:off x="6172428" y="3094324"/>
+            <a:ext cx="787851" cy="526760"/>
+          </a:xfrm>
+          <a:prstGeom prst="rect">
+            <a:avLst/>
+          </a:prstGeom>
+        </p:spPr>
+      </p:pic>
+      <p:pic>
+        <p:nvPicPr>
+          <p:cNvPr id="3" name="Picture 2">
+            <a:extLst>
+              <a:ext uri="{FF2B5EF4-FFF2-40B4-BE49-F238E27FC236}">
+                <a16:creationId xmlns:a16="http://schemas.microsoft.com/office/drawing/2014/main" id="{AC9CAAB1-13A9-4694-BDB7-476F8A2CB86B}"/>
+              </a:ext>
+            </a:extLst>
+          </p:cNvPr>
+          <p:cNvPicPr>
+            <a:picLocks noChangeAspect="1"/>
+          </p:cNvPicPr>
+          <p:nvPr/>
+        </p:nvPicPr>
+        <p:blipFill>
+          <a:blip r:embed="rId20">
+            <a:extLst>
+              <a:ext uri="{28A0092B-C50C-407E-A947-70E740481C1C}">
+                <a14:useLocalDpi xmlns:a14="http://schemas.microsoft.com/office/drawing/2010/main" val="0"/>
+              </a:ext>
+            </a:extLst>
+          </a:blip>
+          <a:stretch>
+            <a:fillRect/>
+          </a:stretch>
+        </p:blipFill>
+        <p:spPr>
+          <a:xfrm>
+            <a:off x="4415853" y="4413359"/>
+            <a:ext cx="2131847" cy="153301"/>
           </a:xfrm>
           <a:prstGeom prst="rect">
             <a:avLst/>
@@ -8153,8 +4811,8 @@
         </p:blipFill>
         <p:spPr>
           <a:xfrm>
-            <a:off x="7282096" y="1212370"/>
-            <a:ext cx="2416994" cy="3772381"/>
+            <a:off x="5461575" y="1766532"/>
+            <a:ext cx="1812747" cy="2829287"/>
           </a:xfrm>
           <a:prstGeom prst="rect">
             <a:avLst/>
@@ -8196,7 +4854,7 @@
           <p:cNvPr id="2" name="Title 1">
             <a:extLst>
               <a:ext uri="{FF2B5EF4-FFF2-40B4-BE49-F238E27FC236}">
-                <a16:creationId xmlns:a16="http://schemas.microsoft.com/office/drawing/2014/main" id="{42FA2F18-FE26-438D-990E-2BAAE7630B3E}"/>
+                <a16:creationId xmlns:a16="http://schemas.microsoft.com/office/drawing/2014/main" id="{15BFECC0-CC08-4AE8-9E89-8BA5F1FBAA43}"/>
               </a:ext>
             </a:extLst>
           </p:cNvPr>
@@ -8212,7 +4870,7 @@
           <a:bodyPr/>
           <a:lstStyle/>
           <a:p>
-            <a:endParaRPr lang="en-US" dirty="0"/>
+            <a:endParaRPr lang="en-US"/>
           </a:p>
         </p:txBody>
       </p:sp>
@@ -8221,7 +4879,7 @@
           <p:cNvPr id="3" name="Content Placeholder 2">
             <a:extLst>
               <a:ext uri="{FF2B5EF4-FFF2-40B4-BE49-F238E27FC236}">
-                <a16:creationId xmlns:a16="http://schemas.microsoft.com/office/drawing/2014/main" id="{E102AD01-A34F-4CBC-A8B3-9DFE98194C46}"/>
+                <a16:creationId xmlns:a16="http://schemas.microsoft.com/office/drawing/2014/main" id="{CA9231E1-BEB9-4223-B829-C354F180CB98}"/>
               </a:ext>
             </a:extLst>
           </p:cNvPr>
@@ -8237,14 +4895,14 @@
           <a:bodyPr/>
           <a:lstStyle/>
           <a:p>
-            <a:endParaRPr lang="en-US" dirty="0"/>
+            <a:endParaRPr lang="en-US"/>
           </a:p>
         </p:txBody>
       </p:sp>
     </p:spTree>
     <p:extLst>
       <p:ext uri="{BB962C8B-B14F-4D97-AF65-F5344CB8AC3E}">
-        <p14:creationId xmlns:p14="http://schemas.microsoft.com/office/powerpoint/2010/main" val="1355678533"/>
+        <p14:creationId xmlns:p14="http://schemas.microsoft.com/office/powerpoint/2010/main" val="4286208463"/>
       </p:ext>
     </p:extLst>
   </p:cSld>
@@ -8273,6 +4931,86 @@
       </p:grpSpPr>
       <p:sp>
         <p:nvSpPr>
+          <p:cNvPr id="2" name="Title 1">
+            <a:extLst>
+              <a:ext uri="{FF2B5EF4-FFF2-40B4-BE49-F238E27FC236}">
+                <a16:creationId xmlns:a16="http://schemas.microsoft.com/office/drawing/2014/main" id="{42FA2F18-FE26-438D-990E-2BAAE7630B3E}"/>
+              </a:ext>
+            </a:extLst>
+          </p:cNvPr>
+          <p:cNvSpPr>
+            <a:spLocks noGrp="1"/>
+          </p:cNvSpPr>
+          <p:nvPr>
+            <p:ph type="title"/>
+          </p:nvPr>
+        </p:nvSpPr>
+        <p:spPr/>
+        <p:txBody>
+          <a:bodyPr/>
+          <a:lstStyle/>
+          <a:p>
+            <a:endParaRPr lang="en-US" dirty="0"/>
+          </a:p>
+        </p:txBody>
+      </p:sp>
+      <p:sp>
+        <p:nvSpPr>
+          <p:cNvPr id="3" name="Content Placeholder 2">
+            <a:extLst>
+              <a:ext uri="{FF2B5EF4-FFF2-40B4-BE49-F238E27FC236}">
+                <a16:creationId xmlns:a16="http://schemas.microsoft.com/office/drawing/2014/main" id="{E102AD01-A34F-4CBC-A8B3-9DFE98194C46}"/>
+              </a:ext>
+            </a:extLst>
+          </p:cNvPr>
+          <p:cNvSpPr>
+            <a:spLocks noGrp="1"/>
+          </p:cNvSpPr>
+          <p:nvPr>
+            <p:ph idx="1"/>
+          </p:nvPr>
+        </p:nvSpPr>
+        <p:spPr/>
+        <p:txBody>
+          <a:bodyPr/>
+          <a:lstStyle/>
+          <a:p>
+            <a:endParaRPr lang="en-US" dirty="0"/>
+          </a:p>
+        </p:txBody>
+      </p:sp>
+    </p:spTree>
+    <p:extLst>
+      <p:ext uri="{BB962C8B-B14F-4D97-AF65-F5344CB8AC3E}">
+        <p14:creationId xmlns:p14="http://schemas.microsoft.com/office/powerpoint/2010/main" val="1355678533"/>
+      </p:ext>
+    </p:extLst>
+  </p:cSld>
+  <p:clrMapOvr>
+    <a:masterClrMapping/>
+  </p:clrMapOvr>
+</p:sld>
+</file>
+
+<file path=ppt/slides/slide6.xml><?xml version="1.0" encoding="utf-8"?>
+<p:sld xmlns:a="http://schemas.openxmlformats.org/drawingml/2006/main" xmlns:r="http://schemas.openxmlformats.org/officeDocument/2006/relationships" xmlns:p="http://schemas.openxmlformats.org/presentationml/2006/main">
+  <p:cSld>
+    <p:spTree>
+      <p:nvGrpSpPr>
+        <p:cNvPr id="1" name=""/>
+        <p:cNvGrpSpPr/>
+        <p:nvPr/>
+      </p:nvGrpSpPr>
+      <p:grpSpPr>
+        <a:xfrm>
+          <a:off x="0" y="0"/>
+          <a:ext cx="0" cy="0"/>
+          <a:chOff x="0" y="0"/>
+          <a:chExt cx="0" cy="0"/>
+        </a:xfrm>
+      </p:grpSpPr>
+      <p:sp>
+        <p:nvSpPr>
           <p:cNvPr id="4" name="Rectangle 3">
             <a:extLst>
               <a:ext uri="{FF2B5EF4-FFF2-40B4-BE49-F238E27FC236}">
@@ -8285,8 +5023,8 @@
         </p:nvSpPr>
         <p:spPr>
           <a:xfrm>
-            <a:off x="1524001" y="857250"/>
-            <a:ext cx="9300410" cy="2297094"/>
+            <a:off x="0" y="1"/>
+            <a:ext cx="9144000" cy="3223008"/>
           </a:xfrm>
           <a:prstGeom prst="rect">
             <a:avLst/>
@@ -8316,7 +5054,7 @@
           <a:lstStyle/>
           <a:p>
             <a:pPr algn="ctr"/>
-            <a:endParaRPr lang="en-US" sz="1350" dirty="0"/>
+            <a:endParaRPr lang="en-US" sz="1013" dirty="0"/>
           </a:p>
         </p:txBody>
       </p:sp>
@@ -8334,8 +5072,8 @@
         </p:nvSpPr>
         <p:spPr>
           <a:xfrm>
-            <a:off x="1993983" y="2176588"/>
-            <a:ext cx="2874698" cy="1107996"/>
+            <a:off x="1495488" y="2489691"/>
+            <a:ext cx="2203360" cy="854208"/>
           </a:xfrm>
           <a:prstGeom prst="rect">
             <a:avLst/>
@@ -8349,7 +5087,7 @@
           <a:lstStyle/>
           <a:p>
             <a:r>
-              <a:rPr lang="en-US" sz="6600" dirty="0">
+              <a:rPr lang="en-US" sz="4951" dirty="0">
                 <a:solidFill>
                   <a:schemeClr val="bg1"/>
                 </a:solidFill>
@@ -8373,8 +5111,8 @@
         </p:nvSpPr>
         <p:spPr>
           <a:xfrm>
-            <a:off x="2065422" y="3154346"/>
-            <a:ext cx="2490105" cy="530915"/>
+            <a:off x="1549066" y="3223009"/>
+            <a:ext cx="1914178" cy="421526"/>
           </a:xfrm>
           <a:prstGeom prst="rect">
             <a:avLst/>
@@ -8388,7 +5126,7 @@
           <a:lstStyle/>
           <a:p>
             <a:r>
-              <a:rPr lang="en-US" sz="2850" dirty="0">
+              <a:rPr lang="en-US" sz="2139" dirty="0">
                 <a:solidFill>
                   <a:schemeClr val="bg1">
                     <a:lumMod val="50000"/>
@@ -8428,8 +5166,8 @@
         </p:blipFill>
         <p:spPr>
           <a:xfrm>
-            <a:off x="7455944" y="1150520"/>
-            <a:ext cx="2128838" cy="3714750"/>
+            <a:off x="5591963" y="1720145"/>
+            <a:ext cx="1596629" cy="2786063"/>
           </a:xfrm>
           <a:prstGeom prst="rect">
             <a:avLst/>
@@ -8450,301 +5188,6 @@
 </file>
 
 <file path=ppt/theme/theme1.xml><?xml version="1.0" encoding="utf-8"?>
-<a:theme xmlns:a="http://schemas.openxmlformats.org/drawingml/2006/main" name="1_Office Theme">
-  <a:themeElements>
-    <a:clrScheme name="Office">
-      <a:dk1>
-        <a:sysClr val="windowText" lastClr="000000"/>
-      </a:dk1>
-      <a:lt1>
-        <a:sysClr val="window" lastClr="FFFFFF"/>
-      </a:lt1>
-      <a:dk2>
-        <a:srgbClr val="44546A"/>
-      </a:dk2>
-      <a:lt2>
-        <a:srgbClr val="E7E6E6"/>
-      </a:lt2>
-      <a:accent1>
-        <a:srgbClr val="4472C4"/>
-      </a:accent1>
-      <a:accent2>
-        <a:srgbClr val="ED7D31"/>
-      </a:accent2>
-      <a:accent3>
-        <a:srgbClr val="A5A5A5"/>
-      </a:accent3>
-      <a:accent4>
-        <a:srgbClr val="FFC000"/>
-      </a:accent4>
-      <a:accent5>
-        <a:srgbClr val="5B9BD5"/>
-      </a:accent5>
-      <a:accent6>
-        <a:srgbClr val="70AD47"/>
-      </a:accent6>
-      <a:hlink>
-        <a:srgbClr val="0563C1"/>
-      </a:hlink>
-      <a:folHlink>
-        <a:srgbClr val="954F72"/>
-      </a:folHlink>
-    </a:clrScheme>
-    <a:fontScheme name="Office">
-      <a:majorFont>
-        <a:latin typeface="Calibri Light" panose="020F0302020204030204"/>
-        <a:ea typeface=""/>
-        <a:cs typeface=""/>
-        <a:font script="Jpan" typeface="游ゴシック Light"/>
-        <a:font script="Hang" typeface="맑은 고딕"/>
-        <a:font script="Hans" typeface="等线 Light"/>
-        <a:font script="Hant" typeface="新細明體"/>
-        <a:font script="Arab" typeface="Times New Roman"/>
-        <a:font script="Hebr" typeface="Times New Roman"/>
-        <a:font script="Thai" typeface="Angsana New"/>
-        <a:font script="Ethi" typeface="Nyala"/>
-        <a:font script="Beng" typeface="Vrinda"/>
-        <a:font script="Gujr" typeface="Shruti"/>
-        <a:font script="Khmr" typeface="MoolBoran"/>
-        <a:font script="Knda" typeface="Tunga"/>
-        <a:font script="Guru" typeface="Raavi"/>
-        <a:font script="Cans" typeface="Euphemia"/>
-        <a:font script="Cher" typeface="Plantagenet Cherokee"/>
-        <a:font script="Yiii" typeface="Microsoft Yi Baiti"/>
-        <a:font script="Tibt" typeface="Microsoft Himalaya"/>
-        <a:font script="Thaa" typeface="MV Boli"/>
-        <a:font script="Deva" typeface="Mangal"/>
-        <a:font script="Telu" typeface="Gautami"/>
-        <a:font script="Taml" typeface="Latha"/>
-        <a:font script="Syrc" typeface="Estrangelo Edessa"/>
-        <a:font script="Orya" typeface="Kalinga"/>
-        <a:font script="Mlym" typeface="Kartika"/>
-        <a:font script="Laoo" typeface="DokChampa"/>
-        <a:font script="Sinh" typeface="Iskoola Pota"/>
-        <a:font script="Mong" typeface="Mongolian Baiti"/>
-        <a:font script="Viet" typeface="Times New Roman"/>
-        <a:font script="Uigh" typeface="Microsoft Uighur"/>
-        <a:font script="Geor" typeface="Sylfaen"/>
-        <a:font script="Armn" typeface="Arial"/>
-        <a:font script="Bugi" typeface="Leelawadee UI"/>
-        <a:font script="Bopo" typeface="Microsoft JhengHei"/>
-        <a:font script="Java" typeface="Javanese Text"/>
-        <a:font script="Lisu" typeface="Segoe UI"/>
-        <a:font script="Mymr" typeface="Myanmar Text"/>
-        <a:font script="Nkoo" typeface="Ebrima"/>
-        <a:font script="Olck" typeface="Nirmala UI"/>
-        <a:font script="Osma" typeface="Ebrima"/>
-        <a:font script="Phag" typeface="Phagspa"/>
-        <a:font script="Syrn" typeface="Estrangelo Edessa"/>
-        <a:font script="Syrj" typeface="Estrangelo Edessa"/>
-        <a:font script="Syre" typeface="Estrangelo Edessa"/>
-        <a:font script="Sora" typeface="Nirmala UI"/>
-        <a:font script="Tale" typeface="Microsoft Tai Le"/>
-        <a:font script="Talu" typeface="Microsoft New Tai Lue"/>
-        <a:font script="Tfng" typeface="Ebrima"/>
-      </a:majorFont>
-      <a:minorFont>
-        <a:latin typeface="Calibri" panose="020F0502020204030204"/>
-        <a:ea typeface=""/>
-        <a:cs typeface=""/>
-        <a:font script="Jpan" typeface="游ゴシック"/>
-        <a:font script="Hang" typeface="맑은 고딕"/>
-        <a:font script="Hans" typeface="等线"/>
-        <a:font script="Hant" typeface="新細明體"/>
-        <a:font script="Arab" typeface="Arial"/>
-        <a:font script="Hebr" typeface="Arial"/>
-        <a:font script="Thai" typeface="Cordia New"/>
-        <a:font script="Ethi" typeface="Nyala"/>
-        <a:font script="Beng" typeface="Vrinda"/>
-        <a:font script="Gujr" typeface="Shruti"/>
-        <a:font script="Khmr" typeface="DaunPenh"/>
-        <a:font script="Knda" typeface="Tunga"/>
-        <a:font script="Guru" typeface="Raavi"/>
-        <a:font script="Cans" typeface="Euphemia"/>
-        <a:font script="Cher" typeface="Plantagenet Cherokee"/>
-        <a:font script="Yiii" typeface="Microsoft Yi Baiti"/>
-        <a:font script="Tibt" typeface="Microsoft Himalaya"/>
-        <a:font script="Thaa" typeface="MV Boli"/>
-        <a:font script="Deva" typeface="Mangal"/>
-        <a:font script="Telu" typeface="Gautami"/>
-        <a:font script="Taml" typeface="Latha"/>
-        <a:font script="Syrc" typeface="Estrangelo Edessa"/>
-        <a:font script="Orya" typeface="Kalinga"/>
-        <a:font script="Mlym" typeface="Kartika"/>
-        <a:font script="Laoo" typeface="DokChampa"/>
-        <a:font script="Sinh" typeface="Iskoola Pota"/>
-        <a:font script="Mong" typeface="Mongolian Baiti"/>
-        <a:font script="Viet" typeface="Arial"/>
-        <a:font script="Uigh" typeface="Microsoft Uighur"/>
-        <a:font script="Geor" typeface="Sylfaen"/>
-        <a:font script="Armn" typeface="Arial"/>
-        <a:font script="Bugi" typeface="Leelawadee UI"/>
-        <a:font script="Bopo" typeface="Microsoft JhengHei"/>
-        <a:font script="Java" typeface="Javanese Text"/>
-        <a:font script="Lisu" typeface="Segoe UI"/>
-        <a:font script="Mymr" typeface="Myanmar Text"/>
-        <a:font script="Nkoo" typeface="Ebrima"/>
-        <a:font script="Olck" typeface="Nirmala UI"/>
-        <a:font script="Osma" typeface="Ebrima"/>
-        <a:font script="Phag" typeface="Phagspa"/>
-        <a:font script="Syrn" typeface="Estrangelo Edessa"/>
-        <a:font script="Syrj" typeface="Estrangelo Edessa"/>
-        <a:font script="Syre" typeface="Estrangelo Edessa"/>
-        <a:font script="Sora" typeface="Nirmala UI"/>
-        <a:font script="Tale" typeface="Microsoft Tai Le"/>
-        <a:font script="Talu" typeface="Microsoft New Tai Lue"/>
-        <a:font script="Tfng" typeface="Ebrima"/>
-      </a:minorFont>
-    </a:fontScheme>
-    <a:fmtScheme name="Office">
-      <a:fillStyleLst>
-        <a:solidFill>
-          <a:schemeClr val="phClr"/>
-        </a:solidFill>
-        <a:gradFill rotWithShape="1">
-          <a:gsLst>
-            <a:gs pos="0">
-              <a:schemeClr val="phClr">
-                <a:lumMod val="110000"/>
-                <a:satMod val="105000"/>
-                <a:tint val="67000"/>
-              </a:schemeClr>
-            </a:gs>
-            <a:gs pos="50000">
-              <a:schemeClr val="phClr">
-                <a:lumMod val="105000"/>
-                <a:satMod val="103000"/>
-                <a:tint val="73000"/>
-              </a:schemeClr>
-            </a:gs>
-            <a:gs pos="100000">
-              <a:schemeClr val="phClr">
-                <a:lumMod val="105000"/>
-                <a:satMod val="109000"/>
-                <a:tint val="81000"/>
-              </a:schemeClr>
-            </a:gs>
-          </a:gsLst>
-          <a:lin ang="5400000" scaled="0"/>
-        </a:gradFill>
-        <a:gradFill rotWithShape="1">
-          <a:gsLst>
-            <a:gs pos="0">
-              <a:schemeClr val="phClr">
-                <a:satMod val="103000"/>
-                <a:lumMod val="102000"/>
-                <a:tint val="94000"/>
-              </a:schemeClr>
-            </a:gs>
-            <a:gs pos="50000">
-              <a:schemeClr val="phClr">
-                <a:satMod val="110000"/>
-                <a:lumMod val="100000"/>
-                <a:shade val="100000"/>
-              </a:schemeClr>
-            </a:gs>
-            <a:gs pos="100000">
-              <a:schemeClr val="phClr">
-                <a:lumMod val="99000"/>
-                <a:satMod val="120000"/>
-                <a:shade val="78000"/>
-              </a:schemeClr>
-            </a:gs>
-          </a:gsLst>
-          <a:lin ang="5400000" scaled="0"/>
-        </a:gradFill>
-      </a:fillStyleLst>
-      <a:lnStyleLst>
-        <a:ln w="6350" cap="flat" cmpd="sng" algn="ctr">
-          <a:solidFill>
-            <a:schemeClr val="phClr"/>
-          </a:solidFill>
-          <a:prstDash val="solid"/>
-          <a:miter lim="800000"/>
-        </a:ln>
-        <a:ln w="12700" cap="flat" cmpd="sng" algn="ctr">
-          <a:solidFill>
-            <a:schemeClr val="phClr"/>
-          </a:solidFill>
-          <a:prstDash val="solid"/>
-          <a:miter lim="800000"/>
-        </a:ln>
-        <a:ln w="19050" cap="flat" cmpd="sng" algn="ctr">
-          <a:solidFill>
-            <a:schemeClr val="phClr"/>
-          </a:solidFill>
-          <a:prstDash val="solid"/>
-          <a:miter lim="800000"/>
-        </a:ln>
-      </a:lnStyleLst>
-      <a:effectStyleLst>
-        <a:effectStyle>
-          <a:effectLst/>
-        </a:effectStyle>
-        <a:effectStyle>
-          <a:effectLst/>
-        </a:effectStyle>
-        <a:effectStyle>
-          <a:effectLst>
-            <a:outerShdw blurRad="57150" dist="19050" dir="5400000" algn="ctr" rotWithShape="0">
-              <a:srgbClr val="000000">
-                <a:alpha val="63000"/>
-              </a:srgbClr>
-            </a:outerShdw>
-          </a:effectLst>
-        </a:effectStyle>
-      </a:effectStyleLst>
-      <a:bgFillStyleLst>
-        <a:solidFill>
-          <a:schemeClr val="phClr"/>
-        </a:solidFill>
-        <a:solidFill>
-          <a:schemeClr val="phClr">
-            <a:tint val="95000"/>
-            <a:satMod val="170000"/>
-          </a:schemeClr>
-        </a:solidFill>
-        <a:gradFill rotWithShape="1">
-          <a:gsLst>
-            <a:gs pos="0">
-              <a:schemeClr val="phClr">
-                <a:tint val="93000"/>
-                <a:satMod val="150000"/>
-                <a:shade val="98000"/>
-                <a:lumMod val="102000"/>
-              </a:schemeClr>
-            </a:gs>
-            <a:gs pos="50000">
-              <a:schemeClr val="phClr">
-                <a:tint val="98000"/>
-                <a:satMod val="130000"/>
-                <a:shade val="90000"/>
-                <a:lumMod val="103000"/>
-              </a:schemeClr>
-            </a:gs>
-            <a:gs pos="100000">
-              <a:schemeClr val="phClr">
-                <a:shade val="63000"/>
-                <a:satMod val="120000"/>
-              </a:schemeClr>
-            </a:gs>
-          </a:gsLst>
-          <a:lin ang="5400000" scaled="0"/>
-        </a:gradFill>
-      </a:bgFillStyleLst>
-    </a:fmtScheme>
-  </a:themeElements>
-  <a:objectDefaults/>
-  <a:extraClrSchemeLst/>
-  <a:extLst>
-    <a:ext uri="{05A4C25C-085E-4340-85A3-A5531E510DB2}">
-      <thm15:themeFamily xmlns:thm15="http://schemas.microsoft.com/office/thememl/2012/main" name="Office Theme" id="{62F939B6-93AF-4DB8-9C6B-D6C7DFDC589F}" vid="{4A3C46E8-61CC-4603-A589-7422A47A8E4A}"/>
-    </a:ext>
-  </a:extLst>
-</a:theme>
-</file>
-
-<file path=ppt/theme/theme2.xml><?xml version="1.0" encoding="utf-8"?>
 <a:theme xmlns:a="http://schemas.openxmlformats.org/drawingml/2006/main" name="2_Office Theme">
   <a:themeElements>
     <a:clrScheme name="Office Theme">
@@ -9005,7 +5448,7 @@
 </a:theme>
 </file>
 
-<file path=ppt/theme/theme3.xml><?xml version="1.0" encoding="utf-8"?>
+<file path=ppt/theme/theme2.xml><?xml version="1.0" encoding="utf-8"?>
 <a:theme xmlns:a="http://schemas.openxmlformats.org/drawingml/2006/main" name="Office Theme">
   <a:themeElements>
     <a:clrScheme name="Office">

--- a/ppt/CodeCamp18_Template.pptx
+++ b/ppt/CodeCamp18_Template.pptx
@@ -3065,7 +3065,7 @@
           <a:graphicData uri="http://schemas.openxmlformats.org/presentationml/2006/ole">
             <mc:AlternateContent xmlns:mc="http://schemas.openxmlformats.org/markup-compatibility/2006">
               <mc:Choice xmlns:v="urn:schemas-microsoft-com:vml" Requires="v">
-                <p:oleObj spid="_x0000_s10242" r:id="rId15" imgW="12380760" imgH="279360" progId="">
+                <p:oleObj spid="_x0000_s10244" r:id="rId15" imgW="12380760" imgH="279360" progId="">
                   <p:embed/>
                 </p:oleObj>
               </mc:Choice>
@@ -3594,7 +3594,7 @@
         </p:blipFill>
         <p:spPr bwMode="auto">
           <a:xfrm>
-            <a:off x="1751699" y="1702302"/>
+            <a:off x="1568819" y="1687672"/>
             <a:ext cx="1372365" cy="455287"/>
           </a:xfrm>
           <a:prstGeom prst="rect">
@@ -3641,7 +3641,7 @@
         </p:blipFill>
         <p:spPr bwMode="auto">
           <a:xfrm>
-            <a:off x="1729047" y="2280924"/>
+            <a:off x="1546167" y="2266294"/>
             <a:ext cx="1719157" cy="566001"/>
           </a:xfrm>
           <a:prstGeom prst="rect">
@@ -3688,7 +3688,7 @@
         </p:blipFill>
         <p:spPr bwMode="auto">
           <a:xfrm>
-            <a:off x="3448205" y="2316274"/>
+            <a:off x="3205964" y="2303941"/>
             <a:ext cx="1322767" cy="459141"/>
           </a:xfrm>
           <a:prstGeom prst="rect">
@@ -3735,7 +3735,7 @@
         </p:blipFill>
         <p:spPr bwMode="auto">
           <a:xfrm>
-            <a:off x="4885034" y="2346410"/>
+            <a:off x="4643076" y="2332623"/>
             <a:ext cx="1096883" cy="398867"/>
           </a:xfrm>
           <a:prstGeom prst="rect">
@@ -3782,7 +3782,7 @@
         </p:blipFill>
         <p:spPr bwMode="auto">
           <a:xfrm>
-            <a:off x="6221082" y="2324016"/>
+            <a:off x="5836914" y="2310123"/>
             <a:ext cx="940485" cy="456807"/>
           </a:xfrm>
           <a:prstGeom prst="rect">
@@ -3829,7 +3829,7 @@
         </p:blipFill>
         <p:spPr bwMode="auto">
           <a:xfrm>
-            <a:off x="1796248" y="3060860"/>
+            <a:off x="1613368" y="3046230"/>
             <a:ext cx="1079651" cy="533715"/>
           </a:xfrm>
           <a:prstGeom prst="rect">
@@ -3876,7 +3876,7 @@
         </p:blipFill>
         <p:spPr bwMode="auto">
           <a:xfrm>
-            <a:off x="3124063" y="3188008"/>
+            <a:off x="2941183" y="3173378"/>
             <a:ext cx="1341624" cy="282447"/>
           </a:xfrm>
           <a:prstGeom prst="rect">
@@ -3923,7 +3923,7 @@
         </p:blipFill>
         <p:spPr bwMode="auto">
           <a:xfrm>
-            <a:off x="4649307" y="3220123"/>
+            <a:off x="4466427" y="3205493"/>
             <a:ext cx="1258684" cy="211989"/>
           </a:xfrm>
           <a:prstGeom prst="rect">
@@ -3970,7 +3970,7 @@
         </p:blipFill>
         <p:spPr bwMode="auto">
           <a:xfrm>
-            <a:off x="1757589" y="3948210"/>
+            <a:off x="1574709" y="3933580"/>
             <a:ext cx="1230407" cy="189295"/>
           </a:xfrm>
           <a:prstGeom prst="rect">
@@ -4017,7 +4017,7 @@
         </p:blipFill>
         <p:spPr bwMode="auto">
           <a:xfrm>
-            <a:off x="3150080" y="3936914"/>
+            <a:off x="2967200" y="3922284"/>
             <a:ext cx="1080272" cy="585148"/>
           </a:xfrm>
           <a:prstGeom prst="rect">
@@ -4064,7 +4064,7 @@
         </p:blipFill>
         <p:spPr bwMode="auto">
           <a:xfrm>
-            <a:off x="4392441" y="3909963"/>
+            <a:off x="4209561" y="3895333"/>
             <a:ext cx="1254848" cy="361045"/>
           </a:xfrm>
           <a:prstGeom prst="rect">
@@ -4111,7 +4111,7 @@
         </p:blipFill>
         <p:spPr bwMode="auto">
           <a:xfrm>
-            <a:off x="5908638" y="3996351"/>
+            <a:off x="5725758" y="3981721"/>
             <a:ext cx="1764869" cy="327196"/>
           </a:xfrm>
           <a:prstGeom prst="rect">
@@ -4158,7 +4158,7 @@
         </p:blipFill>
         <p:spPr bwMode="auto">
           <a:xfrm>
-            <a:off x="1844731" y="4372414"/>
+            <a:off x="1661851" y="4357784"/>
             <a:ext cx="1079605" cy="210260"/>
           </a:xfrm>
           <a:prstGeom prst="rect">
@@ -4205,7 +4205,7 @@
         </p:blipFill>
         <p:spPr bwMode="auto">
           <a:xfrm>
-            <a:off x="1610471" y="4708460"/>
+            <a:off x="1427591" y="4693830"/>
             <a:ext cx="966344" cy="966344"/>
           </a:xfrm>
           <a:prstGeom prst="rect">
@@ -4252,7 +4252,7 @@
         </p:blipFill>
         <p:spPr bwMode="auto">
           <a:xfrm>
-            <a:off x="7030359" y="5078637"/>
+            <a:off x="6847479" y="5064007"/>
             <a:ext cx="1330460" cy="341144"/>
           </a:xfrm>
           <a:prstGeom prst="rect">
@@ -4299,7 +4299,7 @@
         </p:blipFill>
         <p:spPr bwMode="auto">
           <a:xfrm>
-            <a:off x="5428095" y="5112756"/>
+            <a:off x="5245215" y="5098126"/>
             <a:ext cx="1495349" cy="272915"/>
           </a:xfrm>
           <a:prstGeom prst="rect">
@@ -4346,7 +4346,7 @@
         </p:blipFill>
         <p:spPr bwMode="auto">
           <a:xfrm>
-            <a:off x="4297561" y="4948909"/>
+            <a:off x="4114681" y="4934279"/>
             <a:ext cx="1012061" cy="517401"/>
           </a:xfrm>
           <a:prstGeom prst="rect">
@@ -4378,7 +4378,7 @@
         </p:nvSpPr>
         <p:spPr>
           <a:xfrm>
-            <a:off x="714020" y="1796487"/>
+            <a:off x="531140" y="1781857"/>
             <a:ext cx="1003235" cy="276999"/>
           </a:xfrm>
           <a:prstGeom prst="rect">
@@ -4419,7 +4419,7 @@
         </p:nvSpPr>
         <p:spPr>
           <a:xfrm>
-            <a:off x="719188" y="2456964"/>
+            <a:off x="536308" y="2442334"/>
             <a:ext cx="1080273" cy="276999"/>
           </a:xfrm>
           <a:prstGeom prst="rect">
@@ -4460,7 +4460,7 @@
         </p:nvSpPr>
         <p:spPr>
           <a:xfrm>
-            <a:off x="671428" y="3220522"/>
+            <a:off x="488548" y="3205892"/>
             <a:ext cx="1080273" cy="276999"/>
           </a:xfrm>
           <a:prstGeom prst="rect">
@@ -4501,7 +4501,7 @@
         </p:nvSpPr>
         <p:spPr>
           <a:xfrm>
-            <a:off x="681393" y="4068482"/>
+            <a:off x="498513" y="4053852"/>
             <a:ext cx="1080273" cy="276999"/>
           </a:xfrm>
           <a:prstGeom prst="rect">
@@ -4542,7 +4542,7 @@
         </p:nvSpPr>
         <p:spPr>
           <a:xfrm>
-            <a:off x="714024" y="4976779"/>
+            <a:off x="531144" y="4962149"/>
             <a:ext cx="1080273" cy="461665"/>
           </a:xfrm>
           <a:prstGeom prst="rect">
@@ -4595,7 +4595,7 @@
         </p:nvSpPr>
         <p:spPr>
           <a:xfrm>
-            <a:off x="3265062" y="5062225"/>
+            <a:off x="3082182" y="5047595"/>
             <a:ext cx="1144980" cy="404085"/>
           </a:xfrm>
           <a:prstGeom prst="rect">
@@ -4709,7 +4709,7 @@
         </p:blipFill>
         <p:spPr>
           <a:xfrm>
-            <a:off x="6172428" y="3094324"/>
+            <a:off x="5989548" y="3079694"/>
             <a:ext cx="787851" cy="526760"/>
           </a:xfrm>
           <a:prstGeom prst="rect">
@@ -4745,12 +4745,59 @@
         </p:blipFill>
         <p:spPr>
           <a:xfrm>
-            <a:off x="4415853" y="4413359"/>
+            <a:off x="4232973" y="4398729"/>
             <a:ext cx="2131847" cy="153301"/>
           </a:xfrm>
           <a:prstGeom prst="rect">
             <a:avLst/>
           </a:prstGeom>
+        </p:spPr>
+      </p:pic>
+      <p:pic>
+        <p:nvPicPr>
+          <p:cNvPr id="11266" name="Picture 2" descr="Image result for netcetera logo">
+            <a:extLst>
+              <a:ext uri="{FF2B5EF4-FFF2-40B4-BE49-F238E27FC236}">
+                <a16:creationId xmlns:a16="http://schemas.microsoft.com/office/drawing/2014/main" id="{6AE21318-A0D3-44C6-ADF0-79FD81F7D11D}"/>
+              </a:ext>
+            </a:extLst>
+          </p:cNvPr>
+          <p:cNvPicPr>
+            <a:picLocks noChangeAspect="1" noChangeArrowheads="1"/>
+          </p:cNvPicPr>
+          <p:nvPr/>
+        </p:nvPicPr>
+        <p:blipFill>
+          <a:blip r:embed="rId21">
+            <a:extLst>
+              <a:ext uri="{28A0092B-C50C-407E-A947-70E740481C1C}">
+                <a14:useLocalDpi xmlns:a14="http://schemas.microsoft.com/office/drawing/2010/main" val="0"/>
+              </a:ext>
+            </a:extLst>
+          </a:blip>
+          <a:srcRect/>
+          <a:stretch>
+            <a:fillRect/>
+          </a:stretch>
+        </p:blipFill>
+        <p:spPr bwMode="auto">
+          <a:xfrm>
+            <a:off x="6936291" y="2518278"/>
+            <a:ext cx="1375258" cy="125110"/>
+          </a:xfrm>
+          <a:prstGeom prst="rect">
+            <a:avLst/>
+          </a:prstGeom>
+          <a:noFill/>
+          <a:extLst>
+            <a:ext uri="{909E8E84-426E-40DD-AFC4-6F175D3DCCD1}">
+              <a14:hiddenFill xmlns:a14="http://schemas.microsoft.com/office/drawing/2010/main">
+                <a:solidFill>
+                  <a:srgbClr val="FFFFFF"/>
+                </a:solidFill>
+              </a14:hiddenFill>
+            </a:ext>
+          </a:extLst>
         </p:spPr>
       </p:pic>
     </p:spTree>

--- a/ppt/CodeCamp18_Template.pptx
+++ b/ppt/CodeCamp18_Template.pptx
@@ -3065,7 +3065,7 @@
           <a:graphicData uri="http://schemas.openxmlformats.org/presentationml/2006/ole">
             <mc:AlternateContent xmlns:mc="http://schemas.openxmlformats.org/markup-compatibility/2006">
               <mc:Choice xmlns:v="urn:schemas-microsoft-com:vml" Requires="v">
-                <p:oleObj spid="_x0000_s10244" r:id="rId15" imgW="12380760" imgH="279360" progId="">
+                <p:oleObj spid="_x0000_s10245" r:id="rId15" imgW="12380760" imgH="279360" progId="">
                   <p:embed/>
                 </p:oleObj>
               </mc:Choice>
@@ -4866,6 +4866,96 @@
           </a:prstGeom>
         </p:spPr>
       </p:pic>
+      <p:sp>
+        <p:nvSpPr>
+          <p:cNvPr id="3" name="Title 1">
+            <a:extLst>
+              <a:ext uri="{FF2B5EF4-FFF2-40B4-BE49-F238E27FC236}">
+                <a16:creationId xmlns:a16="http://schemas.microsoft.com/office/drawing/2014/main" id="{838DB827-9F42-4941-BE17-635C788448B8}"/>
+              </a:ext>
+            </a:extLst>
+          </p:cNvPr>
+          <p:cNvSpPr>
+            <a:spLocks noGrp="1"/>
+          </p:cNvSpPr>
+          <p:nvPr>
+            <p:ph type="title"/>
+          </p:nvPr>
+        </p:nvSpPr>
+        <p:spPr>
+          <a:xfrm>
+            <a:off x="779790" y="1670602"/>
+            <a:ext cx="4472342" cy="1758398"/>
+          </a:xfrm>
+        </p:spPr>
+        <p:txBody>
+          <a:bodyPr>
+            <a:normAutofit/>
+          </a:bodyPr>
+          <a:lstStyle/>
+          <a:p>
+            <a:r>
+              <a:rPr lang="mk-MK" sz="3200" dirty="0"/>
+              <a:t>Ве молиме исклучете ги мобилните уреди</a:t>
+            </a:r>
+            <a:endParaRPr lang="en-US" sz="3200" dirty="0"/>
+          </a:p>
+        </p:txBody>
+      </p:sp>
+      <p:sp>
+        <p:nvSpPr>
+          <p:cNvPr id="5" name="Title 1">
+            <a:extLst>
+              <a:ext uri="{FF2B5EF4-FFF2-40B4-BE49-F238E27FC236}">
+                <a16:creationId xmlns:a16="http://schemas.microsoft.com/office/drawing/2014/main" id="{91767164-F5F2-42FA-9D9C-0DA483460FE0}"/>
+              </a:ext>
+            </a:extLst>
+          </p:cNvPr>
+          <p:cNvSpPr txBox="1">
+            <a:spLocks/>
+          </p:cNvSpPr>
+          <p:nvPr/>
+        </p:nvSpPr>
+        <p:spPr>
+          <a:xfrm>
+            <a:off x="779790" y="3181175"/>
+            <a:ext cx="4472342" cy="1758398"/>
+          </a:xfrm>
+          <a:prstGeom prst="rect">
+            <a:avLst/>
+          </a:prstGeom>
+        </p:spPr>
+        <p:txBody>
+          <a:bodyPr vert="horz" lIns="91440" tIns="45720" rIns="91440" bIns="45720" rtlCol="0" anchor="ctr">
+            <a:normAutofit/>
+          </a:bodyPr>
+          <a:lstStyle>
+            <a:lvl1pPr algn="l" defTabSz="914400" rtl="0" eaLnBrk="1" latinLnBrk="0" hangingPunct="1">
+              <a:lnSpc>
+                <a:spcPct val="90000"/>
+              </a:lnSpc>
+              <a:spcBef>
+                <a:spcPct val="0"/>
+              </a:spcBef>
+              <a:buNone/>
+              <a:defRPr sz="4400" kern="1200">
+                <a:solidFill>
+                  <a:schemeClr val="tx1"/>
+                </a:solidFill>
+                <a:latin typeface="+mj-lt"/>
+                <a:ea typeface="+mj-ea"/>
+                <a:cs typeface="+mj-cs"/>
+              </a:defRPr>
+            </a:lvl1pPr>
+          </a:lstStyle>
+          <a:p>
+            <a:r>
+              <a:rPr lang="en-US" sz="3200" dirty="0"/>
+              <a:t>Please turn off  your mobile devices</a:t>
+            </a:r>
+          </a:p>
+        </p:txBody>
+      </p:sp>
     </p:spTree>
     <p:extLst>
       <p:ext uri="{BB962C8B-B14F-4D97-AF65-F5344CB8AC3E}">
@@ -4917,7 +5007,7 @@
           <a:bodyPr/>
           <a:lstStyle/>
           <a:p>
-            <a:endParaRPr lang="en-US"/>
+            <a:endParaRPr lang="en-US" dirty="0"/>
           </a:p>
         </p:txBody>
       </p:sp>

--- a/ppt/CodeCamp18_Template.pptx
+++ b/ppt/CodeCamp18_Template.pptx
@@ -202,7 +202,7 @@
           <a:p>
             <a:fld id="{C91BFF47-E31A-4E60-ACD4-BFAF7686EC84}" type="datetimeFigureOut">
               <a:rPr lang="en-US" smtClean="0"/>
-              <a:t>14-Nov-18</a:t>
+              <a:t>15-Nov-18</a:t>
             </a:fld>
             <a:endParaRPr lang="en-US"/>
           </a:p>
@@ -600,7 +600,7 @@
           <a:p>
             <a:fld id="{3D2277E6-1886-452C-854D-DB4A9BB05FC1}" type="datetimeFigureOut">
               <a:rPr lang="en-US" smtClean="0"/>
-              <a:t>14-Nov-18</a:t>
+              <a:t>15-Nov-18</a:t>
             </a:fld>
             <a:endParaRPr lang="en-US"/>
           </a:p>
@@ -770,7 +770,7 @@
           <a:p>
             <a:fld id="{3D2277E6-1886-452C-854D-DB4A9BB05FC1}" type="datetimeFigureOut">
               <a:rPr lang="en-US" smtClean="0"/>
-              <a:t>14-Nov-18</a:t>
+              <a:t>15-Nov-18</a:t>
             </a:fld>
             <a:endParaRPr lang="en-US"/>
           </a:p>
@@ -950,7 +950,7 @@
           <a:p>
             <a:fld id="{3D2277E6-1886-452C-854D-DB4A9BB05FC1}" type="datetimeFigureOut">
               <a:rPr lang="en-US" smtClean="0"/>
-              <a:t>14-Nov-18</a:t>
+              <a:t>15-Nov-18</a:t>
             </a:fld>
             <a:endParaRPr lang="en-US"/>
           </a:p>
@@ -1120,7 +1120,7 @@
           <a:p>
             <a:fld id="{3D2277E6-1886-452C-854D-DB4A9BB05FC1}" type="datetimeFigureOut">
               <a:rPr lang="en-US" smtClean="0"/>
-              <a:t>14-Nov-18</a:t>
+              <a:t>15-Nov-18</a:t>
             </a:fld>
             <a:endParaRPr lang="en-US"/>
           </a:p>
@@ -1364,7 +1364,7 @@
           <a:p>
             <a:fld id="{3D2277E6-1886-452C-854D-DB4A9BB05FC1}" type="datetimeFigureOut">
               <a:rPr lang="en-US" smtClean="0"/>
-              <a:t>14-Nov-18</a:t>
+              <a:t>15-Nov-18</a:t>
             </a:fld>
             <a:endParaRPr lang="en-US"/>
           </a:p>
@@ -1596,7 +1596,7 @@
           <a:p>
             <a:fld id="{3D2277E6-1886-452C-854D-DB4A9BB05FC1}" type="datetimeFigureOut">
               <a:rPr lang="en-US" smtClean="0"/>
-              <a:t>14-Nov-18</a:t>
+              <a:t>15-Nov-18</a:t>
             </a:fld>
             <a:endParaRPr lang="en-US"/>
           </a:p>
@@ -1963,7 +1963,7 @@
           <a:p>
             <a:fld id="{3D2277E6-1886-452C-854D-DB4A9BB05FC1}" type="datetimeFigureOut">
               <a:rPr lang="en-US" smtClean="0"/>
-              <a:t>14-Nov-18</a:t>
+              <a:t>15-Nov-18</a:t>
             </a:fld>
             <a:endParaRPr lang="en-US"/>
           </a:p>
@@ -2081,7 +2081,7 @@
           <a:p>
             <a:fld id="{3D2277E6-1886-452C-854D-DB4A9BB05FC1}" type="datetimeFigureOut">
               <a:rPr lang="en-US" smtClean="0"/>
-              <a:t>14-Nov-18</a:t>
+              <a:t>15-Nov-18</a:t>
             </a:fld>
             <a:endParaRPr lang="en-US"/>
           </a:p>
@@ -2176,7 +2176,7 @@
           <a:p>
             <a:fld id="{3D2277E6-1886-452C-854D-DB4A9BB05FC1}" type="datetimeFigureOut">
               <a:rPr lang="en-US" smtClean="0"/>
-              <a:t>14-Nov-18</a:t>
+              <a:t>15-Nov-18</a:t>
             </a:fld>
             <a:endParaRPr lang="en-US"/>
           </a:p>
@@ -2453,7 +2453,7 @@
           <a:p>
             <a:fld id="{3D2277E6-1886-452C-854D-DB4A9BB05FC1}" type="datetimeFigureOut">
               <a:rPr lang="en-US" smtClean="0"/>
-              <a:t>14-Nov-18</a:t>
+              <a:t>15-Nov-18</a:t>
             </a:fld>
             <a:endParaRPr lang="en-US"/>
           </a:p>
@@ -2710,7 +2710,7 @@
           <a:p>
             <a:fld id="{3D2277E6-1886-452C-854D-DB4A9BB05FC1}" type="datetimeFigureOut">
               <a:rPr lang="en-US" smtClean="0"/>
-              <a:t>14-Nov-18</a:t>
+              <a:t>15-Nov-18</a:t>
             </a:fld>
             <a:endParaRPr lang="en-US"/>
           </a:p>
@@ -2923,7 +2923,7 @@
           <a:p>
             <a:fld id="{3D2277E6-1886-452C-854D-DB4A9BB05FC1}" type="datetimeFigureOut">
               <a:rPr lang="en-US" smtClean="0"/>
-              <a:t>14-Nov-18</a:t>
+              <a:t>15-Nov-18</a:t>
             </a:fld>
             <a:endParaRPr lang="en-US"/>
           </a:p>
@@ -3065,7 +3065,7 @@
           <a:graphicData uri="http://schemas.openxmlformats.org/presentationml/2006/ole">
             <mc:AlternateContent xmlns:mc="http://schemas.openxmlformats.org/markup-compatibility/2006">
               <mc:Choice xmlns:v="urn:schemas-microsoft-com:vml" Requires="v">
-                <p:oleObj spid="_x0000_s10245" r:id="rId15" imgW="12380760" imgH="279360" progId="">
+                <p:oleObj spid="_x0000_s10246" r:id="rId15" imgW="12380760" imgH="279360" progId="">
                   <p:embed/>
                 </p:oleObj>
               </mc:Choice>
@@ -4755,7 +4755,7 @@
       </p:pic>
       <p:pic>
         <p:nvPicPr>
-          <p:cNvPr id="11266" name="Picture 2" descr="Image result for netcetera logo">
+          <p:cNvPr id="11266" name="Picture 2">
             <a:extLst>
               <a:ext uri="{FF2B5EF4-FFF2-40B4-BE49-F238E27FC236}">
                 <a16:creationId xmlns:a16="http://schemas.microsoft.com/office/drawing/2014/main" id="{6AE21318-A0D3-44C6-ADF0-79FD81F7D11D}"/>
@@ -4775,15 +4775,14 @@
               </a:ext>
             </a:extLst>
           </a:blip>
-          <a:srcRect/>
           <a:stretch>
             <a:fillRect/>
           </a:stretch>
         </p:blipFill>
         <p:spPr bwMode="auto">
           <a:xfrm>
-            <a:off x="6936291" y="2518278"/>
-            <a:ext cx="1375258" cy="125110"/>
+            <a:off x="6972425" y="2426509"/>
+            <a:ext cx="1541177" cy="292824"/>
           </a:xfrm>
           <a:prstGeom prst="rect">
             <a:avLst/>
